--- a/第一組(20191225).pptx
+++ b/第一組(20191225).pptx
@@ -3516,7 +3516,7 @@
           <a:p>
             <a:fld id="{52DC7E0A-FE25-4298-B2A5-F81E4409DC3D}" type="datetimeFigureOut">
               <a:rPr lang="zh-CN" altLang="en-US" smtClean="0"/>
-              <a:t>2019/12/20</a:t>
+              <a:t>2019/12/22</a:t>
             </a:fld>
             <a:endParaRPr lang="zh-CN" altLang="en-US"/>
           </a:p>
@@ -3681,7 +3681,7 @@
           <a:p>
             <a:fld id="{10DB2BC2-E36F-4014-826D-67C3AA5D550C}" type="datetimeFigureOut">
               <a:rPr lang="zh-CN" altLang="en-US" smtClean="0"/>
-              <a:t>2019/12/20</a:t>
+              <a:t>2019/12/22</a:t>
             </a:fld>
             <a:endParaRPr lang="zh-CN" altLang="en-US"/>
           </a:p>
@@ -4197,6 +4197,11 @@
         </p:txBody>
       </p:sp>
     </p:spTree>
+    <p:extLst>
+      <p:ext uri="{BB962C8B-B14F-4D97-AF65-F5344CB8AC3E}">
+        <p14:creationId xmlns:p14="http://schemas.microsoft.com/office/powerpoint/2010/main" val="2803889455"/>
+      </p:ext>
+    </p:extLst>
   </p:cSld>
   <p:clrMapOvr>
     <a:masterClrMapping/>
@@ -4276,6 +4281,11 @@
         </p:txBody>
       </p:sp>
     </p:spTree>
+    <p:extLst>
+      <p:ext uri="{BB962C8B-B14F-4D97-AF65-F5344CB8AC3E}">
+        <p14:creationId xmlns:p14="http://schemas.microsoft.com/office/powerpoint/2010/main" val="619328719"/>
+      </p:ext>
+    </p:extLst>
   </p:cSld>
   <p:clrMapOvr>
     <a:masterClrMapping/>
@@ -4355,6 +4365,11 @@
         </p:txBody>
       </p:sp>
     </p:spTree>
+    <p:extLst>
+      <p:ext uri="{BB962C8B-B14F-4D97-AF65-F5344CB8AC3E}">
+        <p14:creationId xmlns:p14="http://schemas.microsoft.com/office/powerpoint/2010/main" val="1977266198"/>
+      </p:ext>
+    </p:extLst>
   </p:cSld>
   <p:clrMapOvr>
     <a:masterClrMapping/>
@@ -4743,7 +4758,7 @@
           <a:p>
             <a:fld id="{F10F7005-9383-42C0-A374-E507AD6B23EE}" type="datetimeFigureOut">
               <a:rPr lang="zh-CN" altLang="en-US" smtClean="0"/>
-              <a:t>2019/12/20</a:t>
+              <a:t>2019/12/22</a:t>
             </a:fld>
             <a:endParaRPr lang="zh-CN" altLang="en-US"/>
           </a:p>
@@ -4909,7 +4924,7 @@
           <a:p>
             <a:fld id="{F10F7005-9383-42C0-A374-E507AD6B23EE}" type="datetimeFigureOut">
               <a:rPr lang="zh-CN" altLang="en-US" smtClean="0"/>
-              <a:t>2019/12/20</a:t>
+              <a:t>2019/12/22</a:t>
             </a:fld>
             <a:endParaRPr lang="zh-CN" altLang="en-US"/>
           </a:p>
@@ -5085,7 +5100,7 @@
           <a:p>
             <a:fld id="{F10F7005-9383-42C0-A374-E507AD6B23EE}" type="datetimeFigureOut">
               <a:rPr lang="zh-CN" altLang="en-US" smtClean="0"/>
-              <a:t>2019/12/20</a:t>
+              <a:t>2019/12/22</a:t>
             </a:fld>
             <a:endParaRPr lang="zh-CN" altLang="en-US"/>
           </a:p>
@@ -5960,7 +5975,7 @@
           <a:p>
             <a:fld id="{F10F7005-9383-42C0-A374-E507AD6B23EE}" type="datetimeFigureOut">
               <a:rPr lang="zh-CN" altLang="en-US" smtClean="0"/>
-              <a:t>2019/12/20</a:t>
+              <a:t>2019/12/22</a:t>
             </a:fld>
             <a:endParaRPr lang="zh-CN" altLang="en-US"/>
           </a:p>
@@ -6203,7 +6218,7 @@
           <a:p>
             <a:fld id="{F10F7005-9383-42C0-A374-E507AD6B23EE}" type="datetimeFigureOut">
               <a:rPr lang="zh-CN" altLang="en-US" smtClean="0"/>
-              <a:t>2019/12/20</a:t>
+              <a:t>2019/12/22</a:t>
             </a:fld>
             <a:endParaRPr lang="zh-CN" altLang="en-US"/>
           </a:p>
@@ -6430,7 +6445,7 @@
           <a:p>
             <a:fld id="{F10F7005-9383-42C0-A374-E507AD6B23EE}" type="datetimeFigureOut">
               <a:rPr lang="zh-CN" altLang="en-US" smtClean="0"/>
-              <a:t>2019/12/20</a:t>
+              <a:t>2019/12/22</a:t>
             </a:fld>
             <a:endParaRPr lang="zh-CN" altLang="en-US"/>
           </a:p>
@@ -7361,7 +7376,7 @@
           <a:p>
             <a:fld id="{F10F7005-9383-42C0-A374-E507AD6B23EE}" type="datetimeFigureOut">
               <a:rPr lang="zh-CN" altLang="en-US" smtClean="0"/>
-              <a:t>2019/12/20</a:t>
+              <a:t>2019/12/22</a:t>
             </a:fld>
             <a:endParaRPr lang="zh-CN" altLang="en-US"/>
           </a:p>
@@ -7476,7 +7491,7 @@
           <a:p>
             <a:fld id="{F10F7005-9383-42C0-A374-E507AD6B23EE}" type="datetimeFigureOut">
               <a:rPr lang="zh-CN" altLang="en-US" smtClean="0"/>
-              <a:t>2019/12/20</a:t>
+              <a:t>2019/12/22</a:t>
             </a:fld>
             <a:endParaRPr lang="zh-CN" altLang="en-US"/>
           </a:p>
@@ -7569,7 +7584,7 @@
           <a:p>
             <a:fld id="{F10F7005-9383-42C0-A374-E507AD6B23EE}" type="datetimeFigureOut">
               <a:rPr lang="zh-CN" altLang="en-US" smtClean="0"/>
-              <a:t>2019/12/20</a:t>
+              <a:t>2019/12/22</a:t>
             </a:fld>
             <a:endParaRPr lang="zh-CN" altLang="en-US"/>
           </a:p>
@@ -7842,7 +7857,7 @@
           <a:p>
             <a:fld id="{F10F7005-9383-42C0-A374-E507AD6B23EE}" type="datetimeFigureOut">
               <a:rPr lang="zh-CN" altLang="en-US" smtClean="0"/>
-              <a:t>2019/12/20</a:t>
+              <a:t>2019/12/22</a:t>
             </a:fld>
             <a:endParaRPr lang="zh-CN" altLang="en-US"/>
           </a:p>
@@ -8092,7 +8107,7 @@
           <a:p>
             <a:fld id="{F10F7005-9383-42C0-A374-E507AD6B23EE}" type="datetimeFigureOut">
               <a:rPr lang="zh-CN" altLang="en-US" smtClean="0"/>
-              <a:t>2019/12/20</a:t>
+              <a:t>2019/12/22</a:t>
             </a:fld>
             <a:endParaRPr lang="zh-CN" altLang="en-US"/>
           </a:p>
@@ -8331,7 +8346,7 @@
           <a:p>
             <a:fld id="{F10F7005-9383-42C0-A374-E507AD6B23EE}" type="datetimeFigureOut">
               <a:rPr lang="zh-CN" altLang="en-US" smtClean="0"/>
-              <a:t>2019/12/20</a:t>
+              <a:t>2019/12/22</a:t>
             </a:fld>
             <a:endParaRPr lang="zh-CN" altLang="en-US"/>
           </a:p>
@@ -10865,11 +10880,11 @@
   <p:clrMapOvr>
     <a:masterClrMapping/>
   </p:clrMapOvr>
-  <mc:AlternateContent xmlns:mc="http://schemas.openxmlformats.org/markup-compatibility/2006">
-    <mc:Choice xmlns:p14="http://schemas.microsoft.com/office/powerpoint/2010/main" Requires="p14">
+  <mc:AlternateContent xmlns:mc="http://schemas.openxmlformats.org/markup-compatibility/2006" xmlns:p14="http://schemas.microsoft.com/office/powerpoint/2010/main">
+    <mc:Choice Requires="p14">
       <p:transition p14:dur="10"/>
     </mc:Choice>
-    <mc:Fallback>
+    <mc:Fallback xmlns="">
       <p:transition/>
     </mc:Fallback>
   </mc:AlternateContent>
@@ -17533,11 +17548,11 @@
   <p:clrMapOvr>
     <a:masterClrMapping/>
   </p:clrMapOvr>
-  <mc:AlternateContent xmlns:mc="http://schemas.openxmlformats.org/markup-compatibility/2006">
-    <mc:Choice xmlns:p14="http://schemas.microsoft.com/office/powerpoint/2010/main" Requires="p14">
+  <mc:AlternateContent xmlns:mc="http://schemas.openxmlformats.org/markup-compatibility/2006" xmlns:p14="http://schemas.microsoft.com/office/powerpoint/2010/main">
+    <mc:Choice Requires="p14">
       <p:transition p14:dur="0"/>
     </mc:Choice>
-    <mc:Fallback>
+    <mc:Fallback xmlns="">
       <p:transition/>
     </mc:Fallback>
   </mc:AlternateContent>
@@ -17732,2475 +17747,6 @@
           <a:chExt cx="0" cy="0"/>
         </a:xfrm>
       </p:grpSpPr>
-      <p:grpSp>
-        <p:nvGrpSpPr>
-          <p:cNvPr id="11" name="群組 10">
-            <a:extLst>
-              <a:ext uri="{FF2B5EF4-FFF2-40B4-BE49-F238E27FC236}">
-                <a16:creationId xmlns:a16="http://schemas.microsoft.com/office/drawing/2014/main" id="{6BD53D29-22BC-47DF-9D7B-34654389B21D}"/>
-              </a:ext>
-            </a:extLst>
-          </p:cNvPr>
-          <p:cNvGrpSpPr/>
-          <p:nvPr/>
-        </p:nvGrpSpPr>
-        <p:grpSpPr>
-          <a:xfrm>
-            <a:off x="786214" y="892300"/>
-            <a:ext cx="3546575" cy="1356054"/>
-            <a:chOff x="370105" y="892300"/>
-            <a:chExt cx="3546575" cy="1356054"/>
-          </a:xfrm>
-        </p:grpSpPr>
-        <p:grpSp>
-          <p:nvGrpSpPr>
-            <p:cNvPr id="5" name="群組 4">
-              <a:extLst>
-                <a:ext uri="{FF2B5EF4-FFF2-40B4-BE49-F238E27FC236}">
-                  <a16:creationId xmlns:a16="http://schemas.microsoft.com/office/drawing/2014/main" id="{0BA30CC3-16F8-4A80-893A-41762EBC310E}"/>
-                </a:ext>
-              </a:extLst>
-            </p:cNvPr>
-            <p:cNvGrpSpPr/>
-            <p:nvPr/>
-          </p:nvGrpSpPr>
-          <p:grpSpPr>
-            <a:xfrm>
-              <a:off x="370105" y="892300"/>
-              <a:ext cx="3493235" cy="1310881"/>
-              <a:chOff x="370105" y="892300"/>
-              <a:chExt cx="3493235" cy="1310881"/>
-            </a:xfrm>
-          </p:grpSpPr>
-          <p:sp>
-            <p:nvSpPr>
-              <p:cNvPr id="4" name="矩形 3">
-                <a:extLst>
-                  <a:ext uri="{FF2B5EF4-FFF2-40B4-BE49-F238E27FC236}">
-                    <a16:creationId xmlns:a16="http://schemas.microsoft.com/office/drawing/2014/main" id="{7E913A06-3E7A-4AC6-B0F3-13B2AE98A0B6}"/>
-                  </a:ext>
-                </a:extLst>
-              </p:cNvPr>
-              <p:cNvSpPr/>
-              <p:nvPr/>
-            </p:nvSpPr>
-            <p:spPr>
-              <a:xfrm>
-                <a:off x="426720" y="960120"/>
-                <a:ext cx="3436620" cy="1243061"/>
-              </a:xfrm>
-              <a:prstGeom prst="rect">
-                <a:avLst/>
-              </a:prstGeom>
-              <a:noFill/>
-              <a:ln w="19050"/>
-            </p:spPr>
-            <p:style>
-              <a:lnRef idx="2">
-                <a:schemeClr val="accent1">
-                  <a:shade val="50000"/>
-                </a:schemeClr>
-              </a:lnRef>
-              <a:fillRef idx="1">
-                <a:schemeClr val="accent1"/>
-              </a:fillRef>
-              <a:effectRef idx="0">
-                <a:schemeClr val="accent1"/>
-              </a:effectRef>
-              <a:fontRef idx="minor">
-                <a:schemeClr val="lt1"/>
-              </a:fontRef>
-            </p:style>
-            <p:txBody>
-              <a:bodyPr rtlCol="0" anchor="ctr"/>
-              <a:lstStyle/>
-              <a:p>
-                <a:pPr algn="ctr"/>
-                <a:endParaRPr lang="zh-TW" altLang="en-US"/>
-              </a:p>
-            </p:txBody>
-          </p:sp>
-          <p:sp>
-            <p:nvSpPr>
-              <p:cNvPr id="75" name="矩形 74"/>
-              <p:cNvSpPr/>
-              <p:nvPr/>
-            </p:nvSpPr>
-            <p:spPr>
-              <a:xfrm>
-                <a:off x="1402619" y="1051014"/>
-                <a:ext cx="2399761" cy="1077218"/>
-              </a:xfrm>
-              <a:prstGeom prst="rect">
-                <a:avLst/>
-              </a:prstGeom>
-            </p:spPr>
-            <p:txBody>
-              <a:bodyPr wrap="square">
-                <a:spAutoFit/>
-              </a:bodyPr>
-              <a:lstStyle/>
-              <a:p>
-                <a:pPr marL="285750" indent="-285750">
-                  <a:buFont typeface="Wingdings" panose="05000000000000000000" pitchFamily="2" charset="2"/>
-                  <a:buChar char="ü"/>
-                </a:pPr>
-                <a:r>
-                  <a:rPr lang="zh-TW" altLang="en-US" sz="1600" dirty="0">
-                    <a:solidFill>
-                      <a:schemeClr val="tx1">
-                        <a:lumMod val="65000"/>
-                        <a:lumOff val="35000"/>
-                      </a:schemeClr>
-                    </a:solidFill>
-                    <a:cs typeface="+mn-ea"/>
-                    <a:sym typeface="+mn-lt"/>
-                  </a:rPr>
-                  <a:t>人資管理</a:t>
-                </a:r>
-                <a:endParaRPr lang="en-US" altLang="zh-TW" sz="1600" dirty="0">
-                  <a:solidFill>
-                    <a:schemeClr val="tx1">
-                      <a:lumMod val="65000"/>
-                      <a:lumOff val="35000"/>
-                    </a:schemeClr>
-                  </a:solidFill>
-                  <a:cs typeface="+mn-ea"/>
-                  <a:sym typeface="+mn-lt"/>
-                </a:endParaRPr>
-              </a:p>
-              <a:p>
-                <a:pPr marL="285750" indent="-285750">
-                  <a:buFont typeface="Wingdings" panose="05000000000000000000" pitchFamily="2" charset="2"/>
-                  <a:buChar char="ü"/>
-                </a:pPr>
-                <a:r>
-                  <a:rPr lang="zh-TW" altLang="en-US" sz="1600" dirty="0">
-                    <a:solidFill>
-                      <a:schemeClr val="tx1">
-                        <a:lumMod val="65000"/>
-                        <a:lumOff val="35000"/>
-                      </a:schemeClr>
-                    </a:solidFill>
-                    <a:cs typeface="+mn-ea"/>
-                    <a:sym typeface="+mn-lt"/>
-                  </a:rPr>
-                  <a:t>請假系統</a:t>
-                </a:r>
-                <a:endParaRPr lang="en-US" altLang="zh-TW" sz="1600" dirty="0">
-                  <a:solidFill>
-                    <a:schemeClr val="tx1">
-                      <a:lumMod val="65000"/>
-                      <a:lumOff val="35000"/>
-                    </a:schemeClr>
-                  </a:solidFill>
-                  <a:cs typeface="+mn-ea"/>
-                  <a:sym typeface="+mn-lt"/>
-                </a:endParaRPr>
-              </a:p>
-              <a:p>
-                <a:pPr marL="285750" indent="-285750">
-                  <a:buFont typeface="Wingdings" panose="05000000000000000000" pitchFamily="2" charset="2"/>
-                  <a:buChar char="ü"/>
-                </a:pPr>
-                <a:r>
-                  <a:rPr lang="zh-TW" altLang="en-US" sz="1600" dirty="0">
-                    <a:solidFill>
-                      <a:schemeClr val="tx1">
-                        <a:lumMod val="65000"/>
-                        <a:lumOff val="35000"/>
-                      </a:schemeClr>
-                    </a:solidFill>
-                    <a:cs typeface="+mn-ea"/>
-                    <a:sym typeface="+mn-lt"/>
-                  </a:rPr>
-                  <a:t>請假簽核</a:t>
-                </a:r>
-                <a:endParaRPr lang="en-US" altLang="zh-TW" sz="1600" dirty="0">
-                  <a:solidFill>
-                    <a:schemeClr val="tx1">
-                      <a:lumMod val="65000"/>
-                      <a:lumOff val="35000"/>
-                    </a:schemeClr>
-                  </a:solidFill>
-                  <a:cs typeface="+mn-ea"/>
-                  <a:sym typeface="+mn-lt"/>
-                </a:endParaRPr>
-              </a:p>
-              <a:p>
-                <a:pPr marL="285750" indent="-285750">
-                  <a:buFont typeface="Wingdings" panose="05000000000000000000" pitchFamily="2" charset="2"/>
-                  <a:buChar char="ü"/>
-                </a:pPr>
-                <a:r>
-                  <a:rPr lang="en-US" altLang="zh-TW" sz="1600" dirty="0">
-                    <a:solidFill>
-                      <a:schemeClr val="tx1">
-                        <a:lumMod val="65000"/>
-                        <a:lumOff val="35000"/>
-                      </a:schemeClr>
-                    </a:solidFill>
-                    <a:cs typeface="+mn-ea"/>
-                    <a:sym typeface="+mn-lt"/>
-                  </a:rPr>
-                  <a:t>DB</a:t>
-                </a:r>
-                <a:r>
-                  <a:rPr lang="zh-TW" altLang="en-US" sz="1600" dirty="0">
-                    <a:solidFill>
-                      <a:schemeClr val="tx1">
-                        <a:lumMod val="65000"/>
-                        <a:lumOff val="35000"/>
-                      </a:schemeClr>
-                    </a:solidFill>
-                    <a:cs typeface="+mn-ea"/>
-                    <a:sym typeface="+mn-lt"/>
-                  </a:rPr>
-                  <a:t>架設</a:t>
-                </a:r>
-              </a:p>
-            </p:txBody>
-          </p:sp>
-          <p:grpSp>
-            <p:nvGrpSpPr>
-              <p:cNvPr id="2" name="群組 1">
-                <a:extLst>
-                  <a:ext uri="{FF2B5EF4-FFF2-40B4-BE49-F238E27FC236}">
-                    <a16:creationId xmlns:a16="http://schemas.microsoft.com/office/drawing/2014/main" id="{FBCBD51A-98BF-473A-B1FD-C1B7EBA44748}"/>
-                  </a:ext>
-                </a:extLst>
-              </p:cNvPr>
-              <p:cNvGrpSpPr>
-                <a:grpSpLocks noChangeAspect="1"/>
-              </p:cNvGrpSpPr>
-              <p:nvPr/>
-            </p:nvGrpSpPr>
-            <p:grpSpPr>
-              <a:xfrm>
-                <a:off x="370105" y="892300"/>
-                <a:ext cx="1032515" cy="1243061"/>
-                <a:chOff x="1047747" y="1242768"/>
-                <a:chExt cx="1787898" cy="2152478"/>
-              </a:xfrm>
-            </p:grpSpPr>
-            <p:sp>
-              <p:nvSpPr>
-                <p:cNvPr id="66" name="MH_Picture_1"/>
-                <p:cNvSpPr/>
-                <p:nvPr>
-                  <p:custDataLst>
-                    <p:tags r:id="rId6"/>
-                  </p:custDataLst>
-                </p:nvPr>
-              </p:nvSpPr>
-              <p:spPr>
-                <a:xfrm>
-                  <a:off x="1047747" y="1242768"/>
-                  <a:ext cx="1787898" cy="2152478"/>
-                </a:xfrm>
-                <a:prstGeom prst="rect">
-                  <a:avLst/>
-                </a:prstGeom>
-                <a:blipFill dpi="0" rotWithShape="1">
-                  <a:blip r:embed="rId9" cstate="screen">
-                    <a:extLst>
-                      <a:ext uri="{28A0092B-C50C-407E-A947-70E740481C1C}">
-                        <a14:useLocalDpi xmlns:a14="http://schemas.microsoft.com/office/drawing/2010/main"/>
-                      </a:ext>
-                    </a:extLst>
-                  </a:blip>
-                  <a:srcRect/>
-                  <a:stretch>
-                    <a:fillRect/>
-                  </a:stretch>
-                </a:blipFill>
-                <a:ln w="57150">
-                  <a:noFill/>
-                </a:ln>
-              </p:spPr>
-              <p:style>
-                <a:lnRef idx="2">
-                  <a:schemeClr val="accent1">
-                    <a:shade val="50000"/>
-                  </a:schemeClr>
-                </a:lnRef>
-                <a:fillRef idx="1">
-                  <a:schemeClr val="accent1"/>
-                </a:fillRef>
-                <a:effectRef idx="0">
-                  <a:schemeClr val="accent1"/>
-                </a:effectRef>
-                <a:fontRef idx="minor">
-                  <a:schemeClr val="lt1"/>
-                </a:fontRef>
-              </p:style>
-              <p:txBody>
-                <a:bodyPr anchor="ctr"/>
-                <a:lstStyle/>
-                <a:p>
-                  <a:pPr algn="ctr">
-                    <a:defRPr/>
-                  </a:pPr>
-                  <a:endParaRPr lang="zh-CN" altLang="en-US" sz="1013">
-                    <a:solidFill>
-                      <a:prstClr val="white"/>
-                    </a:solidFill>
-                    <a:cs typeface="+mn-ea"/>
-                    <a:sym typeface="+mn-lt"/>
-                  </a:endParaRPr>
-                </a:p>
-              </p:txBody>
-            </p:sp>
-            <p:sp>
-              <p:nvSpPr>
-                <p:cNvPr id="8" name="矩形 7"/>
-                <p:cNvSpPr/>
-                <p:nvPr/>
-              </p:nvSpPr>
-              <p:spPr>
-                <a:xfrm>
-                  <a:off x="1047747" y="2887934"/>
-                  <a:ext cx="1787895" cy="506291"/>
-                </a:xfrm>
-                <a:prstGeom prst="rect">
-                  <a:avLst/>
-                </a:prstGeom>
-                <a:ln>
-                  <a:noFill/>
-                </a:ln>
-              </p:spPr>
-              <p:style>
-                <a:lnRef idx="2">
-                  <a:schemeClr val="accent1">
-                    <a:shade val="50000"/>
-                  </a:schemeClr>
-                </a:lnRef>
-                <a:fillRef idx="1">
-                  <a:schemeClr val="accent1"/>
-                </a:fillRef>
-                <a:effectRef idx="0">
-                  <a:schemeClr val="accent1"/>
-                </a:effectRef>
-                <a:fontRef idx="minor">
-                  <a:schemeClr val="lt1"/>
-                </a:fontRef>
-              </p:style>
-              <p:txBody>
-                <a:bodyPr rtlCol="0" anchor="ctr"/>
-                <a:lstStyle/>
-                <a:p>
-                  <a:pPr algn="ctr"/>
-                  <a:r>
-                    <a:rPr lang="zh-TW" altLang="en-US" sz="1600" dirty="0">
-                      <a:cs typeface="+mn-ea"/>
-                      <a:sym typeface="+mn-lt"/>
-                    </a:rPr>
-                    <a:t>張佑晨</a:t>
-                  </a:r>
-                  <a:endParaRPr lang="zh-CN" altLang="en-US" sz="1600" dirty="0">
-                    <a:cs typeface="+mn-ea"/>
-                    <a:sym typeface="+mn-lt"/>
-                  </a:endParaRPr>
-                </a:p>
-              </p:txBody>
-            </p:sp>
-          </p:grpSp>
-        </p:grpSp>
-        <p:sp>
-          <p:nvSpPr>
-            <p:cNvPr id="9" name="矩形: 圓角 8">
-              <a:extLst>
-                <a:ext uri="{FF2B5EF4-FFF2-40B4-BE49-F238E27FC236}">
-                  <a16:creationId xmlns:a16="http://schemas.microsoft.com/office/drawing/2014/main" id="{EE3F48EB-8A7F-43F4-BCCE-18EEEEBC3AA8}"/>
-                </a:ext>
-              </a:extLst>
-            </p:cNvPr>
-            <p:cNvSpPr/>
-            <p:nvPr/>
-          </p:nvSpPr>
-          <p:spPr>
-            <a:xfrm>
-              <a:off x="3043371" y="1897379"/>
-              <a:ext cx="873309" cy="350975"/>
-            </a:xfrm>
-            <a:prstGeom prst="roundRect">
-              <a:avLst/>
-            </a:prstGeom>
-          </p:spPr>
-          <p:style>
-            <a:lnRef idx="2">
-              <a:schemeClr val="accent5">
-                <a:shade val="50000"/>
-              </a:schemeClr>
-            </a:lnRef>
-            <a:fillRef idx="1">
-              <a:schemeClr val="accent5"/>
-            </a:fillRef>
-            <a:effectRef idx="0">
-              <a:schemeClr val="accent5"/>
-            </a:effectRef>
-            <a:fontRef idx="minor">
-              <a:schemeClr val="lt1"/>
-            </a:fontRef>
-          </p:style>
-          <p:txBody>
-            <a:bodyPr rtlCol="0" anchor="ctr"/>
-            <a:lstStyle/>
-            <a:p>
-              <a:pPr algn="ctr"/>
-              <a:r>
-                <a:rPr lang="zh-TW" altLang="en-US" sz="1600" dirty="0"/>
-                <a:t>組員</a:t>
-              </a:r>
-            </a:p>
-          </p:txBody>
-        </p:sp>
-      </p:grpSp>
-      <p:grpSp>
-        <p:nvGrpSpPr>
-          <p:cNvPr id="91" name="群組 90">
-            <a:extLst>
-              <a:ext uri="{FF2B5EF4-FFF2-40B4-BE49-F238E27FC236}">
-                <a16:creationId xmlns:a16="http://schemas.microsoft.com/office/drawing/2014/main" id="{5C79EEE8-E64F-4552-A102-5519A1ACD27E}"/>
-              </a:ext>
-            </a:extLst>
-          </p:cNvPr>
-          <p:cNvGrpSpPr/>
-          <p:nvPr/>
-        </p:nvGrpSpPr>
-        <p:grpSpPr>
-          <a:xfrm>
-            <a:off x="786214" y="2303109"/>
-            <a:ext cx="3546575" cy="1356054"/>
-            <a:chOff x="370105" y="892300"/>
-            <a:chExt cx="3546575" cy="1356054"/>
-          </a:xfrm>
-        </p:grpSpPr>
-        <p:grpSp>
-          <p:nvGrpSpPr>
-            <p:cNvPr id="92" name="群組 91">
-              <a:extLst>
-                <a:ext uri="{FF2B5EF4-FFF2-40B4-BE49-F238E27FC236}">
-                  <a16:creationId xmlns:a16="http://schemas.microsoft.com/office/drawing/2014/main" id="{B53973E1-82AF-4A6E-979E-D095C235884A}"/>
-                </a:ext>
-              </a:extLst>
-            </p:cNvPr>
-            <p:cNvGrpSpPr/>
-            <p:nvPr/>
-          </p:nvGrpSpPr>
-          <p:grpSpPr>
-            <a:xfrm>
-              <a:off x="370105" y="892300"/>
-              <a:ext cx="3493235" cy="1310881"/>
-              <a:chOff x="370105" y="892300"/>
-              <a:chExt cx="3493235" cy="1310881"/>
-            </a:xfrm>
-          </p:grpSpPr>
-          <p:sp>
-            <p:nvSpPr>
-              <p:cNvPr id="94" name="矩形 93">
-                <a:extLst>
-                  <a:ext uri="{FF2B5EF4-FFF2-40B4-BE49-F238E27FC236}">
-                    <a16:creationId xmlns:a16="http://schemas.microsoft.com/office/drawing/2014/main" id="{D9969F0E-8263-4A30-8AA5-B5FEEF24F518}"/>
-                  </a:ext>
-                </a:extLst>
-              </p:cNvPr>
-              <p:cNvSpPr/>
-              <p:nvPr/>
-            </p:nvSpPr>
-            <p:spPr>
-              <a:xfrm>
-                <a:off x="426720" y="960120"/>
-                <a:ext cx="3436620" cy="1243061"/>
-              </a:xfrm>
-              <a:prstGeom prst="rect">
-                <a:avLst/>
-              </a:prstGeom>
-              <a:noFill/>
-              <a:ln w="19050"/>
-            </p:spPr>
-            <p:style>
-              <a:lnRef idx="2">
-                <a:schemeClr val="accent1">
-                  <a:shade val="50000"/>
-                </a:schemeClr>
-              </a:lnRef>
-              <a:fillRef idx="1">
-                <a:schemeClr val="accent1"/>
-              </a:fillRef>
-              <a:effectRef idx="0">
-                <a:schemeClr val="accent1"/>
-              </a:effectRef>
-              <a:fontRef idx="minor">
-                <a:schemeClr val="lt1"/>
-              </a:fontRef>
-            </p:style>
-            <p:txBody>
-              <a:bodyPr rtlCol="0" anchor="ctr"/>
-              <a:lstStyle/>
-              <a:p>
-                <a:pPr algn="ctr"/>
-                <a:endParaRPr lang="zh-TW" altLang="en-US"/>
-              </a:p>
-            </p:txBody>
-          </p:sp>
-          <p:sp>
-            <p:nvSpPr>
-              <p:cNvPr id="95" name="矩形 94">
-                <a:extLst>
-                  <a:ext uri="{FF2B5EF4-FFF2-40B4-BE49-F238E27FC236}">
-                    <a16:creationId xmlns:a16="http://schemas.microsoft.com/office/drawing/2014/main" id="{1DFB6C14-FE82-470B-98F6-8E3D9926FB7E}"/>
-                  </a:ext>
-                </a:extLst>
-              </p:cNvPr>
-              <p:cNvSpPr/>
-              <p:nvPr/>
-            </p:nvSpPr>
-            <p:spPr>
-              <a:xfrm>
-                <a:off x="1402619" y="1051014"/>
-                <a:ext cx="2399761" cy="830997"/>
-              </a:xfrm>
-              <a:prstGeom prst="rect">
-                <a:avLst/>
-              </a:prstGeom>
-            </p:spPr>
-            <p:txBody>
-              <a:bodyPr wrap="square">
-                <a:spAutoFit/>
-              </a:bodyPr>
-              <a:lstStyle/>
-              <a:p>
-                <a:pPr marL="285750" indent="-285750">
-                  <a:buFont typeface="Wingdings" panose="05000000000000000000" pitchFamily="2" charset="2"/>
-                  <a:buChar char="ü"/>
-                </a:pPr>
-                <a:r>
-                  <a:rPr lang="zh-TW" altLang="en-US" sz="1600" dirty="0">
-                    <a:solidFill>
-                      <a:schemeClr val="tx1">
-                        <a:lumMod val="65000"/>
-                        <a:lumOff val="35000"/>
-                      </a:schemeClr>
-                    </a:solidFill>
-                    <a:cs typeface="+mn-ea"/>
-                    <a:sym typeface="+mn-lt"/>
-                  </a:rPr>
-                  <a:t>公佈欄</a:t>
-                </a:r>
-                <a:endParaRPr lang="en-US" altLang="zh-TW" sz="1600" dirty="0">
-                  <a:solidFill>
-                    <a:schemeClr val="tx1">
-                      <a:lumMod val="65000"/>
-                      <a:lumOff val="35000"/>
-                    </a:schemeClr>
-                  </a:solidFill>
-                  <a:cs typeface="+mn-ea"/>
-                  <a:sym typeface="+mn-lt"/>
-                </a:endParaRPr>
-              </a:p>
-              <a:p>
-                <a:pPr marL="285750" indent="-285750">
-                  <a:buFont typeface="Wingdings" panose="05000000000000000000" pitchFamily="2" charset="2"/>
-                  <a:buChar char="ü"/>
-                </a:pPr>
-                <a:r>
-                  <a:rPr lang="zh-TW" altLang="en-US" sz="1600" dirty="0">
-                    <a:solidFill>
-                      <a:schemeClr val="tx1">
-                        <a:lumMod val="65000"/>
-                        <a:lumOff val="35000"/>
-                      </a:schemeClr>
-                    </a:solidFill>
-                    <a:cs typeface="+mn-ea"/>
-                    <a:sym typeface="+mn-lt"/>
-                  </a:rPr>
-                  <a:t>意見調查</a:t>
-                </a:r>
-                <a:endParaRPr lang="en-US" altLang="zh-TW" sz="1600" dirty="0">
-                  <a:solidFill>
-                    <a:schemeClr val="tx1">
-                      <a:lumMod val="65000"/>
-                      <a:lumOff val="35000"/>
-                    </a:schemeClr>
-                  </a:solidFill>
-                  <a:cs typeface="+mn-ea"/>
-                  <a:sym typeface="+mn-lt"/>
-                </a:endParaRPr>
-              </a:p>
-              <a:p>
-                <a:pPr marL="285750" indent="-285750">
-                  <a:buFont typeface="Wingdings" panose="05000000000000000000" pitchFamily="2" charset="2"/>
-                  <a:buChar char="ü"/>
-                </a:pPr>
-                <a:r>
-                  <a:rPr lang="en-US" altLang="zh-TW" sz="1600" dirty="0">
-                    <a:solidFill>
-                      <a:schemeClr val="tx1">
-                        <a:lumMod val="65000"/>
-                        <a:lumOff val="35000"/>
-                      </a:schemeClr>
-                    </a:solidFill>
-                    <a:cs typeface="+mn-ea"/>
-                    <a:sym typeface="+mn-lt"/>
-                  </a:rPr>
-                  <a:t>UI</a:t>
-                </a:r>
-                <a:r>
-                  <a:rPr lang="zh-TW" altLang="en-US" sz="1600" dirty="0">
-                    <a:solidFill>
-                      <a:schemeClr val="tx1">
-                        <a:lumMod val="65000"/>
-                        <a:lumOff val="35000"/>
-                      </a:schemeClr>
-                    </a:solidFill>
-                    <a:cs typeface="+mn-ea"/>
-                    <a:sym typeface="+mn-lt"/>
-                  </a:rPr>
-                  <a:t>設計</a:t>
-                </a:r>
-              </a:p>
-            </p:txBody>
-          </p:sp>
-          <p:grpSp>
-            <p:nvGrpSpPr>
-              <p:cNvPr id="96" name="群組 95">
-                <a:extLst>
-                  <a:ext uri="{FF2B5EF4-FFF2-40B4-BE49-F238E27FC236}">
-                    <a16:creationId xmlns:a16="http://schemas.microsoft.com/office/drawing/2014/main" id="{2011B93E-BCE0-4EF7-A95D-9E18A5557F99}"/>
-                  </a:ext>
-                </a:extLst>
-              </p:cNvPr>
-              <p:cNvGrpSpPr>
-                <a:grpSpLocks noChangeAspect="1"/>
-              </p:cNvGrpSpPr>
-              <p:nvPr/>
-            </p:nvGrpSpPr>
-            <p:grpSpPr>
-              <a:xfrm>
-                <a:off x="370105" y="892300"/>
-                <a:ext cx="1032515" cy="1243061"/>
-                <a:chOff x="1047747" y="1242768"/>
-                <a:chExt cx="1787898" cy="2152478"/>
-              </a:xfrm>
-            </p:grpSpPr>
-            <p:sp>
-              <p:nvSpPr>
-                <p:cNvPr id="97" name="MH_Picture_1">
-                  <a:extLst>
-                    <a:ext uri="{FF2B5EF4-FFF2-40B4-BE49-F238E27FC236}">
-                      <a16:creationId xmlns:a16="http://schemas.microsoft.com/office/drawing/2014/main" id="{DEA49A6A-A7FF-4E5F-936B-40E8700B6126}"/>
-                    </a:ext>
-                  </a:extLst>
-                </p:cNvPr>
-                <p:cNvSpPr/>
-                <p:nvPr>
-                  <p:custDataLst>
-                    <p:tags r:id="rId5"/>
-                  </p:custDataLst>
-                </p:nvPr>
-              </p:nvSpPr>
-              <p:spPr>
-                <a:xfrm>
-                  <a:off x="1047747" y="1242768"/>
-                  <a:ext cx="1787898" cy="2152478"/>
-                </a:xfrm>
-                <a:prstGeom prst="rect">
-                  <a:avLst/>
-                </a:prstGeom>
-                <a:blipFill dpi="0" rotWithShape="1">
-                  <a:blip r:embed="rId9" cstate="screen">
-                    <a:extLst>
-                      <a:ext uri="{28A0092B-C50C-407E-A947-70E740481C1C}">
-                        <a14:useLocalDpi xmlns:a14="http://schemas.microsoft.com/office/drawing/2010/main"/>
-                      </a:ext>
-                    </a:extLst>
-                  </a:blip>
-                  <a:srcRect/>
-                  <a:stretch>
-                    <a:fillRect/>
-                  </a:stretch>
-                </a:blipFill>
-                <a:ln w="57150">
-                  <a:noFill/>
-                </a:ln>
-              </p:spPr>
-              <p:style>
-                <a:lnRef idx="2">
-                  <a:schemeClr val="accent1">
-                    <a:shade val="50000"/>
-                  </a:schemeClr>
-                </a:lnRef>
-                <a:fillRef idx="1">
-                  <a:schemeClr val="accent1"/>
-                </a:fillRef>
-                <a:effectRef idx="0">
-                  <a:schemeClr val="accent1"/>
-                </a:effectRef>
-                <a:fontRef idx="minor">
-                  <a:schemeClr val="lt1"/>
-                </a:fontRef>
-              </p:style>
-              <p:txBody>
-                <a:bodyPr anchor="ctr"/>
-                <a:lstStyle/>
-                <a:p>
-                  <a:pPr algn="ctr">
-                    <a:defRPr/>
-                  </a:pPr>
-                  <a:endParaRPr lang="zh-CN" altLang="en-US" sz="1013">
-                    <a:solidFill>
-                      <a:prstClr val="white"/>
-                    </a:solidFill>
-                    <a:cs typeface="+mn-ea"/>
-                    <a:sym typeface="+mn-lt"/>
-                  </a:endParaRPr>
-                </a:p>
-              </p:txBody>
-            </p:sp>
-            <p:sp>
-              <p:nvSpPr>
-                <p:cNvPr id="98" name="矩形 97">
-                  <a:extLst>
-                    <a:ext uri="{FF2B5EF4-FFF2-40B4-BE49-F238E27FC236}">
-                      <a16:creationId xmlns:a16="http://schemas.microsoft.com/office/drawing/2014/main" id="{022489E3-2D8D-42C4-B4C2-CDC27BE769D0}"/>
-                    </a:ext>
-                  </a:extLst>
-                </p:cNvPr>
-                <p:cNvSpPr/>
-                <p:nvPr/>
-              </p:nvSpPr>
-              <p:spPr>
-                <a:xfrm>
-                  <a:off x="1047747" y="2887934"/>
-                  <a:ext cx="1787895" cy="506291"/>
-                </a:xfrm>
-                <a:prstGeom prst="rect">
-                  <a:avLst/>
-                </a:prstGeom>
-                <a:ln>
-                  <a:noFill/>
-                </a:ln>
-              </p:spPr>
-              <p:style>
-                <a:lnRef idx="2">
-                  <a:schemeClr val="accent1">
-                    <a:shade val="50000"/>
-                  </a:schemeClr>
-                </a:lnRef>
-                <a:fillRef idx="1">
-                  <a:schemeClr val="accent1"/>
-                </a:fillRef>
-                <a:effectRef idx="0">
-                  <a:schemeClr val="accent1"/>
-                </a:effectRef>
-                <a:fontRef idx="minor">
-                  <a:schemeClr val="lt1"/>
-                </a:fontRef>
-              </p:style>
-              <p:txBody>
-                <a:bodyPr rtlCol="0" anchor="ctr"/>
-                <a:lstStyle/>
-                <a:p>
-                  <a:pPr algn="ctr"/>
-                  <a:r>
-                    <a:rPr lang="zh-TW" altLang="en-US" sz="1600" dirty="0">
-                      <a:cs typeface="+mn-ea"/>
-                      <a:sym typeface="+mn-lt"/>
-                    </a:rPr>
-                    <a:t>張瓊文</a:t>
-                  </a:r>
-                  <a:endParaRPr lang="zh-CN" altLang="en-US" sz="1600" dirty="0">
-                    <a:cs typeface="+mn-ea"/>
-                    <a:sym typeface="+mn-lt"/>
-                  </a:endParaRPr>
-                </a:p>
-              </p:txBody>
-            </p:sp>
-          </p:grpSp>
-        </p:grpSp>
-        <p:sp>
-          <p:nvSpPr>
-            <p:cNvPr id="93" name="矩形: 圓角 92">
-              <a:extLst>
-                <a:ext uri="{FF2B5EF4-FFF2-40B4-BE49-F238E27FC236}">
-                  <a16:creationId xmlns:a16="http://schemas.microsoft.com/office/drawing/2014/main" id="{A95569BC-3CD3-446D-837B-4ABB7C7D3485}"/>
-                </a:ext>
-              </a:extLst>
-            </p:cNvPr>
-            <p:cNvSpPr/>
-            <p:nvPr/>
-          </p:nvSpPr>
-          <p:spPr>
-            <a:xfrm>
-              <a:off x="3043371" y="1897379"/>
-              <a:ext cx="873309" cy="350975"/>
-            </a:xfrm>
-            <a:prstGeom prst="roundRect">
-              <a:avLst/>
-            </a:prstGeom>
-            <a:solidFill>
-              <a:schemeClr val="accent2"/>
-            </a:solidFill>
-          </p:spPr>
-          <p:style>
-            <a:lnRef idx="2">
-              <a:schemeClr val="accent4">
-                <a:shade val="50000"/>
-              </a:schemeClr>
-            </a:lnRef>
-            <a:fillRef idx="1">
-              <a:schemeClr val="accent4"/>
-            </a:fillRef>
-            <a:effectRef idx="0">
-              <a:schemeClr val="accent4"/>
-            </a:effectRef>
-            <a:fontRef idx="minor">
-              <a:schemeClr val="lt1"/>
-            </a:fontRef>
-          </p:style>
-          <p:txBody>
-            <a:bodyPr rtlCol="0" anchor="ctr"/>
-            <a:lstStyle/>
-            <a:p>
-              <a:pPr algn="ctr"/>
-              <a:r>
-                <a:rPr lang="zh-TW" altLang="en-US" sz="1600" dirty="0"/>
-                <a:t>技術長</a:t>
-              </a:r>
-            </a:p>
-          </p:txBody>
-        </p:sp>
-      </p:grpSp>
-      <p:grpSp>
-        <p:nvGrpSpPr>
-          <p:cNvPr id="99" name="群組 98">
-            <a:extLst>
-              <a:ext uri="{FF2B5EF4-FFF2-40B4-BE49-F238E27FC236}">
-                <a16:creationId xmlns:a16="http://schemas.microsoft.com/office/drawing/2014/main" id="{92E772AE-DA29-47BF-A419-12B393E6A39A}"/>
-              </a:ext>
-            </a:extLst>
-          </p:cNvPr>
-          <p:cNvGrpSpPr/>
-          <p:nvPr/>
-        </p:nvGrpSpPr>
-        <p:grpSpPr>
-          <a:xfrm>
-            <a:off x="787851" y="3687679"/>
-            <a:ext cx="3546575" cy="1356054"/>
-            <a:chOff x="370105" y="892300"/>
-            <a:chExt cx="3546575" cy="1356054"/>
-          </a:xfrm>
-        </p:grpSpPr>
-        <p:grpSp>
-          <p:nvGrpSpPr>
-            <p:cNvPr id="100" name="群組 99">
-              <a:extLst>
-                <a:ext uri="{FF2B5EF4-FFF2-40B4-BE49-F238E27FC236}">
-                  <a16:creationId xmlns:a16="http://schemas.microsoft.com/office/drawing/2014/main" id="{EC1C0510-935A-4EF8-A434-150C3EA7CABB}"/>
-                </a:ext>
-              </a:extLst>
-            </p:cNvPr>
-            <p:cNvGrpSpPr/>
-            <p:nvPr/>
-          </p:nvGrpSpPr>
-          <p:grpSpPr>
-            <a:xfrm>
-              <a:off x="370105" y="892300"/>
-              <a:ext cx="3493235" cy="1310881"/>
-              <a:chOff x="370105" y="892300"/>
-              <a:chExt cx="3493235" cy="1310881"/>
-            </a:xfrm>
-          </p:grpSpPr>
-          <p:sp>
-            <p:nvSpPr>
-              <p:cNvPr id="102" name="矩形 101">
-                <a:extLst>
-                  <a:ext uri="{FF2B5EF4-FFF2-40B4-BE49-F238E27FC236}">
-                    <a16:creationId xmlns:a16="http://schemas.microsoft.com/office/drawing/2014/main" id="{ABE66101-5A76-4193-A3B5-B650D9150863}"/>
-                  </a:ext>
-                </a:extLst>
-              </p:cNvPr>
-              <p:cNvSpPr/>
-              <p:nvPr/>
-            </p:nvSpPr>
-            <p:spPr>
-              <a:xfrm>
-                <a:off x="426720" y="960120"/>
-                <a:ext cx="3436620" cy="1243061"/>
-              </a:xfrm>
-              <a:prstGeom prst="rect">
-                <a:avLst/>
-              </a:prstGeom>
-              <a:noFill/>
-              <a:ln w="19050"/>
-            </p:spPr>
-            <p:style>
-              <a:lnRef idx="2">
-                <a:schemeClr val="accent1">
-                  <a:shade val="50000"/>
-                </a:schemeClr>
-              </a:lnRef>
-              <a:fillRef idx="1">
-                <a:schemeClr val="accent1"/>
-              </a:fillRef>
-              <a:effectRef idx="0">
-                <a:schemeClr val="accent1"/>
-              </a:effectRef>
-              <a:fontRef idx="minor">
-                <a:schemeClr val="lt1"/>
-              </a:fontRef>
-            </p:style>
-            <p:txBody>
-              <a:bodyPr rtlCol="0" anchor="ctr"/>
-              <a:lstStyle/>
-              <a:p>
-                <a:pPr algn="ctr"/>
-                <a:endParaRPr lang="zh-TW" altLang="en-US"/>
-              </a:p>
-            </p:txBody>
-          </p:sp>
-          <p:sp>
-            <p:nvSpPr>
-              <p:cNvPr id="103" name="矩形 102">
-                <a:extLst>
-                  <a:ext uri="{FF2B5EF4-FFF2-40B4-BE49-F238E27FC236}">
-                    <a16:creationId xmlns:a16="http://schemas.microsoft.com/office/drawing/2014/main" id="{AE21AC59-1207-43BB-9993-B9611D4A5EC5}"/>
-                  </a:ext>
-                </a:extLst>
-              </p:cNvPr>
-              <p:cNvSpPr/>
-              <p:nvPr/>
-            </p:nvSpPr>
-            <p:spPr>
-              <a:xfrm>
-                <a:off x="1402619" y="1051014"/>
-                <a:ext cx="2399761" cy="830997"/>
-              </a:xfrm>
-              <a:prstGeom prst="rect">
-                <a:avLst/>
-              </a:prstGeom>
-            </p:spPr>
-            <p:txBody>
-              <a:bodyPr wrap="square">
-                <a:spAutoFit/>
-              </a:bodyPr>
-              <a:lstStyle/>
-              <a:p>
-                <a:pPr marL="285750" indent="-285750">
-                  <a:buFont typeface="Wingdings" panose="05000000000000000000" pitchFamily="2" charset="2"/>
-                  <a:buChar char="ü"/>
-                </a:pPr>
-                <a:r>
-                  <a:rPr lang="zh-TW" altLang="en-US" sz="1600" dirty="0">
-                    <a:solidFill>
-                      <a:schemeClr val="tx1">
-                        <a:lumMod val="65000"/>
-                        <a:lumOff val="35000"/>
-                      </a:schemeClr>
-                    </a:solidFill>
-                    <a:cs typeface="+mn-ea"/>
-                    <a:sym typeface="+mn-lt"/>
-                  </a:rPr>
-                  <a:t>公務車管理</a:t>
-                </a:r>
-                <a:endParaRPr lang="en-US" altLang="zh-TW" sz="1600" dirty="0">
-                  <a:solidFill>
-                    <a:schemeClr val="tx1">
-                      <a:lumMod val="65000"/>
-                      <a:lumOff val="35000"/>
-                    </a:schemeClr>
-                  </a:solidFill>
-                  <a:cs typeface="+mn-ea"/>
-                  <a:sym typeface="+mn-lt"/>
-                </a:endParaRPr>
-              </a:p>
-              <a:p>
-                <a:pPr marL="285750" indent="-285750">
-                  <a:buFont typeface="Wingdings" panose="05000000000000000000" pitchFamily="2" charset="2"/>
-                  <a:buChar char="ü"/>
-                </a:pPr>
-                <a:r>
-                  <a:rPr lang="zh-TW" altLang="en-US" sz="1600" dirty="0">
-                    <a:solidFill>
-                      <a:schemeClr val="tx1">
-                        <a:lumMod val="65000"/>
-                        <a:lumOff val="35000"/>
-                      </a:schemeClr>
-                    </a:solidFill>
-                    <a:cs typeface="+mn-ea"/>
-                    <a:sym typeface="+mn-lt"/>
-                  </a:rPr>
-                  <a:t>會議室管理</a:t>
-                </a:r>
-                <a:endParaRPr lang="en-US" altLang="zh-TW" sz="1600" dirty="0">
-                  <a:solidFill>
-                    <a:schemeClr val="tx1">
-                      <a:lumMod val="65000"/>
-                      <a:lumOff val="35000"/>
-                    </a:schemeClr>
-                  </a:solidFill>
-                  <a:cs typeface="+mn-ea"/>
-                  <a:sym typeface="+mn-lt"/>
-                </a:endParaRPr>
-              </a:p>
-              <a:p>
-                <a:pPr marL="285750" indent="-285750">
-                  <a:buFont typeface="Wingdings" panose="05000000000000000000" pitchFamily="2" charset="2"/>
-                  <a:buChar char="ü"/>
-                </a:pPr>
-                <a:r>
-                  <a:rPr lang="zh-TW" altLang="en-US" sz="1600" dirty="0">
-                    <a:solidFill>
-                      <a:schemeClr val="tx1">
-                        <a:lumMod val="65000"/>
-                        <a:lumOff val="35000"/>
-                      </a:schemeClr>
-                    </a:solidFill>
-                    <a:cs typeface="+mn-ea"/>
-                    <a:sym typeface="+mn-lt"/>
-                  </a:rPr>
-                  <a:t>訊息通知</a:t>
-                </a:r>
-              </a:p>
-            </p:txBody>
-          </p:sp>
-          <p:grpSp>
-            <p:nvGrpSpPr>
-              <p:cNvPr id="104" name="群組 103">
-                <a:extLst>
-                  <a:ext uri="{FF2B5EF4-FFF2-40B4-BE49-F238E27FC236}">
-                    <a16:creationId xmlns:a16="http://schemas.microsoft.com/office/drawing/2014/main" id="{1E7B70B2-E80D-4ADE-8923-9C7D96677040}"/>
-                  </a:ext>
-                </a:extLst>
-              </p:cNvPr>
-              <p:cNvGrpSpPr>
-                <a:grpSpLocks noChangeAspect="1"/>
-              </p:cNvGrpSpPr>
-              <p:nvPr/>
-            </p:nvGrpSpPr>
-            <p:grpSpPr>
-              <a:xfrm>
-                <a:off x="370105" y="892300"/>
-                <a:ext cx="1032515" cy="1243061"/>
-                <a:chOff x="1047747" y="1242768"/>
-                <a:chExt cx="1787898" cy="2152478"/>
-              </a:xfrm>
-            </p:grpSpPr>
-            <p:sp>
-              <p:nvSpPr>
-                <p:cNvPr id="105" name="MH_Picture_1">
-                  <a:extLst>
-                    <a:ext uri="{FF2B5EF4-FFF2-40B4-BE49-F238E27FC236}">
-                      <a16:creationId xmlns:a16="http://schemas.microsoft.com/office/drawing/2014/main" id="{C80B34A5-3BE0-40A6-B943-92512676DC8E}"/>
-                    </a:ext>
-                  </a:extLst>
-                </p:cNvPr>
-                <p:cNvSpPr/>
-                <p:nvPr>
-                  <p:custDataLst>
-                    <p:tags r:id="rId4"/>
-                  </p:custDataLst>
-                </p:nvPr>
-              </p:nvSpPr>
-              <p:spPr>
-                <a:xfrm>
-                  <a:off x="1047747" y="1242768"/>
-                  <a:ext cx="1787898" cy="2152478"/>
-                </a:xfrm>
-                <a:prstGeom prst="rect">
-                  <a:avLst/>
-                </a:prstGeom>
-                <a:blipFill dpi="0" rotWithShape="1">
-                  <a:blip r:embed="rId9" cstate="screen">
-                    <a:extLst>
-                      <a:ext uri="{28A0092B-C50C-407E-A947-70E740481C1C}">
-                        <a14:useLocalDpi xmlns:a14="http://schemas.microsoft.com/office/drawing/2010/main"/>
-                      </a:ext>
-                    </a:extLst>
-                  </a:blip>
-                  <a:srcRect/>
-                  <a:stretch>
-                    <a:fillRect/>
-                  </a:stretch>
-                </a:blipFill>
-                <a:ln w="57150">
-                  <a:noFill/>
-                </a:ln>
-              </p:spPr>
-              <p:style>
-                <a:lnRef idx="2">
-                  <a:schemeClr val="accent1">
-                    <a:shade val="50000"/>
-                  </a:schemeClr>
-                </a:lnRef>
-                <a:fillRef idx="1">
-                  <a:schemeClr val="accent1"/>
-                </a:fillRef>
-                <a:effectRef idx="0">
-                  <a:schemeClr val="accent1"/>
-                </a:effectRef>
-                <a:fontRef idx="minor">
-                  <a:schemeClr val="lt1"/>
-                </a:fontRef>
-              </p:style>
-              <p:txBody>
-                <a:bodyPr anchor="ctr"/>
-                <a:lstStyle/>
-                <a:p>
-                  <a:pPr algn="ctr">
-                    <a:defRPr/>
-                  </a:pPr>
-                  <a:endParaRPr lang="zh-CN" altLang="en-US" sz="1013">
-                    <a:solidFill>
-                      <a:prstClr val="white"/>
-                    </a:solidFill>
-                    <a:cs typeface="+mn-ea"/>
-                    <a:sym typeface="+mn-lt"/>
-                  </a:endParaRPr>
-                </a:p>
-              </p:txBody>
-            </p:sp>
-            <p:sp>
-              <p:nvSpPr>
-                <p:cNvPr id="106" name="矩形 105">
-                  <a:extLst>
-                    <a:ext uri="{FF2B5EF4-FFF2-40B4-BE49-F238E27FC236}">
-                      <a16:creationId xmlns:a16="http://schemas.microsoft.com/office/drawing/2014/main" id="{EE680A89-DC11-463D-B9EE-5F32544A61C2}"/>
-                    </a:ext>
-                  </a:extLst>
-                </p:cNvPr>
-                <p:cNvSpPr/>
-                <p:nvPr/>
-              </p:nvSpPr>
-              <p:spPr>
-                <a:xfrm>
-                  <a:off x="1047747" y="2887934"/>
-                  <a:ext cx="1787895" cy="506291"/>
-                </a:xfrm>
-                <a:prstGeom prst="rect">
-                  <a:avLst/>
-                </a:prstGeom>
-                <a:ln>
-                  <a:noFill/>
-                </a:ln>
-              </p:spPr>
-              <p:style>
-                <a:lnRef idx="2">
-                  <a:schemeClr val="accent1">
-                    <a:shade val="50000"/>
-                  </a:schemeClr>
-                </a:lnRef>
-                <a:fillRef idx="1">
-                  <a:schemeClr val="accent1"/>
-                </a:fillRef>
-                <a:effectRef idx="0">
-                  <a:schemeClr val="accent1"/>
-                </a:effectRef>
-                <a:fontRef idx="minor">
-                  <a:schemeClr val="lt1"/>
-                </a:fontRef>
-              </p:style>
-              <p:txBody>
-                <a:bodyPr rtlCol="0" anchor="ctr"/>
-                <a:lstStyle/>
-                <a:p>
-                  <a:pPr algn="ctr"/>
-                  <a:r>
-                    <a:rPr lang="zh-TW" altLang="en-US" sz="1600" dirty="0">
-                      <a:cs typeface="+mn-ea"/>
-                      <a:sym typeface="+mn-lt"/>
-                    </a:rPr>
-                    <a:t>李先鎧</a:t>
-                  </a:r>
-                  <a:endParaRPr lang="zh-CN" altLang="en-US" sz="1600" dirty="0">
-                    <a:cs typeface="+mn-ea"/>
-                    <a:sym typeface="+mn-lt"/>
-                  </a:endParaRPr>
-                </a:p>
-              </p:txBody>
-            </p:sp>
-          </p:grpSp>
-        </p:grpSp>
-        <p:sp>
-          <p:nvSpPr>
-            <p:cNvPr id="101" name="矩形: 圓角 100">
-              <a:extLst>
-                <a:ext uri="{FF2B5EF4-FFF2-40B4-BE49-F238E27FC236}">
-                  <a16:creationId xmlns:a16="http://schemas.microsoft.com/office/drawing/2014/main" id="{88B7F0C6-0005-4F00-938E-DF23AEA15881}"/>
-                </a:ext>
-              </a:extLst>
-            </p:cNvPr>
-            <p:cNvSpPr/>
-            <p:nvPr/>
-          </p:nvSpPr>
-          <p:spPr>
-            <a:xfrm>
-              <a:off x="3043371" y="1897379"/>
-              <a:ext cx="873309" cy="350975"/>
-            </a:xfrm>
-            <a:prstGeom prst="roundRect">
-              <a:avLst/>
-            </a:prstGeom>
-          </p:spPr>
-          <p:style>
-            <a:lnRef idx="2">
-              <a:schemeClr val="accent5">
-                <a:shade val="50000"/>
-              </a:schemeClr>
-            </a:lnRef>
-            <a:fillRef idx="1">
-              <a:schemeClr val="accent5"/>
-            </a:fillRef>
-            <a:effectRef idx="0">
-              <a:schemeClr val="accent5"/>
-            </a:effectRef>
-            <a:fontRef idx="minor">
-              <a:schemeClr val="lt1"/>
-            </a:fontRef>
-          </p:style>
-          <p:txBody>
-            <a:bodyPr rtlCol="0" anchor="ctr"/>
-            <a:lstStyle/>
-            <a:p>
-              <a:pPr algn="ctr"/>
-              <a:r>
-                <a:rPr lang="zh-TW" altLang="en-US" sz="1600" dirty="0"/>
-                <a:t>組員</a:t>
-              </a:r>
-            </a:p>
-          </p:txBody>
-        </p:sp>
-      </p:grpSp>
-      <p:grpSp>
-        <p:nvGrpSpPr>
-          <p:cNvPr id="107" name="群組 106">
-            <a:extLst>
-              <a:ext uri="{FF2B5EF4-FFF2-40B4-BE49-F238E27FC236}">
-                <a16:creationId xmlns:a16="http://schemas.microsoft.com/office/drawing/2014/main" id="{97F5EF7A-5B4D-4FA0-A0FE-2E3BD34E6A30}"/>
-              </a:ext>
-            </a:extLst>
-          </p:cNvPr>
-          <p:cNvGrpSpPr/>
-          <p:nvPr/>
-        </p:nvGrpSpPr>
-        <p:grpSpPr>
-          <a:xfrm>
-            <a:off x="4809574" y="892300"/>
-            <a:ext cx="3546575" cy="1356054"/>
-            <a:chOff x="370105" y="892300"/>
-            <a:chExt cx="3546575" cy="1356054"/>
-          </a:xfrm>
-        </p:grpSpPr>
-        <p:grpSp>
-          <p:nvGrpSpPr>
-            <p:cNvPr id="108" name="群組 107">
-              <a:extLst>
-                <a:ext uri="{FF2B5EF4-FFF2-40B4-BE49-F238E27FC236}">
-                  <a16:creationId xmlns:a16="http://schemas.microsoft.com/office/drawing/2014/main" id="{A503A2D8-A180-4A08-A2FD-5A94583B871A}"/>
-                </a:ext>
-              </a:extLst>
-            </p:cNvPr>
-            <p:cNvGrpSpPr/>
-            <p:nvPr/>
-          </p:nvGrpSpPr>
-          <p:grpSpPr>
-            <a:xfrm>
-              <a:off x="370105" y="892300"/>
-              <a:ext cx="3493235" cy="1310881"/>
-              <a:chOff x="370105" y="892300"/>
-              <a:chExt cx="3493235" cy="1310881"/>
-            </a:xfrm>
-          </p:grpSpPr>
-          <p:sp>
-            <p:nvSpPr>
-              <p:cNvPr id="110" name="矩形 109">
-                <a:extLst>
-                  <a:ext uri="{FF2B5EF4-FFF2-40B4-BE49-F238E27FC236}">
-                    <a16:creationId xmlns:a16="http://schemas.microsoft.com/office/drawing/2014/main" id="{72925BB2-499B-49D9-ACF9-7E3F422B54B2}"/>
-                  </a:ext>
-                </a:extLst>
-              </p:cNvPr>
-              <p:cNvSpPr/>
-              <p:nvPr/>
-            </p:nvSpPr>
-            <p:spPr>
-              <a:xfrm>
-                <a:off x="426720" y="960120"/>
-                <a:ext cx="3436620" cy="1243061"/>
-              </a:xfrm>
-              <a:prstGeom prst="rect">
-                <a:avLst/>
-              </a:prstGeom>
-              <a:noFill/>
-              <a:ln w="19050"/>
-            </p:spPr>
-            <p:style>
-              <a:lnRef idx="2">
-                <a:schemeClr val="accent1">
-                  <a:shade val="50000"/>
-                </a:schemeClr>
-              </a:lnRef>
-              <a:fillRef idx="1">
-                <a:schemeClr val="accent1"/>
-              </a:fillRef>
-              <a:effectRef idx="0">
-                <a:schemeClr val="accent1"/>
-              </a:effectRef>
-              <a:fontRef idx="minor">
-                <a:schemeClr val="lt1"/>
-              </a:fontRef>
-            </p:style>
-            <p:txBody>
-              <a:bodyPr rtlCol="0" anchor="ctr"/>
-              <a:lstStyle/>
-              <a:p>
-                <a:pPr algn="ctr"/>
-                <a:endParaRPr lang="zh-TW" altLang="en-US"/>
-              </a:p>
-            </p:txBody>
-          </p:sp>
-          <p:sp>
-            <p:nvSpPr>
-              <p:cNvPr id="111" name="矩形 110">
-                <a:extLst>
-                  <a:ext uri="{FF2B5EF4-FFF2-40B4-BE49-F238E27FC236}">
-                    <a16:creationId xmlns:a16="http://schemas.microsoft.com/office/drawing/2014/main" id="{044B30EF-6669-49B7-9EF5-50380A1854BC}"/>
-                  </a:ext>
-                </a:extLst>
-              </p:cNvPr>
-              <p:cNvSpPr/>
-              <p:nvPr/>
-            </p:nvSpPr>
-            <p:spPr>
-              <a:xfrm>
-                <a:off x="1402619" y="1051014"/>
-                <a:ext cx="2399761" cy="584775"/>
-              </a:xfrm>
-              <a:prstGeom prst="rect">
-                <a:avLst/>
-              </a:prstGeom>
-            </p:spPr>
-            <p:txBody>
-              <a:bodyPr wrap="square">
-                <a:spAutoFit/>
-              </a:bodyPr>
-              <a:lstStyle/>
-              <a:p>
-                <a:pPr marL="285750" indent="-285750">
-                  <a:buFont typeface="Wingdings" panose="05000000000000000000" pitchFamily="2" charset="2"/>
-                  <a:buChar char="ü"/>
-                </a:pPr>
-                <a:r>
-                  <a:rPr lang="zh-TW" altLang="en-US" sz="1600" dirty="0">
-                    <a:solidFill>
-                      <a:schemeClr val="tx1">
-                        <a:lumMod val="65000"/>
-                        <a:lumOff val="35000"/>
-                      </a:schemeClr>
-                    </a:solidFill>
-                    <a:cs typeface="+mn-ea"/>
-                    <a:sym typeface="+mn-lt"/>
-                  </a:rPr>
-                  <a:t>工時回報</a:t>
-                </a:r>
-                <a:endParaRPr lang="en-US" altLang="zh-TW" sz="1600" dirty="0">
-                  <a:solidFill>
-                    <a:schemeClr val="tx1">
-                      <a:lumMod val="65000"/>
-                      <a:lumOff val="35000"/>
-                    </a:schemeClr>
-                  </a:solidFill>
-                  <a:cs typeface="+mn-ea"/>
-                  <a:sym typeface="+mn-lt"/>
-                </a:endParaRPr>
-              </a:p>
-              <a:p>
-                <a:pPr marL="285750" indent="-285750">
-                  <a:buFont typeface="Wingdings" panose="05000000000000000000" pitchFamily="2" charset="2"/>
-                  <a:buChar char="ü"/>
-                </a:pPr>
-                <a:r>
-                  <a:rPr lang="zh-TW" altLang="en-US" sz="1600" dirty="0">
-                    <a:solidFill>
-                      <a:schemeClr val="tx1">
-                        <a:lumMod val="65000"/>
-                        <a:lumOff val="35000"/>
-                      </a:schemeClr>
-                    </a:solidFill>
-                    <a:cs typeface="+mn-ea"/>
-                    <a:sym typeface="+mn-lt"/>
-                  </a:rPr>
-                  <a:t>行事曆</a:t>
-                </a:r>
-              </a:p>
-            </p:txBody>
-          </p:sp>
-          <p:grpSp>
-            <p:nvGrpSpPr>
-              <p:cNvPr id="112" name="群組 111">
-                <a:extLst>
-                  <a:ext uri="{FF2B5EF4-FFF2-40B4-BE49-F238E27FC236}">
-                    <a16:creationId xmlns:a16="http://schemas.microsoft.com/office/drawing/2014/main" id="{344F1ED3-C32A-4801-AD32-BAC2062273B6}"/>
-                  </a:ext>
-                </a:extLst>
-              </p:cNvPr>
-              <p:cNvGrpSpPr>
-                <a:grpSpLocks noChangeAspect="1"/>
-              </p:cNvGrpSpPr>
-              <p:nvPr/>
-            </p:nvGrpSpPr>
-            <p:grpSpPr>
-              <a:xfrm>
-                <a:off x="370105" y="892300"/>
-                <a:ext cx="1032515" cy="1243061"/>
-                <a:chOff x="1047747" y="1242768"/>
-                <a:chExt cx="1787898" cy="2152478"/>
-              </a:xfrm>
-            </p:grpSpPr>
-            <p:sp>
-              <p:nvSpPr>
-                <p:cNvPr id="113" name="MH_Picture_1">
-                  <a:extLst>
-                    <a:ext uri="{FF2B5EF4-FFF2-40B4-BE49-F238E27FC236}">
-                      <a16:creationId xmlns:a16="http://schemas.microsoft.com/office/drawing/2014/main" id="{30EC4161-E7FC-4602-BE79-CADD715EA56E}"/>
-                    </a:ext>
-                  </a:extLst>
-                </p:cNvPr>
-                <p:cNvSpPr/>
-                <p:nvPr>
-                  <p:custDataLst>
-                    <p:tags r:id="rId3"/>
-                  </p:custDataLst>
-                </p:nvPr>
-              </p:nvSpPr>
-              <p:spPr>
-                <a:xfrm>
-                  <a:off x="1047747" y="1242768"/>
-                  <a:ext cx="1787898" cy="2152478"/>
-                </a:xfrm>
-                <a:prstGeom prst="rect">
-                  <a:avLst/>
-                </a:prstGeom>
-                <a:blipFill dpi="0" rotWithShape="1">
-                  <a:blip r:embed="rId9" cstate="screen">
-                    <a:extLst>
-                      <a:ext uri="{28A0092B-C50C-407E-A947-70E740481C1C}">
-                        <a14:useLocalDpi xmlns:a14="http://schemas.microsoft.com/office/drawing/2010/main"/>
-                      </a:ext>
-                    </a:extLst>
-                  </a:blip>
-                  <a:srcRect/>
-                  <a:stretch>
-                    <a:fillRect/>
-                  </a:stretch>
-                </a:blipFill>
-                <a:ln w="57150">
-                  <a:noFill/>
-                </a:ln>
-              </p:spPr>
-              <p:style>
-                <a:lnRef idx="2">
-                  <a:schemeClr val="accent1">
-                    <a:shade val="50000"/>
-                  </a:schemeClr>
-                </a:lnRef>
-                <a:fillRef idx="1">
-                  <a:schemeClr val="accent1"/>
-                </a:fillRef>
-                <a:effectRef idx="0">
-                  <a:schemeClr val="accent1"/>
-                </a:effectRef>
-                <a:fontRef idx="minor">
-                  <a:schemeClr val="lt1"/>
-                </a:fontRef>
-              </p:style>
-              <p:txBody>
-                <a:bodyPr anchor="ctr"/>
-                <a:lstStyle/>
-                <a:p>
-                  <a:pPr algn="ctr">
-                    <a:defRPr/>
-                  </a:pPr>
-                  <a:endParaRPr lang="zh-CN" altLang="en-US" sz="1013">
-                    <a:solidFill>
-                      <a:prstClr val="white"/>
-                    </a:solidFill>
-                    <a:cs typeface="+mn-ea"/>
-                    <a:sym typeface="+mn-lt"/>
-                  </a:endParaRPr>
-                </a:p>
-              </p:txBody>
-            </p:sp>
-            <p:sp>
-              <p:nvSpPr>
-                <p:cNvPr id="114" name="矩形 113">
-                  <a:extLst>
-                    <a:ext uri="{FF2B5EF4-FFF2-40B4-BE49-F238E27FC236}">
-                      <a16:creationId xmlns:a16="http://schemas.microsoft.com/office/drawing/2014/main" id="{93FB0969-AD47-479C-9B0B-DE33F22B1492}"/>
-                    </a:ext>
-                  </a:extLst>
-                </p:cNvPr>
-                <p:cNvSpPr/>
-                <p:nvPr/>
-              </p:nvSpPr>
-              <p:spPr>
-                <a:xfrm>
-                  <a:off x="1047747" y="2887934"/>
-                  <a:ext cx="1787895" cy="506291"/>
-                </a:xfrm>
-                <a:prstGeom prst="rect">
-                  <a:avLst/>
-                </a:prstGeom>
-                <a:ln>
-                  <a:noFill/>
-                </a:ln>
-              </p:spPr>
-              <p:style>
-                <a:lnRef idx="2">
-                  <a:schemeClr val="accent1">
-                    <a:shade val="50000"/>
-                  </a:schemeClr>
-                </a:lnRef>
-                <a:fillRef idx="1">
-                  <a:schemeClr val="accent1"/>
-                </a:fillRef>
-                <a:effectRef idx="0">
-                  <a:schemeClr val="accent1"/>
-                </a:effectRef>
-                <a:fontRef idx="minor">
-                  <a:schemeClr val="lt1"/>
-                </a:fontRef>
-              </p:style>
-              <p:txBody>
-                <a:bodyPr rtlCol="0" anchor="ctr"/>
-                <a:lstStyle/>
-                <a:p>
-                  <a:pPr algn="ctr"/>
-                  <a:r>
-                    <a:rPr lang="zh-TW" altLang="en-US" sz="1600" dirty="0">
-                      <a:cs typeface="+mn-ea"/>
-                      <a:sym typeface="+mn-lt"/>
-                    </a:rPr>
-                    <a:t>黃詠聖</a:t>
-                  </a:r>
-                  <a:endParaRPr lang="zh-CN" altLang="en-US" sz="1600" dirty="0">
-                    <a:cs typeface="+mn-ea"/>
-                    <a:sym typeface="+mn-lt"/>
-                  </a:endParaRPr>
-                </a:p>
-              </p:txBody>
-            </p:sp>
-          </p:grpSp>
-        </p:grpSp>
-        <p:sp>
-          <p:nvSpPr>
-            <p:cNvPr id="109" name="矩形: 圓角 108">
-              <a:extLst>
-                <a:ext uri="{FF2B5EF4-FFF2-40B4-BE49-F238E27FC236}">
-                  <a16:creationId xmlns:a16="http://schemas.microsoft.com/office/drawing/2014/main" id="{FB8147EC-3CEB-4A41-9C0E-0F81C815EC21}"/>
-                </a:ext>
-              </a:extLst>
-            </p:cNvPr>
-            <p:cNvSpPr/>
-            <p:nvPr/>
-          </p:nvSpPr>
-          <p:spPr>
-            <a:xfrm>
-              <a:off x="3043371" y="1897379"/>
-              <a:ext cx="873309" cy="350975"/>
-            </a:xfrm>
-            <a:prstGeom prst="roundRect">
-              <a:avLst/>
-            </a:prstGeom>
-          </p:spPr>
-          <p:style>
-            <a:lnRef idx="2">
-              <a:schemeClr val="accent5">
-                <a:shade val="50000"/>
-              </a:schemeClr>
-            </a:lnRef>
-            <a:fillRef idx="1">
-              <a:schemeClr val="accent5"/>
-            </a:fillRef>
-            <a:effectRef idx="0">
-              <a:schemeClr val="accent5"/>
-            </a:effectRef>
-            <a:fontRef idx="minor">
-              <a:schemeClr val="lt1"/>
-            </a:fontRef>
-          </p:style>
-          <p:txBody>
-            <a:bodyPr rtlCol="0" anchor="ctr"/>
-            <a:lstStyle/>
-            <a:p>
-              <a:pPr algn="ctr"/>
-              <a:r>
-                <a:rPr lang="zh-TW" altLang="en-US" sz="1600" dirty="0"/>
-                <a:t>組員</a:t>
-              </a:r>
-            </a:p>
-          </p:txBody>
-        </p:sp>
-      </p:grpSp>
-      <p:grpSp>
-        <p:nvGrpSpPr>
-          <p:cNvPr id="115" name="群組 114">
-            <a:extLst>
-              <a:ext uri="{FF2B5EF4-FFF2-40B4-BE49-F238E27FC236}">
-                <a16:creationId xmlns:a16="http://schemas.microsoft.com/office/drawing/2014/main" id="{CE5FA1F5-A4C4-4393-91D7-647E702C06DB}"/>
-              </a:ext>
-            </a:extLst>
-          </p:cNvPr>
-          <p:cNvGrpSpPr/>
-          <p:nvPr/>
-        </p:nvGrpSpPr>
-        <p:grpSpPr>
-          <a:xfrm>
-            <a:off x="4809574" y="2303109"/>
-            <a:ext cx="3546575" cy="1356054"/>
-            <a:chOff x="370105" y="892300"/>
-            <a:chExt cx="3546575" cy="1356054"/>
-          </a:xfrm>
-        </p:grpSpPr>
-        <p:grpSp>
-          <p:nvGrpSpPr>
-            <p:cNvPr id="116" name="群組 115">
-              <a:extLst>
-                <a:ext uri="{FF2B5EF4-FFF2-40B4-BE49-F238E27FC236}">
-                  <a16:creationId xmlns:a16="http://schemas.microsoft.com/office/drawing/2014/main" id="{EB285591-CF35-46CB-9B2F-F9F196E0F10D}"/>
-                </a:ext>
-              </a:extLst>
-            </p:cNvPr>
-            <p:cNvGrpSpPr/>
-            <p:nvPr/>
-          </p:nvGrpSpPr>
-          <p:grpSpPr>
-            <a:xfrm>
-              <a:off x="370105" y="892300"/>
-              <a:ext cx="3493235" cy="1310881"/>
-              <a:chOff x="370105" y="892300"/>
-              <a:chExt cx="3493235" cy="1310881"/>
-            </a:xfrm>
-          </p:grpSpPr>
-          <p:sp>
-            <p:nvSpPr>
-              <p:cNvPr id="118" name="矩形 117">
-                <a:extLst>
-                  <a:ext uri="{FF2B5EF4-FFF2-40B4-BE49-F238E27FC236}">
-                    <a16:creationId xmlns:a16="http://schemas.microsoft.com/office/drawing/2014/main" id="{5CA85794-A15F-4823-9859-9BE9BFB2DA0A}"/>
-                  </a:ext>
-                </a:extLst>
-              </p:cNvPr>
-              <p:cNvSpPr/>
-              <p:nvPr/>
-            </p:nvSpPr>
-            <p:spPr>
-              <a:xfrm>
-                <a:off x="426720" y="960120"/>
-                <a:ext cx="3436620" cy="1243061"/>
-              </a:xfrm>
-              <a:prstGeom prst="rect">
-                <a:avLst/>
-              </a:prstGeom>
-              <a:noFill/>
-              <a:ln w="19050"/>
-            </p:spPr>
-            <p:style>
-              <a:lnRef idx="2">
-                <a:schemeClr val="accent1">
-                  <a:shade val="50000"/>
-                </a:schemeClr>
-              </a:lnRef>
-              <a:fillRef idx="1">
-                <a:schemeClr val="accent1"/>
-              </a:fillRef>
-              <a:effectRef idx="0">
-                <a:schemeClr val="accent1"/>
-              </a:effectRef>
-              <a:fontRef idx="minor">
-                <a:schemeClr val="lt1"/>
-              </a:fontRef>
-            </p:style>
-            <p:txBody>
-              <a:bodyPr rtlCol="0" anchor="ctr"/>
-              <a:lstStyle/>
-              <a:p>
-                <a:pPr algn="ctr"/>
-                <a:endParaRPr lang="zh-TW" altLang="en-US"/>
-              </a:p>
-            </p:txBody>
-          </p:sp>
-          <p:sp>
-            <p:nvSpPr>
-              <p:cNvPr id="119" name="矩形 118">
-                <a:extLst>
-                  <a:ext uri="{FF2B5EF4-FFF2-40B4-BE49-F238E27FC236}">
-                    <a16:creationId xmlns:a16="http://schemas.microsoft.com/office/drawing/2014/main" id="{3D8A0DC3-4AFD-4217-A840-65D56ADAF98A}"/>
-                  </a:ext>
-                </a:extLst>
-              </p:cNvPr>
-              <p:cNvSpPr/>
-              <p:nvPr/>
-            </p:nvSpPr>
-            <p:spPr>
-              <a:xfrm>
-                <a:off x="1402619" y="1051014"/>
-                <a:ext cx="2399761" cy="830997"/>
-              </a:xfrm>
-              <a:prstGeom prst="rect">
-                <a:avLst/>
-              </a:prstGeom>
-            </p:spPr>
-            <p:txBody>
-              <a:bodyPr wrap="square">
-                <a:spAutoFit/>
-              </a:bodyPr>
-              <a:lstStyle/>
-              <a:p>
-                <a:pPr marL="285750" indent="-285750">
-                  <a:buFont typeface="Wingdings" panose="05000000000000000000" pitchFamily="2" charset="2"/>
-                  <a:buChar char="ü"/>
-                </a:pPr>
-                <a:r>
-                  <a:rPr lang="zh-TW" altLang="en-US" sz="1600" dirty="0">
-                    <a:solidFill>
-                      <a:schemeClr val="tx1">
-                        <a:lumMod val="65000"/>
-                        <a:lumOff val="35000"/>
-                      </a:schemeClr>
-                    </a:solidFill>
-                    <a:cs typeface="+mn-ea"/>
-                    <a:sym typeface="+mn-lt"/>
-                  </a:rPr>
-                  <a:t>檔案管理</a:t>
-                </a:r>
-                <a:endParaRPr lang="en-US" altLang="zh-TW" sz="1600" dirty="0">
-                  <a:solidFill>
-                    <a:schemeClr val="tx1">
-                      <a:lumMod val="65000"/>
-                      <a:lumOff val="35000"/>
-                    </a:schemeClr>
-                  </a:solidFill>
-                  <a:cs typeface="+mn-ea"/>
-                  <a:sym typeface="+mn-lt"/>
-                </a:endParaRPr>
-              </a:p>
-              <a:p>
-                <a:pPr marL="285750" indent="-285750">
-                  <a:buFont typeface="Wingdings" panose="05000000000000000000" pitchFamily="2" charset="2"/>
-                  <a:buChar char="ü"/>
-                </a:pPr>
-                <a:r>
-                  <a:rPr lang="zh-TW" altLang="en-US" sz="1600" dirty="0">
-                    <a:solidFill>
-                      <a:schemeClr val="tx1">
-                        <a:lumMod val="65000"/>
-                        <a:lumOff val="35000"/>
-                      </a:schemeClr>
-                    </a:solidFill>
-                    <a:cs typeface="+mn-ea"/>
-                    <a:sym typeface="+mn-lt"/>
-                  </a:rPr>
-                  <a:t>內部訊息</a:t>
-                </a:r>
-                <a:endParaRPr lang="en-US" altLang="zh-TW" sz="1600" dirty="0">
-                  <a:solidFill>
-                    <a:schemeClr val="tx1">
-                      <a:lumMod val="65000"/>
-                      <a:lumOff val="35000"/>
-                    </a:schemeClr>
-                  </a:solidFill>
-                  <a:cs typeface="+mn-ea"/>
-                  <a:sym typeface="+mn-lt"/>
-                </a:endParaRPr>
-              </a:p>
-              <a:p>
-                <a:pPr marL="285750" indent="-285750">
-                  <a:buFont typeface="Wingdings" panose="05000000000000000000" pitchFamily="2" charset="2"/>
-                  <a:buChar char="ü"/>
-                </a:pPr>
-                <a:r>
-                  <a:rPr lang="en-US" altLang="zh-TW" sz="1600" dirty="0">
-                    <a:solidFill>
-                      <a:schemeClr val="tx1">
-                        <a:lumMod val="65000"/>
-                        <a:lumOff val="35000"/>
-                      </a:schemeClr>
-                    </a:solidFill>
-                    <a:cs typeface="+mn-ea"/>
-                    <a:sym typeface="+mn-lt"/>
-                  </a:rPr>
-                  <a:t>LOGO</a:t>
-                </a:r>
-                <a:r>
-                  <a:rPr lang="zh-TW" altLang="en-US" sz="1600" dirty="0">
-                    <a:solidFill>
-                      <a:schemeClr val="tx1">
-                        <a:lumMod val="65000"/>
-                        <a:lumOff val="35000"/>
-                      </a:schemeClr>
-                    </a:solidFill>
-                    <a:cs typeface="+mn-ea"/>
-                    <a:sym typeface="+mn-lt"/>
-                  </a:rPr>
-                  <a:t>設計</a:t>
-                </a:r>
-              </a:p>
-            </p:txBody>
-          </p:sp>
-          <p:grpSp>
-            <p:nvGrpSpPr>
-              <p:cNvPr id="120" name="群組 119">
-                <a:extLst>
-                  <a:ext uri="{FF2B5EF4-FFF2-40B4-BE49-F238E27FC236}">
-                    <a16:creationId xmlns:a16="http://schemas.microsoft.com/office/drawing/2014/main" id="{923AD1EA-5A1B-4214-B7E8-12DB103DBAE3}"/>
-                  </a:ext>
-                </a:extLst>
-              </p:cNvPr>
-              <p:cNvGrpSpPr>
-                <a:grpSpLocks noChangeAspect="1"/>
-              </p:cNvGrpSpPr>
-              <p:nvPr/>
-            </p:nvGrpSpPr>
-            <p:grpSpPr>
-              <a:xfrm>
-                <a:off x="370105" y="892300"/>
-                <a:ext cx="1032515" cy="1243061"/>
-                <a:chOff x="1047747" y="1242768"/>
-                <a:chExt cx="1787898" cy="2152478"/>
-              </a:xfrm>
-            </p:grpSpPr>
-            <p:sp>
-              <p:nvSpPr>
-                <p:cNvPr id="121" name="MH_Picture_1">
-                  <a:extLst>
-                    <a:ext uri="{FF2B5EF4-FFF2-40B4-BE49-F238E27FC236}">
-                      <a16:creationId xmlns:a16="http://schemas.microsoft.com/office/drawing/2014/main" id="{35B88835-FFD5-400C-9258-07C2F01161B9}"/>
-                    </a:ext>
-                  </a:extLst>
-                </p:cNvPr>
-                <p:cNvSpPr/>
-                <p:nvPr>
-                  <p:custDataLst>
-                    <p:tags r:id="rId2"/>
-                  </p:custDataLst>
-                </p:nvPr>
-              </p:nvSpPr>
-              <p:spPr>
-                <a:xfrm>
-                  <a:off x="1047747" y="1242768"/>
-                  <a:ext cx="1787898" cy="2152478"/>
-                </a:xfrm>
-                <a:prstGeom prst="rect">
-                  <a:avLst/>
-                </a:prstGeom>
-                <a:blipFill dpi="0" rotWithShape="1">
-                  <a:blip r:embed="rId9" cstate="screen">
-                    <a:extLst>
-                      <a:ext uri="{28A0092B-C50C-407E-A947-70E740481C1C}">
-                        <a14:useLocalDpi xmlns:a14="http://schemas.microsoft.com/office/drawing/2010/main"/>
-                      </a:ext>
-                    </a:extLst>
-                  </a:blip>
-                  <a:srcRect/>
-                  <a:stretch>
-                    <a:fillRect/>
-                  </a:stretch>
-                </a:blipFill>
-                <a:ln w="57150">
-                  <a:noFill/>
-                </a:ln>
-              </p:spPr>
-              <p:style>
-                <a:lnRef idx="2">
-                  <a:schemeClr val="accent1">
-                    <a:shade val="50000"/>
-                  </a:schemeClr>
-                </a:lnRef>
-                <a:fillRef idx="1">
-                  <a:schemeClr val="accent1"/>
-                </a:fillRef>
-                <a:effectRef idx="0">
-                  <a:schemeClr val="accent1"/>
-                </a:effectRef>
-                <a:fontRef idx="minor">
-                  <a:schemeClr val="lt1"/>
-                </a:fontRef>
-              </p:style>
-              <p:txBody>
-                <a:bodyPr anchor="ctr"/>
-                <a:lstStyle/>
-                <a:p>
-                  <a:pPr algn="ctr">
-                    <a:defRPr/>
-                  </a:pPr>
-                  <a:endParaRPr lang="zh-CN" altLang="en-US" sz="1013">
-                    <a:solidFill>
-                      <a:prstClr val="white"/>
-                    </a:solidFill>
-                    <a:cs typeface="+mn-ea"/>
-                    <a:sym typeface="+mn-lt"/>
-                  </a:endParaRPr>
-                </a:p>
-              </p:txBody>
-            </p:sp>
-            <p:sp>
-              <p:nvSpPr>
-                <p:cNvPr id="122" name="矩形 121">
-                  <a:extLst>
-                    <a:ext uri="{FF2B5EF4-FFF2-40B4-BE49-F238E27FC236}">
-                      <a16:creationId xmlns:a16="http://schemas.microsoft.com/office/drawing/2014/main" id="{6A2BA4D8-E934-4396-8F93-93298D52C98A}"/>
-                    </a:ext>
-                  </a:extLst>
-                </p:cNvPr>
-                <p:cNvSpPr/>
-                <p:nvPr/>
-              </p:nvSpPr>
-              <p:spPr>
-                <a:xfrm>
-                  <a:off x="1047747" y="2887934"/>
-                  <a:ext cx="1787895" cy="506291"/>
-                </a:xfrm>
-                <a:prstGeom prst="rect">
-                  <a:avLst/>
-                </a:prstGeom>
-                <a:ln>
-                  <a:noFill/>
-                </a:ln>
-              </p:spPr>
-              <p:style>
-                <a:lnRef idx="2">
-                  <a:schemeClr val="accent1">
-                    <a:shade val="50000"/>
-                  </a:schemeClr>
-                </a:lnRef>
-                <a:fillRef idx="1">
-                  <a:schemeClr val="accent1"/>
-                </a:fillRef>
-                <a:effectRef idx="0">
-                  <a:schemeClr val="accent1"/>
-                </a:effectRef>
-                <a:fontRef idx="minor">
-                  <a:schemeClr val="lt1"/>
-                </a:fontRef>
-              </p:style>
-              <p:txBody>
-                <a:bodyPr rtlCol="0" anchor="ctr"/>
-                <a:lstStyle/>
-                <a:p>
-                  <a:pPr algn="ctr"/>
-                  <a:r>
-                    <a:rPr lang="zh-TW" altLang="en-US" sz="1600" dirty="0">
-                      <a:cs typeface="+mn-ea"/>
-                      <a:sym typeface="+mn-lt"/>
-                    </a:rPr>
-                    <a:t>馬詩涵</a:t>
-                  </a:r>
-                  <a:endParaRPr lang="zh-CN" altLang="en-US" sz="1600" dirty="0">
-                    <a:cs typeface="+mn-ea"/>
-                    <a:sym typeface="+mn-lt"/>
-                  </a:endParaRPr>
-                </a:p>
-              </p:txBody>
-            </p:sp>
-          </p:grpSp>
-        </p:grpSp>
-        <p:sp>
-          <p:nvSpPr>
-            <p:cNvPr id="117" name="矩形: 圓角 116">
-              <a:extLst>
-                <a:ext uri="{FF2B5EF4-FFF2-40B4-BE49-F238E27FC236}">
-                  <a16:creationId xmlns:a16="http://schemas.microsoft.com/office/drawing/2014/main" id="{9BEC4791-648D-4130-8869-FADBF310617E}"/>
-                </a:ext>
-              </a:extLst>
-            </p:cNvPr>
-            <p:cNvSpPr/>
-            <p:nvPr/>
-          </p:nvSpPr>
-          <p:spPr>
-            <a:xfrm>
-              <a:off x="3043371" y="1897379"/>
-              <a:ext cx="873309" cy="350975"/>
-            </a:xfrm>
-            <a:prstGeom prst="roundRect">
-              <a:avLst/>
-            </a:prstGeom>
-          </p:spPr>
-          <p:style>
-            <a:lnRef idx="2">
-              <a:schemeClr val="accent5">
-                <a:shade val="50000"/>
-              </a:schemeClr>
-            </a:lnRef>
-            <a:fillRef idx="1">
-              <a:schemeClr val="accent5"/>
-            </a:fillRef>
-            <a:effectRef idx="0">
-              <a:schemeClr val="accent5"/>
-            </a:effectRef>
-            <a:fontRef idx="minor">
-              <a:schemeClr val="lt1"/>
-            </a:fontRef>
-          </p:style>
-          <p:txBody>
-            <a:bodyPr rtlCol="0" anchor="ctr"/>
-            <a:lstStyle/>
-            <a:p>
-              <a:pPr algn="ctr"/>
-              <a:r>
-                <a:rPr lang="zh-TW" altLang="en-US" sz="1600" dirty="0"/>
-                <a:t>組員</a:t>
-              </a:r>
-            </a:p>
-          </p:txBody>
-        </p:sp>
-      </p:grpSp>
-      <p:grpSp>
-        <p:nvGrpSpPr>
-          <p:cNvPr id="123" name="群組 122">
-            <a:extLst>
-              <a:ext uri="{FF2B5EF4-FFF2-40B4-BE49-F238E27FC236}">
-                <a16:creationId xmlns:a16="http://schemas.microsoft.com/office/drawing/2014/main" id="{AF255C31-27BF-4D3E-A6CB-E43445851A15}"/>
-              </a:ext>
-            </a:extLst>
-          </p:cNvPr>
-          <p:cNvGrpSpPr/>
-          <p:nvPr/>
-        </p:nvGrpSpPr>
-        <p:grpSpPr>
-          <a:xfrm>
-            <a:off x="4811211" y="3687679"/>
-            <a:ext cx="3546575" cy="1356054"/>
-            <a:chOff x="370105" y="892300"/>
-            <a:chExt cx="3546575" cy="1356054"/>
-          </a:xfrm>
-        </p:grpSpPr>
-        <p:grpSp>
-          <p:nvGrpSpPr>
-            <p:cNvPr id="124" name="群組 123">
-              <a:extLst>
-                <a:ext uri="{FF2B5EF4-FFF2-40B4-BE49-F238E27FC236}">
-                  <a16:creationId xmlns:a16="http://schemas.microsoft.com/office/drawing/2014/main" id="{0B5CD7ED-FD96-498D-8A84-B02ADB5C37AB}"/>
-                </a:ext>
-              </a:extLst>
-            </p:cNvPr>
-            <p:cNvGrpSpPr/>
-            <p:nvPr/>
-          </p:nvGrpSpPr>
-          <p:grpSpPr>
-            <a:xfrm>
-              <a:off x="370105" y="892300"/>
-              <a:ext cx="3493235" cy="1310881"/>
-              <a:chOff x="370105" y="892300"/>
-              <a:chExt cx="3493235" cy="1310881"/>
-            </a:xfrm>
-          </p:grpSpPr>
-          <p:sp>
-            <p:nvSpPr>
-              <p:cNvPr id="126" name="矩形 125">
-                <a:extLst>
-                  <a:ext uri="{FF2B5EF4-FFF2-40B4-BE49-F238E27FC236}">
-                    <a16:creationId xmlns:a16="http://schemas.microsoft.com/office/drawing/2014/main" id="{E3E4BE03-4D4D-47BA-876D-E7975E215F8C}"/>
-                  </a:ext>
-                </a:extLst>
-              </p:cNvPr>
-              <p:cNvSpPr/>
-              <p:nvPr/>
-            </p:nvSpPr>
-            <p:spPr>
-              <a:xfrm>
-                <a:off x="426720" y="960120"/>
-                <a:ext cx="3436620" cy="1243061"/>
-              </a:xfrm>
-              <a:prstGeom prst="rect">
-                <a:avLst/>
-              </a:prstGeom>
-              <a:noFill/>
-              <a:ln w="19050"/>
-            </p:spPr>
-            <p:style>
-              <a:lnRef idx="2">
-                <a:schemeClr val="accent1">
-                  <a:shade val="50000"/>
-                </a:schemeClr>
-              </a:lnRef>
-              <a:fillRef idx="1">
-                <a:schemeClr val="accent1"/>
-              </a:fillRef>
-              <a:effectRef idx="0">
-                <a:schemeClr val="accent1"/>
-              </a:effectRef>
-              <a:fontRef idx="minor">
-                <a:schemeClr val="lt1"/>
-              </a:fontRef>
-            </p:style>
-            <p:txBody>
-              <a:bodyPr rtlCol="0" anchor="ctr"/>
-              <a:lstStyle/>
-              <a:p>
-                <a:pPr algn="ctr"/>
-                <a:endParaRPr lang="zh-TW" altLang="en-US"/>
-              </a:p>
-            </p:txBody>
-          </p:sp>
-          <p:sp>
-            <p:nvSpPr>
-              <p:cNvPr id="127" name="矩形 126">
-                <a:extLst>
-                  <a:ext uri="{FF2B5EF4-FFF2-40B4-BE49-F238E27FC236}">
-                    <a16:creationId xmlns:a16="http://schemas.microsoft.com/office/drawing/2014/main" id="{5F3E0DAA-A124-446F-91A6-BCDD19409F68}"/>
-                  </a:ext>
-                </a:extLst>
-              </p:cNvPr>
-              <p:cNvSpPr/>
-              <p:nvPr/>
-            </p:nvSpPr>
-            <p:spPr>
-              <a:xfrm>
-                <a:off x="1402619" y="1051014"/>
-                <a:ext cx="2399761" cy="1077218"/>
-              </a:xfrm>
-              <a:prstGeom prst="rect">
-                <a:avLst/>
-              </a:prstGeom>
-            </p:spPr>
-            <p:txBody>
-              <a:bodyPr wrap="square">
-                <a:spAutoFit/>
-              </a:bodyPr>
-              <a:lstStyle/>
-              <a:p>
-                <a:pPr marL="285750" indent="-285750">
-                  <a:buFont typeface="Wingdings" panose="05000000000000000000" pitchFamily="2" charset="2"/>
-                  <a:buChar char="ü"/>
-                </a:pPr>
-                <a:r>
-                  <a:rPr lang="zh-TW" altLang="en-US" sz="1600" dirty="0">
-                    <a:solidFill>
-                      <a:schemeClr val="tx1">
-                        <a:lumMod val="65000"/>
-                        <a:lumOff val="35000"/>
-                      </a:schemeClr>
-                    </a:solidFill>
-                    <a:cs typeface="+mn-ea"/>
-                    <a:sym typeface="+mn-lt"/>
-                  </a:rPr>
-                  <a:t>請購系統</a:t>
-                </a:r>
-                <a:endParaRPr lang="en-US" altLang="zh-TW" sz="1600" dirty="0">
-                  <a:solidFill>
-                    <a:schemeClr val="tx1">
-                      <a:lumMod val="65000"/>
-                      <a:lumOff val="35000"/>
-                    </a:schemeClr>
-                  </a:solidFill>
-                  <a:cs typeface="+mn-ea"/>
-                  <a:sym typeface="+mn-lt"/>
-                </a:endParaRPr>
-              </a:p>
-              <a:p>
-                <a:pPr marL="285750" indent="-285750">
-                  <a:buFont typeface="Wingdings" panose="05000000000000000000" pitchFamily="2" charset="2"/>
-                  <a:buChar char="ü"/>
-                </a:pPr>
-                <a:r>
-                  <a:rPr lang="zh-TW" altLang="en-US" sz="1600" dirty="0">
-                    <a:solidFill>
-                      <a:schemeClr val="tx1">
-                        <a:lumMod val="65000"/>
-                        <a:lumOff val="35000"/>
-                      </a:schemeClr>
-                    </a:solidFill>
-                    <a:cs typeface="+mn-ea"/>
-                    <a:sym typeface="+mn-lt"/>
-                  </a:rPr>
-                  <a:t>請購簽核</a:t>
-                </a:r>
-                <a:endParaRPr lang="en-US" altLang="zh-TW" sz="1600" dirty="0">
-                  <a:solidFill>
-                    <a:schemeClr val="tx1">
-                      <a:lumMod val="65000"/>
-                      <a:lumOff val="35000"/>
-                    </a:schemeClr>
-                  </a:solidFill>
-                  <a:cs typeface="+mn-ea"/>
-                  <a:sym typeface="+mn-lt"/>
-                </a:endParaRPr>
-              </a:p>
-              <a:p>
-                <a:pPr marL="285750" indent="-285750">
-                  <a:buFont typeface="Wingdings" panose="05000000000000000000" pitchFamily="2" charset="2"/>
-                  <a:buChar char="ü"/>
-                </a:pPr>
-                <a:r>
-                  <a:rPr lang="en-US" altLang="zh-TW" sz="1600" dirty="0">
-                    <a:solidFill>
-                      <a:schemeClr val="tx1">
-                        <a:lumMod val="65000"/>
-                        <a:lumOff val="35000"/>
-                      </a:schemeClr>
-                    </a:solidFill>
-                    <a:cs typeface="+mn-ea"/>
-                    <a:sym typeface="+mn-lt"/>
-                  </a:rPr>
-                  <a:t>UI</a:t>
-                </a:r>
-                <a:r>
-                  <a:rPr lang="zh-TW" altLang="en-US" sz="1600" dirty="0">
-                    <a:solidFill>
-                      <a:schemeClr val="tx1">
-                        <a:lumMod val="65000"/>
-                        <a:lumOff val="35000"/>
-                      </a:schemeClr>
-                    </a:solidFill>
-                    <a:cs typeface="+mn-ea"/>
-                    <a:sym typeface="+mn-lt"/>
-                  </a:rPr>
-                  <a:t>設計</a:t>
-                </a:r>
-                <a:endParaRPr lang="en-US" altLang="zh-TW" sz="1600" dirty="0">
-                  <a:solidFill>
-                    <a:schemeClr val="tx1">
-                      <a:lumMod val="65000"/>
-                      <a:lumOff val="35000"/>
-                    </a:schemeClr>
-                  </a:solidFill>
-                  <a:cs typeface="+mn-ea"/>
-                  <a:sym typeface="+mn-lt"/>
-                </a:endParaRPr>
-              </a:p>
-              <a:p>
-                <a:pPr marL="285750" indent="-285750">
-                  <a:buFont typeface="Wingdings" panose="05000000000000000000" pitchFamily="2" charset="2"/>
-                  <a:buChar char="ü"/>
-                </a:pPr>
-                <a:r>
-                  <a:rPr lang="zh-TW" altLang="en-US" sz="1600" dirty="0">
-                    <a:solidFill>
-                      <a:schemeClr val="tx1">
-                        <a:lumMod val="65000"/>
-                        <a:lumOff val="35000"/>
-                      </a:schemeClr>
-                    </a:solidFill>
-                    <a:cs typeface="+mn-ea"/>
-                    <a:sym typeface="+mn-lt"/>
-                  </a:rPr>
-                  <a:t>簡報製作</a:t>
-                </a:r>
-              </a:p>
-            </p:txBody>
-          </p:sp>
-          <p:grpSp>
-            <p:nvGrpSpPr>
-              <p:cNvPr id="128" name="群組 127">
-                <a:extLst>
-                  <a:ext uri="{FF2B5EF4-FFF2-40B4-BE49-F238E27FC236}">
-                    <a16:creationId xmlns:a16="http://schemas.microsoft.com/office/drawing/2014/main" id="{B7AA72E1-AD05-46FA-B929-C0F5C540C976}"/>
-                  </a:ext>
-                </a:extLst>
-              </p:cNvPr>
-              <p:cNvGrpSpPr>
-                <a:grpSpLocks noChangeAspect="1"/>
-              </p:cNvGrpSpPr>
-              <p:nvPr/>
-            </p:nvGrpSpPr>
-            <p:grpSpPr>
-              <a:xfrm>
-                <a:off x="370105" y="892300"/>
-                <a:ext cx="1032515" cy="1243061"/>
-                <a:chOff x="1047747" y="1242768"/>
-                <a:chExt cx="1787898" cy="2152478"/>
-              </a:xfrm>
-            </p:grpSpPr>
-            <p:sp>
-              <p:nvSpPr>
-                <p:cNvPr id="129" name="MH_Picture_1">
-                  <a:extLst>
-                    <a:ext uri="{FF2B5EF4-FFF2-40B4-BE49-F238E27FC236}">
-                      <a16:creationId xmlns:a16="http://schemas.microsoft.com/office/drawing/2014/main" id="{FB0947C2-10CE-4E03-8DED-5FFAE268F2AB}"/>
-                    </a:ext>
-                  </a:extLst>
-                </p:cNvPr>
-                <p:cNvSpPr/>
-                <p:nvPr>
-                  <p:custDataLst>
-                    <p:tags r:id="rId1"/>
-                  </p:custDataLst>
-                </p:nvPr>
-              </p:nvSpPr>
-              <p:spPr>
-                <a:xfrm>
-                  <a:off x="1047747" y="1242768"/>
-                  <a:ext cx="1787898" cy="2152478"/>
-                </a:xfrm>
-                <a:prstGeom prst="rect">
-                  <a:avLst/>
-                </a:prstGeom>
-                <a:blipFill dpi="0" rotWithShape="1">
-                  <a:blip r:embed="rId9" cstate="screen">
-                    <a:extLst>
-                      <a:ext uri="{28A0092B-C50C-407E-A947-70E740481C1C}">
-                        <a14:useLocalDpi xmlns:a14="http://schemas.microsoft.com/office/drawing/2010/main"/>
-                      </a:ext>
-                    </a:extLst>
-                  </a:blip>
-                  <a:srcRect/>
-                  <a:stretch>
-                    <a:fillRect/>
-                  </a:stretch>
-                </a:blipFill>
-                <a:ln w="57150">
-                  <a:noFill/>
-                </a:ln>
-              </p:spPr>
-              <p:style>
-                <a:lnRef idx="2">
-                  <a:schemeClr val="accent1">
-                    <a:shade val="50000"/>
-                  </a:schemeClr>
-                </a:lnRef>
-                <a:fillRef idx="1">
-                  <a:schemeClr val="accent1"/>
-                </a:fillRef>
-                <a:effectRef idx="0">
-                  <a:schemeClr val="accent1"/>
-                </a:effectRef>
-                <a:fontRef idx="minor">
-                  <a:schemeClr val="lt1"/>
-                </a:fontRef>
-              </p:style>
-              <p:txBody>
-                <a:bodyPr anchor="ctr"/>
-                <a:lstStyle/>
-                <a:p>
-                  <a:pPr algn="ctr">
-                    <a:defRPr/>
-                  </a:pPr>
-                  <a:endParaRPr lang="zh-CN" altLang="en-US" sz="1013">
-                    <a:solidFill>
-                      <a:prstClr val="white"/>
-                    </a:solidFill>
-                    <a:cs typeface="+mn-ea"/>
-                    <a:sym typeface="+mn-lt"/>
-                  </a:endParaRPr>
-                </a:p>
-              </p:txBody>
-            </p:sp>
-            <p:sp>
-              <p:nvSpPr>
-                <p:cNvPr id="130" name="矩形 129">
-                  <a:extLst>
-                    <a:ext uri="{FF2B5EF4-FFF2-40B4-BE49-F238E27FC236}">
-                      <a16:creationId xmlns:a16="http://schemas.microsoft.com/office/drawing/2014/main" id="{2969FF5F-B69E-4CAB-9FC9-8700A949EF2B}"/>
-                    </a:ext>
-                  </a:extLst>
-                </p:cNvPr>
-                <p:cNvSpPr/>
-                <p:nvPr/>
-              </p:nvSpPr>
-              <p:spPr>
-                <a:xfrm>
-                  <a:off x="1047747" y="2887934"/>
-                  <a:ext cx="1787895" cy="506291"/>
-                </a:xfrm>
-                <a:prstGeom prst="rect">
-                  <a:avLst/>
-                </a:prstGeom>
-                <a:ln>
-                  <a:noFill/>
-                </a:ln>
-              </p:spPr>
-              <p:style>
-                <a:lnRef idx="2">
-                  <a:schemeClr val="accent1">
-                    <a:shade val="50000"/>
-                  </a:schemeClr>
-                </a:lnRef>
-                <a:fillRef idx="1">
-                  <a:schemeClr val="accent1"/>
-                </a:fillRef>
-                <a:effectRef idx="0">
-                  <a:schemeClr val="accent1"/>
-                </a:effectRef>
-                <a:fontRef idx="minor">
-                  <a:schemeClr val="lt1"/>
-                </a:fontRef>
-              </p:style>
-              <p:txBody>
-                <a:bodyPr rtlCol="0" anchor="ctr"/>
-                <a:lstStyle/>
-                <a:p>
-                  <a:pPr algn="ctr"/>
-                  <a:r>
-                    <a:rPr lang="zh-TW" altLang="en-US" sz="1600" dirty="0">
-                      <a:cs typeface="+mn-ea"/>
-                      <a:sym typeface="+mn-lt"/>
-                    </a:rPr>
-                    <a:t>吳晨瑋</a:t>
-                  </a:r>
-                  <a:endParaRPr lang="zh-CN" altLang="en-US" sz="1600" dirty="0">
-                    <a:cs typeface="+mn-ea"/>
-                    <a:sym typeface="+mn-lt"/>
-                  </a:endParaRPr>
-                </a:p>
-              </p:txBody>
-            </p:sp>
-          </p:grpSp>
-        </p:grpSp>
-        <p:sp>
-          <p:nvSpPr>
-            <p:cNvPr id="125" name="矩形: 圓角 124">
-              <a:extLst>
-                <a:ext uri="{FF2B5EF4-FFF2-40B4-BE49-F238E27FC236}">
-                  <a16:creationId xmlns:a16="http://schemas.microsoft.com/office/drawing/2014/main" id="{962A3B77-5D23-4D0F-831D-B0C510A781CE}"/>
-                </a:ext>
-              </a:extLst>
-            </p:cNvPr>
-            <p:cNvSpPr/>
-            <p:nvPr/>
-          </p:nvSpPr>
-          <p:spPr>
-            <a:xfrm>
-              <a:off x="3043371" y="1897379"/>
-              <a:ext cx="873309" cy="350975"/>
-            </a:xfrm>
-            <a:prstGeom prst="roundRect">
-              <a:avLst/>
-            </a:prstGeom>
-            <a:solidFill>
-              <a:schemeClr val="accent2"/>
-            </a:solidFill>
-          </p:spPr>
-          <p:style>
-            <a:lnRef idx="2">
-              <a:schemeClr val="accent4">
-                <a:shade val="50000"/>
-              </a:schemeClr>
-            </a:lnRef>
-            <a:fillRef idx="1">
-              <a:schemeClr val="accent4"/>
-            </a:fillRef>
-            <a:effectRef idx="0">
-              <a:schemeClr val="accent4"/>
-            </a:effectRef>
-            <a:fontRef idx="minor">
-              <a:schemeClr val="lt1"/>
-            </a:fontRef>
-          </p:style>
-          <p:txBody>
-            <a:bodyPr rtlCol="0" anchor="ctr"/>
-            <a:lstStyle/>
-            <a:p>
-              <a:pPr algn="ctr"/>
-              <a:r>
-                <a:rPr lang="zh-TW" altLang="en-US" sz="1600" dirty="0"/>
-                <a:t>組長</a:t>
-              </a:r>
-            </a:p>
-          </p:txBody>
-        </p:sp>
-      </p:grpSp>
       <p:sp>
         <p:nvSpPr>
           <p:cNvPr id="131" name="矩形 130">
@@ -20251,18 +17797,2235 @@
           </a:p>
         </p:txBody>
       </p:sp>
+      <p:grpSp>
+        <p:nvGrpSpPr>
+          <p:cNvPr id="7" name="群組 6"/>
+          <p:cNvGrpSpPr/>
+          <p:nvPr/>
+        </p:nvGrpSpPr>
+        <p:grpSpPr>
+          <a:xfrm>
+            <a:off x="4811211" y="3691067"/>
+            <a:ext cx="3546575" cy="1352666"/>
+            <a:chOff x="4811211" y="3691067"/>
+            <a:chExt cx="3546575" cy="1352666"/>
+          </a:xfrm>
+        </p:grpSpPr>
+        <p:grpSp>
+          <p:nvGrpSpPr>
+            <p:cNvPr id="123" name="群組 122">
+              <a:extLst>
+                <a:ext uri="{FF2B5EF4-FFF2-40B4-BE49-F238E27FC236}">
+                  <a16:creationId xmlns:a16="http://schemas.microsoft.com/office/drawing/2014/main" id="{AF255C31-27BF-4D3E-A6CB-E43445851A15}"/>
+                </a:ext>
+              </a:extLst>
+            </p:cNvPr>
+            <p:cNvGrpSpPr/>
+            <p:nvPr/>
+          </p:nvGrpSpPr>
+          <p:grpSpPr>
+            <a:xfrm>
+              <a:off x="4811211" y="3755499"/>
+              <a:ext cx="3546575" cy="1288234"/>
+              <a:chOff x="370105" y="960120"/>
+              <a:chExt cx="3546575" cy="1288234"/>
+            </a:xfrm>
+          </p:grpSpPr>
+          <p:grpSp>
+            <p:nvGrpSpPr>
+              <p:cNvPr id="124" name="群組 123">
+                <a:extLst>
+                  <a:ext uri="{FF2B5EF4-FFF2-40B4-BE49-F238E27FC236}">
+                    <a16:creationId xmlns:a16="http://schemas.microsoft.com/office/drawing/2014/main" id="{0B5CD7ED-FD96-498D-8A84-B02ADB5C37AB}"/>
+                  </a:ext>
+                </a:extLst>
+              </p:cNvPr>
+              <p:cNvGrpSpPr/>
+              <p:nvPr/>
+            </p:nvGrpSpPr>
+            <p:grpSpPr>
+              <a:xfrm>
+                <a:off x="370105" y="960120"/>
+                <a:ext cx="3493235" cy="1243061"/>
+                <a:chOff x="370105" y="960120"/>
+                <a:chExt cx="3493235" cy="1243061"/>
+              </a:xfrm>
+            </p:grpSpPr>
+            <p:sp>
+              <p:nvSpPr>
+                <p:cNvPr id="126" name="矩形 125">
+                  <a:extLst>
+                    <a:ext uri="{FF2B5EF4-FFF2-40B4-BE49-F238E27FC236}">
+                      <a16:creationId xmlns:a16="http://schemas.microsoft.com/office/drawing/2014/main" id="{E3E4BE03-4D4D-47BA-876D-E7975E215F8C}"/>
+                    </a:ext>
+                  </a:extLst>
+                </p:cNvPr>
+                <p:cNvSpPr/>
+                <p:nvPr/>
+              </p:nvSpPr>
+              <p:spPr>
+                <a:xfrm>
+                  <a:off x="426720" y="960120"/>
+                  <a:ext cx="3436620" cy="1243061"/>
+                </a:xfrm>
+                <a:prstGeom prst="rect">
+                  <a:avLst/>
+                </a:prstGeom>
+                <a:noFill/>
+                <a:ln w="19050"/>
+              </p:spPr>
+              <p:style>
+                <a:lnRef idx="2">
+                  <a:schemeClr val="accent1">
+                    <a:shade val="50000"/>
+                  </a:schemeClr>
+                </a:lnRef>
+                <a:fillRef idx="1">
+                  <a:schemeClr val="accent1"/>
+                </a:fillRef>
+                <a:effectRef idx="0">
+                  <a:schemeClr val="accent1"/>
+                </a:effectRef>
+                <a:fontRef idx="minor">
+                  <a:schemeClr val="lt1"/>
+                </a:fontRef>
+              </p:style>
+              <p:txBody>
+                <a:bodyPr rtlCol="0" anchor="ctr"/>
+                <a:lstStyle/>
+                <a:p>
+                  <a:pPr algn="ctr"/>
+                  <a:endParaRPr lang="zh-TW" altLang="en-US"/>
+                </a:p>
+              </p:txBody>
+            </p:sp>
+            <p:sp>
+              <p:nvSpPr>
+                <p:cNvPr id="127" name="矩形 126">
+                  <a:extLst>
+                    <a:ext uri="{FF2B5EF4-FFF2-40B4-BE49-F238E27FC236}">
+                      <a16:creationId xmlns:a16="http://schemas.microsoft.com/office/drawing/2014/main" id="{5F3E0DAA-A124-446F-91A6-BCDD19409F68}"/>
+                    </a:ext>
+                  </a:extLst>
+                </p:cNvPr>
+                <p:cNvSpPr/>
+                <p:nvPr/>
+              </p:nvSpPr>
+              <p:spPr>
+                <a:xfrm>
+                  <a:off x="1402619" y="1051014"/>
+                  <a:ext cx="2399761" cy="1077218"/>
+                </a:xfrm>
+                <a:prstGeom prst="rect">
+                  <a:avLst/>
+                </a:prstGeom>
+              </p:spPr>
+              <p:txBody>
+                <a:bodyPr wrap="square">
+                  <a:spAutoFit/>
+                </a:bodyPr>
+                <a:lstStyle/>
+                <a:p>
+                  <a:pPr marL="285750" indent="-285750">
+                    <a:buFont typeface="Wingdings" panose="05000000000000000000" pitchFamily="2" charset="2"/>
+                    <a:buChar char="ü"/>
+                  </a:pPr>
+                  <a:r>
+                    <a:rPr lang="zh-TW" altLang="en-US" sz="1600" dirty="0">
+                      <a:solidFill>
+                        <a:schemeClr val="tx1">
+                          <a:lumMod val="65000"/>
+                          <a:lumOff val="35000"/>
+                        </a:schemeClr>
+                      </a:solidFill>
+                      <a:cs typeface="+mn-ea"/>
+                      <a:sym typeface="+mn-lt"/>
+                    </a:rPr>
+                    <a:t>請購系統</a:t>
+                  </a:r>
+                  <a:endParaRPr lang="en-US" altLang="zh-TW" sz="1600" dirty="0">
+                    <a:solidFill>
+                      <a:schemeClr val="tx1">
+                        <a:lumMod val="65000"/>
+                        <a:lumOff val="35000"/>
+                      </a:schemeClr>
+                    </a:solidFill>
+                    <a:cs typeface="+mn-ea"/>
+                    <a:sym typeface="+mn-lt"/>
+                  </a:endParaRPr>
+                </a:p>
+                <a:p>
+                  <a:pPr marL="285750" indent="-285750">
+                    <a:buFont typeface="Wingdings" panose="05000000000000000000" pitchFamily="2" charset="2"/>
+                    <a:buChar char="ü"/>
+                  </a:pPr>
+                  <a:r>
+                    <a:rPr lang="zh-TW" altLang="en-US" sz="1600" dirty="0">
+                      <a:solidFill>
+                        <a:schemeClr val="tx1">
+                          <a:lumMod val="65000"/>
+                          <a:lumOff val="35000"/>
+                        </a:schemeClr>
+                      </a:solidFill>
+                      <a:cs typeface="+mn-ea"/>
+                      <a:sym typeface="+mn-lt"/>
+                    </a:rPr>
+                    <a:t>請購簽核</a:t>
+                  </a:r>
+                  <a:endParaRPr lang="en-US" altLang="zh-TW" sz="1600" dirty="0">
+                    <a:solidFill>
+                      <a:schemeClr val="tx1">
+                        <a:lumMod val="65000"/>
+                        <a:lumOff val="35000"/>
+                      </a:schemeClr>
+                    </a:solidFill>
+                    <a:cs typeface="+mn-ea"/>
+                    <a:sym typeface="+mn-lt"/>
+                  </a:endParaRPr>
+                </a:p>
+                <a:p>
+                  <a:pPr marL="285750" indent="-285750">
+                    <a:buFont typeface="Wingdings" panose="05000000000000000000" pitchFamily="2" charset="2"/>
+                    <a:buChar char="ü"/>
+                  </a:pPr>
+                  <a:r>
+                    <a:rPr lang="en-US" altLang="zh-TW" sz="1600" dirty="0">
+                      <a:solidFill>
+                        <a:schemeClr val="tx1">
+                          <a:lumMod val="65000"/>
+                          <a:lumOff val="35000"/>
+                        </a:schemeClr>
+                      </a:solidFill>
+                      <a:cs typeface="+mn-ea"/>
+                      <a:sym typeface="+mn-lt"/>
+                    </a:rPr>
+                    <a:t>UI</a:t>
+                  </a:r>
+                  <a:r>
+                    <a:rPr lang="zh-TW" altLang="en-US" sz="1600" dirty="0">
+                      <a:solidFill>
+                        <a:schemeClr val="tx1">
+                          <a:lumMod val="65000"/>
+                          <a:lumOff val="35000"/>
+                        </a:schemeClr>
+                      </a:solidFill>
+                      <a:cs typeface="+mn-ea"/>
+                      <a:sym typeface="+mn-lt"/>
+                    </a:rPr>
+                    <a:t>設計</a:t>
+                  </a:r>
+                  <a:endParaRPr lang="en-US" altLang="zh-TW" sz="1600" dirty="0">
+                    <a:solidFill>
+                      <a:schemeClr val="tx1">
+                        <a:lumMod val="65000"/>
+                        <a:lumOff val="35000"/>
+                      </a:schemeClr>
+                    </a:solidFill>
+                    <a:cs typeface="+mn-ea"/>
+                    <a:sym typeface="+mn-lt"/>
+                  </a:endParaRPr>
+                </a:p>
+                <a:p>
+                  <a:pPr marL="285750" indent="-285750">
+                    <a:buFont typeface="Wingdings" panose="05000000000000000000" pitchFamily="2" charset="2"/>
+                    <a:buChar char="ü"/>
+                  </a:pPr>
+                  <a:r>
+                    <a:rPr lang="zh-TW" altLang="en-US" sz="1600" dirty="0">
+                      <a:solidFill>
+                        <a:schemeClr val="tx1">
+                          <a:lumMod val="65000"/>
+                          <a:lumOff val="35000"/>
+                        </a:schemeClr>
+                      </a:solidFill>
+                      <a:cs typeface="+mn-ea"/>
+                      <a:sym typeface="+mn-lt"/>
+                    </a:rPr>
+                    <a:t>簡報製作</a:t>
+                  </a:r>
+                </a:p>
+              </p:txBody>
+            </p:sp>
+            <p:sp>
+              <p:nvSpPr>
+                <p:cNvPr id="130" name="矩形 129">
+                  <a:extLst>
+                    <a:ext uri="{FF2B5EF4-FFF2-40B4-BE49-F238E27FC236}">
+                      <a16:creationId xmlns:a16="http://schemas.microsoft.com/office/drawing/2014/main" id="{2969FF5F-B69E-4CAB-9FC9-8700A949EF2B}"/>
+                    </a:ext>
+                  </a:extLst>
+                </p:cNvPr>
+                <p:cNvSpPr/>
+                <p:nvPr/>
+              </p:nvSpPr>
+              <p:spPr>
+                <a:xfrm>
+                  <a:off x="370105" y="1842386"/>
+                  <a:ext cx="1032513" cy="292384"/>
+                </a:xfrm>
+                <a:prstGeom prst="rect">
+                  <a:avLst/>
+                </a:prstGeom>
+                <a:ln>
+                  <a:noFill/>
+                </a:ln>
+              </p:spPr>
+              <p:style>
+                <a:lnRef idx="2">
+                  <a:schemeClr val="accent1">
+                    <a:shade val="50000"/>
+                  </a:schemeClr>
+                </a:lnRef>
+                <a:fillRef idx="1">
+                  <a:schemeClr val="accent1"/>
+                </a:fillRef>
+                <a:effectRef idx="0">
+                  <a:schemeClr val="accent1"/>
+                </a:effectRef>
+                <a:fontRef idx="minor">
+                  <a:schemeClr val="lt1"/>
+                </a:fontRef>
+              </p:style>
+              <p:txBody>
+                <a:bodyPr rtlCol="0" anchor="ctr"/>
+                <a:lstStyle/>
+                <a:p>
+                  <a:pPr algn="ctr"/>
+                  <a:r>
+                    <a:rPr lang="zh-TW" altLang="en-US" sz="1600" dirty="0">
+                      <a:cs typeface="+mn-ea"/>
+                      <a:sym typeface="+mn-lt"/>
+                    </a:rPr>
+                    <a:t>吳晨瑋</a:t>
+                  </a:r>
+                  <a:endParaRPr lang="zh-CN" altLang="en-US" sz="1600" dirty="0">
+                    <a:cs typeface="+mn-ea"/>
+                    <a:sym typeface="+mn-lt"/>
+                  </a:endParaRPr>
+                </a:p>
+              </p:txBody>
+            </p:sp>
+          </p:grpSp>
+          <p:sp>
+            <p:nvSpPr>
+              <p:cNvPr id="125" name="矩形: 圓角 124">
+                <a:extLst>
+                  <a:ext uri="{FF2B5EF4-FFF2-40B4-BE49-F238E27FC236}">
+                    <a16:creationId xmlns:a16="http://schemas.microsoft.com/office/drawing/2014/main" id="{962A3B77-5D23-4D0F-831D-B0C510A781CE}"/>
+                  </a:ext>
+                </a:extLst>
+              </p:cNvPr>
+              <p:cNvSpPr/>
+              <p:nvPr/>
+            </p:nvSpPr>
+            <p:spPr>
+              <a:xfrm>
+                <a:off x="3043371" y="1897379"/>
+                <a:ext cx="873309" cy="350975"/>
+              </a:xfrm>
+              <a:prstGeom prst="roundRect">
+                <a:avLst/>
+              </a:prstGeom>
+              <a:solidFill>
+                <a:schemeClr val="accent2"/>
+              </a:solidFill>
+            </p:spPr>
+            <p:style>
+              <a:lnRef idx="2">
+                <a:schemeClr val="accent4">
+                  <a:shade val="50000"/>
+                </a:schemeClr>
+              </a:lnRef>
+              <a:fillRef idx="1">
+                <a:schemeClr val="accent4"/>
+              </a:fillRef>
+              <a:effectRef idx="0">
+                <a:schemeClr val="accent4"/>
+              </a:effectRef>
+              <a:fontRef idx="minor">
+                <a:schemeClr val="lt1"/>
+              </a:fontRef>
+            </p:style>
+            <p:txBody>
+              <a:bodyPr rtlCol="0" anchor="ctr"/>
+              <a:lstStyle/>
+              <a:p>
+                <a:pPr algn="ctr"/>
+                <a:r>
+                  <a:rPr lang="zh-TW" altLang="en-US" sz="1600" dirty="0"/>
+                  <a:t>組長</a:t>
+                </a:r>
+              </a:p>
+            </p:txBody>
+          </p:sp>
+        </p:grpSp>
+        <p:pic>
+          <p:nvPicPr>
+            <p:cNvPr id="6" name="圖片 5"/>
+            <p:cNvPicPr>
+              <a:picLocks noChangeAspect="1"/>
+            </p:cNvPicPr>
+            <p:nvPr/>
+          </p:nvPicPr>
+          <p:blipFill rotWithShape="1">
+            <a:blip r:embed="rId3" cstate="print">
+              <a:extLst>
+                <a:ext uri="{28A0092B-C50C-407E-A947-70E740481C1C}">
+                  <a14:useLocalDpi xmlns:a14="http://schemas.microsoft.com/office/drawing/2010/main" val="0"/>
+                </a:ext>
+              </a:extLst>
+            </a:blip>
+            <a:srcRect l="1539" r="77842" b="48029"/>
+            <a:stretch/>
+          </p:blipFill>
+          <p:spPr>
+            <a:xfrm>
+              <a:off x="4812506" y="3691067"/>
+              <a:ext cx="1029585" cy="952102"/>
+            </a:xfrm>
+            <a:prstGeom prst="rect">
+              <a:avLst/>
+            </a:prstGeom>
+          </p:spPr>
+        </p:pic>
+      </p:grpSp>
+      <p:grpSp>
+        <p:nvGrpSpPr>
+          <p:cNvPr id="12" name="群組 11">
+            <a:extLst>
+              <a:ext uri="{FF2B5EF4-FFF2-40B4-BE49-F238E27FC236}">
+                <a16:creationId xmlns:a16="http://schemas.microsoft.com/office/drawing/2014/main" id="{ABEF9A0E-9996-42FB-8D83-8617CCA36E58}"/>
+              </a:ext>
+            </a:extLst>
+          </p:cNvPr>
+          <p:cNvGrpSpPr/>
+          <p:nvPr/>
+        </p:nvGrpSpPr>
+        <p:grpSpPr>
+          <a:xfrm>
+            <a:off x="4809574" y="892297"/>
+            <a:ext cx="3546575" cy="1356057"/>
+            <a:chOff x="4809574" y="892297"/>
+            <a:chExt cx="3546575" cy="1356057"/>
+          </a:xfrm>
+        </p:grpSpPr>
+        <p:grpSp>
+          <p:nvGrpSpPr>
+            <p:cNvPr id="107" name="群組 106">
+              <a:extLst>
+                <a:ext uri="{FF2B5EF4-FFF2-40B4-BE49-F238E27FC236}">
+                  <a16:creationId xmlns:a16="http://schemas.microsoft.com/office/drawing/2014/main" id="{97F5EF7A-5B4D-4FA0-A0FE-2E3BD34E6A30}"/>
+                </a:ext>
+              </a:extLst>
+            </p:cNvPr>
+            <p:cNvGrpSpPr/>
+            <p:nvPr/>
+          </p:nvGrpSpPr>
+          <p:grpSpPr>
+            <a:xfrm>
+              <a:off x="4809574" y="960120"/>
+              <a:ext cx="3546575" cy="1288234"/>
+              <a:chOff x="370105" y="960120"/>
+              <a:chExt cx="3546575" cy="1288234"/>
+            </a:xfrm>
+          </p:grpSpPr>
+          <p:grpSp>
+            <p:nvGrpSpPr>
+              <p:cNvPr id="108" name="群組 107">
+                <a:extLst>
+                  <a:ext uri="{FF2B5EF4-FFF2-40B4-BE49-F238E27FC236}">
+                    <a16:creationId xmlns:a16="http://schemas.microsoft.com/office/drawing/2014/main" id="{A503A2D8-A180-4A08-A2FD-5A94583B871A}"/>
+                  </a:ext>
+                </a:extLst>
+              </p:cNvPr>
+              <p:cNvGrpSpPr/>
+              <p:nvPr/>
+            </p:nvGrpSpPr>
+            <p:grpSpPr>
+              <a:xfrm>
+                <a:off x="370105" y="960120"/>
+                <a:ext cx="3493235" cy="1243061"/>
+                <a:chOff x="370105" y="960120"/>
+                <a:chExt cx="3493235" cy="1243061"/>
+              </a:xfrm>
+            </p:grpSpPr>
+            <p:sp>
+              <p:nvSpPr>
+                <p:cNvPr id="110" name="矩形 109">
+                  <a:extLst>
+                    <a:ext uri="{FF2B5EF4-FFF2-40B4-BE49-F238E27FC236}">
+                      <a16:creationId xmlns:a16="http://schemas.microsoft.com/office/drawing/2014/main" id="{72925BB2-499B-49D9-ACF9-7E3F422B54B2}"/>
+                    </a:ext>
+                  </a:extLst>
+                </p:cNvPr>
+                <p:cNvSpPr/>
+                <p:nvPr/>
+              </p:nvSpPr>
+              <p:spPr>
+                <a:xfrm>
+                  <a:off x="426720" y="960120"/>
+                  <a:ext cx="3436620" cy="1243061"/>
+                </a:xfrm>
+                <a:prstGeom prst="rect">
+                  <a:avLst/>
+                </a:prstGeom>
+                <a:noFill/>
+                <a:ln w="19050"/>
+              </p:spPr>
+              <p:style>
+                <a:lnRef idx="2">
+                  <a:schemeClr val="accent1">
+                    <a:shade val="50000"/>
+                  </a:schemeClr>
+                </a:lnRef>
+                <a:fillRef idx="1">
+                  <a:schemeClr val="accent1"/>
+                </a:fillRef>
+                <a:effectRef idx="0">
+                  <a:schemeClr val="accent1"/>
+                </a:effectRef>
+                <a:fontRef idx="minor">
+                  <a:schemeClr val="lt1"/>
+                </a:fontRef>
+              </p:style>
+              <p:txBody>
+                <a:bodyPr rtlCol="0" anchor="ctr"/>
+                <a:lstStyle/>
+                <a:p>
+                  <a:pPr algn="ctr"/>
+                  <a:endParaRPr lang="zh-TW" altLang="en-US"/>
+                </a:p>
+              </p:txBody>
+            </p:sp>
+            <p:sp>
+              <p:nvSpPr>
+                <p:cNvPr id="111" name="矩形 110">
+                  <a:extLst>
+                    <a:ext uri="{FF2B5EF4-FFF2-40B4-BE49-F238E27FC236}">
+                      <a16:creationId xmlns:a16="http://schemas.microsoft.com/office/drawing/2014/main" id="{044B30EF-6669-49B7-9EF5-50380A1854BC}"/>
+                    </a:ext>
+                  </a:extLst>
+                </p:cNvPr>
+                <p:cNvSpPr/>
+                <p:nvPr/>
+              </p:nvSpPr>
+              <p:spPr>
+                <a:xfrm>
+                  <a:off x="1402619" y="1051014"/>
+                  <a:ext cx="2399761" cy="584775"/>
+                </a:xfrm>
+                <a:prstGeom prst="rect">
+                  <a:avLst/>
+                </a:prstGeom>
+              </p:spPr>
+              <p:txBody>
+                <a:bodyPr wrap="square">
+                  <a:spAutoFit/>
+                </a:bodyPr>
+                <a:lstStyle/>
+                <a:p>
+                  <a:pPr marL="285750" indent="-285750">
+                    <a:buFont typeface="Wingdings" panose="05000000000000000000" pitchFamily="2" charset="2"/>
+                    <a:buChar char="ü"/>
+                  </a:pPr>
+                  <a:r>
+                    <a:rPr lang="zh-TW" altLang="en-US" sz="1600" dirty="0">
+                      <a:solidFill>
+                        <a:schemeClr val="tx1">
+                          <a:lumMod val="65000"/>
+                          <a:lumOff val="35000"/>
+                        </a:schemeClr>
+                      </a:solidFill>
+                      <a:cs typeface="+mn-ea"/>
+                      <a:sym typeface="+mn-lt"/>
+                    </a:rPr>
+                    <a:t>工時回報</a:t>
+                  </a:r>
+                  <a:endParaRPr lang="en-US" altLang="zh-TW" sz="1600" dirty="0">
+                    <a:solidFill>
+                      <a:schemeClr val="tx1">
+                        <a:lumMod val="65000"/>
+                        <a:lumOff val="35000"/>
+                      </a:schemeClr>
+                    </a:solidFill>
+                    <a:cs typeface="+mn-ea"/>
+                    <a:sym typeface="+mn-lt"/>
+                  </a:endParaRPr>
+                </a:p>
+                <a:p>
+                  <a:pPr marL="285750" indent="-285750">
+                    <a:buFont typeface="Wingdings" panose="05000000000000000000" pitchFamily="2" charset="2"/>
+                    <a:buChar char="ü"/>
+                  </a:pPr>
+                  <a:r>
+                    <a:rPr lang="zh-TW" altLang="en-US" sz="1600" dirty="0">
+                      <a:solidFill>
+                        <a:schemeClr val="tx1">
+                          <a:lumMod val="65000"/>
+                          <a:lumOff val="35000"/>
+                        </a:schemeClr>
+                      </a:solidFill>
+                      <a:cs typeface="+mn-ea"/>
+                      <a:sym typeface="+mn-lt"/>
+                    </a:rPr>
+                    <a:t>行事曆</a:t>
+                  </a:r>
+                </a:p>
+              </p:txBody>
+            </p:sp>
+            <p:sp>
+              <p:nvSpPr>
+                <p:cNvPr id="114" name="矩形 113">
+                  <a:extLst>
+                    <a:ext uri="{FF2B5EF4-FFF2-40B4-BE49-F238E27FC236}">
+                      <a16:creationId xmlns:a16="http://schemas.microsoft.com/office/drawing/2014/main" id="{93FB0969-AD47-479C-9B0B-DE33F22B1492}"/>
+                    </a:ext>
+                  </a:extLst>
+                </p:cNvPr>
+                <p:cNvSpPr/>
+                <p:nvPr/>
+              </p:nvSpPr>
+              <p:spPr>
+                <a:xfrm>
+                  <a:off x="370105" y="1842387"/>
+                  <a:ext cx="1032513" cy="292384"/>
+                </a:xfrm>
+                <a:prstGeom prst="rect">
+                  <a:avLst/>
+                </a:prstGeom>
+                <a:ln>
+                  <a:noFill/>
+                </a:ln>
+              </p:spPr>
+              <p:style>
+                <a:lnRef idx="2">
+                  <a:schemeClr val="accent1">
+                    <a:shade val="50000"/>
+                  </a:schemeClr>
+                </a:lnRef>
+                <a:fillRef idx="1">
+                  <a:schemeClr val="accent1"/>
+                </a:fillRef>
+                <a:effectRef idx="0">
+                  <a:schemeClr val="accent1"/>
+                </a:effectRef>
+                <a:fontRef idx="minor">
+                  <a:schemeClr val="lt1"/>
+                </a:fontRef>
+              </p:style>
+              <p:txBody>
+                <a:bodyPr rtlCol="0" anchor="ctr"/>
+                <a:lstStyle/>
+                <a:p>
+                  <a:pPr algn="ctr"/>
+                  <a:r>
+                    <a:rPr lang="zh-TW" altLang="en-US" sz="1600" dirty="0">
+                      <a:cs typeface="+mn-ea"/>
+                      <a:sym typeface="+mn-lt"/>
+                    </a:rPr>
+                    <a:t>黃詠聖</a:t>
+                  </a:r>
+                  <a:endParaRPr lang="zh-CN" altLang="en-US" sz="1600" dirty="0">
+                    <a:cs typeface="+mn-ea"/>
+                    <a:sym typeface="+mn-lt"/>
+                  </a:endParaRPr>
+                </a:p>
+              </p:txBody>
+            </p:sp>
+          </p:grpSp>
+          <p:sp>
+            <p:nvSpPr>
+              <p:cNvPr id="109" name="矩形: 圓角 108">
+                <a:extLst>
+                  <a:ext uri="{FF2B5EF4-FFF2-40B4-BE49-F238E27FC236}">
+                    <a16:creationId xmlns:a16="http://schemas.microsoft.com/office/drawing/2014/main" id="{FB8147EC-3CEB-4A41-9C0E-0F81C815EC21}"/>
+                  </a:ext>
+                </a:extLst>
+              </p:cNvPr>
+              <p:cNvSpPr/>
+              <p:nvPr/>
+            </p:nvSpPr>
+            <p:spPr>
+              <a:xfrm>
+                <a:off x="3043371" y="1897379"/>
+                <a:ext cx="873309" cy="350975"/>
+              </a:xfrm>
+              <a:prstGeom prst="roundRect">
+                <a:avLst/>
+              </a:prstGeom>
+            </p:spPr>
+            <p:style>
+              <a:lnRef idx="2">
+                <a:schemeClr val="accent5">
+                  <a:shade val="50000"/>
+                </a:schemeClr>
+              </a:lnRef>
+              <a:fillRef idx="1">
+                <a:schemeClr val="accent5"/>
+              </a:fillRef>
+              <a:effectRef idx="0">
+                <a:schemeClr val="accent5"/>
+              </a:effectRef>
+              <a:fontRef idx="minor">
+                <a:schemeClr val="lt1"/>
+              </a:fontRef>
+            </p:style>
+            <p:txBody>
+              <a:bodyPr rtlCol="0" anchor="ctr"/>
+              <a:lstStyle/>
+              <a:p>
+                <a:pPr algn="ctr"/>
+                <a:r>
+                  <a:rPr lang="zh-TW" altLang="en-US" sz="1600" dirty="0"/>
+                  <a:t>組員</a:t>
+                </a:r>
+              </a:p>
+            </p:txBody>
+          </p:sp>
+        </p:grpSp>
+        <p:pic>
+          <p:nvPicPr>
+            <p:cNvPr id="10" name="圖片 9">
+              <a:extLst>
+                <a:ext uri="{FF2B5EF4-FFF2-40B4-BE49-F238E27FC236}">
+                  <a16:creationId xmlns:a16="http://schemas.microsoft.com/office/drawing/2014/main" id="{64EE5E1F-60C2-4456-97AD-05ADFBF228A2}"/>
+                </a:ext>
+              </a:extLst>
+            </p:cNvPr>
+            <p:cNvPicPr>
+              <a:picLocks noChangeAspect="1"/>
+            </p:cNvPicPr>
+            <p:nvPr/>
+          </p:nvPicPr>
+          <p:blipFill rotWithShape="1">
+            <a:blip r:embed="rId4" cstate="print">
+              <a:extLst>
+                <a:ext uri="{28A0092B-C50C-407E-A947-70E740481C1C}">
+                  <a14:useLocalDpi xmlns:a14="http://schemas.microsoft.com/office/drawing/2010/main" val="0"/>
+                </a:ext>
+              </a:extLst>
+            </a:blip>
+            <a:srcRect l="33356" t="23706" r="35682" b="32040"/>
+            <a:stretch/>
+          </p:blipFill>
+          <p:spPr>
+            <a:xfrm rot="16200000">
+              <a:off x="4857307" y="858107"/>
+              <a:ext cx="950089" cy="1018470"/>
+            </a:xfrm>
+            <a:prstGeom prst="rect">
+              <a:avLst/>
+            </a:prstGeom>
+          </p:spPr>
+        </p:pic>
+      </p:grpSp>
+      <p:grpSp>
+        <p:nvGrpSpPr>
+          <p:cNvPr id="15" name="群組 14">
+            <a:extLst>
+              <a:ext uri="{FF2B5EF4-FFF2-40B4-BE49-F238E27FC236}">
+                <a16:creationId xmlns:a16="http://schemas.microsoft.com/office/drawing/2014/main" id="{E58F7063-E17B-4FBB-BD59-380E498DC169}"/>
+              </a:ext>
+            </a:extLst>
+          </p:cNvPr>
+          <p:cNvGrpSpPr/>
+          <p:nvPr/>
+        </p:nvGrpSpPr>
+        <p:grpSpPr>
+          <a:xfrm>
+            <a:off x="786214" y="887384"/>
+            <a:ext cx="3546575" cy="1360970"/>
+            <a:chOff x="786214" y="887384"/>
+            <a:chExt cx="3546575" cy="1360970"/>
+          </a:xfrm>
+        </p:grpSpPr>
+        <p:grpSp>
+          <p:nvGrpSpPr>
+            <p:cNvPr id="11" name="群組 10">
+              <a:extLst>
+                <a:ext uri="{FF2B5EF4-FFF2-40B4-BE49-F238E27FC236}">
+                  <a16:creationId xmlns:a16="http://schemas.microsoft.com/office/drawing/2014/main" id="{6BD53D29-22BC-47DF-9D7B-34654389B21D}"/>
+                </a:ext>
+              </a:extLst>
+            </p:cNvPr>
+            <p:cNvGrpSpPr/>
+            <p:nvPr/>
+          </p:nvGrpSpPr>
+          <p:grpSpPr>
+            <a:xfrm>
+              <a:off x="786214" y="960120"/>
+              <a:ext cx="3546575" cy="1288234"/>
+              <a:chOff x="370105" y="960120"/>
+              <a:chExt cx="3546575" cy="1288234"/>
+            </a:xfrm>
+          </p:grpSpPr>
+          <p:grpSp>
+            <p:nvGrpSpPr>
+              <p:cNvPr id="5" name="群組 4">
+                <a:extLst>
+                  <a:ext uri="{FF2B5EF4-FFF2-40B4-BE49-F238E27FC236}">
+                    <a16:creationId xmlns:a16="http://schemas.microsoft.com/office/drawing/2014/main" id="{0BA30CC3-16F8-4A80-893A-41762EBC310E}"/>
+                  </a:ext>
+                </a:extLst>
+              </p:cNvPr>
+              <p:cNvGrpSpPr/>
+              <p:nvPr/>
+            </p:nvGrpSpPr>
+            <p:grpSpPr>
+              <a:xfrm>
+                <a:off x="370105" y="960120"/>
+                <a:ext cx="3493235" cy="1243061"/>
+                <a:chOff x="370105" y="960120"/>
+                <a:chExt cx="3493235" cy="1243061"/>
+              </a:xfrm>
+            </p:grpSpPr>
+            <p:sp>
+              <p:nvSpPr>
+                <p:cNvPr id="4" name="矩形 3">
+                  <a:extLst>
+                    <a:ext uri="{FF2B5EF4-FFF2-40B4-BE49-F238E27FC236}">
+                      <a16:creationId xmlns:a16="http://schemas.microsoft.com/office/drawing/2014/main" id="{7E913A06-3E7A-4AC6-B0F3-13B2AE98A0B6}"/>
+                    </a:ext>
+                  </a:extLst>
+                </p:cNvPr>
+                <p:cNvSpPr/>
+                <p:nvPr/>
+              </p:nvSpPr>
+              <p:spPr>
+                <a:xfrm>
+                  <a:off x="426720" y="960120"/>
+                  <a:ext cx="3436620" cy="1243061"/>
+                </a:xfrm>
+                <a:prstGeom prst="rect">
+                  <a:avLst/>
+                </a:prstGeom>
+                <a:noFill/>
+                <a:ln w="19050"/>
+              </p:spPr>
+              <p:style>
+                <a:lnRef idx="2">
+                  <a:schemeClr val="accent1">
+                    <a:shade val="50000"/>
+                  </a:schemeClr>
+                </a:lnRef>
+                <a:fillRef idx="1">
+                  <a:schemeClr val="accent1"/>
+                </a:fillRef>
+                <a:effectRef idx="0">
+                  <a:schemeClr val="accent1"/>
+                </a:effectRef>
+                <a:fontRef idx="minor">
+                  <a:schemeClr val="lt1"/>
+                </a:fontRef>
+              </p:style>
+              <p:txBody>
+                <a:bodyPr rtlCol="0" anchor="ctr"/>
+                <a:lstStyle/>
+                <a:p>
+                  <a:pPr algn="ctr"/>
+                  <a:endParaRPr lang="zh-TW" altLang="en-US"/>
+                </a:p>
+              </p:txBody>
+            </p:sp>
+            <p:sp>
+              <p:nvSpPr>
+                <p:cNvPr id="75" name="矩形 74"/>
+                <p:cNvSpPr/>
+                <p:nvPr/>
+              </p:nvSpPr>
+              <p:spPr>
+                <a:xfrm>
+                  <a:off x="1402619" y="1051014"/>
+                  <a:ext cx="2399761" cy="1077218"/>
+                </a:xfrm>
+                <a:prstGeom prst="rect">
+                  <a:avLst/>
+                </a:prstGeom>
+              </p:spPr>
+              <p:txBody>
+                <a:bodyPr wrap="square">
+                  <a:spAutoFit/>
+                </a:bodyPr>
+                <a:lstStyle/>
+                <a:p>
+                  <a:pPr marL="285750" indent="-285750">
+                    <a:buFont typeface="Wingdings" panose="05000000000000000000" pitchFamily="2" charset="2"/>
+                    <a:buChar char="ü"/>
+                  </a:pPr>
+                  <a:r>
+                    <a:rPr lang="zh-TW" altLang="en-US" sz="1600" dirty="0">
+                      <a:solidFill>
+                        <a:schemeClr val="tx1">
+                          <a:lumMod val="65000"/>
+                          <a:lumOff val="35000"/>
+                        </a:schemeClr>
+                      </a:solidFill>
+                      <a:cs typeface="+mn-ea"/>
+                      <a:sym typeface="+mn-lt"/>
+                    </a:rPr>
+                    <a:t>人資管理</a:t>
+                  </a:r>
+                  <a:endParaRPr lang="en-US" altLang="zh-TW" sz="1600" dirty="0">
+                    <a:solidFill>
+                      <a:schemeClr val="tx1">
+                        <a:lumMod val="65000"/>
+                        <a:lumOff val="35000"/>
+                      </a:schemeClr>
+                    </a:solidFill>
+                    <a:cs typeface="+mn-ea"/>
+                    <a:sym typeface="+mn-lt"/>
+                  </a:endParaRPr>
+                </a:p>
+                <a:p>
+                  <a:pPr marL="285750" indent="-285750">
+                    <a:buFont typeface="Wingdings" panose="05000000000000000000" pitchFamily="2" charset="2"/>
+                    <a:buChar char="ü"/>
+                  </a:pPr>
+                  <a:r>
+                    <a:rPr lang="zh-TW" altLang="en-US" sz="1600" dirty="0">
+                      <a:solidFill>
+                        <a:schemeClr val="tx1">
+                          <a:lumMod val="65000"/>
+                          <a:lumOff val="35000"/>
+                        </a:schemeClr>
+                      </a:solidFill>
+                      <a:cs typeface="+mn-ea"/>
+                      <a:sym typeface="+mn-lt"/>
+                    </a:rPr>
+                    <a:t>請假系統</a:t>
+                  </a:r>
+                  <a:endParaRPr lang="en-US" altLang="zh-TW" sz="1600" dirty="0">
+                    <a:solidFill>
+                      <a:schemeClr val="tx1">
+                        <a:lumMod val="65000"/>
+                        <a:lumOff val="35000"/>
+                      </a:schemeClr>
+                    </a:solidFill>
+                    <a:cs typeface="+mn-ea"/>
+                    <a:sym typeface="+mn-lt"/>
+                  </a:endParaRPr>
+                </a:p>
+                <a:p>
+                  <a:pPr marL="285750" indent="-285750">
+                    <a:buFont typeface="Wingdings" panose="05000000000000000000" pitchFamily="2" charset="2"/>
+                    <a:buChar char="ü"/>
+                  </a:pPr>
+                  <a:r>
+                    <a:rPr lang="zh-TW" altLang="en-US" sz="1600" dirty="0">
+                      <a:solidFill>
+                        <a:schemeClr val="tx1">
+                          <a:lumMod val="65000"/>
+                          <a:lumOff val="35000"/>
+                        </a:schemeClr>
+                      </a:solidFill>
+                      <a:cs typeface="+mn-ea"/>
+                      <a:sym typeface="+mn-lt"/>
+                    </a:rPr>
+                    <a:t>請假簽核</a:t>
+                  </a:r>
+                  <a:endParaRPr lang="en-US" altLang="zh-TW" sz="1600" dirty="0">
+                    <a:solidFill>
+                      <a:schemeClr val="tx1">
+                        <a:lumMod val="65000"/>
+                        <a:lumOff val="35000"/>
+                      </a:schemeClr>
+                    </a:solidFill>
+                    <a:cs typeface="+mn-ea"/>
+                    <a:sym typeface="+mn-lt"/>
+                  </a:endParaRPr>
+                </a:p>
+                <a:p>
+                  <a:pPr marL="285750" indent="-285750">
+                    <a:buFont typeface="Wingdings" panose="05000000000000000000" pitchFamily="2" charset="2"/>
+                    <a:buChar char="ü"/>
+                  </a:pPr>
+                  <a:r>
+                    <a:rPr lang="en-US" altLang="zh-TW" sz="1600" dirty="0">
+                      <a:solidFill>
+                        <a:schemeClr val="tx1">
+                          <a:lumMod val="65000"/>
+                          <a:lumOff val="35000"/>
+                        </a:schemeClr>
+                      </a:solidFill>
+                      <a:cs typeface="+mn-ea"/>
+                      <a:sym typeface="+mn-lt"/>
+                    </a:rPr>
+                    <a:t>DB</a:t>
+                  </a:r>
+                  <a:r>
+                    <a:rPr lang="zh-TW" altLang="en-US" sz="1600" dirty="0">
+                      <a:solidFill>
+                        <a:schemeClr val="tx1">
+                          <a:lumMod val="65000"/>
+                          <a:lumOff val="35000"/>
+                        </a:schemeClr>
+                      </a:solidFill>
+                      <a:cs typeface="+mn-ea"/>
+                      <a:sym typeface="+mn-lt"/>
+                    </a:rPr>
+                    <a:t>架設</a:t>
+                  </a:r>
+                </a:p>
+              </p:txBody>
+            </p:sp>
+            <p:sp>
+              <p:nvSpPr>
+                <p:cNvPr id="8" name="矩形 7"/>
+                <p:cNvSpPr/>
+                <p:nvPr/>
+              </p:nvSpPr>
+              <p:spPr>
+                <a:xfrm>
+                  <a:off x="370105" y="1842387"/>
+                  <a:ext cx="1032513" cy="292384"/>
+                </a:xfrm>
+                <a:prstGeom prst="rect">
+                  <a:avLst/>
+                </a:prstGeom>
+                <a:ln>
+                  <a:noFill/>
+                </a:ln>
+              </p:spPr>
+              <p:style>
+                <a:lnRef idx="2">
+                  <a:schemeClr val="accent1">
+                    <a:shade val="50000"/>
+                  </a:schemeClr>
+                </a:lnRef>
+                <a:fillRef idx="1">
+                  <a:schemeClr val="accent1"/>
+                </a:fillRef>
+                <a:effectRef idx="0">
+                  <a:schemeClr val="accent1"/>
+                </a:effectRef>
+                <a:fontRef idx="minor">
+                  <a:schemeClr val="lt1"/>
+                </a:fontRef>
+              </p:style>
+              <p:txBody>
+                <a:bodyPr rtlCol="0" anchor="ctr"/>
+                <a:lstStyle/>
+                <a:p>
+                  <a:pPr algn="ctr"/>
+                  <a:r>
+                    <a:rPr lang="zh-TW" altLang="en-US" sz="1600" dirty="0">
+                      <a:cs typeface="+mn-ea"/>
+                      <a:sym typeface="+mn-lt"/>
+                    </a:rPr>
+                    <a:t>張佑晨</a:t>
+                  </a:r>
+                  <a:endParaRPr lang="zh-CN" altLang="en-US" sz="1600" dirty="0">
+                    <a:cs typeface="+mn-ea"/>
+                    <a:sym typeface="+mn-lt"/>
+                  </a:endParaRPr>
+                </a:p>
+              </p:txBody>
+            </p:sp>
+          </p:grpSp>
+          <p:sp>
+            <p:nvSpPr>
+              <p:cNvPr id="9" name="矩形: 圓角 8">
+                <a:extLst>
+                  <a:ext uri="{FF2B5EF4-FFF2-40B4-BE49-F238E27FC236}">
+                    <a16:creationId xmlns:a16="http://schemas.microsoft.com/office/drawing/2014/main" id="{EE3F48EB-8A7F-43F4-BCCE-18EEEEBC3AA8}"/>
+                  </a:ext>
+                </a:extLst>
+              </p:cNvPr>
+              <p:cNvSpPr/>
+              <p:nvPr/>
+            </p:nvSpPr>
+            <p:spPr>
+              <a:xfrm>
+                <a:off x="3043371" y="1897379"/>
+                <a:ext cx="873309" cy="350975"/>
+              </a:xfrm>
+              <a:prstGeom prst="roundRect">
+                <a:avLst/>
+              </a:prstGeom>
+            </p:spPr>
+            <p:style>
+              <a:lnRef idx="2">
+                <a:schemeClr val="accent5">
+                  <a:shade val="50000"/>
+                </a:schemeClr>
+              </a:lnRef>
+              <a:fillRef idx="1">
+                <a:schemeClr val="accent5"/>
+              </a:fillRef>
+              <a:effectRef idx="0">
+                <a:schemeClr val="accent5"/>
+              </a:effectRef>
+              <a:fontRef idx="minor">
+                <a:schemeClr val="lt1"/>
+              </a:fontRef>
+            </p:style>
+            <p:txBody>
+              <a:bodyPr rtlCol="0" anchor="ctr"/>
+              <a:lstStyle/>
+              <a:p>
+                <a:pPr algn="ctr"/>
+                <a:r>
+                  <a:rPr lang="zh-TW" altLang="en-US" sz="1600" dirty="0"/>
+                  <a:t>組員</a:t>
+                </a:r>
+              </a:p>
+            </p:txBody>
+          </p:sp>
+        </p:grpSp>
+        <p:pic>
+          <p:nvPicPr>
+            <p:cNvPr id="14" name="圖片 13">
+              <a:extLst>
+                <a:ext uri="{FF2B5EF4-FFF2-40B4-BE49-F238E27FC236}">
+                  <a16:creationId xmlns:a16="http://schemas.microsoft.com/office/drawing/2014/main" id="{3B0AFC05-8799-48DA-8628-2A9E3289A51A}"/>
+                </a:ext>
+              </a:extLst>
+            </p:cNvPr>
+            <p:cNvPicPr>
+              <a:picLocks noChangeAspect="1"/>
+            </p:cNvPicPr>
+            <p:nvPr/>
+          </p:nvPicPr>
+          <p:blipFill rotWithShape="1">
+            <a:blip r:embed="rId5" cstate="print">
+              <a:extLst>
+                <a:ext uri="{28A0092B-C50C-407E-A947-70E740481C1C}">
+                  <a14:useLocalDpi xmlns:a14="http://schemas.microsoft.com/office/drawing/2010/main" val="0"/>
+                </a:ext>
+              </a:extLst>
+            </a:blip>
+            <a:srcRect l="25280" t="4983" r="24631" b="32405"/>
+            <a:stretch/>
+          </p:blipFill>
+          <p:spPr>
+            <a:xfrm>
+              <a:off x="798312" y="887384"/>
+              <a:ext cx="1018470" cy="954414"/>
+            </a:xfrm>
+            <a:prstGeom prst="rect">
+              <a:avLst/>
+            </a:prstGeom>
+          </p:spPr>
+        </p:pic>
+      </p:grpSp>
+      <p:grpSp>
+        <p:nvGrpSpPr>
+          <p:cNvPr id="13" name="群組 12">
+            <a:extLst>
+              <a:ext uri="{FF2B5EF4-FFF2-40B4-BE49-F238E27FC236}">
+                <a16:creationId xmlns:a16="http://schemas.microsoft.com/office/drawing/2014/main" id="{116BE199-8CB8-4F77-8E0D-9DAD7EB3B8A7}"/>
+              </a:ext>
+            </a:extLst>
+          </p:cNvPr>
+          <p:cNvGrpSpPr/>
+          <p:nvPr/>
+        </p:nvGrpSpPr>
+        <p:grpSpPr>
+          <a:xfrm>
+            <a:off x="787851" y="3681827"/>
+            <a:ext cx="3546575" cy="1361906"/>
+            <a:chOff x="787851" y="3681827"/>
+            <a:chExt cx="3546575" cy="1361906"/>
+          </a:xfrm>
+        </p:grpSpPr>
+        <p:grpSp>
+          <p:nvGrpSpPr>
+            <p:cNvPr id="99" name="群組 98">
+              <a:extLst>
+                <a:ext uri="{FF2B5EF4-FFF2-40B4-BE49-F238E27FC236}">
+                  <a16:creationId xmlns:a16="http://schemas.microsoft.com/office/drawing/2014/main" id="{92E772AE-DA29-47BF-A419-12B393E6A39A}"/>
+                </a:ext>
+              </a:extLst>
+            </p:cNvPr>
+            <p:cNvGrpSpPr/>
+            <p:nvPr/>
+          </p:nvGrpSpPr>
+          <p:grpSpPr>
+            <a:xfrm>
+              <a:off x="787851" y="3755499"/>
+              <a:ext cx="3546575" cy="1288234"/>
+              <a:chOff x="370105" y="960120"/>
+              <a:chExt cx="3546575" cy="1288234"/>
+            </a:xfrm>
+          </p:grpSpPr>
+          <p:grpSp>
+            <p:nvGrpSpPr>
+              <p:cNvPr id="100" name="群組 99">
+                <a:extLst>
+                  <a:ext uri="{FF2B5EF4-FFF2-40B4-BE49-F238E27FC236}">
+                    <a16:creationId xmlns:a16="http://schemas.microsoft.com/office/drawing/2014/main" id="{EC1C0510-935A-4EF8-A434-150C3EA7CABB}"/>
+                  </a:ext>
+                </a:extLst>
+              </p:cNvPr>
+              <p:cNvGrpSpPr/>
+              <p:nvPr/>
+            </p:nvGrpSpPr>
+            <p:grpSpPr>
+              <a:xfrm>
+                <a:off x="370105" y="960120"/>
+                <a:ext cx="3493235" cy="1243061"/>
+                <a:chOff x="370105" y="960120"/>
+                <a:chExt cx="3493235" cy="1243061"/>
+              </a:xfrm>
+            </p:grpSpPr>
+            <p:sp>
+              <p:nvSpPr>
+                <p:cNvPr id="102" name="矩形 101">
+                  <a:extLst>
+                    <a:ext uri="{FF2B5EF4-FFF2-40B4-BE49-F238E27FC236}">
+                      <a16:creationId xmlns:a16="http://schemas.microsoft.com/office/drawing/2014/main" id="{ABE66101-5A76-4193-A3B5-B650D9150863}"/>
+                    </a:ext>
+                  </a:extLst>
+                </p:cNvPr>
+                <p:cNvSpPr/>
+                <p:nvPr/>
+              </p:nvSpPr>
+              <p:spPr>
+                <a:xfrm>
+                  <a:off x="426720" y="960120"/>
+                  <a:ext cx="3436620" cy="1243061"/>
+                </a:xfrm>
+                <a:prstGeom prst="rect">
+                  <a:avLst/>
+                </a:prstGeom>
+                <a:noFill/>
+                <a:ln w="19050"/>
+              </p:spPr>
+              <p:style>
+                <a:lnRef idx="2">
+                  <a:schemeClr val="accent1">
+                    <a:shade val="50000"/>
+                  </a:schemeClr>
+                </a:lnRef>
+                <a:fillRef idx="1">
+                  <a:schemeClr val="accent1"/>
+                </a:fillRef>
+                <a:effectRef idx="0">
+                  <a:schemeClr val="accent1"/>
+                </a:effectRef>
+                <a:fontRef idx="minor">
+                  <a:schemeClr val="lt1"/>
+                </a:fontRef>
+              </p:style>
+              <p:txBody>
+                <a:bodyPr rtlCol="0" anchor="ctr"/>
+                <a:lstStyle/>
+                <a:p>
+                  <a:pPr algn="ctr"/>
+                  <a:endParaRPr lang="zh-TW" altLang="en-US"/>
+                </a:p>
+              </p:txBody>
+            </p:sp>
+            <p:sp>
+              <p:nvSpPr>
+                <p:cNvPr id="103" name="矩形 102">
+                  <a:extLst>
+                    <a:ext uri="{FF2B5EF4-FFF2-40B4-BE49-F238E27FC236}">
+                      <a16:creationId xmlns:a16="http://schemas.microsoft.com/office/drawing/2014/main" id="{AE21AC59-1207-43BB-9993-B9611D4A5EC5}"/>
+                    </a:ext>
+                  </a:extLst>
+                </p:cNvPr>
+                <p:cNvSpPr/>
+                <p:nvPr/>
+              </p:nvSpPr>
+              <p:spPr>
+                <a:xfrm>
+                  <a:off x="1402619" y="1051014"/>
+                  <a:ext cx="2399761" cy="830997"/>
+                </a:xfrm>
+                <a:prstGeom prst="rect">
+                  <a:avLst/>
+                </a:prstGeom>
+              </p:spPr>
+              <p:txBody>
+                <a:bodyPr wrap="square">
+                  <a:spAutoFit/>
+                </a:bodyPr>
+                <a:lstStyle/>
+                <a:p>
+                  <a:pPr marL="285750" indent="-285750">
+                    <a:buFont typeface="Wingdings" panose="05000000000000000000" pitchFamily="2" charset="2"/>
+                    <a:buChar char="ü"/>
+                  </a:pPr>
+                  <a:r>
+                    <a:rPr lang="zh-TW" altLang="en-US" sz="1600" dirty="0">
+                      <a:solidFill>
+                        <a:schemeClr val="tx1">
+                          <a:lumMod val="65000"/>
+                          <a:lumOff val="35000"/>
+                        </a:schemeClr>
+                      </a:solidFill>
+                      <a:cs typeface="+mn-ea"/>
+                      <a:sym typeface="+mn-lt"/>
+                    </a:rPr>
+                    <a:t>公務車管理</a:t>
+                  </a:r>
+                  <a:endParaRPr lang="en-US" altLang="zh-TW" sz="1600" dirty="0">
+                    <a:solidFill>
+                      <a:schemeClr val="tx1">
+                        <a:lumMod val="65000"/>
+                        <a:lumOff val="35000"/>
+                      </a:schemeClr>
+                    </a:solidFill>
+                    <a:cs typeface="+mn-ea"/>
+                    <a:sym typeface="+mn-lt"/>
+                  </a:endParaRPr>
+                </a:p>
+                <a:p>
+                  <a:pPr marL="285750" indent="-285750">
+                    <a:buFont typeface="Wingdings" panose="05000000000000000000" pitchFamily="2" charset="2"/>
+                    <a:buChar char="ü"/>
+                  </a:pPr>
+                  <a:r>
+                    <a:rPr lang="zh-TW" altLang="en-US" sz="1600" dirty="0">
+                      <a:solidFill>
+                        <a:schemeClr val="tx1">
+                          <a:lumMod val="65000"/>
+                          <a:lumOff val="35000"/>
+                        </a:schemeClr>
+                      </a:solidFill>
+                      <a:cs typeface="+mn-ea"/>
+                      <a:sym typeface="+mn-lt"/>
+                    </a:rPr>
+                    <a:t>會議室管理</a:t>
+                  </a:r>
+                  <a:endParaRPr lang="en-US" altLang="zh-TW" sz="1600" dirty="0">
+                    <a:solidFill>
+                      <a:schemeClr val="tx1">
+                        <a:lumMod val="65000"/>
+                        <a:lumOff val="35000"/>
+                      </a:schemeClr>
+                    </a:solidFill>
+                    <a:cs typeface="+mn-ea"/>
+                    <a:sym typeface="+mn-lt"/>
+                  </a:endParaRPr>
+                </a:p>
+                <a:p>
+                  <a:pPr marL="285750" indent="-285750">
+                    <a:buFont typeface="Wingdings" panose="05000000000000000000" pitchFamily="2" charset="2"/>
+                    <a:buChar char="ü"/>
+                  </a:pPr>
+                  <a:r>
+                    <a:rPr lang="zh-TW" altLang="en-US" sz="1600" dirty="0">
+                      <a:solidFill>
+                        <a:schemeClr val="tx1">
+                          <a:lumMod val="65000"/>
+                          <a:lumOff val="35000"/>
+                        </a:schemeClr>
+                      </a:solidFill>
+                      <a:cs typeface="+mn-ea"/>
+                      <a:sym typeface="+mn-lt"/>
+                    </a:rPr>
+                    <a:t>訊息通知</a:t>
+                  </a:r>
+                </a:p>
+              </p:txBody>
+            </p:sp>
+            <p:sp>
+              <p:nvSpPr>
+                <p:cNvPr id="106" name="矩形 105">
+                  <a:extLst>
+                    <a:ext uri="{FF2B5EF4-FFF2-40B4-BE49-F238E27FC236}">
+                      <a16:creationId xmlns:a16="http://schemas.microsoft.com/office/drawing/2014/main" id="{EE680A89-DC11-463D-B9EE-5F32544A61C2}"/>
+                    </a:ext>
+                  </a:extLst>
+                </p:cNvPr>
+                <p:cNvSpPr/>
+                <p:nvPr/>
+              </p:nvSpPr>
+              <p:spPr>
+                <a:xfrm>
+                  <a:off x="370105" y="1842387"/>
+                  <a:ext cx="1032513" cy="292384"/>
+                </a:xfrm>
+                <a:prstGeom prst="rect">
+                  <a:avLst/>
+                </a:prstGeom>
+                <a:ln>
+                  <a:noFill/>
+                </a:ln>
+              </p:spPr>
+              <p:style>
+                <a:lnRef idx="2">
+                  <a:schemeClr val="accent1">
+                    <a:shade val="50000"/>
+                  </a:schemeClr>
+                </a:lnRef>
+                <a:fillRef idx="1">
+                  <a:schemeClr val="accent1"/>
+                </a:fillRef>
+                <a:effectRef idx="0">
+                  <a:schemeClr val="accent1"/>
+                </a:effectRef>
+                <a:fontRef idx="minor">
+                  <a:schemeClr val="lt1"/>
+                </a:fontRef>
+              </p:style>
+              <p:txBody>
+                <a:bodyPr rtlCol="0" anchor="ctr"/>
+                <a:lstStyle/>
+                <a:p>
+                  <a:pPr algn="ctr"/>
+                  <a:r>
+                    <a:rPr lang="zh-TW" altLang="en-US" sz="1600" dirty="0">
+                      <a:cs typeface="+mn-ea"/>
+                      <a:sym typeface="+mn-lt"/>
+                    </a:rPr>
+                    <a:t>李先鎧</a:t>
+                  </a:r>
+                  <a:endParaRPr lang="zh-CN" altLang="en-US" sz="1600" dirty="0">
+                    <a:cs typeface="+mn-ea"/>
+                    <a:sym typeface="+mn-lt"/>
+                  </a:endParaRPr>
+                </a:p>
+              </p:txBody>
+            </p:sp>
+          </p:grpSp>
+          <p:sp>
+            <p:nvSpPr>
+              <p:cNvPr id="101" name="矩形: 圓角 100">
+                <a:extLst>
+                  <a:ext uri="{FF2B5EF4-FFF2-40B4-BE49-F238E27FC236}">
+                    <a16:creationId xmlns:a16="http://schemas.microsoft.com/office/drawing/2014/main" id="{88B7F0C6-0005-4F00-938E-DF23AEA15881}"/>
+                  </a:ext>
+                </a:extLst>
+              </p:cNvPr>
+              <p:cNvSpPr/>
+              <p:nvPr/>
+            </p:nvSpPr>
+            <p:spPr>
+              <a:xfrm>
+                <a:off x="3043371" y="1897379"/>
+                <a:ext cx="873309" cy="350975"/>
+              </a:xfrm>
+              <a:prstGeom prst="roundRect">
+                <a:avLst/>
+              </a:prstGeom>
+            </p:spPr>
+            <p:style>
+              <a:lnRef idx="2">
+                <a:schemeClr val="accent5">
+                  <a:shade val="50000"/>
+                </a:schemeClr>
+              </a:lnRef>
+              <a:fillRef idx="1">
+                <a:schemeClr val="accent5"/>
+              </a:fillRef>
+              <a:effectRef idx="0">
+                <a:schemeClr val="accent5"/>
+              </a:effectRef>
+              <a:fontRef idx="minor">
+                <a:schemeClr val="lt1"/>
+              </a:fontRef>
+            </p:style>
+            <p:txBody>
+              <a:bodyPr rtlCol="0" anchor="ctr"/>
+              <a:lstStyle/>
+              <a:p>
+                <a:pPr algn="ctr"/>
+                <a:r>
+                  <a:rPr lang="zh-TW" altLang="en-US" sz="1600" dirty="0"/>
+                  <a:t>組員</a:t>
+                </a:r>
+              </a:p>
+            </p:txBody>
+          </p:sp>
+        </p:grpSp>
+        <p:pic>
+          <p:nvPicPr>
+            <p:cNvPr id="3" name="圖片 2">
+              <a:extLst>
+                <a:ext uri="{FF2B5EF4-FFF2-40B4-BE49-F238E27FC236}">
+                  <a16:creationId xmlns:a16="http://schemas.microsoft.com/office/drawing/2014/main" id="{0FDF482F-FBC7-4403-83D3-0E9869FB70E3}"/>
+                </a:ext>
+              </a:extLst>
+            </p:cNvPr>
+            <p:cNvPicPr>
+              <a:picLocks noChangeAspect="1"/>
+            </p:cNvPicPr>
+            <p:nvPr/>
+          </p:nvPicPr>
+          <p:blipFill rotWithShape="1">
+            <a:blip r:embed="rId6" cstate="print">
+              <a:extLst>
+                <a:ext uri="{28A0092B-C50C-407E-A947-70E740481C1C}">
+                  <a14:useLocalDpi xmlns:a14="http://schemas.microsoft.com/office/drawing/2010/main" val="0"/>
+                </a:ext>
+              </a:extLst>
+            </a:blip>
+            <a:srcRect l="4897" t="-1" r="1290" b="34291"/>
+            <a:stretch/>
+          </p:blipFill>
+          <p:spPr>
+            <a:xfrm>
+              <a:off x="790540" y="3681827"/>
+              <a:ext cx="1029585" cy="961342"/>
+            </a:xfrm>
+            <a:prstGeom prst="rect">
+              <a:avLst/>
+            </a:prstGeom>
+          </p:spPr>
+        </p:pic>
+      </p:grpSp>
+      <p:grpSp>
+        <p:nvGrpSpPr>
+          <p:cNvPr id="17" name="群組 16">
+            <a:extLst>
+              <a:ext uri="{FF2B5EF4-FFF2-40B4-BE49-F238E27FC236}">
+                <a16:creationId xmlns:a16="http://schemas.microsoft.com/office/drawing/2014/main" id="{D2AB9B8F-1E61-45D5-B56C-298C4F2BD8B5}"/>
+              </a:ext>
+            </a:extLst>
+          </p:cNvPr>
+          <p:cNvGrpSpPr/>
+          <p:nvPr/>
+        </p:nvGrpSpPr>
+        <p:grpSpPr>
+          <a:xfrm>
+            <a:off x="4809574" y="2302518"/>
+            <a:ext cx="3546575" cy="1356645"/>
+            <a:chOff x="4809574" y="2302518"/>
+            <a:chExt cx="3546575" cy="1356645"/>
+          </a:xfrm>
+        </p:grpSpPr>
+        <p:grpSp>
+          <p:nvGrpSpPr>
+            <p:cNvPr id="115" name="群組 114">
+              <a:extLst>
+                <a:ext uri="{FF2B5EF4-FFF2-40B4-BE49-F238E27FC236}">
+                  <a16:creationId xmlns:a16="http://schemas.microsoft.com/office/drawing/2014/main" id="{CE5FA1F5-A4C4-4393-91D7-647E702C06DB}"/>
+                </a:ext>
+              </a:extLst>
+            </p:cNvPr>
+            <p:cNvGrpSpPr/>
+            <p:nvPr/>
+          </p:nvGrpSpPr>
+          <p:grpSpPr>
+            <a:xfrm>
+              <a:off x="4809574" y="2370929"/>
+              <a:ext cx="3546575" cy="1288234"/>
+              <a:chOff x="370105" y="960120"/>
+              <a:chExt cx="3546575" cy="1288234"/>
+            </a:xfrm>
+          </p:grpSpPr>
+          <p:grpSp>
+            <p:nvGrpSpPr>
+              <p:cNvPr id="116" name="群組 115">
+                <a:extLst>
+                  <a:ext uri="{FF2B5EF4-FFF2-40B4-BE49-F238E27FC236}">
+                    <a16:creationId xmlns:a16="http://schemas.microsoft.com/office/drawing/2014/main" id="{EB285591-CF35-46CB-9B2F-F9F196E0F10D}"/>
+                  </a:ext>
+                </a:extLst>
+              </p:cNvPr>
+              <p:cNvGrpSpPr/>
+              <p:nvPr/>
+            </p:nvGrpSpPr>
+            <p:grpSpPr>
+              <a:xfrm>
+                <a:off x="370105" y="960120"/>
+                <a:ext cx="3493235" cy="1243061"/>
+                <a:chOff x="370105" y="960120"/>
+                <a:chExt cx="3493235" cy="1243061"/>
+              </a:xfrm>
+            </p:grpSpPr>
+            <p:sp>
+              <p:nvSpPr>
+                <p:cNvPr id="118" name="矩形 117">
+                  <a:extLst>
+                    <a:ext uri="{FF2B5EF4-FFF2-40B4-BE49-F238E27FC236}">
+                      <a16:creationId xmlns:a16="http://schemas.microsoft.com/office/drawing/2014/main" id="{5CA85794-A15F-4823-9859-9BE9BFB2DA0A}"/>
+                    </a:ext>
+                  </a:extLst>
+                </p:cNvPr>
+                <p:cNvSpPr/>
+                <p:nvPr/>
+              </p:nvSpPr>
+              <p:spPr>
+                <a:xfrm>
+                  <a:off x="426720" y="960120"/>
+                  <a:ext cx="3436620" cy="1243061"/>
+                </a:xfrm>
+                <a:prstGeom prst="rect">
+                  <a:avLst/>
+                </a:prstGeom>
+                <a:noFill/>
+                <a:ln w="19050"/>
+              </p:spPr>
+              <p:style>
+                <a:lnRef idx="2">
+                  <a:schemeClr val="accent1">
+                    <a:shade val="50000"/>
+                  </a:schemeClr>
+                </a:lnRef>
+                <a:fillRef idx="1">
+                  <a:schemeClr val="accent1"/>
+                </a:fillRef>
+                <a:effectRef idx="0">
+                  <a:schemeClr val="accent1"/>
+                </a:effectRef>
+                <a:fontRef idx="minor">
+                  <a:schemeClr val="lt1"/>
+                </a:fontRef>
+              </p:style>
+              <p:txBody>
+                <a:bodyPr rtlCol="0" anchor="ctr"/>
+                <a:lstStyle/>
+                <a:p>
+                  <a:pPr algn="ctr"/>
+                  <a:endParaRPr lang="zh-TW" altLang="en-US"/>
+                </a:p>
+              </p:txBody>
+            </p:sp>
+            <p:sp>
+              <p:nvSpPr>
+                <p:cNvPr id="119" name="矩形 118">
+                  <a:extLst>
+                    <a:ext uri="{FF2B5EF4-FFF2-40B4-BE49-F238E27FC236}">
+                      <a16:creationId xmlns:a16="http://schemas.microsoft.com/office/drawing/2014/main" id="{3D8A0DC3-4AFD-4217-A840-65D56ADAF98A}"/>
+                    </a:ext>
+                  </a:extLst>
+                </p:cNvPr>
+                <p:cNvSpPr/>
+                <p:nvPr/>
+              </p:nvSpPr>
+              <p:spPr>
+                <a:xfrm>
+                  <a:off x="1402619" y="1051014"/>
+                  <a:ext cx="2399761" cy="830997"/>
+                </a:xfrm>
+                <a:prstGeom prst="rect">
+                  <a:avLst/>
+                </a:prstGeom>
+              </p:spPr>
+              <p:txBody>
+                <a:bodyPr wrap="square">
+                  <a:spAutoFit/>
+                </a:bodyPr>
+                <a:lstStyle/>
+                <a:p>
+                  <a:pPr marL="285750" indent="-285750">
+                    <a:buFont typeface="Wingdings" panose="05000000000000000000" pitchFamily="2" charset="2"/>
+                    <a:buChar char="ü"/>
+                  </a:pPr>
+                  <a:r>
+                    <a:rPr lang="zh-TW" altLang="en-US" sz="1600" dirty="0">
+                      <a:solidFill>
+                        <a:schemeClr val="tx1">
+                          <a:lumMod val="65000"/>
+                          <a:lumOff val="35000"/>
+                        </a:schemeClr>
+                      </a:solidFill>
+                      <a:cs typeface="+mn-ea"/>
+                      <a:sym typeface="+mn-lt"/>
+                    </a:rPr>
+                    <a:t>檔案管理</a:t>
+                  </a:r>
+                  <a:endParaRPr lang="en-US" altLang="zh-TW" sz="1600" dirty="0">
+                    <a:solidFill>
+                      <a:schemeClr val="tx1">
+                        <a:lumMod val="65000"/>
+                        <a:lumOff val="35000"/>
+                      </a:schemeClr>
+                    </a:solidFill>
+                    <a:cs typeface="+mn-ea"/>
+                    <a:sym typeface="+mn-lt"/>
+                  </a:endParaRPr>
+                </a:p>
+                <a:p>
+                  <a:pPr marL="285750" indent="-285750">
+                    <a:buFont typeface="Wingdings" panose="05000000000000000000" pitchFamily="2" charset="2"/>
+                    <a:buChar char="ü"/>
+                  </a:pPr>
+                  <a:r>
+                    <a:rPr lang="zh-TW" altLang="en-US" sz="1600" dirty="0">
+                      <a:solidFill>
+                        <a:schemeClr val="tx1">
+                          <a:lumMod val="65000"/>
+                          <a:lumOff val="35000"/>
+                        </a:schemeClr>
+                      </a:solidFill>
+                      <a:cs typeface="+mn-ea"/>
+                      <a:sym typeface="+mn-lt"/>
+                    </a:rPr>
+                    <a:t>內部訊息</a:t>
+                  </a:r>
+                  <a:endParaRPr lang="en-US" altLang="zh-TW" sz="1600" dirty="0">
+                    <a:solidFill>
+                      <a:schemeClr val="tx1">
+                        <a:lumMod val="65000"/>
+                        <a:lumOff val="35000"/>
+                      </a:schemeClr>
+                    </a:solidFill>
+                    <a:cs typeface="+mn-ea"/>
+                    <a:sym typeface="+mn-lt"/>
+                  </a:endParaRPr>
+                </a:p>
+                <a:p>
+                  <a:pPr marL="285750" indent="-285750">
+                    <a:buFont typeface="Wingdings" panose="05000000000000000000" pitchFamily="2" charset="2"/>
+                    <a:buChar char="ü"/>
+                  </a:pPr>
+                  <a:r>
+                    <a:rPr lang="en-US" altLang="zh-TW" sz="1600" dirty="0">
+                      <a:solidFill>
+                        <a:schemeClr val="tx1">
+                          <a:lumMod val="65000"/>
+                          <a:lumOff val="35000"/>
+                        </a:schemeClr>
+                      </a:solidFill>
+                      <a:cs typeface="+mn-ea"/>
+                      <a:sym typeface="+mn-lt"/>
+                    </a:rPr>
+                    <a:t>LOGO</a:t>
+                  </a:r>
+                  <a:r>
+                    <a:rPr lang="zh-TW" altLang="en-US" sz="1600" dirty="0">
+                      <a:solidFill>
+                        <a:schemeClr val="tx1">
+                          <a:lumMod val="65000"/>
+                          <a:lumOff val="35000"/>
+                        </a:schemeClr>
+                      </a:solidFill>
+                      <a:cs typeface="+mn-ea"/>
+                      <a:sym typeface="+mn-lt"/>
+                    </a:rPr>
+                    <a:t>設計</a:t>
+                  </a:r>
+                </a:p>
+              </p:txBody>
+            </p:sp>
+            <p:sp>
+              <p:nvSpPr>
+                <p:cNvPr id="122" name="矩形 121">
+                  <a:extLst>
+                    <a:ext uri="{FF2B5EF4-FFF2-40B4-BE49-F238E27FC236}">
+                      <a16:creationId xmlns:a16="http://schemas.microsoft.com/office/drawing/2014/main" id="{6A2BA4D8-E934-4396-8F93-93298D52C98A}"/>
+                    </a:ext>
+                  </a:extLst>
+                </p:cNvPr>
+                <p:cNvSpPr/>
+                <p:nvPr/>
+              </p:nvSpPr>
+              <p:spPr>
+                <a:xfrm>
+                  <a:off x="370105" y="1842387"/>
+                  <a:ext cx="1032513" cy="292384"/>
+                </a:xfrm>
+                <a:prstGeom prst="rect">
+                  <a:avLst/>
+                </a:prstGeom>
+                <a:ln>
+                  <a:noFill/>
+                </a:ln>
+              </p:spPr>
+              <p:style>
+                <a:lnRef idx="2">
+                  <a:schemeClr val="accent1">
+                    <a:shade val="50000"/>
+                  </a:schemeClr>
+                </a:lnRef>
+                <a:fillRef idx="1">
+                  <a:schemeClr val="accent1"/>
+                </a:fillRef>
+                <a:effectRef idx="0">
+                  <a:schemeClr val="accent1"/>
+                </a:effectRef>
+                <a:fontRef idx="minor">
+                  <a:schemeClr val="lt1"/>
+                </a:fontRef>
+              </p:style>
+              <p:txBody>
+                <a:bodyPr rtlCol="0" anchor="ctr"/>
+                <a:lstStyle/>
+                <a:p>
+                  <a:pPr algn="ctr"/>
+                  <a:r>
+                    <a:rPr lang="zh-TW" altLang="en-US" sz="1600" dirty="0">
+                      <a:cs typeface="+mn-ea"/>
+                      <a:sym typeface="+mn-lt"/>
+                    </a:rPr>
+                    <a:t>馬詩涵</a:t>
+                  </a:r>
+                  <a:endParaRPr lang="zh-CN" altLang="en-US" sz="1600" dirty="0">
+                    <a:cs typeface="+mn-ea"/>
+                    <a:sym typeface="+mn-lt"/>
+                  </a:endParaRPr>
+                </a:p>
+              </p:txBody>
+            </p:sp>
+          </p:grpSp>
+          <p:sp>
+            <p:nvSpPr>
+              <p:cNvPr id="117" name="矩形: 圓角 116">
+                <a:extLst>
+                  <a:ext uri="{FF2B5EF4-FFF2-40B4-BE49-F238E27FC236}">
+                    <a16:creationId xmlns:a16="http://schemas.microsoft.com/office/drawing/2014/main" id="{9BEC4791-648D-4130-8869-FADBF310617E}"/>
+                  </a:ext>
+                </a:extLst>
+              </p:cNvPr>
+              <p:cNvSpPr/>
+              <p:nvPr/>
+            </p:nvSpPr>
+            <p:spPr>
+              <a:xfrm>
+                <a:off x="3043371" y="1897379"/>
+                <a:ext cx="873309" cy="350975"/>
+              </a:xfrm>
+              <a:prstGeom prst="roundRect">
+                <a:avLst/>
+              </a:prstGeom>
+            </p:spPr>
+            <p:style>
+              <a:lnRef idx="2">
+                <a:schemeClr val="accent5">
+                  <a:shade val="50000"/>
+                </a:schemeClr>
+              </a:lnRef>
+              <a:fillRef idx="1">
+                <a:schemeClr val="accent5"/>
+              </a:fillRef>
+              <a:effectRef idx="0">
+                <a:schemeClr val="accent5"/>
+              </a:effectRef>
+              <a:fontRef idx="minor">
+                <a:schemeClr val="lt1"/>
+              </a:fontRef>
+            </p:style>
+            <p:txBody>
+              <a:bodyPr rtlCol="0" anchor="ctr"/>
+              <a:lstStyle/>
+              <a:p>
+                <a:pPr algn="ctr"/>
+                <a:r>
+                  <a:rPr lang="zh-TW" altLang="en-US" sz="1600" dirty="0"/>
+                  <a:t>組員</a:t>
+                </a:r>
+              </a:p>
+            </p:txBody>
+          </p:sp>
+        </p:grpSp>
+        <p:pic>
+          <p:nvPicPr>
+            <p:cNvPr id="16" name="圖片 15">
+              <a:extLst>
+                <a:ext uri="{FF2B5EF4-FFF2-40B4-BE49-F238E27FC236}">
+                  <a16:creationId xmlns:a16="http://schemas.microsoft.com/office/drawing/2014/main" id="{492042F5-CB18-4A76-BBB0-65A484BD1286}"/>
+                </a:ext>
+              </a:extLst>
+            </p:cNvPr>
+            <p:cNvPicPr>
+              <a:picLocks noChangeAspect="1"/>
+            </p:cNvPicPr>
+            <p:nvPr/>
+          </p:nvPicPr>
+          <p:blipFill rotWithShape="1">
+            <a:blip r:embed="rId7" cstate="print">
+              <a:extLst>
+                <a:ext uri="{28A0092B-C50C-407E-A947-70E740481C1C}">
+                  <a14:useLocalDpi xmlns:a14="http://schemas.microsoft.com/office/drawing/2010/main" val="0"/>
+                </a:ext>
+              </a:extLst>
+            </a:blip>
+            <a:srcRect l="40459" t="5078" r="11419" b="35114"/>
+            <a:stretch/>
+          </p:blipFill>
+          <p:spPr>
+            <a:xfrm>
+              <a:off x="4814922" y="2302518"/>
+              <a:ext cx="1019628" cy="950677"/>
+            </a:xfrm>
+            <a:prstGeom prst="rect">
+              <a:avLst/>
+            </a:prstGeom>
+          </p:spPr>
+        </p:pic>
+      </p:grpSp>
+      <p:grpSp>
+        <p:nvGrpSpPr>
+          <p:cNvPr id="20" name="群組 19">
+            <a:extLst>
+              <a:ext uri="{FF2B5EF4-FFF2-40B4-BE49-F238E27FC236}">
+                <a16:creationId xmlns:a16="http://schemas.microsoft.com/office/drawing/2014/main" id="{95F7FC27-CC9D-40B1-AB75-C9FBCA6D27B4}"/>
+              </a:ext>
+            </a:extLst>
+          </p:cNvPr>
+          <p:cNvGrpSpPr/>
+          <p:nvPr/>
+        </p:nvGrpSpPr>
+        <p:grpSpPr>
+          <a:xfrm>
+            <a:off x="786214" y="2308697"/>
+            <a:ext cx="3546575" cy="1350466"/>
+            <a:chOff x="786214" y="2308697"/>
+            <a:chExt cx="3546575" cy="1350466"/>
+          </a:xfrm>
+        </p:grpSpPr>
+        <p:grpSp>
+          <p:nvGrpSpPr>
+            <p:cNvPr id="91" name="群組 90">
+              <a:extLst>
+                <a:ext uri="{FF2B5EF4-FFF2-40B4-BE49-F238E27FC236}">
+                  <a16:creationId xmlns:a16="http://schemas.microsoft.com/office/drawing/2014/main" id="{5C79EEE8-E64F-4552-A102-5519A1ACD27E}"/>
+                </a:ext>
+              </a:extLst>
+            </p:cNvPr>
+            <p:cNvGrpSpPr/>
+            <p:nvPr/>
+          </p:nvGrpSpPr>
+          <p:grpSpPr>
+            <a:xfrm>
+              <a:off x="786214" y="2370929"/>
+              <a:ext cx="3546575" cy="1288234"/>
+              <a:chOff x="370105" y="960120"/>
+              <a:chExt cx="3546575" cy="1288234"/>
+            </a:xfrm>
+          </p:grpSpPr>
+          <p:grpSp>
+            <p:nvGrpSpPr>
+              <p:cNvPr id="92" name="群組 91">
+                <a:extLst>
+                  <a:ext uri="{FF2B5EF4-FFF2-40B4-BE49-F238E27FC236}">
+                    <a16:creationId xmlns:a16="http://schemas.microsoft.com/office/drawing/2014/main" id="{B53973E1-82AF-4A6E-979E-D095C235884A}"/>
+                  </a:ext>
+                </a:extLst>
+              </p:cNvPr>
+              <p:cNvGrpSpPr/>
+              <p:nvPr/>
+            </p:nvGrpSpPr>
+            <p:grpSpPr>
+              <a:xfrm>
+                <a:off x="370105" y="960120"/>
+                <a:ext cx="3493235" cy="1243061"/>
+                <a:chOff x="370105" y="960120"/>
+                <a:chExt cx="3493235" cy="1243061"/>
+              </a:xfrm>
+            </p:grpSpPr>
+            <p:sp>
+              <p:nvSpPr>
+                <p:cNvPr id="94" name="矩形 93">
+                  <a:extLst>
+                    <a:ext uri="{FF2B5EF4-FFF2-40B4-BE49-F238E27FC236}">
+                      <a16:creationId xmlns:a16="http://schemas.microsoft.com/office/drawing/2014/main" id="{D9969F0E-8263-4A30-8AA5-B5FEEF24F518}"/>
+                    </a:ext>
+                  </a:extLst>
+                </p:cNvPr>
+                <p:cNvSpPr/>
+                <p:nvPr/>
+              </p:nvSpPr>
+              <p:spPr>
+                <a:xfrm>
+                  <a:off x="426720" y="960120"/>
+                  <a:ext cx="3436620" cy="1243061"/>
+                </a:xfrm>
+                <a:prstGeom prst="rect">
+                  <a:avLst/>
+                </a:prstGeom>
+                <a:noFill/>
+                <a:ln w="19050"/>
+              </p:spPr>
+              <p:style>
+                <a:lnRef idx="2">
+                  <a:schemeClr val="accent1">
+                    <a:shade val="50000"/>
+                  </a:schemeClr>
+                </a:lnRef>
+                <a:fillRef idx="1">
+                  <a:schemeClr val="accent1"/>
+                </a:fillRef>
+                <a:effectRef idx="0">
+                  <a:schemeClr val="accent1"/>
+                </a:effectRef>
+                <a:fontRef idx="minor">
+                  <a:schemeClr val="lt1"/>
+                </a:fontRef>
+              </p:style>
+              <p:txBody>
+                <a:bodyPr rtlCol="0" anchor="ctr"/>
+                <a:lstStyle/>
+                <a:p>
+                  <a:pPr algn="ctr"/>
+                  <a:endParaRPr lang="zh-TW" altLang="en-US"/>
+                </a:p>
+              </p:txBody>
+            </p:sp>
+            <p:sp>
+              <p:nvSpPr>
+                <p:cNvPr id="95" name="矩形 94">
+                  <a:extLst>
+                    <a:ext uri="{FF2B5EF4-FFF2-40B4-BE49-F238E27FC236}">
+                      <a16:creationId xmlns:a16="http://schemas.microsoft.com/office/drawing/2014/main" id="{1DFB6C14-FE82-470B-98F6-8E3D9926FB7E}"/>
+                    </a:ext>
+                  </a:extLst>
+                </p:cNvPr>
+                <p:cNvSpPr/>
+                <p:nvPr/>
+              </p:nvSpPr>
+              <p:spPr>
+                <a:xfrm>
+                  <a:off x="1402619" y="1051014"/>
+                  <a:ext cx="2399761" cy="830997"/>
+                </a:xfrm>
+                <a:prstGeom prst="rect">
+                  <a:avLst/>
+                </a:prstGeom>
+              </p:spPr>
+              <p:txBody>
+                <a:bodyPr wrap="square">
+                  <a:spAutoFit/>
+                </a:bodyPr>
+                <a:lstStyle/>
+                <a:p>
+                  <a:pPr marL="285750" indent="-285750">
+                    <a:buFont typeface="Wingdings" panose="05000000000000000000" pitchFamily="2" charset="2"/>
+                    <a:buChar char="ü"/>
+                  </a:pPr>
+                  <a:r>
+                    <a:rPr lang="zh-TW" altLang="en-US" sz="1600" dirty="0">
+                      <a:solidFill>
+                        <a:schemeClr val="tx1">
+                          <a:lumMod val="65000"/>
+                          <a:lumOff val="35000"/>
+                        </a:schemeClr>
+                      </a:solidFill>
+                      <a:cs typeface="+mn-ea"/>
+                      <a:sym typeface="+mn-lt"/>
+                    </a:rPr>
+                    <a:t>公佈欄</a:t>
+                  </a:r>
+                  <a:endParaRPr lang="en-US" altLang="zh-TW" sz="1600" dirty="0">
+                    <a:solidFill>
+                      <a:schemeClr val="tx1">
+                        <a:lumMod val="65000"/>
+                        <a:lumOff val="35000"/>
+                      </a:schemeClr>
+                    </a:solidFill>
+                    <a:cs typeface="+mn-ea"/>
+                    <a:sym typeface="+mn-lt"/>
+                  </a:endParaRPr>
+                </a:p>
+                <a:p>
+                  <a:pPr marL="285750" indent="-285750">
+                    <a:buFont typeface="Wingdings" panose="05000000000000000000" pitchFamily="2" charset="2"/>
+                    <a:buChar char="ü"/>
+                  </a:pPr>
+                  <a:r>
+                    <a:rPr lang="zh-TW" altLang="en-US" sz="1600" dirty="0">
+                      <a:solidFill>
+                        <a:schemeClr val="tx1">
+                          <a:lumMod val="65000"/>
+                          <a:lumOff val="35000"/>
+                        </a:schemeClr>
+                      </a:solidFill>
+                      <a:cs typeface="+mn-ea"/>
+                      <a:sym typeface="+mn-lt"/>
+                    </a:rPr>
+                    <a:t>意見調查</a:t>
+                  </a:r>
+                  <a:endParaRPr lang="en-US" altLang="zh-TW" sz="1600" dirty="0">
+                    <a:solidFill>
+                      <a:schemeClr val="tx1">
+                        <a:lumMod val="65000"/>
+                        <a:lumOff val="35000"/>
+                      </a:schemeClr>
+                    </a:solidFill>
+                    <a:cs typeface="+mn-ea"/>
+                    <a:sym typeface="+mn-lt"/>
+                  </a:endParaRPr>
+                </a:p>
+                <a:p>
+                  <a:pPr marL="285750" indent="-285750">
+                    <a:buFont typeface="Wingdings" panose="05000000000000000000" pitchFamily="2" charset="2"/>
+                    <a:buChar char="ü"/>
+                  </a:pPr>
+                  <a:r>
+                    <a:rPr lang="en-US" altLang="zh-TW" sz="1600" dirty="0">
+                      <a:solidFill>
+                        <a:schemeClr val="tx1">
+                          <a:lumMod val="65000"/>
+                          <a:lumOff val="35000"/>
+                        </a:schemeClr>
+                      </a:solidFill>
+                      <a:cs typeface="+mn-ea"/>
+                      <a:sym typeface="+mn-lt"/>
+                    </a:rPr>
+                    <a:t>UI</a:t>
+                  </a:r>
+                  <a:r>
+                    <a:rPr lang="zh-TW" altLang="en-US" sz="1600" dirty="0">
+                      <a:solidFill>
+                        <a:schemeClr val="tx1">
+                          <a:lumMod val="65000"/>
+                          <a:lumOff val="35000"/>
+                        </a:schemeClr>
+                      </a:solidFill>
+                      <a:cs typeface="+mn-ea"/>
+                      <a:sym typeface="+mn-lt"/>
+                    </a:rPr>
+                    <a:t>設計</a:t>
+                  </a:r>
+                </a:p>
+              </p:txBody>
+            </p:sp>
+            <p:sp>
+              <p:nvSpPr>
+                <p:cNvPr id="98" name="矩形 97">
+                  <a:extLst>
+                    <a:ext uri="{FF2B5EF4-FFF2-40B4-BE49-F238E27FC236}">
+                      <a16:creationId xmlns:a16="http://schemas.microsoft.com/office/drawing/2014/main" id="{022489E3-2D8D-42C4-B4C2-CDC27BE769D0}"/>
+                    </a:ext>
+                  </a:extLst>
+                </p:cNvPr>
+                <p:cNvSpPr/>
+                <p:nvPr/>
+              </p:nvSpPr>
+              <p:spPr>
+                <a:xfrm>
+                  <a:off x="370105" y="1842387"/>
+                  <a:ext cx="1032513" cy="292384"/>
+                </a:xfrm>
+                <a:prstGeom prst="rect">
+                  <a:avLst/>
+                </a:prstGeom>
+                <a:ln>
+                  <a:noFill/>
+                </a:ln>
+              </p:spPr>
+              <p:style>
+                <a:lnRef idx="2">
+                  <a:schemeClr val="accent1">
+                    <a:shade val="50000"/>
+                  </a:schemeClr>
+                </a:lnRef>
+                <a:fillRef idx="1">
+                  <a:schemeClr val="accent1"/>
+                </a:fillRef>
+                <a:effectRef idx="0">
+                  <a:schemeClr val="accent1"/>
+                </a:effectRef>
+                <a:fontRef idx="minor">
+                  <a:schemeClr val="lt1"/>
+                </a:fontRef>
+              </p:style>
+              <p:txBody>
+                <a:bodyPr rtlCol="0" anchor="ctr"/>
+                <a:lstStyle/>
+                <a:p>
+                  <a:pPr algn="ctr"/>
+                  <a:r>
+                    <a:rPr lang="zh-TW" altLang="en-US" sz="1600" dirty="0">
+                      <a:cs typeface="+mn-ea"/>
+                      <a:sym typeface="+mn-lt"/>
+                    </a:rPr>
+                    <a:t>張瓊文</a:t>
+                  </a:r>
+                  <a:endParaRPr lang="zh-CN" altLang="en-US" sz="1600" dirty="0">
+                    <a:cs typeface="+mn-ea"/>
+                    <a:sym typeface="+mn-lt"/>
+                  </a:endParaRPr>
+                </a:p>
+              </p:txBody>
+            </p:sp>
+          </p:grpSp>
+          <p:sp>
+            <p:nvSpPr>
+              <p:cNvPr id="93" name="矩形: 圓角 92">
+                <a:extLst>
+                  <a:ext uri="{FF2B5EF4-FFF2-40B4-BE49-F238E27FC236}">
+                    <a16:creationId xmlns:a16="http://schemas.microsoft.com/office/drawing/2014/main" id="{A95569BC-3CD3-446D-837B-4ABB7C7D3485}"/>
+                  </a:ext>
+                </a:extLst>
+              </p:cNvPr>
+              <p:cNvSpPr/>
+              <p:nvPr/>
+            </p:nvSpPr>
+            <p:spPr>
+              <a:xfrm>
+                <a:off x="3043371" y="1897379"/>
+                <a:ext cx="873309" cy="350975"/>
+              </a:xfrm>
+              <a:prstGeom prst="roundRect">
+                <a:avLst/>
+              </a:prstGeom>
+              <a:solidFill>
+                <a:schemeClr val="accent2"/>
+              </a:solidFill>
+            </p:spPr>
+            <p:style>
+              <a:lnRef idx="2">
+                <a:schemeClr val="accent4">
+                  <a:shade val="50000"/>
+                </a:schemeClr>
+              </a:lnRef>
+              <a:fillRef idx="1">
+                <a:schemeClr val="accent4"/>
+              </a:fillRef>
+              <a:effectRef idx="0">
+                <a:schemeClr val="accent4"/>
+              </a:effectRef>
+              <a:fontRef idx="minor">
+                <a:schemeClr val="lt1"/>
+              </a:fontRef>
+            </p:style>
+            <p:txBody>
+              <a:bodyPr rtlCol="0" anchor="ctr"/>
+              <a:lstStyle/>
+              <a:p>
+                <a:pPr algn="ctr"/>
+                <a:r>
+                  <a:rPr lang="zh-TW" altLang="en-US" sz="1600" dirty="0"/>
+                  <a:t>技術長</a:t>
+                </a:r>
+              </a:p>
+            </p:txBody>
+          </p:sp>
+        </p:grpSp>
+        <p:pic>
+          <p:nvPicPr>
+            <p:cNvPr id="19" name="圖片 18">
+              <a:extLst>
+                <a:ext uri="{FF2B5EF4-FFF2-40B4-BE49-F238E27FC236}">
+                  <a16:creationId xmlns:a16="http://schemas.microsoft.com/office/drawing/2014/main" id="{39B06CF9-AA2E-4808-BED6-3D1ADE003F86}"/>
+                </a:ext>
+              </a:extLst>
+            </p:cNvPr>
+            <p:cNvPicPr>
+              <a:picLocks noChangeAspect="1"/>
+            </p:cNvPicPr>
+            <p:nvPr/>
+          </p:nvPicPr>
+          <p:blipFill rotWithShape="1">
+            <a:blip r:embed="rId8" cstate="print">
+              <a:extLst>
+                <a:ext uri="{28A0092B-C50C-407E-A947-70E740481C1C}">
+                  <a14:useLocalDpi xmlns:a14="http://schemas.microsoft.com/office/drawing/2010/main" val="0"/>
+                </a:ext>
+              </a:extLst>
+            </a:blip>
+            <a:srcRect l="3875" t="1" r="17090" b="44922"/>
+            <a:stretch/>
+          </p:blipFill>
+          <p:spPr>
+            <a:xfrm>
+              <a:off x="795412" y="2308697"/>
+              <a:ext cx="1016524" cy="944497"/>
+            </a:xfrm>
+            <a:prstGeom prst="rect">
+              <a:avLst/>
+            </a:prstGeom>
+          </p:spPr>
+        </p:pic>
+      </p:grpSp>
     </p:spTree>
   </p:cSld>
   <p:clrMapOvr>
     <a:masterClrMapping/>
   </p:clrMapOvr>
-  <mc:AlternateContent xmlns:mc="http://schemas.openxmlformats.org/markup-compatibility/2006">
-    <mc:Choice xmlns:p14="http://schemas.microsoft.com/office/powerpoint/2010/main" Requires="p14">
+  <mc:AlternateContent xmlns:mc="http://schemas.openxmlformats.org/markup-compatibility/2006" xmlns:p14="http://schemas.microsoft.com/office/powerpoint/2010/main">
+    <mc:Choice Requires="p14">
       <p:transition p14:dur="100">
         <p:cut/>
       </p:transition>
     </mc:Choice>
-    <mc:Fallback>
+    <mc:Fallback xmlns="">
       <p:transition>
         <p:cut/>
       </p:transition>
@@ -20387,7 +20150,7 @@
                                           </p:stCondLst>
                                         </p:cTn>
                                         <p:tgtEl>
-                                          <p:spTgt spid="11"/>
+                                          <p:spTgt spid="15"/>
                                         </p:tgtEl>
                                         <p:attrNameLst>
                                           <p:attrName>style.visibility</p:attrName>
@@ -20401,7 +20164,7 @@
                                       <p:cBhvr>
                                         <p:cTn id="12" dur="750"/>
                                         <p:tgtEl>
-                                          <p:spTgt spid="11"/>
+                                          <p:spTgt spid="15"/>
                                         </p:tgtEl>
                                       </p:cBhvr>
                                     </p:animEffect>
@@ -20409,7 +20172,7 @@
                                       <p:cBhvr>
                                         <p:cTn id="13" dur="750" fill="hold"/>
                                         <p:tgtEl>
-                                          <p:spTgt spid="11"/>
+                                          <p:spTgt spid="15"/>
                                         </p:tgtEl>
                                         <p:attrNameLst>
                                           <p:attrName>ppt_x</p:attrName>
@@ -20432,7 +20195,7 @@
                                       <p:cBhvr>
                                         <p:cTn id="14" dur="750" fill="hold"/>
                                         <p:tgtEl>
-                                          <p:spTgt spid="11"/>
+                                          <p:spTgt spid="15"/>
                                         </p:tgtEl>
                                         <p:attrNameLst>
                                           <p:attrName>ppt_y</p:attrName>
@@ -20477,7 +20240,7 @@
                                           </p:stCondLst>
                                         </p:cTn>
                                         <p:tgtEl>
-                                          <p:spTgt spid="91"/>
+                                          <p:spTgt spid="20"/>
                                         </p:tgtEl>
                                         <p:attrNameLst>
                                           <p:attrName>style.visibility</p:attrName>
@@ -20491,7 +20254,7 @@
                                       <p:cBhvr>
                                         <p:cTn id="18" dur="750"/>
                                         <p:tgtEl>
-                                          <p:spTgt spid="91"/>
+                                          <p:spTgt spid="20"/>
                                         </p:tgtEl>
                                       </p:cBhvr>
                                     </p:animEffect>
@@ -20499,7 +20262,7 @@
                                       <p:cBhvr>
                                         <p:cTn id="19" dur="750" fill="hold"/>
                                         <p:tgtEl>
-                                          <p:spTgt spid="91"/>
+                                          <p:spTgt spid="20"/>
                                         </p:tgtEl>
                                         <p:attrNameLst>
                                           <p:attrName>ppt_x</p:attrName>
@@ -20522,7 +20285,7 @@
                                       <p:cBhvr>
                                         <p:cTn id="20" dur="750" fill="hold"/>
                                         <p:tgtEl>
-                                          <p:spTgt spid="91"/>
+                                          <p:spTgt spid="20"/>
                                         </p:tgtEl>
                                         <p:attrNameLst>
                                           <p:attrName>ppt_y</p:attrName>
@@ -20567,7 +20330,7 @@
                                           </p:stCondLst>
                                         </p:cTn>
                                         <p:tgtEl>
-                                          <p:spTgt spid="99"/>
+                                          <p:spTgt spid="13"/>
                                         </p:tgtEl>
                                         <p:attrNameLst>
                                           <p:attrName>style.visibility</p:attrName>
@@ -20581,7 +20344,7 @@
                                       <p:cBhvr>
                                         <p:cTn id="24" dur="750"/>
                                         <p:tgtEl>
-                                          <p:spTgt spid="99"/>
+                                          <p:spTgt spid="13"/>
                                         </p:tgtEl>
                                       </p:cBhvr>
                                     </p:animEffect>
@@ -20589,7 +20352,7 @@
                                       <p:cBhvr>
                                         <p:cTn id="25" dur="750" fill="hold"/>
                                         <p:tgtEl>
-                                          <p:spTgt spid="99"/>
+                                          <p:spTgt spid="13"/>
                                         </p:tgtEl>
                                         <p:attrNameLst>
                                           <p:attrName>ppt_x</p:attrName>
@@ -20612,7 +20375,7 @@
                                       <p:cBhvr>
                                         <p:cTn id="26" dur="750" fill="hold"/>
                                         <p:tgtEl>
-                                          <p:spTgt spid="99"/>
+                                          <p:spTgt spid="13"/>
                                         </p:tgtEl>
                                         <p:attrNameLst>
                                           <p:attrName>ppt_y</p:attrName>
@@ -20657,7 +20420,7 @@
                                           </p:stCondLst>
                                         </p:cTn>
                                         <p:tgtEl>
-                                          <p:spTgt spid="107"/>
+                                          <p:spTgt spid="12"/>
                                         </p:tgtEl>
                                         <p:attrNameLst>
                                           <p:attrName>style.visibility</p:attrName>
@@ -20671,7 +20434,7 @@
                                       <p:cBhvr>
                                         <p:cTn id="30" dur="750"/>
                                         <p:tgtEl>
-                                          <p:spTgt spid="107"/>
+                                          <p:spTgt spid="12"/>
                                         </p:tgtEl>
                                       </p:cBhvr>
                                     </p:animEffect>
@@ -20679,7 +20442,7 @@
                                       <p:cBhvr>
                                         <p:cTn id="31" dur="750" fill="hold"/>
                                         <p:tgtEl>
-                                          <p:spTgt spid="107"/>
+                                          <p:spTgt spid="12"/>
                                         </p:tgtEl>
                                         <p:attrNameLst>
                                           <p:attrName>ppt_x</p:attrName>
@@ -20702,7 +20465,7 @@
                                       <p:cBhvr>
                                         <p:cTn id="32" dur="750" fill="hold"/>
                                         <p:tgtEl>
-                                          <p:spTgt spid="107"/>
+                                          <p:spTgt spid="12"/>
                                         </p:tgtEl>
                                         <p:attrNameLst>
                                           <p:attrName>ppt_y</p:attrName>
@@ -20747,7 +20510,7 @@
                                           </p:stCondLst>
                                         </p:cTn>
                                         <p:tgtEl>
-                                          <p:spTgt spid="115"/>
+                                          <p:spTgt spid="17"/>
                                         </p:tgtEl>
                                         <p:attrNameLst>
                                           <p:attrName>style.visibility</p:attrName>
@@ -20761,7 +20524,7 @@
                                       <p:cBhvr>
                                         <p:cTn id="36" dur="750"/>
                                         <p:tgtEl>
-                                          <p:spTgt spid="115"/>
+                                          <p:spTgt spid="17"/>
                                         </p:tgtEl>
                                       </p:cBhvr>
                                     </p:animEffect>
@@ -20769,7 +20532,7 @@
                                       <p:cBhvr>
                                         <p:cTn id="37" dur="750" fill="hold"/>
                                         <p:tgtEl>
-                                          <p:spTgt spid="115"/>
+                                          <p:spTgt spid="17"/>
                                         </p:tgtEl>
                                         <p:attrNameLst>
                                           <p:attrName>ppt_x</p:attrName>
@@ -20792,7 +20555,7 @@
                                       <p:cBhvr>
                                         <p:cTn id="38" dur="750" fill="hold"/>
                                         <p:tgtEl>
-                                          <p:spTgt spid="115"/>
+                                          <p:spTgt spid="17"/>
                                         </p:tgtEl>
                                         <p:attrNameLst>
                                           <p:attrName>ppt_y</p:attrName>
@@ -20837,7 +20600,7 @@
                                           </p:stCondLst>
                                         </p:cTn>
                                         <p:tgtEl>
-                                          <p:spTgt spid="123"/>
+                                          <p:spTgt spid="7"/>
                                         </p:tgtEl>
                                         <p:attrNameLst>
                                           <p:attrName>style.visibility</p:attrName>
@@ -20851,7 +20614,7 @@
                                       <p:cBhvr>
                                         <p:cTn id="42" dur="750"/>
                                         <p:tgtEl>
-                                          <p:spTgt spid="123"/>
+                                          <p:spTgt spid="7"/>
                                         </p:tgtEl>
                                       </p:cBhvr>
                                     </p:animEffect>
@@ -20859,7 +20622,7 @@
                                       <p:cBhvr>
                                         <p:cTn id="43" dur="750" fill="hold"/>
                                         <p:tgtEl>
-                                          <p:spTgt spid="123"/>
+                                          <p:spTgt spid="7"/>
                                         </p:tgtEl>
                                         <p:attrNameLst>
                                           <p:attrName>ppt_x</p:attrName>
@@ -20882,7 +20645,7 @@
                                       <p:cBhvr>
                                         <p:cTn id="44" dur="750" fill="hold"/>
                                         <p:tgtEl>
-                                          <p:spTgt spid="123"/>
+                                          <p:spTgt spid="7"/>
                                         </p:tgtEl>
                                         <p:attrNameLst>
                                           <p:attrName>ppt_y</p:attrName>
@@ -23349,11 +23112,11 @@
   <p:clrMapOvr>
     <a:masterClrMapping/>
   </p:clrMapOvr>
-  <mc:AlternateContent xmlns:mc="http://schemas.openxmlformats.org/markup-compatibility/2006">
-    <mc:Choice xmlns:p14="http://schemas.microsoft.com/office/powerpoint/2010/main" Requires="p14">
+  <mc:AlternateContent xmlns:mc="http://schemas.openxmlformats.org/markup-compatibility/2006" xmlns:p14="http://schemas.microsoft.com/office/powerpoint/2010/main">
+    <mc:Choice Requires="p14">
       <p:transition p14:dur="0"/>
     </mc:Choice>
-    <mc:Fallback>
+    <mc:Fallback xmlns="">
       <p:transition/>
     </mc:Fallback>
   </mc:AlternateContent>
@@ -23654,11 +23417,11 @@
   <p:clrMapOvr>
     <a:masterClrMapping/>
   </p:clrMapOvr>
-  <mc:AlternateContent xmlns:mc="http://schemas.openxmlformats.org/markup-compatibility/2006">
-    <mc:Choice xmlns:p14="http://schemas.microsoft.com/office/powerpoint/2010/main" Requires="p14">
+  <mc:AlternateContent xmlns:mc="http://schemas.openxmlformats.org/markup-compatibility/2006" xmlns:p14="http://schemas.microsoft.com/office/powerpoint/2010/main">
+    <mc:Choice Requires="p14">
       <p:transition p14:dur="0"/>
     </mc:Choice>
-    <mc:Fallback>
+    <mc:Fallback xmlns="">
       <p:transition/>
     </mc:Fallback>
   </mc:AlternateContent>
@@ -24843,11 +24606,11 @@
   <p:clrMapOvr>
     <a:masterClrMapping/>
   </p:clrMapOvr>
-  <mc:AlternateContent xmlns:mc="http://schemas.openxmlformats.org/markup-compatibility/2006">
-    <mc:Choice xmlns:p14="http://schemas.microsoft.com/office/powerpoint/2010/main" Requires="p14">
+  <mc:AlternateContent xmlns:mc="http://schemas.openxmlformats.org/markup-compatibility/2006" xmlns:p14="http://schemas.microsoft.com/office/powerpoint/2010/main">
+    <mc:Choice Requires="p14">
       <p:transition p14:dur="0"/>
     </mc:Choice>
-    <mc:Fallback>
+    <mc:Fallback xmlns="">
       <p:transition/>
     </mc:Fallback>
   </mc:AlternateContent>
@@ -25497,60 +25260,6 @@
   <p:tag name="ISPRING_PLAYERS_CUSTOMIZATION" val="UEsDBBQAAgAIAEOUV0cNwDEewAEAANoDAAAPAAAAbm9uZS9wbGF5ZXIueG1spZJPb9QwEMXPW6nfIfK9dpYKUa0cekDKiaJKC4jbyptME1PHDp4Ju/vtmfzZpFuQQOKQaPIy72fPs/X9sXHJT4hog8/EWqYiAV+E0voqE18+5zd34v799ZVunTlBTGyZCR88iKQELKJtiX2PhupMvBAkQ0XCL4+bI9pM1ETtRqnD4SAPtzLESr1J07X69vBxW9TQmBvrkYwvmLvs5VYkbbQhWjpl4l0qrq9WA/ICZ5F7fIXBdf3KKIvQqDYCgieIatz2bN3Q3838NMErOrWAgkdfDbPvTfH8EMrOAfbaSo9tWyDqCYO20rSx6zufYCwyMTbsGkA0FaB0vhJq9Ko/mPWTM1hPHLzA9ty22zuLNYsjfejeLerubBmyVxNHXYJ0M0wwnGLeOZeDoS5CKZIIPzrLVd5jv85HkK7FuJzn7h0+Wy/xULDGVW4KCvH0gR18JFOUco5ejtHLwdTbh+ITF49TnNsFMgezhKBratzbf86j7/6fOEp4Mp0jcV7B+hKOueW/BA2PQsAz9pqk1sl+tTOVd9ftmxdX40Iadzdl8R1FQiZWwNewNGTUos8w9Zqm1fg5JTTHotXv91JPRC5/AVBLAQIAABQAAgAIAEOUV0cNwDEewAEAANoDAAAPAAAAAAAAAAEAAAAAAAAAAABub25lL3BsYXllci54bWxQSwUGAAAAAAEAAQA9AAAA7QEAAAAA"/>
   <p:tag name="ISPRING_OUTPUT_FOLDER" val="E:\学习\包图网\视频"/>
   <p:tag name="ISPRING_PRESENTATION_TITLE" val="商业策划"/>
-</p:tagLst>
-</file>
-
-<file path=ppt/tags/tag2.xml><?xml version="1.0" encoding="utf-8"?>
-<p:tagLst xmlns:a="http://schemas.openxmlformats.org/drawingml/2006/main" xmlns:r="http://schemas.openxmlformats.org/officeDocument/2006/relationships" xmlns:p="http://schemas.openxmlformats.org/presentationml/2006/main">
-  <p:tag name="MH" val="20170417140354"/>
-  <p:tag name="MH_LIBRARY" val="GRAPHIC"/>
-  <p:tag name="MH_TYPE" val="Picture"/>
-  <p:tag name="MH_ORDER" val="1"/>
-</p:tagLst>
-</file>
-
-<file path=ppt/tags/tag3.xml><?xml version="1.0" encoding="utf-8"?>
-<p:tagLst xmlns:a="http://schemas.openxmlformats.org/drawingml/2006/main" xmlns:r="http://schemas.openxmlformats.org/officeDocument/2006/relationships" xmlns:p="http://schemas.openxmlformats.org/presentationml/2006/main">
-  <p:tag name="MH" val="20170417140354"/>
-  <p:tag name="MH_LIBRARY" val="GRAPHIC"/>
-  <p:tag name="MH_TYPE" val="Picture"/>
-  <p:tag name="MH_ORDER" val="1"/>
-</p:tagLst>
-</file>
-
-<file path=ppt/tags/tag4.xml><?xml version="1.0" encoding="utf-8"?>
-<p:tagLst xmlns:a="http://schemas.openxmlformats.org/drawingml/2006/main" xmlns:r="http://schemas.openxmlformats.org/officeDocument/2006/relationships" xmlns:p="http://schemas.openxmlformats.org/presentationml/2006/main">
-  <p:tag name="MH" val="20170417140354"/>
-  <p:tag name="MH_LIBRARY" val="GRAPHIC"/>
-  <p:tag name="MH_TYPE" val="Picture"/>
-  <p:tag name="MH_ORDER" val="1"/>
-</p:tagLst>
-</file>
-
-<file path=ppt/tags/tag5.xml><?xml version="1.0" encoding="utf-8"?>
-<p:tagLst xmlns:a="http://schemas.openxmlformats.org/drawingml/2006/main" xmlns:r="http://schemas.openxmlformats.org/officeDocument/2006/relationships" xmlns:p="http://schemas.openxmlformats.org/presentationml/2006/main">
-  <p:tag name="MH" val="20170417140354"/>
-  <p:tag name="MH_LIBRARY" val="GRAPHIC"/>
-  <p:tag name="MH_TYPE" val="Picture"/>
-  <p:tag name="MH_ORDER" val="1"/>
-</p:tagLst>
-</file>
-
-<file path=ppt/tags/tag6.xml><?xml version="1.0" encoding="utf-8"?>
-<p:tagLst xmlns:a="http://schemas.openxmlformats.org/drawingml/2006/main" xmlns:r="http://schemas.openxmlformats.org/officeDocument/2006/relationships" xmlns:p="http://schemas.openxmlformats.org/presentationml/2006/main">
-  <p:tag name="MH" val="20170417140354"/>
-  <p:tag name="MH_LIBRARY" val="GRAPHIC"/>
-  <p:tag name="MH_TYPE" val="Picture"/>
-  <p:tag name="MH_ORDER" val="1"/>
-</p:tagLst>
-</file>
-
-<file path=ppt/tags/tag7.xml><?xml version="1.0" encoding="utf-8"?>
-<p:tagLst xmlns:a="http://schemas.openxmlformats.org/drawingml/2006/main" xmlns:r="http://schemas.openxmlformats.org/officeDocument/2006/relationships" xmlns:p="http://schemas.openxmlformats.org/presentationml/2006/main">
-  <p:tag name="MH" val="20170417140354"/>
-  <p:tag name="MH_LIBRARY" val="GRAPHIC"/>
-  <p:tag name="MH_TYPE" val="Picture"/>
-  <p:tag name="MH_ORDER" val="1"/>
 </p:tagLst>
 </file>
 

--- a/第一組(20191225).pptx
+++ b/第一組(20191225).pptx
@@ -1,14 +1,14 @@
 
 <file path=ppt/presentation.xml><?xml version="1.0" encoding="utf-8"?>
-<p:presentation xmlns:a="http://schemas.openxmlformats.org/drawingml/2006/main" xmlns:r="http://schemas.openxmlformats.org/officeDocument/2006/relationships" xmlns:p="http://schemas.openxmlformats.org/presentationml/2006/main">
+<p:presentation xmlns:a="http://schemas.openxmlformats.org/drawingml/2006/main" xmlns:r="http://schemas.openxmlformats.org/officeDocument/2006/relationships" xmlns:p="http://schemas.openxmlformats.org/presentationml/2006/main" firstSlideNum="0" showSpecialPlsOnTitleSld="0">
   <p:sldMasterIdLst>
     <p:sldMasterId id="2147483654" r:id="rId1"/>
   </p:sldMasterIdLst>
   <p:notesMasterIdLst>
-    <p:notesMasterId r:id="rId10"/>
+    <p:notesMasterId r:id="rId12"/>
   </p:notesMasterIdLst>
   <p:handoutMasterIdLst>
-    <p:handoutMasterId r:id="rId11"/>
+    <p:handoutMasterId r:id="rId13"/>
   </p:handoutMasterIdLst>
   <p:sldIdLst>
     <p:sldId id="462" r:id="rId2"/>
@@ -17,13 +17,15 @@
     <p:sldId id="293" r:id="rId5"/>
     <p:sldId id="435" r:id="rId6"/>
     <p:sldId id="463" r:id="rId7"/>
-    <p:sldId id="453" r:id="rId8"/>
-    <p:sldId id="459" r:id="rId9"/>
+    <p:sldId id="459" r:id="rId8"/>
+    <p:sldId id="453" r:id="rId9"/>
+    <p:sldId id="446" r:id="rId10"/>
+    <p:sldId id="455" r:id="rId11"/>
   </p:sldIdLst>
   <p:sldSz cx="9144000" cy="5143500" type="screen16x9"/>
   <p:notesSz cx="6858000" cy="9144000"/>
   <p:custDataLst>
-    <p:tags r:id="rId12"/>
+    <p:tags r:id="rId14"/>
   </p:custDataLst>
   <p:defaultTextStyle>
     <a:defPPr>
@@ -4018,13 +4020,97 @@
                 </a:solidFill>
               </a:rPr>
               <a:pPr/>
-              <a:t>1</a:t>
+              <a:t>0</a:t>
             </a:fld>
             <a:endParaRPr lang="zh-CN" altLang="en-US">
               <a:solidFill>
                 <a:prstClr val="black"/>
               </a:solidFill>
             </a:endParaRPr>
+          </a:p>
+        </p:txBody>
+      </p:sp>
+    </p:spTree>
+    <p:extLst>
+      <p:ext uri="{BB962C8B-B14F-4D97-AF65-F5344CB8AC3E}">
+        <p14:creationId xmlns:p14="http://schemas.microsoft.com/office/powerpoint/2010/main" val="465330678"/>
+      </p:ext>
+    </p:extLst>
+  </p:cSld>
+  <p:clrMapOvr>
+    <a:masterClrMapping/>
+  </p:clrMapOvr>
+</p:notes>
+</file>
+
+<file path=ppt/notesSlides/notesSlide10.xml><?xml version="1.0" encoding="utf-8"?>
+<p:notes xmlns:a="http://schemas.openxmlformats.org/drawingml/2006/main" xmlns:r="http://schemas.openxmlformats.org/officeDocument/2006/relationships" xmlns:p="http://schemas.openxmlformats.org/presentationml/2006/main">
+  <p:cSld>
+    <p:spTree>
+      <p:nvGrpSpPr>
+        <p:cNvPr id="1" name=""/>
+        <p:cNvGrpSpPr/>
+        <p:nvPr/>
+      </p:nvGrpSpPr>
+      <p:grpSpPr>
+        <a:xfrm>
+          <a:off x="0" y="0"/>
+          <a:ext cx="0" cy="0"/>
+          <a:chOff x="0" y="0"/>
+          <a:chExt cx="0" cy="0"/>
+        </a:xfrm>
+      </p:grpSpPr>
+      <p:sp>
+        <p:nvSpPr>
+          <p:cNvPr id="2" name="幻灯片图像占位符 1"/>
+          <p:cNvSpPr>
+            <a:spLocks noGrp="1" noRot="1" noChangeAspect="1"/>
+          </p:cNvSpPr>
+          <p:nvPr>
+            <p:ph type="sldImg"/>
+          </p:nvPr>
+        </p:nvSpPr>
+        <p:spPr/>
+      </p:sp>
+      <p:sp>
+        <p:nvSpPr>
+          <p:cNvPr id="3" name="备注占位符 2"/>
+          <p:cNvSpPr>
+            <a:spLocks noGrp="1"/>
+          </p:cNvSpPr>
+          <p:nvPr>
+            <p:ph type="body" idx="1"/>
+          </p:nvPr>
+        </p:nvSpPr>
+        <p:spPr/>
+        <p:txBody>
+          <a:bodyPr/>
+          <a:lstStyle/>
+          <a:p>
+            <a:endParaRPr lang="zh-CN" altLang="en-US"/>
+          </a:p>
+        </p:txBody>
+      </p:sp>
+      <p:sp>
+        <p:nvSpPr>
+          <p:cNvPr id="4" name="灯片编号占位符 3"/>
+          <p:cNvSpPr>
+            <a:spLocks noGrp="1"/>
+          </p:cNvSpPr>
+          <p:nvPr>
+            <p:ph type="sldNum" sz="quarter" idx="10"/>
+          </p:nvPr>
+        </p:nvSpPr>
+        <p:spPr/>
+        <p:txBody>
+          <a:bodyPr/>
+          <a:lstStyle/>
+          <a:p>
+            <a:fld id="{0D64EC1F-4C1A-4575-A29E-535B091AA911}" type="slidenum">
+              <a:rPr lang="zh-CN" altLang="en-US" smtClean="0"/>
+              <a:t>9</a:t>
+            </a:fld>
+            <a:endParaRPr lang="zh-CN" altLang="en-US"/>
           </a:p>
         </p:txBody>
       </p:sp>
@@ -4106,7 +4192,7 @@
           <a:p>
             <a:fld id="{0D64EC1F-4C1A-4575-A29E-535B091AA911}" type="slidenum">
               <a:rPr lang="zh-CN" altLang="en-US" smtClean="0"/>
-              <a:t>2</a:t>
+              <a:t>1</a:t>
             </a:fld>
             <a:endParaRPr lang="zh-CN" altLang="en-US"/>
           </a:p>
@@ -4190,7 +4276,7 @@
           <a:p>
             <a:fld id="{0D64EC1F-4C1A-4575-A29E-535B091AA911}" type="slidenum">
               <a:rPr lang="zh-CN" altLang="en-US" smtClean="0"/>
-              <a:t>3</a:t>
+              <a:t>2</a:t>
             </a:fld>
             <a:endParaRPr lang="zh-CN" altLang="en-US"/>
           </a:p>
@@ -4274,7 +4360,7 @@
           <a:p>
             <a:fld id="{0D64EC1F-4C1A-4575-A29E-535B091AA911}" type="slidenum">
               <a:rPr lang="zh-CN" altLang="en-US" smtClean="0"/>
-              <a:t>4</a:t>
+              <a:t>3</a:t>
             </a:fld>
             <a:endParaRPr lang="zh-CN" altLang="en-US"/>
           </a:p>
@@ -4358,7 +4444,7 @@
           <a:p>
             <a:fld id="{0D64EC1F-4C1A-4575-A29E-535B091AA911}" type="slidenum">
               <a:rPr lang="zh-CN" altLang="en-US" smtClean="0"/>
-              <a:t>5</a:t>
+              <a:t>4</a:t>
             </a:fld>
             <a:endParaRPr lang="zh-CN" altLang="en-US"/>
           </a:p>
@@ -4442,7 +4528,7 @@
           <a:p>
             <a:fld id="{0D64EC1F-4C1A-4575-A29E-535B091AA911}" type="slidenum">
               <a:rPr lang="zh-CN" altLang="en-US" smtClean="0"/>
-              <a:t>6</a:t>
+              <a:t>5</a:t>
             </a:fld>
             <a:endParaRPr lang="zh-CN" altLang="en-US"/>
           </a:p>
@@ -4526,7 +4612,7 @@
           <a:p>
             <a:fld id="{0D64EC1F-4C1A-4575-A29E-535B091AA911}" type="slidenum">
               <a:rPr lang="zh-CN" altLang="en-US" smtClean="0"/>
-              <a:t>7</a:t>
+              <a:t>6</a:t>
             </a:fld>
             <a:endParaRPr lang="zh-CN" altLang="en-US"/>
           </a:p>
@@ -4535,7 +4621,7 @@
     </p:spTree>
     <p:extLst>
       <p:ext uri="{BB962C8B-B14F-4D97-AF65-F5344CB8AC3E}">
-        <p14:creationId xmlns:p14="http://schemas.microsoft.com/office/powerpoint/2010/main" val="516353527"/>
+        <p14:creationId xmlns:p14="http://schemas.microsoft.com/office/powerpoint/2010/main" val="990769893"/>
       </p:ext>
     </p:extLst>
   </p:cSld>
@@ -4610,7 +4696,7 @@
           <a:p>
             <a:fld id="{0D64EC1F-4C1A-4575-A29E-535B091AA911}" type="slidenum">
               <a:rPr lang="zh-CN" altLang="en-US" smtClean="0"/>
-              <a:t>8</a:t>
+              <a:t>7</a:t>
             </a:fld>
             <a:endParaRPr lang="zh-CN" altLang="en-US"/>
           </a:p>
@@ -4619,9 +4705,88 @@
     </p:spTree>
     <p:extLst>
       <p:ext uri="{BB962C8B-B14F-4D97-AF65-F5344CB8AC3E}">
-        <p14:creationId xmlns:p14="http://schemas.microsoft.com/office/powerpoint/2010/main" val="990769893"/>
+        <p14:creationId xmlns:p14="http://schemas.microsoft.com/office/powerpoint/2010/main" val="516353527"/>
       </p:ext>
     </p:extLst>
+  </p:cSld>
+  <p:clrMapOvr>
+    <a:masterClrMapping/>
+  </p:clrMapOvr>
+</p:notes>
+</file>
+
+<file path=ppt/notesSlides/notesSlide9.xml><?xml version="1.0" encoding="utf-8"?>
+<p:notes xmlns:a="http://schemas.openxmlformats.org/drawingml/2006/main" xmlns:r="http://schemas.openxmlformats.org/officeDocument/2006/relationships" xmlns:p="http://schemas.openxmlformats.org/presentationml/2006/main">
+  <p:cSld>
+    <p:spTree>
+      <p:nvGrpSpPr>
+        <p:cNvPr id="1" name=""/>
+        <p:cNvGrpSpPr/>
+        <p:nvPr/>
+      </p:nvGrpSpPr>
+      <p:grpSpPr>
+        <a:xfrm>
+          <a:off x="0" y="0"/>
+          <a:ext cx="0" cy="0"/>
+          <a:chOff x="0" y="0"/>
+          <a:chExt cx="0" cy="0"/>
+        </a:xfrm>
+      </p:grpSpPr>
+      <p:sp>
+        <p:nvSpPr>
+          <p:cNvPr id="2" name="幻灯片图像占位符 1"/>
+          <p:cNvSpPr>
+            <a:spLocks noGrp="1" noRot="1" noChangeAspect="1"/>
+          </p:cNvSpPr>
+          <p:nvPr>
+            <p:ph type="sldImg"/>
+          </p:nvPr>
+        </p:nvSpPr>
+        <p:spPr/>
+      </p:sp>
+      <p:sp>
+        <p:nvSpPr>
+          <p:cNvPr id="3" name="备注占位符 2"/>
+          <p:cNvSpPr>
+            <a:spLocks noGrp="1"/>
+          </p:cNvSpPr>
+          <p:nvPr>
+            <p:ph type="body" idx="1"/>
+          </p:nvPr>
+        </p:nvSpPr>
+        <p:spPr/>
+        <p:txBody>
+          <a:bodyPr/>
+          <a:lstStyle/>
+          <a:p>
+            <a:endParaRPr lang="zh-CN" altLang="en-US"/>
+          </a:p>
+        </p:txBody>
+      </p:sp>
+      <p:sp>
+        <p:nvSpPr>
+          <p:cNvPr id="4" name="灯片编号占位符 3"/>
+          <p:cNvSpPr>
+            <a:spLocks noGrp="1"/>
+          </p:cNvSpPr>
+          <p:nvPr>
+            <p:ph type="sldNum" sz="quarter" idx="10"/>
+          </p:nvPr>
+        </p:nvSpPr>
+        <p:spPr/>
+        <p:txBody>
+          <a:bodyPr/>
+          <a:lstStyle/>
+          <a:p>
+            <a:fld id="{0D64EC1F-4C1A-4575-A29E-535B091AA911}" type="slidenum">
+              <a:rPr lang="zh-CN" altLang="en-US" smtClean="0"/>
+              <a:t>8</a:t>
+            </a:fld>
+            <a:endParaRPr lang="zh-CN" altLang="en-US"/>
+          </a:p>
+        </p:txBody>
+      </p:sp>
+    </p:spTree>
   </p:cSld>
   <p:clrMapOvr>
     <a:masterClrMapping/>
@@ -4756,10 +4921,6 @@
           <a:bodyPr/>
           <a:lstStyle/>
           <a:p>
-            <a:fld id="{F10F7005-9383-42C0-A374-E507AD6B23EE}" type="datetimeFigureOut">
-              <a:rPr lang="zh-CN" altLang="en-US" smtClean="0"/>
-              <a:t>2019/12/22</a:t>
-            </a:fld>
             <a:endParaRPr lang="zh-CN" altLang="en-US"/>
           </a:p>
         </p:txBody>
@@ -4922,10 +5083,6 @@
           <a:bodyPr/>
           <a:lstStyle/>
           <a:p>
-            <a:fld id="{F10F7005-9383-42C0-A374-E507AD6B23EE}" type="datetimeFigureOut">
-              <a:rPr lang="zh-CN" altLang="en-US" smtClean="0"/>
-              <a:t>2019/12/22</a:t>
-            </a:fld>
             <a:endParaRPr lang="zh-CN" altLang="en-US"/>
           </a:p>
         </p:txBody>
@@ -5098,10 +5255,6 @@
           <a:bodyPr/>
           <a:lstStyle/>
           <a:p>
-            <a:fld id="{F10F7005-9383-42C0-A374-E507AD6B23EE}" type="datetimeFigureOut">
-              <a:rPr lang="zh-CN" altLang="en-US" smtClean="0"/>
-              <a:t>2019/12/22</a:t>
-            </a:fld>
             <a:endParaRPr lang="zh-CN" altLang="en-US"/>
           </a:p>
         </p:txBody>
@@ -5176,6 +5329,53 @@
           <a:chExt cx="0" cy="0"/>
         </a:xfrm>
       </p:grpSpPr>
+      <p:sp>
+        <p:nvSpPr>
+          <p:cNvPr id="3" name="灯片编号占位符 5">
+            <a:extLst>
+              <a:ext uri="{FF2B5EF4-FFF2-40B4-BE49-F238E27FC236}">
+                <a16:creationId xmlns:a16="http://schemas.microsoft.com/office/drawing/2014/main" id="{A1378DF7-D12E-4A96-BAF1-9626C1F129DE}"/>
+              </a:ext>
+            </a:extLst>
+          </p:cNvPr>
+          <p:cNvSpPr>
+            <a:spLocks noGrp="1"/>
+          </p:cNvSpPr>
+          <p:nvPr>
+            <p:ph type="sldNum" sz="quarter" idx="4"/>
+          </p:nvPr>
+        </p:nvSpPr>
+        <p:spPr>
+          <a:xfrm>
+            <a:off x="6954132" y="4764052"/>
+            <a:ext cx="2057400" cy="274637"/>
+          </a:xfrm>
+          <a:prstGeom prst="rect">
+            <a:avLst/>
+          </a:prstGeom>
+        </p:spPr>
+        <p:txBody>
+          <a:bodyPr vert="horz" lIns="91440" tIns="45720" rIns="91440" bIns="45720" rtlCol="0" anchor="ctr"/>
+          <a:lstStyle>
+            <a:lvl1pPr algn="r">
+              <a:defRPr sz="1200">
+                <a:solidFill>
+                  <a:schemeClr val="tx1">
+                    <a:tint val="75000"/>
+                  </a:schemeClr>
+                </a:solidFill>
+              </a:defRPr>
+            </a:lvl1pPr>
+          </a:lstStyle>
+          <a:p>
+            <a:fld id="{9495EA4E-3D33-45DE-B4D9-3F7D650B8951}" type="slidenum">
+              <a:rPr lang="zh-CN" altLang="en-US" smtClean="0"/>
+              <a:t>‹#›</a:t>
+            </a:fld>
+            <a:endParaRPr lang="zh-CN" altLang="en-US" dirty="0"/>
+          </a:p>
+        </p:txBody>
+      </p:sp>
     </p:spTree>
     <p:extLst>
       <p:ext uri="{BB962C8B-B14F-4D97-AF65-F5344CB8AC3E}">
@@ -5209,6 +5409,53 @@
           <a:chExt cx="0" cy="0"/>
         </a:xfrm>
       </p:grpSpPr>
+      <p:sp>
+        <p:nvSpPr>
+          <p:cNvPr id="3" name="灯片编号占位符 5">
+            <a:extLst>
+              <a:ext uri="{FF2B5EF4-FFF2-40B4-BE49-F238E27FC236}">
+                <a16:creationId xmlns:a16="http://schemas.microsoft.com/office/drawing/2014/main" id="{3573CB16-C643-40D9-B167-655F5EE0D00E}"/>
+              </a:ext>
+            </a:extLst>
+          </p:cNvPr>
+          <p:cNvSpPr>
+            <a:spLocks noGrp="1"/>
+          </p:cNvSpPr>
+          <p:nvPr>
+            <p:ph type="sldNum" sz="quarter" idx="4"/>
+          </p:nvPr>
+        </p:nvSpPr>
+        <p:spPr>
+          <a:xfrm>
+            <a:off x="6954132" y="4764052"/>
+            <a:ext cx="2057400" cy="274637"/>
+          </a:xfrm>
+          <a:prstGeom prst="rect">
+            <a:avLst/>
+          </a:prstGeom>
+        </p:spPr>
+        <p:txBody>
+          <a:bodyPr vert="horz" lIns="91440" tIns="45720" rIns="91440" bIns="45720" rtlCol="0" anchor="ctr"/>
+          <a:lstStyle>
+            <a:lvl1pPr algn="r">
+              <a:defRPr sz="1200">
+                <a:solidFill>
+                  <a:schemeClr val="tx1">
+                    <a:tint val="75000"/>
+                  </a:schemeClr>
+                </a:solidFill>
+              </a:defRPr>
+            </a:lvl1pPr>
+          </a:lstStyle>
+          <a:p>
+            <a:fld id="{9495EA4E-3D33-45DE-B4D9-3F7D650B8951}" type="slidenum">
+              <a:rPr lang="zh-CN" altLang="en-US" smtClean="0"/>
+              <a:t>‹#›</a:t>
+            </a:fld>
+            <a:endParaRPr lang="zh-CN" altLang="en-US" dirty="0"/>
+          </a:p>
+        </p:txBody>
+      </p:sp>
     </p:spTree>
     <p:extLst>
       <p:ext uri="{BB962C8B-B14F-4D97-AF65-F5344CB8AC3E}">
@@ -5973,10 +6220,6 @@
           <a:bodyPr/>
           <a:lstStyle/>
           <a:p>
-            <a:fld id="{F10F7005-9383-42C0-A374-E507AD6B23EE}" type="datetimeFigureOut">
-              <a:rPr lang="zh-CN" altLang="en-US" smtClean="0"/>
-              <a:t>2019/12/22</a:t>
-            </a:fld>
             <a:endParaRPr lang="zh-CN" altLang="en-US"/>
           </a:p>
         </p:txBody>
@@ -6216,10 +6459,6 @@
           <a:bodyPr/>
           <a:lstStyle/>
           <a:p>
-            <a:fld id="{F10F7005-9383-42C0-A374-E507AD6B23EE}" type="datetimeFigureOut">
-              <a:rPr lang="zh-CN" altLang="en-US" smtClean="0"/>
-              <a:t>2019/12/22</a:t>
-            </a:fld>
             <a:endParaRPr lang="zh-CN" altLang="en-US"/>
           </a:p>
         </p:txBody>
@@ -6443,10 +6682,6 @@
           <a:bodyPr/>
           <a:lstStyle/>
           <a:p>
-            <a:fld id="{F10F7005-9383-42C0-A374-E507AD6B23EE}" type="datetimeFigureOut">
-              <a:rPr lang="zh-CN" altLang="en-US" smtClean="0"/>
-              <a:t>2019/12/22</a:t>
-            </a:fld>
             <a:endParaRPr lang="zh-CN" altLang="en-US"/>
           </a:p>
         </p:txBody>
@@ -7374,10 +7609,6 @@
           <a:bodyPr/>
           <a:lstStyle/>
           <a:p>
-            <a:fld id="{F10F7005-9383-42C0-A374-E507AD6B23EE}" type="datetimeFigureOut">
-              <a:rPr lang="zh-CN" altLang="en-US" smtClean="0"/>
-              <a:t>2019/12/22</a:t>
-            </a:fld>
             <a:endParaRPr lang="zh-CN" altLang="en-US"/>
           </a:p>
         </p:txBody>
@@ -7489,10 +7720,6 @@
           <a:bodyPr/>
           <a:lstStyle/>
           <a:p>
-            <a:fld id="{F10F7005-9383-42C0-A374-E507AD6B23EE}" type="datetimeFigureOut">
-              <a:rPr lang="zh-CN" altLang="en-US" smtClean="0"/>
-              <a:t>2019/12/22</a:t>
-            </a:fld>
             <a:endParaRPr lang="zh-CN" altLang="en-US"/>
           </a:p>
         </p:txBody>
@@ -7582,10 +7809,6 @@
           <a:bodyPr/>
           <a:lstStyle/>
           <a:p>
-            <a:fld id="{F10F7005-9383-42C0-A374-E507AD6B23EE}" type="datetimeFigureOut">
-              <a:rPr lang="zh-CN" altLang="en-US" smtClean="0"/>
-              <a:t>2019/12/22</a:t>
-            </a:fld>
             <a:endParaRPr lang="zh-CN" altLang="en-US"/>
           </a:p>
         </p:txBody>
@@ -7855,10 +8078,6 @@
           <a:bodyPr/>
           <a:lstStyle/>
           <a:p>
-            <a:fld id="{F10F7005-9383-42C0-A374-E507AD6B23EE}" type="datetimeFigureOut">
-              <a:rPr lang="zh-CN" altLang="en-US" smtClean="0"/>
-              <a:t>2019/12/22</a:t>
-            </a:fld>
             <a:endParaRPr lang="zh-CN" altLang="en-US"/>
           </a:p>
         </p:txBody>
@@ -8105,10 +8324,6 @@
           <a:bodyPr/>
           <a:lstStyle/>
           <a:p>
-            <a:fld id="{F10F7005-9383-42C0-A374-E507AD6B23EE}" type="datetimeFigureOut">
-              <a:rPr lang="zh-CN" altLang="en-US" smtClean="0"/>
-              <a:t>2019/12/22</a:t>
-            </a:fld>
             <a:endParaRPr lang="zh-CN" altLang="en-US"/>
           </a:p>
         </p:txBody>
@@ -8344,10 +8559,6 @@
             </a:lvl1pPr>
           </a:lstStyle>
           <a:p>
-            <a:fld id="{F10F7005-9383-42C0-A374-E507AD6B23EE}" type="datetimeFigureOut">
-              <a:rPr lang="zh-CN" altLang="en-US" smtClean="0"/>
-              <a:t>2019/12/22</a:t>
-            </a:fld>
             <a:endParaRPr lang="zh-CN" altLang="en-US"/>
           </a:p>
         </p:txBody>
@@ -8401,7 +8612,7 @@
         </p:nvSpPr>
         <p:spPr>
           <a:xfrm>
-            <a:off x="6457950" y="4767263"/>
+            <a:off x="6954132" y="4764052"/>
             <a:ext cx="2057400" cy="274637"/>
           </a:xfrm>
           <a:prstGeom prst="rect">
@@ -8412,11 +8623,9 @@
           <a:bodyPr vert="horz" lIns="91440" tIns="45720" rIns="91440" bIns="45720" rtlCol="0" anchor="ctr"/>
           <a:lstStyle>
             <a:lvl1pPr algn="r">
-              <a:defRPr sz="1200">
+              <a:defRPr sz="1200" b="1">
                 <a:solidFill>
-                  <a:schemeClr val="tx1">
-                    <a:tint val="75000"/>
-                  </a:schemeClr>
+                  <a:schemeClr val="tx1"/>
                 </a:solidFill>
               </a:defRPr>
             </a:lvl1pPr>
@@ -8424,9 +8633,10 @@
           <a:p>
             <a:fld id="{9495EA4E-3D33-45DE-B4D9-3F7D650B8951}" type="slidenum">
               <a:rPr lang="zh-CN" altLang="en-US" smtClean="0"/>
+              <a:pPr/>
               <a:t>‹#›</a:t>
             </a:fld>
-            <a:endParaRPr lang="zh-CN" altLang="en-US"/>
+            <a:endParaRPr lang="zh-CN" altLang="en-US" dirty="0"/>
           </a:p>
         </p:txBody>
       </p:sp>
@@ -8454,6 +8664,7 @@
   <p:transition spd="slow">
     <p:wipe/>
   </p:transition>
+  <p:hf hdr="0" ftr="0" dt="0"/>
   <p:txStyles>
     <p:titleStyle>
       <a:lvl1pPr algn="l" defTabSz="914400" rtl="0" eaLnBrk="1" latinLnBrk="0" hangingPunct="1">
@@ -8734,6 +8945,22 @@
       </a:lvl9pPr>
     </p:otherStyle>
   </p:txStyles>
+  <p:extLst>
+    <p:ext uri="{27BBF7A9-308A-43DC-89C8-2F10F3537804}">
+      <p15:sldGuideLst xmlns:p15="http://schemas.microsoft.com/office/powerpoint/2012/main">
+        <p15:guide id="1" orient="horz" pos="1620" userDrawn="1">
+          <p15:clr>
+            <a:srgbClr val="F26B43"/>
+          </p15:clr>
+        </p15:guide>
+        <p15:guide id="2" pos="2880" userDrawn="1">
+          <p15:clr>
+            <a:srgbClr val="F26B43"/>
+          </p15:clr>
+        </p15:guide>
+      </p15:sldGuideLst>
+    </p:ext>
+  </p:extLst>
 </p:sldMaster>
 </file>
 
@@ -12244,6 +12471,3793 @@
 </p:sld>
 </file>
 
+<file path=ppt/slides/slide10.xml><?xml version="1.0" encoding="utf-8"?>
+<p:sld xmlns:a="http://schemas.openxmlformats.org/drawingml/2006/main" xmlns:r="http://schemas.openxmlformats.org/officeDocument/2006/relationships" xmlns:p="http://schemas.openxmlformats.org/presentationml/2006/main">
+  <p:cSld>
+    <p:spTree>
+      <p:nvGrpSpPr>
+        <p:cNvPr id="1" name=""/>
+        <p:cNvGrpSpPr/>
+        <p:nvPr/>
+      </p:nvGrpSpPr>
+      <p:grpSpPr>
+        <a:xfrm>
+          <a:off x="0" y="0"/>
+          <a:ext cx="0" cy="0"/>
+          <a:chOff x="0" y="0"/>
+          <a:chExt cx="0" cy="0"/>
+        </a:xfrm>
+      </p:grpSpPr>
+      <p:sp>
+        <p:nvSpPr>
+          <p:cNvPr id="66" name="椭圆 65"/>
+          <p:cNvSpPr/>
+          <p:nvPr/>
+        </p:nvSpPr>
+        <p:spPr>
+          <a:xfrm>
+            <a:off x="1256583" y="3729788"/>
+            <a:ext cx="677676" cy="677676"/>
+          </a:xfrm>
+          <a:prstGeom prst="ellipse">
+            <a:avLst/>
+          </a:prstGeom>
+          <a:solidFill>
+            <a:srgbClr val="27506E"/>
+          </a:solidFill>
+          <a:ln w="25400" cap="flat" cmpd="sng" algn="ctr">
+            <a:noFill/>
+            <a:prstDash val="solid"/>
+          </a:ln>
+          <a:effectLst>
+            <a:outerShdw blurRad="317500" dist="190500" dir="8100000" algn="tr" rotWithShape="0">
+              <a:prstClr val="black">
+                <a:alpha val="50000"/>
+              </a:prstClr>
+            </a:outerShdw>
+          </a:effectLst>
+        </p:spPr>
+        <p:txBody>
+          <a:bodyPr lIns="68580" tIns="34290" rIns="68580" bIns="34290" rtlCol="0" anchor="ctr"/>
+          <a:lstStyle/>
+          <a:p>
+            <a:pPr marL="0" marR="0" lvl="0" indent="0" algn="ctr" defTabSz="914378" eaLnBrk="1" fontAlgn="base" latinLnBrk="0" hangingPunct="1">
+              <a:lnSpc>
+                <a:spcPct val="100000"/>
+              </a:lnSpc>
+              <a:spcBef>
+                <a:spcPct val="0"/>
+              </a:spcBef>
+              <a:spcAft>
+                <a:spcPct val="0"/>
+              </a:spcAft>
+              <a:buClrTx/>
+              <a:buSzTx/>
+              <a:buFontTx/>
+              <a:buNone/>
+              <a:tabLst/>
+              <a:defRPr/>
+            </a:pPr>
+            <a:endParaRPr kumimoji="0" lang="zh-CN" altLang="en-US" sz="1800" b="0" i="0" u="none" strike="noStrike" kern="0" cap="none" spc="0" normalizeH="0" baseline="0" noProof="0">
+              <a:ln>
+                <a:noFill/>
+              </a:ln>
+              <a:solidFill>
+                <a:prstClr val="white"/>
+              </a:solidFill>
+              <a:effectLst/>
+              <a:uLnTx/>
+              <a:uFillTx/>
+              <a:latin typeface="Calibri"/>
+              <a:ea typeface="宋体" panose="02010600030101010101" pitchFamily="2" charset="-122"/>
+              <a:cs typeface="+mn-cs"/>
+            </a:endParaRPr>
+          </a:p>
+        </p:txBody>
+      </p:sp>
+      <p:sp>
+        <p:nvSpPr>
+          <p:cNvPr id="67" name="椭圆 66"/>
+          <p:cNvSpPr/>
+          <p:nvPr/>
+        </p:nvSpPr>
+        <p:spPr>
+          <a:xfrm>
+            <a:off x="1458034" y="1269681"/>
+            <a:ext cx="274777" cy="274777"/>
+          </a:xfrm>
+          <a:prstGeom prst="ellipse">
+            <a:avLst/>
+          </a:prstGeom>
+          <a:solidFill>
+            <a:srgbClr val="27506E"/>
+          </a:solidFill>
+          <a:ln w="25400" cap="flat" cmpd="sng" algn="ctr">
+            <a:noFill/>
+            <a:prstDash val="solid"/>
+          </a:ln>
+          <a:effectLst>
+            <a:outerShdw blurRad="254000" dist="127000" dir="8100000" algn="tr" rotWithShape="0">
+              <a:prstClr val="black">
+                <a:alpha val="60000"/>
+              </a:prstClr>
+            </a:outerShdw>
+          </a:effectLst>
+        </p:spPr>
+        <p:txBody>
+          <a:bodyPr lIns="68580" tIns="34290" rIns="68580" bIns="34290" rtlCol="0" anchor="ctr"/>
+          <a:lstStyle/>
+          <a:p>
+            <a:pPr marL="0" marR="0" lvl="0" indent="0" algn="ctr" defTabSz="914378" eaLnBrk="1" fontAlgn="base" latinLnBrk="0" hangingPunct="1">
+              <a:lnSpc>
+                <a:spcPct val="100000"/>
+              </a:lnSpc>
+              <a:spcBef>
+                <a:spcPct val="0"/>
+              </a:spcBef>
+              <a:spcAft>
+                <a:spcPct val="0"/>
+              </a:spcAft>
+              <a:buClrTx/>
+              <a:buSzTx/>
+              <a:buFontTx/>
+              <a:buNone/>
+              <a:tabLst/>
+              <a:defRPr/>
+            </a:pPr>
+            <a:endParaRPr kumimoji="0" lang="zh-CN" altLang="en-US" sz="1800" b="0" i="0" u="none" strike="noStrike" kern="0" cap="none" spc="0" normalizeH="0" baseline="0" noProof="0">
+              <a:ln>
+                <a:noFill/>
+              </a:ln>
+              <a:solidFill>
+                <a:prstClr val="white"/>
+              </a:solidFill>
+              <a:effectLst/>
+              <a:uLnTx/>
+              <a:uFillTx/>
+              <a:latin typeface="Calibri"/>
+              <a:ea typeface="宋体" panose="02010600030101010101" pitchFamily="2" charset="-122"/>
+              <a:cs typeface="+mn-cs"/>
+            </a:endParaRPr>
+          </a:p>
+        </p:txBody>
+      </p:sp>
+      <p:sp>
+        <p:nvSpPr>
+          <p:cNvPr id="68" name="同心圆 67"/>
+          <p:cNvSpPr/>
+          <p:nvPr/>
+        </p:nvSpPr>
+        <p:spPr>
+          <a:xfrm>
+            <a:off x="3216986" y="4440948"/>
+            <a:ext cx="301060" cy="301060"/>
+          </a:xfrm>
+          <a:prstGeom prst="donut">
+            <a:avLst>
+              <a:gd name="adj" fmla="val 4879"/>
+            </a:avLst>
+          </a:prstGeom>
+          <a:gradFill>
+            <a:gsLst>
+              <a:gs pos="0">
+                <a:sysClr val="window" lastClr="FFFFFF"/>
+              </a:gs>
+              <a:gs pos="55000">
+                <a:sysClr val="window" lastClr="FFFFFF">
+                  <a:lumMod val="95000"/>
+                </a:sysClr>
+              </a:gs>
+              <a:gs pos="100000">
+                <a:sysClr val="window" lastClr="FFFFFF">
+                  <a:lumMod val="65000"/>
+                </a:sysClr>
+              </a:gs>
+            </a:gsLst>
+            <a:lin ang="8100000" scaled="0"/>
+          </a:gradFill>
+          <a:ln w="25400" cap="flat" cmpd="sng" algn="ctr">
+            <a:noFill/>
+            <a:prstDash val="solid"/>
+          </a:ln>
+          <a:effectLst/>
+        </p:spPr>
+        <p:txBody>
+          <a:bodyPr lIns="68580" tIns="34290" rIns="68580" bIns="34290" rtlCol="0" anchor="ctr"/>
+          <a:lstStyle/>
+          <a:p>
+            <a:pPr marL="0" marR="0" lvl="0" indent="0" algn="ctr" defTabSz="914378" eaLnBrk="1" fontAlgn="base" latinLnBrk="0" hangingPunct="1">
+              <a:lnSpc>
+                <a:spcPct val="100000"/>
+              </a:lnSpc>
+              <a:spcBef>
+                <a:spcPct val="0"/>
+              </a:spcBef>
+              <a:spcAft>
+                <a:spcPct val="0"/>
+              </a:spcAft>
+              <a:buClrTx/>
+              <a:buSzTx/>
+              <a:buFontTx/>
+              <a:buNone/>
+              <a:tabLst/>
+              <a:defRPr/>
+            </a:pPr>
+            <a:endParaRPr kumimoji="0" lang="zh-CN" altLang="en-US" sz="1800" b="0" i="0" u="none" strike="noStrike" kern="0" cap="none" spc="0" normalizeH="0" baseline="0" noProof="0">
+              <a:ln>
+                <a:noFill/>
+              </a:ln>
+              <a:solidFill>
+                <a:prstClr val="black"/>
+              </a:solidFill>
+              <a:effectLst/>
+              <a:uLnTx/>
+              <a:uFillTx/>
+              <a:latin typeface="Calibri"/>
+              <a:ea typeface="宋体" panose="02010600030101010101" pitchFamily="2" charset="-122"/>
+              <a:cs typeface="+mn-cs"/>
+            </a:endParaRPr>
+          </a:p>
+        </p:txBody>
+      </p:sp>
+      <p:sp>
+        <p:nvSpPr>
+          <p:cNvPr id="69" name="椭圆 68"/>
+          <p:cNvSpPr/>
+          <p:nvPr/>
+        </p:nvSpPr>
+        <p:spPr>
+          <a:xfrm>
+            <a:off x="3230128" y="4454089"/>
+            <a:ext cx="274777" cy="274777"/>
+          </a:xfrm>
+          <a:prstGeom prst="ellipse">
+            <a:avLst/>
+          </a:prstGeom>
+          <a:gradFill>
+            <a:gsLst>
+              <a:gs pos="0">
+                <a:sysClr val="window" lastClr="FFFFFF"/>
+              </a:gs>
+              <a:gs pos="51000">
+                <a:sysClr val="window" lastClr="FFFFFF">
+                  <a:lumMod val="95000"/>
+                </a:sysClr>
+              </a:gs>
+              <a:gs pos="100000">
+                <a:sysClr val="window" lastClr="FFFFFF">
+                  <a:lumMod val="75000"/>
+                </a:sysClr>
+              </a:gs>
+            </a:gsLst>
+            <a:lin ang="18900000" scaled="0"/>
+          </a:gradFill>
+          <a:ln w="25400" cap="flat" cmpd="sng" algn="ctr">
+            <a:noFill/>
+            <a:prstDash val="solid"/>
+          </a:ln>
+          <a:effectLst/>
+        </p:spPr>
+        <p:txBody>
+          <a:bodyPr lIns="68580" tIns="34290" rIns="68580" bIns="34290" rtlCol="0" anchor="ctr"/>
+          <a:lstStyle/>
+          <a:p>
+            <a:pPr marL="0" marR="0" lvl="0" indent="0" algn="ctr" defTabSz="914378" eaLnBrk="1" fontAlgn="base" latinLnBrk="0" hangingPunct="1">
+              <a:lnSpc>
+                <a:spcPct val="100000"/>
+              </a:lnSpc>
+              <a:spcBef>
+                <a:spcPct val="0"/>
+              </a:spcBef>
+              <a:spcAft>
+                <a:spcPct val="0"/>
+              </a:spcAft>
+              <a:buClrTx/>
+              <a:buSzTx/>
+              <a:buFontTx/>
+              <a:buNone/>
+              <a:tabLst/>
+              <a:defRPr/>
+            </a:pPr>
+            <a:endParaRPr kumimoji="0" lang="zh-CN" altLang="en-US" sz="1800" b="0" i="0" u="none" strike="noStrike" kern="0" cap="none" spc="0" normalizeH="0" baseline="0" noProof="0">
+              <a:ln>
+                <a:noFill/>
+              </a:ln>
+              <a:solidFill>
+                <a:prstClr val="white"/>
+              </a:solidFill>
+              <a:effectLst/>
+              <a:uLnTx/>
+              <a:uFillTx/>
+              <a:latin typeface="Calibri"/>
+              <a:ea typeface="宋体" panose="02010600030101010101" pitchFamily="2" charset="-122"/>
+              <a:cs typeface="+mn-cs"/>
+            </a:endParaRPr>
+          </a:p>
+        </p:txBody>
+      </p:sp>
+      <p:sp>
+        <p:nvSpPr>
+          <p:cNvPr id="70" name="同心圆 69"/>
+          <p:cNvSpPr/>
+          <p:nvPr/>
+        </p:nvSpPr>
+        <p:spPr>
+          <a:xfrm>
+            <a:off x="2712289" y="923490"/>
+            <a:ext cx="623903" cy="623903"/>
+          </a:xfrm>
+          <a:prstGeom prst="donut">
+            <a:avLst>
+              <a:gd name="adj" fmla="val 4879"/>
+            </a:avLst>
+          </a:prstGeom>
+          <a:gradFill>
+            <a:gsLst>
+              <a:gs pos="0">
+                <a:sysClr val="window" lastClr="FFFFFF"/>
+              </a:gs>
+              <a:gs pos="55000">
+                <a:sysClr val="window" lastClr="FFFFFF">
+                  <a:lumMod val="95000"/>
+                </a:sysClr>
+              </a:gs>
+              <a:gs pos="100000">
+                <a:sysClr val="window" lastClr="FFFFFF">
+                  <a:lumMod val="65000"/>
+                </a:sysClr>
+              </a:gs>
+            </a:gsLst>
+            <a:lin ang="8100000" scaled="0"/>
+          </a:gradFill>
+          <a:ln w="25400" cap="flat" cmpd="sng" algn="ctr">
+            <a:noFill/>
+            <a:prstDash val="solid"/>
+          </a:ln>
+          <a:effectLst/>
+        </p:spPr>
+        <p:txBody>
+          <a:bodyPr lIns="68580" tIns="34290" rIns="68580" bIns="34290" rtlCol="0" anchor="ctr"/>
+          <a:lstStyle/>
+          <a:p>
+            <a:pPr marL="0" marR="0" lvl="0" indent="0" algn="ctr" defTabSz="914378" eaLnBrk="1" fontAlgn="base" latinLnBrk="0" hangingPunct="1">
+              <a:lnSpc>
+                <a:spcPct val="100000"/>
+              </a:lnSpc>
+              <a:spcBef>
+                <a:spcPct val="0"/>
+              </a:spcBef>
+              <a:spcAft>
+                <a:spcPct val="0"/>
+              </a:spcAft>
+              <a:buClrTx/>
+              <a:buSzTx/>
+              <a:buFontTx/>
+              <a:buNone/>
+              <a:tabLst/>
+              <a:defRPr/>
+            </a:pPr>
+            <a:endParaRPr kumimoji="0" lang="zh-CN" altLang="en-US" sz="1800" b="0" i="0" u="none" strike="noStrike" kern="0" cap="none" spc="0" normalizeH="0" baseline="0" noProof="0">
+              <a:ln>
+                <a:noFill/>
+              </a:ln>
+              <a:solidFill>
+                <a:prstClr val="black"/>
+              </a:solidFill>
+              <a:effectLst/>
+              <a:uLnTx/>
+              <a:uFillTx/>
+              <a:latin typeface="Calibri"/>
+              <a:ea typeface="宋体" panose="02010600030101010101" pitchFamily="2" charset="-122"/>
+              <a:cs typeface="+mn-cs"/>
+            </a:endParaRPr>
+          </a:p>
+        </p:txBody>
+      </p:sp>
+      <p:sp>
+        <p:nvSpPr>
+          <p:cNvPr id="71" name="椭圆 70"/>
+          <p:cNvSpPr/>
+          <p:nvPr/>
+        </p:nvSpPr>
+        <p:spPr>
+          <a:xfrm>
+            <a:off x="2725906" y="937107"/>
+            <a:ext cx="596669" cy="596669"/>
+          </a:xfrm>
+          <a:prstGeom prst="ellipse">
+            <a:avLst/>
+          </a:prstGeom>
+          <a:gradFill>
+            <a:gsLst>
+              <a:gs pos="0">
+                <a:sysClr val="window" lastClr="FFFFFF"/>
+              </a:gs>
+              <a:gs pos="51000">
+                <a:sysClr val="window" lastClr="FFFFFF">
+                  <a:lumMod val="95000"/>
+                </a:sysClr>
+              </a:gs>
+              <a:gs pos="100000">
+                <a:sysClr val="window" lastClr="FFFFFF">
+                  <a:lumMod val="75000"/>
+                </a:sysClr>
+              </a:gs>
+            </a:gsLst>
+            <a:lin ang="18900000" scaled="0"/>
+          </a:gradFill>
+          <a:ln w="25400" cap="flat" cmpd="sng" algn="ctr">
+            <a:noFill/>
+            <a:prstDash val="solid"/>
+          </a:ln>
+          <a:effectLst/>
+        </p:spPr>
+        <p:txBody>
+          <a:bodyPr lIns="68580" tIns="34290" rIns="68580" bIns="34290" rtlCol="0" anchor="ctr"/>
+          <a:lstStyle/>
+          <a:p>
+            <a:pPr marL="0" marR="0" lvl="0" indent="0" algn="ctr" defTabSz="914378" eaLnBrk="1" fontAlgn="base" latinLnBrk="0" hangingPunct="1">
+              <a:lnSpc>
+                <a:spcPct val="100000"/>
+              </a:lnSpc>
+              <a:spcBef>
+                <a:spcPct val="0"/>
+              </a:spcBef>
+              <a:spcAft>
+                <a:spcPct val="0"/>
+              </a:spcAft>
+              <a:buClrTx/>
+              <a:buSzTx/>
+              <a:buFontTx/>
+              <a:buNone/>
+              <a:tabLst/>
+              <a:defRPr/>
+            </a:pPr>
+            <a:endParaRPr kumimoji="0" lang="zh-CN" altLang="en-US" sz="1800" b="0" i="0" u="none" strike="noStrike" kern="0" cap="none" spc="0" normalizeH="0" baseline="0" noProof="0">
+              <a:ln>
+                <a:noFill/>
+              </a:ln>
+              <a:solidFill>
+                <a:prstClr val="white"/>
+              </a:solidFill>
+              <a:effectLst/>
+              <a:uLnTx/>
+              <a:uFillTx/>
+              <a:latin typeface="Calibri"/>
+              <a:ea typeface="宋体" panose="02010600030101010101" pitchFamily="2" charset="-122"/>
+              <a:cs typeface="+mn-cs"/>
+            </a:endParaRPr>
+          </a:p>
+        </p:txBody>
+      </p:sp>
+      <p:sp>
+        <p:nvSpPr>
+          <p:cNvPr id="72" name="同心圆 71"/>
+          <p:cNvSpPr/>
+          <p:nvPr/>
+        </p:nvSpPr>
+        <p:spPr>
+          <a:xfrm>
+            <a:off x="2098096" y="4423601"/>
+            <a:ext cx="219777" cy="219777"/>
+          </a:xfrm>
+          <a:prstGeom prst="donut">
+            <a:avLst>
+              <a:gd name="adj" fmla="val 4879"/>
+            </a:avLst>
+          </a:prstGeom>
+          <a:gradFill>
+            <a:gsLst>
+              <a:gs pos="0">
+                <a:sysClr val="window" lastClr="FFFFFF"/>
+              </a:gs>
+              <a:gs pos="55000">
+                <a:sysClr val="window" lastClr="FFFFFF">
+                  <a:lumMod val="95000"/>
+                </a:sysClr>
+              </a:gs>
+              <a:gs pos="100000">
+                <a:sysClr val="window" lastClr="FFFFFF">
+                  <a:lumMod val="65000"/>
+                </a:sysClr>
+              </a:gs>
+            </a:gsLst>
+            <a:lin ang="8100000" scaled="0"/>
+          </a:gradFill>
+          <a:ln w="25400" cap="flat" cmpd="sng" algn="ctr">
+            <a:noFill/>
+            <a:prstDash val="solid"/>
+          </a:ln>
+          <a:effectLst/>
+        </p:spPr>
+        <p:txBody>
+          <a:bodyPr lIns="68580" tIns="34290" rIns="68580" bIns="34290" rtlCol="0" anchor="ctr"/>
+          <a:lstStyle/>
+          <a:p>
+            <a:pPr marL="0" marR="0" lvl="0" indent="0" algn="ctr" defTabSz="914378" eaLnBrk="1" fontAlgn="base" latinLnBrk="0" hangingPunct="1">
+              <a:lnSpc>
+                <a:spcPct val="100000"/>
+              </a:lnSpc>
+              <a:spcBef>
+                <a:spcPct val="0"/>
+              </a:spcBef>
+              <a:spcAft>
+                <a:spcPct val="0"/>
+              </a:spcAft>
+              <a:buClrTx/>
+              <a:buSzTx/>
+              <a:buFontTx/>
+              <a:buNone/>
+              <a:tabLst/>
+              <a:defRPr/>
+            </a:pPr>
+            <a:endParaRPr kumimoji="0" lang="zh-CN" altLang="en-US" sz="1800" b="0" i="0" u="none" strike="noStrike" kern="0" cap="none" spc="0" normalizeH="0" baseline="0" noProof="0">
+              <a:ln>
+                <a:noFill/>
+              </a:ln>
+              <a:solidFill>
+                <a:prstClr val="black"/>
+              </a:solidFill>
+              <a:effectLst/>
+              <a:uLnTx/>
+              <a:uFillTx/>
+              <a:latin typeface="Calibri"/>
+              <a:ea typeface="宋体" panose="02010600030101010101" pitchFamily="2" charset="-122"/>
+              <a:cs typeface="+mn-cs"/>
+            </a:endParaRPr>
+          </a:p>
+        </p:txBody>
+      </p:sp>
+      <p:sp>
+        <p:nvSpPr>
+          <p:cNvPr id="73" name="椭圆 72"/>
+          <p:cNvSpPr/>
+          <p:nvPr/>
+        </p:nvSpPr>
+        <p:spPr>
+          <a:xfrm>
+            <a:off x="2107689" y="4433195"/>
+            <a:ext cx="200590" cy="200590"/>
+          </a:xfrm>
+          <a:prstGeom prst="ellipse">
+            <a:avLst/>
+          </a:prstGeom>
+          <a:gradFill>
+            <a:gsLst>
+              <a:gs pos="0">
+                <a:sysClr val="window" lastClr="FFFFFF"/>
+              </a:gs>
+              <a:gs pos="51000">
+                <a:sysClr val="window" lastClr="FFFFFF">
+                  <a:lumMod val="95000"/>
+                </a:sysClr>
+              </a:gs>
+              <a:gs pos="100000">
+                <a:sysClr val="window" lastClr="FFFFFF">
+                  <a:lumMod val="75000"/>
+                </a:sysClr>
+              </a:gs>
+            </a:gsLst>
+            <a:lin ang="18900000" scaled="0"/>
+          </a:gradFill>
+          <a:ln w="25400" cap="flat" cmpd="sng" algn="ctr">
+            <a:noFill/>
+            <a:prstDash val="solid"/>
+          </a:ln>
+          <a:effectLst/>
+        </p:spPr>
+        <p:txBody>
+          <a:bodyPr lIns="68580" tIns="34290" rIns="68580" bIns="34290" rtlCol="0" anchor="ctr"/>
+          <a:lstStyle/>
+          <a:p>
+            <a:pPr marL="0" marR="0" lvl="0" indent="0" algn="ctr" defTabSz="914378" eaLnBrk="1" fontAlgn="base" latinLnBrk="0" hangingPunct="1">
+              <a:lnSpc>
+                <a:spcPct val="100000"/>
+              </a:lnSpc>
+              <a:spcBef>
+                <a:spcPct val="0"/>
+              </a:spcBef>
+              <a:spcAft>
+                <a:spcPct val="0"/>
+              </a:spcAft>
+              <a:buClrTx/>
+              <a:buSzTx/>
+              <a:buFontTx/>
+              <a:buNone/>
+              <a:tabLst/>
+              <a:defRPr/>
+            </a:pPr>
+            <a:endParaRPr kumimoji="0" lang="zh-CN" altLang="en-US" sz="1800" b="0" i="0" u="none" strike="noStrike" kern="0" cap="none" spc="0" normalizeH="0" baseline="0" noProof="0">
+              <a:ln>
+                <a:noFill/>
+              </a:ln>
+              <a:solidFill>
+                <a:prstClr val="white"/>
+              </a:solidFill>
+              <a:effectLst/>
+              <a:uLnTx/>
+              <a:uFillTx/>
+              <a:latin typeface="Calibri"/>
+              <a:ea typeface="宋体" panose="02010600030101010101" pitchFamily="2" charset="-122"/>
+              <a:cs typeface="+mn-cs"/>
+            </a:endParaRPr>
+          </a:p>
+        </p:txBody>
+      </p:sp>
+      <p:sp>
+        <p:nvSpPr>
+          <p:cNvPr id="74" name="同心圆 73"/>
+          <p:cNvSpPr/>
+          <p:nvPr/>
+        </p:nvSpPr>
+        <p:spPr>
+          <a:xfrm>
+            <a:off x="773524" y="3230102"/>
+            <a:ext cx="287919" cy="287919"/>
+          </a:xfrm>
+          <a:prstGeom prst="donut">
+            <a:avLst>
+              <a:gd name="adj" fmla="val 4879"/>
+            </a:avLst>
+          </a:prstGeom>
+          <a:gradFill>
+            <a:gsLst>
+              <a:gs pos="0">
+                <a:sysClr val="window" lastClr="FFFFFF"/>
+              </a:gs>
+              <a:gs pos="55000">
+                <a:sysClr val="window" lastClr="FFFFFF">
+                  <a:lumMod val="95000"/>
+                </a:sysClr>
+              </a:gs>
+              <a:gs pos="100000">
+                <a:sysClr val="window" lastClr="FFFFFF">
+                  <a:lumMod val="65000"/>
+                </a:sysClr>
+              </a:gs>
+            </a:gsLst>
+            <a:lin ang="8100000" scaled="0"/>
+          </a:gradFill>
+          <a:ln w="25400" cap="flat" cmpd="sng" algn="ctr">
+            <a:noFill/>
+            <a:prstDash val="solid"/>
+          </a:ln>
+          <a:effectLst/>
+        </p:spPr>
+        <p:txBody>
+          <a:bodyPr lIns="68580" tIns="34290" rIns="68580" bIns="34290" rtlCol="0" anchor="ctr"/>
+          <a:lstStyle/>
+          <a:p>
+            <a:pPr marL="0" marR="0" lvl="0" indent="0" algn="ctr" defTabSz="914378" eaLnBrk="1" fontAlgn="base" latinLnBrk="0" hangingPunct="1">
+              <a:lnSpc>
+                <a:spcPct val="100000"/>
+              </a:lnSpc>
+              <a:spcBef>
+                <a:spcPct val="0"/>
+              </a:spcBef>
+              <a:spcAft>
+                <a:spcPct val="0"/>
+              </a:spcAft>
+              <a:buClrTx/>
+              <a:buSzTx/>
+              <a:buFontTx/>
+              <a:buNone/>
+              <a:tabLst/>
+              <a:defRPr/>
+            </a:pPr>
+            <a:endParaRPr kumimoji="0" lang="zh-CN" altLang="en-US" sz="1800" b="0" i="0" u="none" strike="noStrike" kern="0" cap="none" spc="0" normalizeH="0" baseline="0" noProof="0">
+              <a:ln>
+                <a:noFill/>
+              </a:ln>
+              <a:solidFill>
+                <a:prstClr val="black"/>
+              </a:solidFill>
+              <a:effectLst/>
+              <a:uLnTx/>
+              <a:uFillTx/>
+              <a:latin typeface="Calibri"/>
+              <a:ea typeface="宋体" panose="02010600030101010101" pitchFamily="2" charset="-122"/>
+              <a:cs typeface="+mn-cs"/>
+            </a:endParaRPr>
+          </a:p>
+        </p:txBody>
+      </p:sp>
+      <p:sp>
+        <p:nvSpPr>
+          <p:cNvPr id="75" name="椭圆 74"/>
+          <p:cNvSpPr/>
+          <p:nvPr/>
+        </p:nvSpPr>
+        <p:spPr>
+          <a:xfrm>
+            <a:off x="786091" y="3242670"/>
+            <a:ext cx="262784" cy="262784"/>
+          </a:xfrm>
+          <a:prstGeom prst="ellipse">
+            <a:avLst/>
+          </a:prstGeom>
+          <a:gradFill>
+            <a:gsLst>
+              <a:gs pos="0">
+                <a:sysClr val="window" lastClr="FFFFFF"/>
+              </a:gs>
+              <a:gs pos="51000">
+                <a:sysClr val="window" lastClr="FFFFFF">
+                  <a:lumMod val="95000"/>
+                </a:sysClr>
+              </a:gs>
+              <a:gs pos="100000">
+                <a:sysClr val="window" lastClr="FFFFFF">
+                  <a:lumMod val="75000"/>
+                </a:sysClr>
+              </a:gs>
+            </a:gsLst>
+            <a:lin ang="18900000" scaled="0"/>
+          </a:gradFill>
+          <a:ln w="25400" cap="flat" cmpd="sng" algn="ctr">
+            <a:noFill/>
+            <a:prstDash val="solid"/>
+          </a:ln>
+          <a:effectLst/>
+        </p:spPr>
+        <p:txBody>
+          <a:bodyPr lIns="68580" tIns="34290" rIns="68580" bIns="34290" rtlCol="0" anchor="ctr"/>
+          <a:lstStyle/>
+          <a:p>
+            <a:pPr marL="0" marR="0" lvl="0" indent="0" algn="ctr" defTabSz="914378" eaLnBrk="1" fontAlgn="base" latinLnBrk="0" hangingPunct="1">
+              <a:lnSpc>
+                <a:spcPct val="100000"/>
+              </a:lnSpc>
+              <a:spcBef>
+                <a:spcPct val="0"/>
+              </a:spcBef>
+              <a:spcAft>
+                <a:spcPct val="0"/>
+              </a:spcAft>
+              <a:buClrTx/>
+              <a:buSzTx/>
+              <a:buFontTx/>
+              <a:buNone/>
+              <a:tabLst/>
+              <a:defRPr/>
+            </a:pPr>
+            <a:endParaRPr kumimoji="0" lang="zh-CN" altLang="en-US" sz="1800" b="0" i="0" u="none" strike="noStrike" kern="0" cap="none" spc="0" normalizeH="0" baseline="0" noProof="0">
+              <a:ln>
+                <a:noFill/>
+              </a:ln>
+              <a:solidFill>
+                <a:prstClr val="white"/>
+              </a:solidFill>
+              <a:effectLst/>
+              <a:uLnTx/>
+              <a:uFillTx/>
+              <a:latin typeface="Calibri"/>
+              <a:ea typeface="宋体" panose="02010600030101010101" pitchFamily="2" charset="-122"/>
+              <a:cs typeface="+mn-cs"/>
+            </a:endParaRPr>
+          </a:p>
+        </p:txBody>
+      </p:sp>
+      <p:sp>
+        <p:nvSpPr>
+          <p:cNvPr id="76" name="椭圆 75"/>
+          <p:cNvSpPr/>
+          <p:nvPr/>
+        </p:nvSpPr>
+        <p:spPr>
+          <a:xfrm>
+            <a:off x="2033501" y="1132292"/>
+            <a:ext cx="412166" cy="412166"/>
+          </a:xfrm>
+          <a:prstGeom prst="ellipse">
+            <a:avLst/>
+          </a:prstGeom>
+          <a:solidFill>
+            <a:srgbClr val="27506E"/>
+          </a:solidFill>
+          <a:ln w="25400" cap="flat" cmpd="sng" algn="ctr">
+            <a:noFill/>
+            <a:prstDash val="solid"/>
+          </a:ln>
+          <a:effectLst>
+            <a:outerShdw blurRad="254000" dist="127000" dir="8100000" algn="tr" rotWithShape="0">
+              <a:prstClr val="black">
+                <a:alpha val="60000"/>
+              </a:prstClr>
+            </a:outerShdw>
+          </a:effectLst>
+        </p:spPr>
+        <p:txBody>
+          <a:bodyPr lIns="68580" tIns="34290" rIns="68580" bIns="34290" rtlCol="0" anchor="ctr"/>
+          <a:lstStyle/>
+          <a:p>
+            <a:pPr marL="0" marR="0" lvl="0" indent="0" algn="ctr" defTabSz="914378" eaLnBrk="1" fontAlgn="base" latinLnBrk="0" hangingPunct="1">
+              <a:lnSpc>
+                <a:spcPct val="100000"/>
+              </a:lnSpc>
+              <a:spcBef>
+                <a:spcPct val="0"/>
+              </a:spcBef>
+              <a:spcAft>
+                <a:spcPct val="0"/>
+              </a:spcAft>
+              <a:buClrTx/>
+              <a:buSzTx/>
+              <a:buFontTx/>
+              <a:buNone/>
+              <a:tabLst/>
+              <a:defRPr/>
+            </a:pPr>
+            <a:endParaRPr kumimoji="0" lang="zh-CN" altLang="en-US" sz="1800" b="0" i="0" u="none" strike="noStrike" kern="0" cap="none" spc="0" normalizeH="0" baseline="0" noProof="0">
+              <a:ln>
+                <a:noFill/>
+              </a:ln>
+              <a:solidFill>
+                <a:prstClr val="white"/>
+              </a:solidFill>
+              <a:effectLst/>
+              <a:uLnTx/>
+              <a:uFillTx/>
+              <a:latin typeface="Calibri"/>
+              <a:ea typeface="宋体" panose="02010600030101010101" pitchFamily="2" charset="-122"/>
+              <a:cs typeface="+mn-cs"/>
+            </a:endParaRPr>
+          </a:p>
+        </p:txBody>
+      </p:sp>
+      <p:sp>
+        <p:nvSpPr>
+          <p:cNvPr id="77" name="椭圆 76"/>
+          <p:cNvSpPr/>
+          <p:nvPr/>
+        </p:nvSpPr>
+        <p:spPr>
+          <a:xfrm>
+            <a:off x="3024240" y="3866718"/>
+            <a:ext cx="137389" cy="137389"/>
+          </a:xfrm>
+          <a:prstGeom prst="ellipse">
+            <a:avLst/>
+          </a:prstGeom>
+          <a:solidFill>
+            <a:srgbClr val="27506E"/>
+          </a:solidFill>
+          <a:ln w="25400" cap="flat" cmpd="sng" algn="ctr">
+            <a:noFill/>
+            <a:prstDash val="solid"/>
+          </a:ln>
+          <a:effectLst>
+            <a:outerShdw blurRad="254000" dist="127000" dir="8100000" algn="tr" rotWithShape="0">
+              <a:prstClr val="black">
+                <a:alpha val="60000"/>
+              </a:prstClr>
+            </a:outerShdw>
+          </a:effectLst>
+        </p:spPr>
+        <p:txBody>
+          <a:bodyPr lIns="68580" tIns="34290" rIns="68580" bIns="34290" rtlCol="0" anchor="ctr"/>
+          <a:lstStyle/>
+          <a:p>
+            <a:pPr marL="0" marR="0" lvl="0" indent="0" algn="ctr" defTabSz="914378" eaLnBrk="1" fontAlgn="base" latinLnBrk="0" hangingPunct="1">
+              <a:lnSpc>
+                <a:spcPct val="100000"/>
+              </a:lnSpc>
+              <a:spcBef>
+                <a:spcPct val="0"/>
+              </a:spcBef>
+              <a:spcAft>
+                <a:spcPct val="0"/>
+              </a:spcAft>
+              <a:buClrTx/>
+              <a:buSzTx/>
+              <a:buFontTx/>
+              <a:buNone/>
+              <a:tabLst/>
+              <a:defRPr/>
+            </a:pPr>
+            <a:endParaRPr kumimoji="0" lang="zh-CN" altLang="en-US" sz="1800" b="0" i="0" u="none" strike="noStrike" kern="0" cap="none" spc="0" normalizeH="0" baseline="0" noProof="0">
+              <a:ln>
+                <a:noFill/>
+              </a:ln>
+              <a:solidFill>
+                <a:prstClr val="white"/>
+              </a:solidFill>
+              <a:effectLst/>
+              <a:uLnTx/>
+              <a:uFillTx/>
+              <a:latin typeface="Calibri"/>
+              <a:ea typeface="宋体" panose="02010600030101010101" pitchFamily="2" charset="-122"/>
+              <a:cs typeface="+mn-cs"/>
+            </a:endParaRPr>
+          </a:p>
+        </p:txBody>
+      </p:sp>
+      <p:sp>
+        <p:nvSpPr>
+          <p:cNvPr id="78" name="同心圆 77"/>
+          <p:cNvSpPr/>
+          <p:nvPr/>
+        </p:nvSpPr>
+        <p:spPr>
+          <a:xfrm>
+            <a:off x="3600310" y="4149157"/>
+            <a:ext cx="452191" cy="452191"/>
+          </a:xfrm>
+          <a:prstGeom prst="donut">
+            <a:avLst>
+              <a:gd name="adj" fmla="val 4879"/>
+            </a:avLst>
+          </a:prstGeom>
+          <a:gradFill>
+            <a:gsLst>
+              <a:gs pos="0">
+                <a:sysClr val="window" lastClr="FFFFFF"/>
+              </a:gs>
+              <a:gs pos="55000">
+                <a:sysClr val="window" lastClr="FFFFFF">
+                  <a:lumMod val="95000"/>
+                </a:sysClr>
+              </a:gs>
+              <a:gs pos="100000">
+                <a:sysClr val="window" lastClr="FFFFFF">
+                  <a:lumMod val="65000"/>
+                </a:sysClr>
+              </a:gs>
+            </a:gsLst>
+            <a:lin ang="8100000" scaled="0"/>
+          </a:gradFill>
+          <a:ln w="25400" cap="flat" cmpd="sng" algn="ctr">
+            <a:noFill/>
+            <a:prstDash val="solid"/>
+          </a:ln>
+          <a:effectLst/>
+        </p:spPr>
+        <p:txBody>
+          <a:bodyPr lIns="68580" tIns="34290" rIns="68580" bIns="34290" rtlCol="0" anchor="ctr"/>
+          <a:lstStyle/>
+          <a:p>
+            <a:pPr marL="0" marR="0" lvl="0" indent="0" algn="ctr" defTabSz="914378" eaLnBrk="1" fontAlgn="base" latinLnBrk="0" hangingPunct="1">
+              <a:lnSpc>
+                <a:spcPct val="100000"/>
+              </a:lnSpc>
+              <a:spcBef>
+                <a:spcPct val="0"/>
+              </a:spcBef>
+              <a:spcAft>
+                <a:spcPct val="0"/>
+              </a:spcAft>
+              <a:buClrTx/>
+              <a:buSzTx/>
+              <a:buFontTx/>
+              <a:buNone/>
+              <a:tabLst/>
+              <a:defRPr/>
+            </a:pPr>
+            <a:endParaRPr kumimoji="0" lang="zh-CN" altLang="en-US" sz="1800" b="0" i="0" u="none" strike="noStrike" kern="0" cap="none" spc="0" normalizeH="0" baseline="0" noProof="0">
+              <a:ln>
+                <a:noFill/>
+              </a:ln>
+              <a:solidFill>
+                <a:prstClr val="black"/>
+              </a:solidFill>
+              <a:effectLst/>
+              <a:uLnTx/>
+              <a:uFillTx/>
+              <a:latin typeface="Calibri"/>
+              <a:ea typeface="宋体" panose="02010600030101010101" pitchFamily="2" charset="-122"/>
+              <a:cs typeface="+mn-cs"/>
+            </a:endParaRPr>
+          </a:p>
+        </p:txBody>
+      </p:sp>
+      <p:sp>
+        <p:nvSpPr>
+          <p:cNvPr id="79" name="椭圆 78"/>
+          <p:cNvSpPr/>
+          <p:nvPr/>
+        </p:nvSpPr>
+        <p:spPr>
+          <a:xfrm>
+            <a:off x="3610180" y="4159027"/>
+            <a:ext cx="432452" cy="432452"/>
+          </a:xfrm>
+          <a:prstGeom prst="ellipse">
+            <a:avLst/>
+          </a:prstGeom>
+          <a:gradFill>
+            <a:gsLst>
+              <a:gs pos="0">
+                <a:sysClr val="window" lastClr="FFFFFF"/>
+              </a:gs>
+              <a:gs pos="51000">
+                <a:sysClr val="window" lastClr="FFFFFF">
+                  <a:lumMod val="95000"/>
+                </a:sysClr>
+              </a:gs>
+              <a:gs pos="100000">
+                <a:sysClr val="window" lastClr="FFFFFF">
+                  <a:lumMod val="75000"/>
+                </a:sysClr>
+              </a:gs>
+            </a:gsLst>
+            <a:lin ang="18900000" scaled="0"/>
+          </a:gradFill>
+          <a:ln w="25400" cap="flat" cmpd="sng" algn="ctr">
+            <a:noFill/>
+            <a:prstDash val="solid"/>
+          </a:ln>
+          <a:effectLst/>
+        </p:spPr>
+        <p:txBody>
+          <a:bodyPr lIns="68580" tIns="34290" rIns="68580" bIns="34290" rtlCol="0" anchor="ctr"/>
+          <a:lstStyle/>
+          <a:p>
+            <a:pPr marL="0" marR="0" lvl="0" indent="0" algn="ctr" defTabSz="914378" eaLnBrk="1" fontAlgn="base" latinLnBrk="0" hangingPunct="1">
+              <a:lnSpc>
+                <a:spcPct val="100000"/>
+              </a:lnSpc>
+              <a:spcBef>
+                <a:spcPct val="0"/>
+              </a:spcBef>
+              <a:spcAft>
+                <a:spcPct val="0"/>
+              </a:spcAft>
+              <a:buClrTx/>
+              <a:buSzTx/>
+              <a:buFontTx/>
+              <a:buNone/>
+              <a:tabLst/>
+              <a:defRPr/>
+            </a:pPr>
+            <a:endParaRPr kumimoji="0" lang="zh-CN" altLang="en-US" sz="1800" b="0" i="0" u="none" strike="noStrike" kern="0" cap="none" spc="0" normalizeH="0" baseline="0" noProof="0">
+              <a:ln>
+                <a:noFill/>
+              </a:ln>
+              <a:solidFill>
+                <a:prstClr val="white"/>
+              </a:solidFill>
+              <a:effectLst/>
+              <a:uLnTx/>
+              <a:uFillTx/>
+              <a:latin typeface="Calibri"/>
+              <a:ea typeface="宋体" panose="02010600030101010101" pitchFamily="2" charset="-122"/>
+              <a:cs typeface="+mn-cs"/>
+            </a:endParaRPr>
+          </a:p>
+        </p:txBody>
+      </p:sp>
+      <p:sp>
+        <p:nvSpPr>
+          <p:cNvPr id="80" name="椭圆 79"/>
+          <p:cNvSpPr/>
+          <p:nvPr/>
+        </p:nvSpPr>
+        <p:spPr>
+          <a:xfrm>
+            <a:off x="479790" y="4314422"/>
+            <a:ext cx="379661" cy="379661"/>
+          </a:xfrm>
+          <a:prstGeom prst="ellipse">
+            <a:avLst/>
+          </a:prstGeom>
+          <a:solidFill>
+            <a:srgbClr val="27506E"/>
+          </a:solidFill>
+          <a:ln w="25400" cap="flat" cmpd="sng" algn="ctr">
+            <a:noFill/>
+            <a:prstDash val="solid"/>
+          </a:ln>
+          <a:effectLst>
+            <a:outerShdw blurRad="317500" dist="190500" dir="8100000" algn="tr" rotWithShape="0">
+              <a:prstClr val="black">
+                <a:alpha val="50000"/>
+              </a:prstClr>
+            </a:outerShdw>
+          </a:effectLst>
+        </p:spPr>
+        <p:txBody>
+          <a:bodyPr lIns="68580" tIns="34290" rIns="68580" bIns="34290" rtlCol="0" anchor="ctr"/>
+          <a:lstStyle/>
+          <a:p>
+            <a:pPr marL="0" marR="0" lvl="0" indent="0" algn="ctr" defTabSz="914378" eaLnBrk="1" fontAlgn="base" latinLnBrk="0" hangingPunct="1">
+              <a:lnSpc>
+                <a:spcPct val="100000"/>
+              </a:lnSpc>
+              <a:spcBef>
+                <a:spcPct val="0"/>
+              </a:spcBef>
+              <a:spcAft>
+                <a:spcPct val="0"/>
+              </a:spcAft>
+              <a:buClrTx/>
+              <a:buSzTx/>
+              <a:buFontTx/>
+              <a:buNone/>
+              <a:tabLst/>
+              <a:defRPr/>
+            </a:pPr>
+            <a:endParaRPr kumimoji="0" lang="zh-CN" altLang="en-US" sz="1800" b="0" i="0" u="none" strike="noStrike" kern="0" cap="none" spc="0" normalizeH="0" baseline="0" noProof="0">
+              <a:ln>
+                <a:noFill/>
+              </a:ln>
+              <a:solidFill>
+                <a:prstClr val="white"/>
+              </a:solidFill>
+              <a:effectLst/>
+              <a:uLnTx/>
+              <a:uFillTx/>
+              <a:latin typeface="Calibri"/>
+              <a:ea typeface="宋体" panose="02010600030101010101" pitchFamily="2" charset="-122"/>
+              <a:cs typeface="+mn-cs"/>
+            </a:endParaRPr>
+          </a:p>
+        </p:txBody>
+      </p:sp>
+      <p:sp>
+        <p:nvSpPr>
+          <p:cNvPr id="81" name="同心圆 80"/>
+          <p:cNvSpPr/>
+          <p:nvPr/>
+        </p:nvSpPr>
+        <p:spPr>
+          <a:xfrm>
+            <a:off x="2479790" y="3699099"/>
+            <a:ext cx="301060" cy="301060"/>
+          </a:xfrm>
+          <a:prstGeom prst="donut">
+            <a:avLst>
+              <a:gd name="adj" fmla="val 4879"/>
+            </a:avLst>
+          </a:prstGeom>
+          <a:gradFill>
+            <a:gsLst>
+              <a:gs pos="0">
+                <a:sysClr val="window" lastClr="FFFFFF"/>
+              </a:gs>
+              <a:gs pos="55000">
+                <a:sysClr val="window" lastClr="FFFFFF">
+                  <a:lumMod val="95000"/>
+                </a:sysClr>
+              </a:gs>
+              <a:gs pos="100000">
+                <a:sysClr val="window" lastClr="FFFFFF">
+                  <a:lumMod val="65000"/>
+                </a:sysClr>
+              </a:gs>
+            </a:gsLst>
+            <a:lin ang="8100000" scaled="0"/>
+          </a:gradFill>
+          <a:ln w="25400" cap="flat" cmpd="sng" algn="ctr">
+            <a:noFill/>
+            <a:prstDash val="solid"/>
+          </a:ln>
+          <a:effectLst/>
+        </p:spPr>
+        <p:txBody>
+          <a:bodyPr lIns="68580" tIns="34290" rIns="68580" bIns="34290" rtlCol="0" anchor="ctr"/>
+          <a:lstStyle/>
+          <a:p>
+            <a:pPr marL="0" marR="0" lvl="0" indent="0" algn="ctr" defTabSz="914378" eaLnBrk="1" fontAlgn="base" latinLnBrk="0" hangingPunct="1">
+              <a:lnSpc>
+                <a:spcPct val="100000"/>
+              </a:lnSpc>
+              <a:spcBef>
+                <a:spcPct val="0"/>
+              </a:spcBef>
+              <a:spcAft>
+                <a:spcPct val="0"/>
+              </a:spcAft>
+              <a:buClrTx/>
+              <a:buSzTx/>
+              <a:buFontTx/>
+              <a:buNone/>
+              <a:tabLst/>
+              <a:defRPr/>
+            </a:pPr>
+            <a:endParaRPr kumimoji="0" lang="zh-CN" altLang="en-US" sz="1800" b="0" i="0" u="none" strike="noStrike" kern="0" cap="none" spc="0" normalizeH="0" baseline="0" noProof="0">
+              <a:ln>
+                <a:noFill/>
+              </a:ln>
+              <a:solidFill>
+                <a:prstClr val="black"/>
+              </a:solidFill>
+              <a:effectLst/>
+              <a:uLnTx/>
+              <a:uFillTx/>
+              <a:latin typeface="Calibri"/>
+              <a:ea typeface="宋体" panose="02010600030101010101" pitchFamily="2" charset="-122"/>
+              <a:cs typeface="+mn-cs"/>
+            </a:endParaRPr>
+          </a:p>
+        </p:txBody>
+      </p:sp>
+      <p:sp>
+        <p:nvSpPr>
+          <p:cNvPr id="82" name="椭圆 81"/>
+          <p:cNvSpPr/>
+          <p:nvPr/>
+        </p:nvSpPr>
+        <p:spPr>
+          <a:xfrm>
+            <a:off x="2492931" y="3712241"/>
+            <a:ext cx="274777" cy="274777"/>
+          </a:xfrm>
+          <a:prstGeom prst="ellipse">
+            <a:avLst/>
+          </a:prstGeom>
+          <a:gradFill>
+            <a:gsLst>
+              <a:gs pos="0">
+                <a:sysClr val="window" lastClr="FFFFFF"/>
+              </a:gs>
+              <a:gs pos="51000">
+                <a:sysClr val="window" lastClr="FFFFFF">
+                  <a:lumMod val="95000"/>
+                </a:sysClr>
+              </a:gs>
+              <a:gs pos="100000">
+                <a:sysClr val="window" lastClr="FFFFFF">
+                  <a:lumMod val="75000"/>
+                </a:sysClr>
+              </a:gs>
+            </a:gsLst>
+            <a:lin ang="18900000" scaled="0"/>
+          </a:gradFill>
+          <a:ln w="25400" cap="flat" cmpd="sng" algn="ctr">
+            <a:noFill/>
+            <a:prstDash val="solid"/>
+          </a:ln>
+          <a:effectLst/>
+        </p:spPr>
+        <p:txBody>
+          <a:bodyPr lIns="68580" tIns="34290" rIns="68580" bIns="34290" rtlCol="0" anchor="ctr"/>
+          <a:lstStyle/>
+          <a:p>
+            <a:pPr marL="0" marR="0" lvl="0" indent="0" algn="ctr" defTabSz="914378" eaLnBrk="1" fontAlgn="base" latinLnBrk="0" hangingPunct="1">
+              <a:lnSpc>
+                <a:spcPct val="100000"/>
+              </a:lnSpc>
+              <a:spcBef>
+                <a:spcPct val="0"/>
+              </a:spcBef>
+              <a:spcAft>
+                <a:spcPct val="0"/>
+              </a:spcAft>
+              <a:buClrTx/>
+              <a:buSzTx/>
+              <a:buFontTx/>
+              <a:buNone/>
+              <a:tabLst/>
+              <a:defRPr/>
+            </a:pPr>
+            <a:endParaRPr kumimoji="0" lang="zh-CN" altLang="en-US" sz="1800" b="0" i="0" u="none" strike="noStrike" kern="0" cap="none" spc="0" normalizeH="0" baseline="0" noProof="0">
+              <a:ln>
+                <a:noFill/>
+              </a:ln>
+              <a:solidFill>
+                <a:prstClr val="white"/>
+              </a:solidFill>
+              <a:effectLst/>
+              <a:uLnTx/>
+              <a:uFillTx/>
+              <a:latin typeface="Calibri"/>
+              <a:ea typeface="宋体" panose="02010600030101010101" pitchFamily="2" charset="-122"/>
+              <a:cs typeface="+mn-cs"/>
+            </a:endParaRPr>
+          </a:p>
+        </p:txBody>
+      </p:sp>
+      <p:sp>
+        <p:nvSpPr>
+          <p:cNvPr id="83" name="同心圆 82"/>
+          <p:cNvSpPr/>
+          <p:nvPr/>
+        </p:nvSpPr>
+        <p:spPr>
+          <a:xfrm>
+            <a:off x="2470196" y="249673"/>
+            <a:ext cx="219777" cy="219777"/>
+          </a:xfrm>
+          <a:prstGeom prst="donut">
+            <a:avLst>
+              <a:gd name="adj" fmla="val 4879"/>
+            </a:avLst>
+          </a:prstGeom>
+          <a:gradFill>
+            <a:gsLst>
+              <a:gs pos="0">
+                <a:sysClr val="window" lastClr="FFFFFF"/>
+              </a:gs>
+              <a:gs pos="55000">
+                <a:sysClr val="window" lastClr="FFFFFF">
+                  <a:lumMod val="95000"/>
+                </a:sysClr>
+              </a:gs>
+              <a:gs pos="100000">
+                <a:sysClr val="window" lastClr="FFFFFF">
+                  <a:lumMod val="65000"/>
+                </a:sysClr>
+              </a:gs>
+            </a:gsLst>
+            <a:lin ang="8100000" scaled="0"/>
+          </a:gradFill>
+          <a:ln w="25400" cap="flat" cmpd="sng" algn="ctr">
+            <a:noFill/>
+            <a:prstDash val="solid"/>
+          </a:ln>
+          <a:effectLst/>
+        </p:spPr>
+        <p:txBody>
+          <a:bodyPr lIns="68580" tIns="34290" rIns="68580" bIns="34290" rtlCol="0" anchor="ctr"/>
+          <a:lstStyle/>
+          <a:p>
+            <a:pPr marL="0" marR="0" lvl="0" indent="0" algn="ctr" defTabSz="914378" eaLnBrk="1" fontAlgn="base" latinLnBrk="0" hangingPunct="1">
+              <a:lnSpc>
+                <a:spcPct val="100000"/>
+              </a:lnSpc>
+              <a:spcBef>
+                <a:spcPct val="0"/>
+              </a:spcBef>
+              <a:spcAft>
+                <a:spcPct val="0"/>
+              </a:spcAft>
+              <a:buClrTx/>
+              <a:buSzTx/>
+              <a:buFontTx/>
+              <a:buNone/>
+              <a:tabLst/>
+              <a:defRPr/>
+            </a:pPr>
+            <a:endParaRPr kumimoji="0" lang="zh-CN" altLang="en-US" sz="1800" b="0" i="0" u="none" strike="noStrike" kern="0" cap="none" spc="0" normalizeH="0" baseline="0" noProof="0">
+              <a:ln>
+                <a:noFill/>
+              </a:ln>
+              <a:solidFill>
+                <a:prstClr val="black"/>
+              </a:solidFill>
+              <a:effectLst/>
+              <a:uLnTx/>
+              <a:uFillTx/>
+              <a:latin typeface="Calibri"/>
+              <a:ea typeface="宋体" panose="02010600030101010101" pitchFamily="2" charset="-122"/>
+              <a:cs typeface="+mn-cs"/>
+            </a:endParaRPr>
+          </a:p>
+        </p:txBody>
+      </p:sp>
+      <p:sp>
+        <p:nvSpPr>
+          <p:cNvPr id="84" name="椭圆 83"/>
+          <p:cNvSpPr/>
+          <p:nvPr/>
+        </p:nvSpPr>
+        <p:spPr>
+          <a:xfrm>
+            <a:off x="2479790" y="259266"/>
+            <a:ext cx="200590" cy="200590"/>
+          </a:xfrm>
+          <a:prstGeom prst="ellipse">
+            <a:avLst/>
+          </a:prstGeom>
+          <a:gradFill>
+            <a:gsLst>
+              <a:gs pos="0">
+                <a:sysClr val="window" lastClr="FFFFFF"/>
+              </a:gs>
+              <a:gs pos="51000">
+                <a:sysClr val="window" lastClr="FFFFFF">
+                  <a:lumMod val="95000"/>
+                </a:sysClr>
+              </a:gs>
+              <a:gs pos="100000">
+                <a:sysClr val="window" lastClr="FFFFFF">
+                  <a:lumMod val="75000"/>
+                </a:sysClr>
+              </a:gs>
+            </a:gsLst>
+            <a:lin ang="18900000" scaled="0"/>
+          </a:gradFill>
+          <a:ln w="25400" cap="flat" cmpd="sng" algn="ctr">
+            <a:noFill/>
+            <a:prstDash val="solid"/>
+          </a:ln>
+          <a:effectLst/>
+        </p:spPr>
+        <p:txBody>
+          <a:bodyPr lIns="68580" tIns="34290" rIns="68580" bIns="34290" rtlCol="0" anchor="ctr"/>
+          <a:lstStyle/>
+          <a:p>
+            <a:pPr marL="0" marR="0" lvl="0" indent="0" algn="ctr" defTabSz="914378" eaLnBrk="1" fontAlgn="base" latinLnBrk="0" hangingPunct="1">
+              <a:lnSpc>
+                <a:spcPct val="100000"/>
+              </a:lnSpc>
+              <a:spcBef>
+                <a:spcPct val="0"/>
+              </a:spcBef>
+              <a:spcAft>
+                <a:spcPct val="0"/>
+              </a:spcAft>
+              <a:buClrTx/>
+              <a:buSzTx/>
+              <a:buFontTx/>
+              <a:buNone/>
+              <a:tabLst/>
+              <a:defRPr/>
+            </a:pPr>
+            <a:endParaRPr kumimoji="0" lang="zh-CN" altLang="en-US" sz="1800" b="0" i="0" u="none" strike="noStrike" kern="0" cap="none" spc="0" normalizeH="0" baseline="0" noProof="0">
+              <a:ln>
+                <a:noFill/>
+              </a:ln>
+              <a:solidFill>
+                <a:prstClr val="white"/>
+              </a:solidFill>
+              <a:effectLst/>
+              <a:uLnTx/>
+              <a:uFillTx/>
+              <a:latin typeface="Calibri"/>
+              <a:ea typeface="宋体" panose="02010600030101010101" pitchFamily="2" charset="-122"/>
+              <a:cs typeface="+mn-cs"/>
+            </a:endParaRPr>
+          </a:p>
+        </p:txBody>
+      </p:sp>
+      <p:sp>
+        <p:nvSpPr>
+          <p:cNvPr id="85" name="同心圆 84"/>
+          <p:cNvSpPr/>
+          <p:nvPr/>
+        </p:nvSpPr>
+        <p:spPr>
+          <a:xfrm>
+            <a:off x="786092" y="833234"/>
+            <a:ext cx="287919" cy="287919"/>
+          </a:xfrm>
+          <a:prstGeom prst="donut">
+            <a:avLst>
+              <a:gd name="adj" fmla="val 4879"/>
+            </a:avLst>
+          </a:prstGeom>
+          <a:gradFill>
+            <a:gsLst>
+              <a:gs pos="0">
+                <a:sysClr val="window" lastClr="FFFFFF"/>
+              </a:gs>
+              <a:gs pos="55000">
+                <a:sysClr val="window" lastClr="FFFFFF">
+                  <a:lumMod val="95000"/>
+                </a:sysClr>
+              </a:gs>
+              <a:gs pos="100000">
+                <a:sysClr val="window" lastClr="FFFFFF">
+                  <a:lumMod val="65000"/>
+                </a:sysClr>
+              </a:gs>
+            </a:gsLst>
+            <a:lin ang="8100000" scaled="0"/>
+          </a:gradFill>
+          <a:ln w="25400" cap="flat" cmpd="sng" algn="ctr">
+            <a:noFill/>
+            <a:prstDash val="solid"/>
+          </a:ln>
+          <a:effectLst/>
+        </p:spPr>
+        <p:txBody>
+          <a:bodyPr lIns="68580" tIns="34290" rIns="68580" bIns="34290" rtlCol="0" anchor="ctr"/>
+          <a:lstStyle/>
+          <a:p>
+            <a:pPr marL="0" marR="0" lvl="0" indent="0" algn="ctr" defTabSz="914378" eaLnBrk="1" fontAlgn="base" latinLnBrk="0" hangingPunct="1">
+              <a:lnSpc>
+                <a:spcPct val="100000"/>
+              </a:lnSpc>
+              <a:spcBef>
+                <a:spcPct val="0"/>
+              </a:spcBef>
+              <a:spcAft>
+                <a:spcPct val="0"/>
+              </a:spcAft>
+              <a:buClrTx/>
+              <a:buSzTx/>
+              <a:buFontTx/>
+              <a:buNone/>
+              <a:tabLst/>
+              <a:defRPr/>
+            </a:pPr>
+            <a:endParaRPr kumimoji="0" lang="zh-CN" altLang="en-US" sz="1800" b="0" i="0" u="none" strike="noStrike" kern="0" cap="none" spc="0" normalizeH="0" baseline="0" noProof="0">
+              <a:ln>
+                <a:noFill/>
+              </a:ln>
+              <a:solidFill>
+                <a:prstClr val="black"/>
+              </a:solidFill>
+              <a:effectLst/>
+              <a:uLnTx/>
+              <a:uFillTx/>
+              <a:latin typeface="Calibri"/>
+              <a:ea typeface="宋体" panose="02010600030101010101" pitchFamily="2" charset="-122"/>
+              <a:cs typeface="+mn-cs"/>
+            </a:endParaRPr>
+          </a:p>
+        </p:txBody>
+      </p:sp>
+      <p:sp>
+        <p:nvSpPr>
+          <p:cNvPr id="86" name="椭圆 85"/>
+          <p:cNvSpPr/>
+          <p:nvPr/>
+        </p:nvSpPr>
+        <p:spPr>
+          <a:xfrm>
+            <a:off x="798659" y="845802"/>
+            <a:ext cx="262784" cy="262784"/>
+          </a:xfrm>
+          <a:prstGeom prst="ellipse">
+            <a:avLst/>
+          </a:prstGeom>
+          <a:gradFill>
+            <a:gsLst>
+              <a:gs pos="0">
+                <a:sysClr val="window" lastClr="FFFFFF"/>
+              </a:gs>
+              <a:gs pos="51000">
+                <a:sysClr val="window" lastClr="FFFFFF">
+                  <a:lumMod val="95000"/>
+                </a:sysClr>
+              </a:gs>
+              <a:gs pos="100000">
+                <a:sysClr val="window" lastClr="FFFFFF">
+                  <a:lumMod val="75000"/>
+                </a:sysClr>
+              </a:gs>
+            </a:gsLst>
+            <a:lin ang="18900000" scaled="0"/>
+          </a:gradFill>
+          <a:ln w="25400" cap="flat" cmpd="sng" algn="ctr">
+            <a:noFill/>
+            <a:prstDash val="solid"/>
+          </a:ln>
+          <a:effectLst/>
+        </p:spPr>
+        <p:txBody>
+          <a:bodyPr lIns="68580" tIns="34290" rIns="68580" bIns="34290" rtlCol="0" anchor="ctr"/>
+          <a:lstStyle/>
+          <a:p>
+            <a:pPr marL="0" marR="0" lvl="0" indent="0" algn="ctr" defTabSz="914378" eaLnBrk="1" fontAlgn="base" latinLnBrk="0" hangingPunct="1">
+              <a:lnSpc>
+                <a:spcPct val="100000"/>
+              </a:lnSpc>
+              <a:spcBef>
+                <a:spcPct val="0"/>
+              </a:spcBef>
+              <a:spcAft>
+                <a:spcPct val="0"/>
+              </a:spcAft>
+              <a:buClrTx/>
+              <a:buSzTx/>
+              <a:buFontTx/>
+              <a:buNone/>
+              <a:tabLst/>
+              <a:defRPr/>
+            </a:pPr>
+            <a:endParaRPr kumimoji="0" lang="zh-CN" altLang="en-US" sz="1800" b="0" i="0" u="none" strike="noStrike" kern="0" cap="none" spc="0" normalizeH="0" baseline="0" noProof="0">
+              <a:ln>
+                <a:noFill/>
+              </a:ln>
+              <a:solidFill>
+                <a:prstClr val="white"/>
+              </a:solidFill>
+              <a:effectLst/>
+              <a:uLnTx/>
+              <a:uFillTx/>
+              <a:latin typeface="Calibri"/>
+              <a:ea typeface="宋体" panose="02010600030101010101" pitchFamily="2" charset="-122"/>
+              <a:cs typeface="+mn-cs"/>
+            </a:endParaRPr>
+          </a:p>
+        </p:txBody>
+      </p:sp>
+      <p:sp>
+        <p:nvSpPr>
+          <p:cNvPr id="87" name="椭圆 86"/>
+          <p:cNvSpPr/>
+          <p:nvPr/>
+        </p:nvSpPr>
+        <p:spPr>
+          <a:xfrm>
+            <a:off x="2170890" y="574569"/>
+            <a:ext cx="137389" cy="137389"/>
+          </a:xfrm>
+          <a:prstGeom prst="ellipse">
+            <a:avLst/>
+          </a:prstGeom>
+          <a:solidFill>
+            <a:srgbClr val="27506E"/>
+          </a:solidFill>
+          <a:ln w="25400" cap="flat" cmpd="sng" algn="ctr">
+            <a:noFill/>
+            <a:prstDash val="solid"/>
+          </a:ln>
+          <a:effectLst>
+            <a:outerShdw blurRad="254000" dist="127000" dir="8100000" algn="tr" rotWithShape="0">
+              <a:prstClr val="black">
+                <a:alpha val="60000"/>
+              </a:prstClr>
+            </a:outerShdw>
+          </a:effectLst>
+        </p:spPr>
+        <p:txBody>
+          <a:bodyPr lIns="68580" tIns="34290" rIns="68580" bIns="34290" rtlCol="0" anchor="ctr"/>
+          <a:lstStyle/>
+          <a:p>
+            <a:pPr marL="0" marR="0" lvl="0" indent="0" algn="ctr" defTabSz="914378" eaLnBrk="1" fontAlgn="base" latinLnBrk="0" hangingPunct="1">
+              <a:lnSpc>
+                <a:spcPct val="100000"/>
+              </a:lnSpc>
+              <a:spcBef>
+                <a:spcPct val="0"/>
+              </a:spcBef>
+              <a:spcAft>
+                <a:spcPct val="0"/>
+              </a:spcAft>
+              <a:buClrTx/>
+              <a:buSzTx/>
+              <a:buFontTx/>
+              <a:buNone/>
+              <a:tabLst/>
+              <a:defRPr/>
+            </a:pPr>
+            <a:endParaRPr kumimoji="0" lang="zh-CN" altLang="en-US" sz="1800" b="0" i="0" u="none" strike="noStrike" kern="0" cap="none" spc="0" normalizeH="0" baseline="0" noProof="0">
+              <a:ln>
+                <a:noFill/>
+              </a:ln>
+              <a:solidFill>
+                <a:prstClr val="white"/>
+              </a:solidFill>
+              <a:effectLst/>
+              <a:uLnTx/>
+              <a:uFillTx/>
+              <a:latin typeface="Calibri"/>
+              <a:ea typeface="宋体" panose="02010600030101010101" pitchFamily="2" charset="-122"/>
+              <a:cs typeface="+mn-cs"/>
+            </a:endParaRPr>
+          </a:p>
+        </p:txBody>
+      </p:sp>
+      <p:sp>
+        <p:nvSpPr>
+          <p:cNvPr id="88" name="同心圆 87"/>
+          <p:cNvSpPr/>
+          <p:nvPr/>
+        </p:nvSpPr>
+        <p:spPr>
+          <a:xfrm>
+            <a:off x="503923" y="1269681"/>
+            <a:ext cx="727904" cy="727904"/>
+          </a:xfrm>
+          <a:prstGeom prst="donut">
+            <a:avLst>
+              <a:gd name="adj" fmla="val 4879"/>
+            </a:avLst>
+          </a:prstGeom>
+          <a:gradFill>
+            <a:gsLst>
+              <a:gs pos="0">
+                <a:sysClr val="window" lastClr="FFFFFF"/>
+              </a:gs>
+              <a:gs pos="55000">
+                <a:sysClr val="window" lastClr="FFFFFF">
+                  <a:lumMod val="95000"/>
+                </a:sysClr>
+              </a:gs>
+              <a:gs pos="100000">
+                <a:sysClr val="window" lastClr="FFFFFF">
+                  <a:lumMod val="65000"/>
+                </a:sysClr>
+              </a:gs>
+            </a:gsLst>
+            <a:lin ang="8100000" scaled="0"/>
+          </a:gradFill>
+          <a:ln w="25400" cap="flat" cmpd="sng" algn="ctr">
+            <a:noFill/>
+            <a:prstDash val="solid"/>
+          </a:ln>
+          <a:effectLst/>
+        </p:spPr>
+        <p:txBody>
+          <a:bodyPr lIns="68580" tIns="34290" rIns="68580" bIns="34290" rtlCol="0" anchor="ctr"/>
+          <a:lstStyle/>
+          <a:p>
+            <a:pPr marL="0" marR="0" lvl="0" indent="0" algn="ctr" defTabSz="914378" eaLnBrk="1" fontAlgn="base" latinLnBrk="0" hangingPunct="1">
+              <a:lnSpc>
+                <a:spcPct val="100000"/>
+              </a:lnSpc>
+              <a:spcBef>
+                <a:spcPct val="0"/>
+              </a:spcBef>
+              <a:spcAft>
+                <a:spcPct val="0"/>
+              </a:spcAft>
+              <a:buClrTx/>
+              <a:buSzTx/>
+              <a:buFontTx/>
+              <a:buNone/>
+              <a:tabLst/>
+              <a:defRPr/>
+            </a:pPr>
+            <a:endParaRPr kumimoji="0" lang="zh-CN" altLang="en-US" sz="1800" b="0" i="0" u="none" strike="noStrike" kern="0" cap="none" spc="0" normalizeH="0" baseline="0" noProof="0">
+              <a:ln>
+                <a:noFill/>
+              </a:ln>
+              <a:solidFill>
+                <a:prstClr val="black"/>
+              </a:solidFill>
+              <a:effectLst/>
+              <a:uLnTx/>
+              <a:uFillTx/>
+              <a:latin typeface="Calibri"/>
+              <a:ea typeface="宋体" panose="02010600030101010101" pitchFamily="2" charset="-122"/>
+              <a:cs typeface="+mn-cs"/>
+            </a:endParaRPr>
+          </a:p>
+        </p:txBody>
+      </p:sp>
+      <p:sp>
+        <p:nvSpPr>
+          <p:cNvPr id="89" name="椭圆 88"/>
+          <p:cNvSpPr/>
+          <p:nvPr/>
+        </p:nvSpPr>
+        <p:spPr>
+          <a:xfrm>
+            <a:off x="519810" y="1285567"/>
+            <a:ext cx="696131" cy="696131"/>
+          </a:xfrm>
+          <a:prstGeom prst="ellipse">
+            <a:avLst/>
+          </a:prstGeom>
+          <a:gradFill>
+            <a:gsLst>
+              <a:gs pos="0">
+                <a:sysClr val="window" lastClr="FFFFFF"/>
+              </a:gs>
+              <a:gs pos="51000">
+                <a:sysClr val="window" lastClr="FFFFFF">
+                  <a:lumMod val="95000"/>
+                </a:sysClr>
+              </a:gs>
+              <a:gs pos="100000">
+                <a:sysClr val="window" lastClr="FFFFFF">
+                  <a:lumMod val="75000"/>
+                </a:sysClr>
+              </a:gs>
+            </a:gsLst>
+            <a:lin ang="18900000" scaled="0"/>
+          </a:gradFill>
+          <a:ln w="25400" cap="flat" cmpd="sng" algn="ctr">
+            <a:noFill/>
+            <a:prstDash val="solid"/>
+          </a:ln>
+          <a:effectLst/>
+        </p:spPr>
+        <p:txBody>
+          <a:bodyPr lIns="68580" tIns="34290" rIns="68580" bIns="34290" rtlCol="0" anchor="ctr"/>
+          <a:lstStyle/>
+          <a:p>
+            <a:pPr marL="0" marR="0" lvl="0" indent="0" algn="ctr" defTabSz="914378" eaLnBrk="1" fontAlgn="base" latinLnBrk="0" hangingPunct="1">
+              <a:lnSpc>
+                <a:spcPct val="100000"/>
+              </a:lnSpc>
+              <a:spcBef>
+                <a:spcPct val="0"/>
+              </a:spcBef>
+              <a:spcAft>
+                <a:spcPct val="0"/>
+              </a:spcAft>
+              <a:buClrTx/>
+              <a:buSzTx/>
+              <a:buFontTx/>
+              <a:buNone/>
+              <a:tabLst/>
+              <a:defRPr/>
+            </a:pPr>
+            <a:endParaRPr kumimoji="0" lang="zh-CN" altLang="en-US" sz="1800" b="0" i="0" u="none" strike="noStrike" kern="0" cap="none" spc="0" normalizeH="0" baseline="0" noProof="0">
+              <a:ln>
+                <a:noFill/>
+              </a:ln>
+              <a:solidFill>
+                <a:prstClr val="white"/>
+              </a:solidFill>
+              <a:effectLst/>
+              <a:uLnTx/>
+              <a:uFillTx/>
+              <a:latin typeface="Calibri"/>
+              <a:ea typeface="宋体" panose="02010600030101010101" pitchFamily="2" charset="-122"/>
+              <a:cs typeface="+mn-cs"/>
+            </a:endParaRPr>
+          </a:p>
+        </p:txBody>
+      </p:sp>
+      <p:sp>
+        <p:nvSpPr>
+          <p:cNvPr id="90" name="同心圆 89"/>
+          <p:cNvSpPr/>
+          <p:nvPr/>
+        </p:nvSpPr>
+        <p:spPr>
+          <a:xfrm>
+            <a:off x="3610178" y="367913"/>
+            <a:ext cx="287919" cy="287919"/>
+          </a:xfrm>
+          <a:prstGeom prst="donut">
+            <a:avLst>
+              <a:gd name="adj" fmla="val 4879"/>
+            </a:avLst>
+          </a:prstGeom>
+          <a:gradFill>
+            <a:gsLst>
+              <a:gs pos="0">
+                <a:sysClr val="window" lastClr="FFFFFF"/>
+              </a:gs>
+              <a:gs pos="55000">
+                <a:sysClr val="window" lastClr="FFFFFF">
+                  <a:lumMod val="95000"/>
+                </a:sysClr>
+              </a:gs>
+              <a:gs pos="100000">
+                <a:sysClr val="window" lastClr="FFFFFF">
+                  <a:lumMod val="65000"/>
+                </a:sysClr>
+              </a:gs>
+            </a:gsLst>
+            <a:lin ang="8100000" scaled="0"/>
+          </a:gradFill>
+          <a:ln w="25400" cap="flat" cmpd="sng" algn="ctr">
+            <a:noFill/>
+            <a:prstDash val="solid"/>
+          </a:ln>
+          <a:effectLst/>
+        </p:spPr>
+        <p:txBody>
+          <a:bodyPr lIns="68580" tIns="34290" rIns="68580" bIns="34290" rtlCol="0" anchor="ctr"/>
+          <a:lstStyle/>
+          <a:p>
+            <a:pPr marL="0" marR="0" lvl="0" indent="0" algn="ctr" defTabSz="914378" eaLnBrk="1" fontAlgn="base" latinLnBrk="0" hangingPunct="1">
+              <a:lnSpc>
+                <a:spcPct val="100000"/>
+              </a:lnSpc>
+              <a:spcBef>
+                <a:spcPct val="0"/>
+              </a:spcBef>
+              <a:spcAft>
+                <a:spcPct val="0"/>
+              </a:spcAft>
+              <a:buClrTx/>
+              <a:buSzTx/>
+              <a:buFontTx/>
+              <a:buNone/>
+              <a:tabLst/>
+              <a:defRPr/>
+            </a:pPr>
+            <a:endParaRPr kumimoji="0" lang="zh-CN" altLang="en-US" sz="1800" b="0" i="0" u="none" strike="noStrike" kern="0" cap="none" spc="0" normalizeH="0" baseline="0" noProof="0">
+              <a:ln>
+                <a:noFill/>
+              </a:ln>
+              <a:solidFill>
+                <a:prstClr val="black"/>
+              </a:solidFill>
+              <a:effectLst/>
+              <a:uLnTx/>
+              <a:uFillTx/>
+              <a:latin typeface="Calibri"/>
+              <a:ea typeface="宋体" panose="02010600030101010101" pitchFamily="2" charset="-122"/>
+              <a:cs typeface="+mn-cs"/>
+            </a:endParaRPr>
+          </a:p>
+        </p:txBody>
+      </p:sp>
+      <p:sp>
+        <p:nvSpPr>
+          <p:cNvPr id="91" name="椭圆 90"/>
+          <p:cNvSpPr/>
+          <p:nvPr/>
+        </p:nvSpPr>
+        <p:spPr>
+          <a:xfrm>
+            <a:off x="3622746" y="380480"/>
+            <a:ext cx="262784" cy="262784"/>
+          </a:xfrm>
+          <a:prstGeom prst="ellipse">
+            <a:avLst/>
+          </a:prstGeom>
+          <a:gradFill>
+            <a:gsLst>
+              <a:gs pos="0">
+                <a:sysClr val="window" lastClr="FFFFFF"/>
+              </a:gs>
+              <a:gs pos="51000">
+                <a:sysClr val="window" lastClr="FFFFFF">
+                  <a:lumMod val="95000"/>
+                </a:sysClr>
+              </a:gs>
+              <a:gs pos="100000">
+                <a:sysClr val="window" lastClr="FFFFFF">
+                  <a:lumMod val="75000"/>
+                </a:sysClr>
+              </a:gs>
+            </a:gsLst>
+            <a:lin ang="18900000" scaled="0"/>
+          </a:gradFill>
+          <a:ln w="25400" cap="flat" cmpd="sng" algn="ctr">
+            <a:noFill/>
+            <a:prstDash val="solid"/>
+          </a:ln>
+          <a:effectLst/>
+        </p:spPr>
+        <p:txBody>
+          <a:bodyPr lIns="68580" tIns="34290" rIns="68580" bIns="34290" rtlCol="0" anchor="ctr"/>
+          <a:lstStyle/>
+          <a:p>
+            <a:pPr marL="0" marR="0" lvl="0" indent="0" algn="ctr" defTabSz="914378" eaLnBrk="1" fontAlgn="base" latinLnBrk="0" hangingPunct="1">
+              <a:lnSpc>
+                <a:spcPct val="100000"/>
+              </a:lnSpc>
+              <a:spcBef>
+                <a:spcPct val="0"/>
+              </a:spcBef>
+              <a:spcAft>
+                <a:spcPct val="0"/>
+              </a:spcAft>
+              <a:buClrTx/>
+              <a:buSzTx/>
+              <a:buFontTx/>
+              <a:buNone/>
+              <a:tabLst/>
+              <a:defRPr/>
+            </a:pPr>
+            <a:endParaRPr kumimoji="0" lang="zh-CN" altLang="en-US" sz="1800" b="0" i="0" u="none" strike="noStrike" kern="0" cap="none" spc="0" normalizeH="0" baseline="0" noProof="0">
+              <a:ln>
+                <a:noFill/>
+              </a:ln>
+              <a:solidFill>
+                <a:prstClr val="white"/>
+              </a:solidFill>
+              <a:effectLst/>
+              <a:uLnTx/>
+              <a:uFillTx/>
+              <a:latin typeface="Calibri"/>
+              <a:ea typeface="宋体" panose="02010600030101010101" pitchFamily="2" charset="-122"/>
+              <a:cs typeface="+mn-cs"/>
+            </a:endParaRPr>
+          </a:p>
+        </p:txBody>
+      </p:sp>
+      <p:sp>
+        <p:nvSpPr>
+          <p:cNvPr id="92" name="椭圆 91"/>
+          <p:cNvSpPr/>
+          <p:nvPr/>
+        </p:nvSpPr>
+        <p:spPr>
+          <a:xfrm>
+            <a:off x="464439" y="2571751"/>
+            <a:ext cx="137389" cy="137389"/>
+          </a:xfrm>
+          <a:prstGeom prst="ellipse">
+            <a:avLst/>
+          </a:prstGeom>
+          <a:solidFill>
+            <a:srgbClr val="27506E"/>
+          </a:solidFill>
+          <a:ln w="25400" cap="flat" cmpd="sng" algn="ctr">
+            <a:noFill/>
+            <a:prstDash val="solid"/>
+          </a:ln>
+          <a:effectLst>
+            <a:outerShdw blurRad="254000" dist="127000" dir="8100000" algn="tr" rotWithShape="0">
+              <a:prstClr val="black">
+                <a:alpha val="60000"/>
+              </a:prstClr>
+            </a:outerShdw>
+          </a:effectLst>
+        </p:spPr>
+        <p:txBody>
+          <a:bodyPr lIns="68580" tIns="34290" rIns="68580" bIns="34290" rtlCol="0" anchor="ctr"/>
+          <a:lstStyle/>
+          <a:p>
+            <a:pPr marL="0" marR="0" lvl="0" indent="0" algn="ctr" defTabSz="914378" eaLnBrk="1" fontAlgn="base" latinLnBrk="0" hangingPunct="1">
+              <a:lnSpc>
+                <a:spcPct val="100000"/>
+              </a:lnSpc>
+              <a:spcBef>
+                <a:spcPct val="0"/>
+              </a:spcBef>
+              <a:spcAft>
+                <a:spcPct val="0"/>
+              </a:spcAft>
+              <a:buClrTx/>
+              <a:buSzTx/>
+              <a:buFontTx/>
+              <a:buNone/>
+              <a:tabLst/>
+              <a:defRPr/>
+            </a:pPr>
+            <a:endParaRPr kumimoji="0" lang="zh-CN" altLang="en-US" sz="1800" b="0" i="0" u="none" strike="noStrike" kern="0" cap="none" spc="0" normalizeH="0" baseline="0" noProof="0">
+              <a:ln>
+                <a:noFill/>
+              </a:ln>
+              <a:solidFill>
+                <a:prstClr val="white"/>
+              </a:solidFill>
+              <a:effectLst/>
+              <a:uLnTx/>
+              <a:uFillTx/>
+              <a:latin typeface="Calibri"/>
+              <a:ea typeface="宋体" panose="02010600030101010101" pitchFamily="2" charset="-122"/>
+              <a:cs typeface="+mn-cs"/>
+            </a:endParaRPr>
+          </a:p>
+        </p:txBody>
+      </p:sp>
+      <p:sp>
+        <p:nvSpPr>
+          <p:cNvPr id="93" name="椭圆 92"/>
+          <p:cNvSpPr/>
+          <p:nvPr/>
+        </p:nvSpPr>
+        <p:spPr>
+          <a:xfrm>
+            <a:off x="222274" y="322042"/>
+            <a:ext cx="379661" cy="379661"/>
+          </a:xfrm>
+          <a:prstGeom prst="ellipse">
+            <a:avLst/>
+          </a:prstGeom>
+          <a:solidFill>
+            <a:srgbClr val="27506E"/>
+          </a:solidFill>
+          <a:ln w="25400" cap="flat" cmpd="sng" algn="ctr">
+            <a:noFill/>
+            <a:prstDash val="solid"/>
+          </a:ln>
+          <a:effectLst>
+            <a:outerShdw blurRad="317500" dist="190500" dir="8100000" algn="tr" rotWithShape="0">
+              <a:prstClr val="black">
+                <a:alpha val="50000"/>
+              </a:prstClr>
+            </a:outerShdw>
+          </a:effectLst>
+        </p:spPr>
+        <p:txBody>
+          <a:bodyPr lIns="68580" tIns="34290" rIns="68580" bIns="34290" rtlCol="0" anchor="ctr"/>
+          <a:lstStyle/>
+          <a:p>
+            <a:pPr marL="0" marR="0" lvl="0" indent="0" algn="ctr" defTabSz="914378" eaLnBrk="1" fontAlgn="base" latinLnBrk="0" hangingPunct="1">
+              <a:lnSpc>
+                <a:spcPct val="100000"/>
+              </a:lnSpc>
+              <a:spcBef>
+                <a:spcPct val="0"/>
+              </a:spcBef>
+              <a:spcAft>
+                <a:spcPct val="0"/>
+              </a:spcAft>
+              <a:buClrTx/>
+              <a:buSzTx/>
+              <a:buFontTx/>
+              <a:buNone/>
+              <a:tabLst/>
+              <a:defRPr/>
+            </a:pPr>
+            <a:endParaRPr kumimoji="0" lang="zh-CN" altLang="en-US" sz="1800" b="0" i="0" u="none" strike="noStrike" kern="0" cap="none" spc="0" normalizeH="0" baseline="0" noProof="0">
+              <a:ln>
+                <a:noFill/>
+              </a:ln>
+              <a:solidFill>
+                <a:prstClr val="white"/>
+              </a:solidFill>
+              <a:effectLst/>
+              <a:uLnTx/>
+              <a:uFillTx/>
+              <a:latin typeface="Calibri"/>
+              <a:ea typeface="宋体" panose="02010600030101010101" pitchFamily="2" charset="-122"/>
+              <a:cs typeface="+mn-cs"/>
+            </a:endParaRPr>
+          </a:p>
+        </p:txBody>
+      </p:sp>
+      <p:sp>
+        <p:nvSpPr>
+          <p:cNvPr id="94" name="同心圆 93"/>
+          <p:cNvSpPr/>
+          <p:nvPr/>
+        </p:nvSpPr>
+        <p:spPr>
+          <a:xfrm>
+            <a:off x="2630319" y="4754469"/>
+            <a:ext cx="301060" cy="301060"/>
+          </a:xfrm>
+          <a:prstGeom prst="donut">
+            <a:avLst>
+              <a:gd name="adj" fmla="val 4879"/>
+            </a:avLst>
+          </a:prstGeom>
+          <a:gradFill>
+            <a:gsLst>
+              <a:gs pos="0">
+                <a:sysClr val="window" lastClr="FFFFFF"/>
+              </a:gs>
+              <a:gs pos="55000">
+                <a:sysClr val="window" lastClr="FFFFFF">
+                  <a:lumMod val="95000"/>
+                </a:sysClr>
+              </a:gs>
+              <a:gs pos="100000">
+                <a:sysClr val="window" lastClr="FFFFFF">
+                  <a:lumMod val="65000"/>
+                </a:sysClr>
+              </a:gs>
+            </a:gsLst>
+            <a:lin ang="8100000" scaled="0"/>
+          </a:gradFill>
+          <a:ln w="25400" cap="flat" cmpd="sng" algn="ctr">
+            <a:noFill/>
+            <a:prstDash val="solid"/>
+          </a:ln>
+          <a:effectLst/>
+        </p:spPr>
+        <p:txBody>
+          <a:bodyPr lIns="68580" tIns="34290" rIns="68580" bIns="34290" rtlCol="0" anchor="ctr"/>
+          <a:lstStyle/>
+          <a:p>
+            <a:pPr marL="0" marR="0" lvl="0" indent="0" algn="ctr" defTabSz="914378" eaLnBrk="1" fontAlgn="base" latinLnBrk="0" hangingPunct="1">
+              <a:lnSpc>
+                <a:spcPct val="100000"/>
+              </a:lnSpc>
+              <a:spcBef>
+                <a:spcPct val="0"/>
+              </a:spcBef>
+              <a:spcAft>
+                <a:spcPct val="0"/>
+              </a:spcAft>
+              <a:buClrTx/>
+              <a:buSzTx/>
+              <a:buFontTx/>
+              <a:buNone/>
+              <a:tabLst/>
+              <a:defRPr/>
+            </a:pPr>
+            <a:endParaRPr kumimoji="0" lang="zh-CN" altLang="en-US" sz="1800" b="0" i="0" u="none" strike="noStrike" kern="0" cap="none" spc="0" normalizeH="0" baseline="0" noProof="0">
+              <a:ln>
+                <a:noFill/>
+              </a:ln>
+              <a:solidFill>
+                <a:prstClr val="black"/>
+              </a:solidFill>
+              <a:effectLst/>
+              <a:uLnTx/>
+              <a:uFillTx/>
+              <a:latin typeface="Calibri"/>
+              <a:ea typeface="宋体" panose="02010600030101010101" pitchFamily="2" charset="-122"/>
+              <a:cs typeface="+mn-cs"/>
+            </a:endParaRPr>
+          </a:p>
+        </p:txBody>
+      </p:sp>
+      <p:sp>
+        <p:nvSpPr>
+          <p:cNvPr id="95" name="椭圆 94"/>
+          <p:cNvSpPr/>
+          <p:nvPr/>
+        </p:nvSpPr>
+        <p:spPr>
+          <a:xfrm>
+            <a:off x="2643461" y="4767610"/>
+            <a:ext cx="274777" cy="274777"/>
+          </a:xfrm>
+          <a:prstGeom prst="ellipse">
+            <a:avLst/>
+          </a:prstGeom>
+          <a:gradFill>
+            <a:gsLst>
+              <a:gs pos="0">
+                <a:sysClr val="window" lastClr="FFFFFF"/>
+              </a:gs>
+              <a:gs pos="51000">
+                <a:sysClr val="window" lastClr="FFFFFF">
+                  <a:lumMod val="95000"/>
+                </a:sysClr>
+              </a:gs>
+              <a:gs pos="100000">
+                <a:sysClr val="window" lastClr="FFFFFF">
+                  <a:lumMod val="75000"/>
+                </a:sysClr>
+              </a:gs>
+            </a:gsLst>
+            <a:lin ang="18900000" scaled="0"/>
+          </a:gradFill>
+          <a:ln w="25400" cap="flat" cmpd="sng" algn="ctr">
+            <a:noFill/>
+            <a:prstDash val="solid"/>
+          </a:ln>
+          <a:effectLst/>
+        </p:spPr>
+        <p:txBody>
+          <a:bodyPr lIns="68580" tIns="34290" rIns="68580" bIns="34290" rtlCol="0" anchor="ctr"/>
+          <a:lstStyle/>
+          <a:p>
+            <a:pPr marL="0" marR="0" lvl="0" indent="0" algn="ctr" defTabSz="914378" eaLnBrk="1" fontAlgn="base" latinLnBrk="0" hangingPunct="1">
+              <a:lnSpc>
+                <a:spcPct val="100000"/>
+              </a:lnSpc>
+              <a:spcBef>
+                <a:spcPct val="0"/>
+              </a:spcBef>
+              <a:spcAft>
+                <a:spcPct val="0"/>
+              </a:spcAft>
+              <a:buClrTx/>
+              <a:buSzTx/>
+              <a:buFontTx/>
+              <a:buNone/>
+              <a:tabLst/>
+              <a:defRPr/>
+            </a:pPr>
+            <a:endParaRPr kumimoji="0" lang="zh-CN" altLang="en-US" sz="1800" b="0" i="0" u="none" strike="noStrike" kern="0" cap="none" spc="0" normalizeH="0" baseline="0" noProof="0">
+              <a:ln>
+                <a:noFill/>
+              </a:ln>
+              <a:solidFill>
+                <a:prstClr val="white"/>
+              </a:solidFill>
+              <a:effectLst/>
+              <a:uLnTx/>
+              <a:uFillTx/>
+              <a:latin typeface="Calibri"/>
+              <a:ea typeface="宋体" panose="02010600030101010101" pitchFamily="2" charset="-122"/>
+              <a:cs typeface="+mn-cs"/>
+            </a:endParaRPr>
+          </a:p>
+        </p:txBody>
+      </p:sp>
+      <p:sp>
+        <p:nvSpPr>
+          <p:cNvPr id="96" name="同心圆 95"/>
+          <p:cNvSpPr/>
+          <p:nvPr/>
+        </p:nvSpPr>
+        <p:spPr>
+          <a:xfrm>
+            <a:off x="8401532" y="4823614"/>
+            <a:ext cx="287919" cy="256730"/>
+          </a:xfrm>
+          <a:prstGeom prst="donut">
+            <a:avLst>
+              <a:gd name="adj" fmla="val 4879"/>
+            </a:avLst>
+          </a:prstGeom>
+          <a:gradFill>
+            <a:gsLst>
+              <a:gs pos="0">
+                <a:sysClr val="window" lastClr="FFFFFF"/>
+              </a:gs>
+              <a:gs pos="55000">
+                <a:sysClr val="window" lastClr="FFFFFF">
+                  <a:lumMod val="95000"/>
+                </a:sysClr>
+              </a:gs>
+              <a:gs pos="100000">
+                <a:sysClr val="window" lastClr="FFFFFF">
+                  <a:lumMod val="65000"/>
+                </a:sysClr>
+              </a:gs>
+            </a:gsLst>
+            <a:lin ang="8100000" scaled="0"/>
+          </a:gradFill>
+          <a:ln w="25400" cap="flat" cmpd="sng" algn="ctr">
+            <a:noFill/>
+            <a:prstDash val="solid"/>
+          </a:ln>
+          <a:effectLst/>
+        </p:spPr>
+        <p:txBody>
+          <a:bodyPr lIns="68580" tIns="34290" rIns="68580" bIns="34290" rtlCol="0" anchor="ctr"/>
+          <a:lstStyle/>
+          <a:p>
+            <a:pPr marL="0" marR="0" lvl="0" indent="0" algn="ctr" defTabSz="914378" eaLnBrk="1" fontAlgn="base" latinLnBrk="0" hangingPunct="1">
+              <a:lnSpc>
+                <a:spcPct val="100000"/>
+              </a:lnSpc>
+              <a:spcBef>
+                <a:spcPct val="0"/>
+              </a:spcBef>
+              <a:spcAft>
+                <a:spcPct val="0"/>
+              </a:spcAft>
+              <a:buClrTx/>
+              <a:buSzTx/>
+              <a:buFontTx/>
+              <a:buNone/>
+              <a:tabLst/>
+              <a:defRPr/>
+            </a:pPr>
+            <a:endParaRPr kumimoji="0" lang="zh-CN" altLang="en-US" sz="1800" b="0" i="0" u="none" strike="noStrike" kern="0" cap="none" spc="0" normalizeH="0" baseline="0" noProof="0">
+              <a:ln>
+                <a:noFill/>
+              </a:ln>
+              <a:solidFill>
+                <a:prstClr val="black"/>
+              </a:solidFill>
+              <a:effectLst/>
+              <a:uLnTx/>
+              <a:uFillTx/>
+              <a:latin typeface="Calibri"/>
+              <a:ea typeface="宋体" panose="02010600030101010101" pitchFamily="2" charset="-122"/>
+              <a:cs typeface="+mn-cs"/>
+            </a:endParaRPr>
+          </a:p>
+        </p:txBody>
+      </p:sp>
+      <p:sp>
+        <p:nvSpPr>
+          <p:cNvPr id="97" name="椭圆 96"/>
+          <p:cNvSpPr/>
+          <p:nvPr/>
+        </p:nvSpPr>
+        <p:spPr>
+          <a:xfrm>
+            <a:off x="8414099" y="4834821"/>
+            <a:ext cx="262784" cy="234317"/>
+          </a:xfrm>
+          <a:prstGeom prst="ellipse">
+            <a:avLst/>
+          </a:prstGeom>
+          <a:gradFill>
+            <a:gsLst>
+              <a:gs pos="0">
+                <a:sysClr val="window" lastClr="FFFFFF"/>
+              </a:gs>
+              <a:gs pos="51000">
+                <a:sysClr val="window" lastClr="FFFFFF">
+                  <a:lumMod val="95000"/>
+                </a:sysClr>
+              </a:gs>
+              <a:gs pos="100000">
+                <a:sysClr val="window" lastClr="FFFFFF">
+                  <a:lumMod val="75000"/>
+                </a:sysClr>
+              </a:gs>
+            </a:gsLst>
+            <a:lin ang="18900000" scaled="0"/>
+          </a:gradFill>
+          <a:ln w="25400" cap="flat" cmpd="sng" algn="ctr">
+            <a:noFill/>
+            <a:prstDash val="solid"/>
+          </a:ln>
+          <a:effectLst/>
+        </p:spPr>
+        <p:txBody>
+          <a:bodyPr lIns="68580" tIns="34290" rIns="68580" bIns="34290" rtlCol="0" anchor="ctr"/>
+          <a:lstStyle/>
+          <a:p>
+            <a:pPr marL="0" marR="0" lvl="0" indent="0" algn="ctr" defTabSz="914378" eaLnBrk="1" fontAlgn="base" latinLnBrk="0" hangingPunct="1">
+              <a:lnSpc>
+                <a:spcPct val="100000"/>
+              </a:lnSpc>
+              <a:spcBef>
+                <a:spcPct val="0"/>
+              </a:spcBef>
+              <a:spcAft>
+                <a:spcPct val="0"/>
+              </a:spcAft>
+              <a:buClrTx/>
+              <a:buSzTx/>
+              <a:buFontTx/>
+              <a:buNone/>
+              <a:tabLst/>
+              <a:defRPr/>
+            </a:pPr>
+            <a:endParaRPr kumimoji="0" lang="zh-CN" altLang="en-US" sz="1800" b="0" i="0" u="none" strike="noStrike" kern="0" cap="none" spc="0" normalizeH="0" baseline="0" noProof="0">
+              <a:ln>
+                <a:noFill/>
+              </a:ln>
+              <a:solidFill>
+                <a:prstClr val="white"/>
+              </a:solidFill>
+              <a:effectLst/>
+              <a:uLnTx/>
+              <a:uFillTx/>
+              <a:latin typeface="Calibri"/>
+              <a:ea typeface="宋体" panose="02010600030101010101" pitchFamily="2" charset="-122"/>
+              <a:cs typeface="+mn-cs"/>
+            </a:endParaRPr>
+          </a:p>
+        </p:txBody>
+      </p:sp>
+      <p:sp>
+        <p:nvSpPr>
+          <p:cNvPr id="98" name="同心圆 97"/>
+          <p:cNvSpPr/>
+          <p:nvPr/>
+        </p:nvSpPr>
+        <p:spPr>
+          <a:xfrm>
+            <a:off x="2539444" y="1503279"/>
+            <a:ext cx="150530" cy="150530"/>
+          </a:xfrm>
+          <a:prstGeom prst="donut">
+            <a:avLst>
+              <a:gd name="adj" fmla="val 4879"/>
+            </a:avLst>
+          </a:prstGeom>
+          <a:gradFill>
+            <a:gsLst>
+              <a:gs pos="0">
+                <a:sysClr val="window" lastClr="FFFFFF"/>
+              </a:gs>
+              <a:gs pos="55000">
+                <a:sysClr val="window" lastClr="FFFFFF">
+                  <a:lumMod val="95000"/>
+                </a:sysClr>
+              </a:gs>
+              <a:gs pos="100000">
+                <a:sysClr val="window" lastClr="FFFFFF">
+                  <a:lumMod val="65000"/>
+                </a:sysClr>
+              </a:gs>
+            </a:gsLst>
+            <a:lin ang="8100000" scaled="0"/>
+          </a:gradFill>
+          <a:ln w="25400" cap="flat" cmpd="sng" algn="ctr">
+            <a:noFill/>
+            <a:prstDash val="solid"/>
+          </a:ln>
+          <a:effectLst/>
+        </p:spPr>
+        <p:txBody>
+          <a:bodyPr lIns="68580" tIns="34290" rIns="68580" bIns="34290" rtlCol="0" anchor="ctr"/>
+          <a:lstStyle/>
+          <a:p>
+            <a:pPr marL="0" marR="0" lvl="0" indent="0" algn="ctr" defTabSz="914378" eaLnBrk="1" fontAlgn="base" latinLnBrk="0" hangingPunct="1">
+              <a:lnSpc>
+                <a:spcPct val="100000"/>
+              </a:lnSpc>
+              <a:spcBef>
+                <a:spcPct val="0"/>
+              </a:spcBef>
+              <a:spcAft>
+                <a:spcPct val="0"/>
+              </a:spcAft>
+              <a:buClrTx/>
+              <a:buSzTx/>
+              <a:buFontTx/>
+              <a:buNone/>
+              <a:tabLst/>
+              <a:defRPr/>
+            </a:pPr>
+            <a:endParaRPr kumimoji="0" lang="zh-CN" altLang="en-US" sz="1800" b="0" i="0" u="none" strike="noStrike" kern="0" cap="none" spc="0" normalizeH="0" baseline="0" noProof="0">
+              <a:ln>
+                <a:noFill/>
+              </a:ln>
+              <a:solidFill>
+                <a:prstClr val="black"/>
+              </a:solidFill>
+              <a:effectLst/>
+              <a:uLnTx/>
+              <a:uFillTx/>
+              <a:latin typeface="Calibri"/>
+              <a:ea typeface="宋体" panose="02010600030101010101" pitchFamily="2" charset="-122"/>
+              <a:cs typeface="+mn-cs"/>
+            </a:endParaRPr>
+          </a:p>
+        </p:txBody>
+      </p:sp>
+      <p:sp>
+        <p:nvSpPr>
+          <p:cNvPr id="99" name="椭圆 98"/>
+          <p:cNvSpPr/>
+          <p:nvPr/>
+        </p:nvSpPr>
+        <p:spPr>
+          <a:xfrm>
+            <a:off x="2546014" y="1509849"/>
+            <a:ext cx="137389" cy="137389"/>
+          </a:xfrm>
+          <a:prstGeom prst="ellipse">
+            <a:avLst/>
+          </a:prstGeom>
+          <a:gradFill>
+            <a:gsLst>
+              <a:gs pos="0">
+                <a:sysClr val="window" lastClr="FFFFFF"/>
+              </a:gs>
+              <a:gs pos="51000">
+                <a:sysClr val="window" lastClr="FFFFFF">
+                  <a:lumMod val="95000"/>
+                </a:sysClr>
+              </a:gs>
+              <a:gs pos="100000">
+                <a:sysClr val="window" lastClr="FFFFFF">
+                  <a:lumMod val="75000"/>
+                </a:sysClr>
+              </a:gs>
+            </a:gsLst>
+            <a:lin ang="18900000" scaled="0"/>
+          </a:gradFill>
+          <a:ln w="25400" cap="flat" cmpd="sng" algn="ctr">
+            <a:noFill/>
+            <a:prstDash val="solid"/>
+          </a:ln>
+          <a:effectLst/>
+        </p:spPr>
+        <p:txBody>
+          <a:bodyPr lIns="68580" tIns="34290" rIns="68580" bIns="34290" rtlCol="0" anchor="ctr"/>
+          <a:lstStyle/>
+          <a:p>
+            <a:pPr marL="0" marR="0" lvl="0" indent="0" algn="ctr" defTabSz="914378" eaLnBrk="1" fontAlgn="base" latinLnBrk="0" hangingPunct="1">
+              <a:lnSpc>
+                <a:spcPct val="100000"/>
+              </a:lnSpc>
+              <a:spcBef>
+                <a:spcPct val="0"/>
+              </a:spcBef>
+              <a:spcAft>
+                <a:spcPct val="0"/>
+              </a:spcAft>
+              <a:buClrTx/>
+              <a:buSzTx/>
+              <a:buFontTx/>
+              <a:buNone/>
+              <a:tabLst/>
+              <a:defRPr/>
+            </a:pPr>
+            <a:endParaRPr kumimoji="0" lang="zh-CN" altLang="en-US" sz="1800" b="0" i="0" u="none" strike="noStrike" kern="0" cap="none" spc="0" normalizeH="0" baseline="0" noProof="0">
+              <a:ln>
+                <a:noFill/>
+              </a:ln>
+              <a:solidFill>
+                <a:prstClr val="white"/>
+              </a:solidFill>
+              <a:effectLst/>
+              <a:uLnTx/>
+              <a:uFillTx/>
+              <a:latin typeface="Calibri"/>
+              <a:ea typeface="宋体" panose="02010600030101010101" pitchFamily="2" charset="-122"/>
+              <a:cs typeface="+mn-cs"/>
+            </a:endParaRPr>
+          </a:p>
+        </p:txBody>
+      </p:sp>
+      <p:sp>
+        <p:nvSpPr>
+          <p:cNvPr id="100" name="文本框 9"/>
+          <p:cNvSpPr txBox="1"/>
+          <p:nvPr/>
+        </p:nvSpPr>
+        <p:spPr>
+          <a:xfrm>
+            <a:off x="2539444" y="2605820"/>
+            <a:ext cx="5997434" cy="630942"/>
+          </a:xfrm>
+          <a:prstGeom prst="rect">
+            <a:avLst/>
+          </a:prstGeom>
+          <a:noFill/>
+        </p:spPr>
+        <p:txBody>
+          <a:bodyPr wrap="square" lIns="0" tIns="0" rIns="0" bIns="0" rtlCol="0">
+            <a:spAutoFit/>
+          </a:bodyPr>
+          <a:lstStyle/>
+          <a:p>
+            <a:pPr algn="r">
+              <a:defRPr/>
+            </a:pPr>
+            <a:r>
+              <a:rPr lang="zh-TW" altLang="en-US" sz="4100" b="1" dirty="0">
+                <a:solidFill>
+                  <a:srgbClr val="27506E"/>
+                </a:solidFill>
+                <a:latin typeface="微软雅黑" panose="020B0503020204020204" pitchFamily="34" charset="-122"/>
+              </a:rPr>
+              <a:t>報告結束，感謝聆聽 </a:t>
+            </a:r>
+            <a:r>
+              <a:rPr lang="en-US" altLang="zh-TW" sz="4100" b="1" dirty="0">
+                <a:solidFill>
+                  <a:srgbClr val="27506E"/>
+                </a:solidFill>
+                <a:latin typeface="微软雅黑" panose="020B0503020204020204" pitchFamily="34" charset="-122"/>
+              </a:rPr>
+              <a:t>!</a:t>
+            </a:r>
+            <a:endParaRPr lang="zh-CN" altLang="en-US" sz="4100" b="1" dirty="0">
+              <a:solidFill>
+                <a:srgbClr val="27506E"/>
+              </a:solidFill>
+              <a:latin typeface="微软雅黑" panose="020B0503020204020204" pitchFamily="34" charset="-122"/>
+            </a:endParaRPr>
+          </a:p>
+        </p:txBody>
+      </p:sp>
+      <p:sp>
+        <p:nvSpPr>
+          <p:cNvPr id="40" name="投影片編號版面配置區 1">
+            <a:extLst>
+              <a:ext uri="{FF2B5EF4-FFF2-40B4-BE49-F238E27FC236}">
+                <a16:creationId xmlns:a16="http://schemas.microsoft.com/office/drawing/2014/main" id="{5999F3B2-B63E-44B9-A0E1-1232BA98FEE2}"/>
+              </a:ext>
+            </a:extLst>
+          </p:cNvPr>
+          <p:cNvSpPr>
+            <a:spLocks noGrp="1"/>
+          </p:cNvSpPr>
+          <p:nvPr>
+            <p:ph type="sldNum" sz="quarter" idx="4"/>
+          </p:nvPr>
+        </p:nvSpPr>
+        <p:spPr>
+          <a:xfrm>
+            <a:off x="6840712" y="4767263"/>
+            <a:ext cx="2057400" cy="274637"/>
+          </a:xfrm>
+        </p:spPr>
+        <p:txBody>
+          <a:bodyPr/>
+          <a:lstStyle/>
+          <a:p>
+            <a:fld id="{9495EA4E-3D33-45DE-B4D9-3F7D650B8951}" type="slidenum">
+              <a:rPr lang="zh-CN" altLang="en-US" smtClean="0"/>
+              <a:t>9</a:t>
+            </a:fld>
+            <a:r>
+              <a:rPr lang="zh-CN" altLang="en-US" dirty="0"/>
+              <a:t> </a:t>
+            </a:r>
+            <a:r>
+              <a:rPr lang="en-US" altLang="zh-CN" dirty="0"/>
+              <a:t>/ 9</a:t>
+            </a:r>
+            <a:endParaRPr lang="zh-CN" altLang="en-US" dirty="0"/>
+          </a:p>
+        </p:txBody>
+      </p:sp>
+    </p:spTree>
+    <p:extLst>
+      <p:ext uri="{BB962C8B-B14F-4D97-AF65-F5344CB8AC3E}">
+        <p14:creationId xmlns:p14="http://schemas.microsoft.com/office/powerpoint/2010/main" val="3316573742"/>
+      </p:ext>
+    </p:extLst>
+  </p:cSld>
+  <p:clrMapOvr>
+    <a:masterClrMapping/>
+  </p:clrMapOvr>
+  <mc:AlternateContent xmlns:mc="http://schemas.openxmlformats.org/markup-compatibility/2006">
+    <mc:Choice xmlns:p14="http://schemas.microsoft.com/office/powerpoint/2010/main" Requires="p14">
+      <p:transition p14:dur="0"/>
+    </mc:Choice>
+    <mc:Fallback>
+      <p:transition/>
+    </mc:Fallback>
+  </mc:AlternateContent>
+  <p:timing>
+    <p:tnLst>
+      <p:par>
+        <p:cTn id="1" dur="indefinite" restart="never" nodeType="tmRoot">
+          <p:childTnLst>
+            <p:seq concurrent="1" nextAc="seek">
+              <p:cTn id="2" dur="indefinite" nodeType="mainSeq">
+                <p:childTnLst>
+                  <p:par>
+                    <p:cTn id="3" fill="hold">
+                      <p:stCondLst>
+                        <p:cond delay="indefinite"/>
+                        <p:cond evt="onBegin" delay="0">
+                          <p:tn val="2"/>
+                        </p:cond>
+                      </p:stCondLst>
+                      <p:childTnLst>
+                        <p:par>
+                          <p:cTn id="4" fill="hold">
+                            <p:stCondLst>
+                              <p:cond delay="0"/>
+                            </p:stCondLst>
+                            <p:childTnLst>
+                              <p:par>
+                                <p:cTn id="5" presetID="1" presetClass="entr" presetSubtype="0" fill="hold" grpId="0" nodeType="afterEffect">
+                                  <p:stCondLst>
+                                    <p:cond delay="200"/>
+                                  </p:stCondLst>
+                                  <p:childTnLst>
+                                    <p:set>
+                                      <p:cBhvr>
+                                        <p:cTn id="6" dur="1" fill="hold">
+                                          <p:stCondLst>
+                                            <p:cond delay="0"/>
+                                          </p:stCondLst>
+                                        </p:cTn>
+                                        <p:tgtEl>
+                                          <p:spTgt spid="66"/>
+                                        </p:tgtEl>
+                                        <p:attrNameLst>
+                                          <p:attrName>style.visibility</p:attrName>
+                                        </p:attrNameLst>
+                                      </p:cBhvr>
+                                      <p:to>
+                                        <p:strVal val="visible"/>
+                                      </p:to>
+                                    </p:set>
+                                  </p:childTnLst>
+                                </p:cTn>
+                              </p:par>
+                              <p:par>
+                                <p:cTn id="7" presetID="53" presetClass="entr" presetSubtype="16" fill="hold" grpId="1" nodeType="withEffect">
+                                  <p:stCondLst>
+                                    <p:cond delay="200"/>
+                                  </p:stCondLst>
+                                  <p:childTnLst>
+                                    <p:set>
+                                      <p:cBhvr>
+                                        <p:cTn id="8" dur="1" fill="hold">
+                                          <p:stCondLst>
+                                            <p:cond delay="0"/>
+                                          </p:stCondLst>
+                                        </p:cTn>
+                                        <p:tgtEl>
+                                          <p:spTgt spid="66"/>
+                                        </p:tgtEl>
+                                        <p:attrNameLst>
+                                          <p:attrName>style.visibility</p:attrName>
+                                        </p:attrNameLst>
+                                      </p:cBhvr>
+                                      <p:to>
+                                        <p:strVal val="visible"/>
+                                      </p:to>
+                                    </p:set>
+                                    <p:anim calcmode="lin" valueType="num">
+                                      <p:cBhvr>
+                                        <p:cTn id="9" dur="500" fill="hold"/>
+                                        <p:tgtEl>
+                                          <p:spTgt spid="66"/>
+                                        </p:tgtEl>
+                                        <p:attrNameLst>
+                                          <p:attrName>ppt_w</p:attrName>
+                                        </p:attrNameLst>
+                                      </p:cBhvr>
+                                      <p:tavLst>
+                                        <p:tav tm="0">
+                                          <p:val>
+                                            <p:fltVal val="0"/>
+                                          </p:val>
+                                        </p:tav>
+                                        <p:tav tm="100000">
+                                          <p:val>
+                                            <p:strVal val="#ppt_w"/>
+                                          </p:val>
+                                        </p:tav>
+                                      </p:tavLst>
+                                    </p:anim>
+                                    <p:anim calcmode="lin" valueType="num">
+                                      <p:cBhvr>
+                                        <p:cTn id="10" dur="500" fill="hold"/>
+                                        <p:tgtEl>
+                                          <p:spTgt spid="66"/>
+                                        </p:tgtEl>
+                                        <p:attrNameLst>
+                                          <p:attrName>ppt_h</p:attrName>
+                                        </p:attrNameLst>
+                                      </p:cBhvr>
+                                      <p:tavLst>
+                                        <p:tav tm="0">
+                                          <p:val>
+                                            <p:fltVal val="0"/>
+                                          </p:val>
+                                        </p:tav>
+                                        <p:tav tm="100000">
+                                          <p:val>
+                                            <p:strVal val="#ppt_h"/>
+                                          </p:val>
+                                        </p:tav>
+                                      </p:tavLst>
+                                    </p:anim>
+                                    <p:animEffect transition="in" filter="fade">
+                                      <p:cBhvr>
+                                        <p:cTn id="11" dur="500"/>
+                                        <p:tgtEl>
+                                          <p:spTgt spid="66"/>
+                                        </p:tgtEl>
+                                      </p:cBhvr>
+                                    </p:animEffect>
+                                  </p:childTnLst>
+                                </p:cTn>
+                              </p:par>
+                              <p:par>
+                                <p:cTn id="12" presetID="64" presetClass="path" presetSubtype="0" fill="hold" grpId="2" nodeType="withEffect">
+                                  <p:stCondLst>
+                                    <p:cond delay="200"/>
+                                  </p:stCondLst>
+                                  <p:childTnLst>
+                                    <p:animMotion origin="layout" path="M 8.33333E-7 -7.40741E-7 L 0.05121 -0.31451 " pathEditMode="relative" rAng="0" ptsTypes="AA">
+                                      <p:cBhvr>
+                                        <p:cTn id="13" dur="500" spd="-100000" fill="hold"/>
+                                        <p:tgtEl>
+                                          <p:spTgt spid="66"/>
+                                        </p:tgtEl>
+                                        <p:attrNameLst>
+                                          <p:attrName>ppt_x</p:attrName>
+                                          <p:attrName>ppt_y</p:attrName>
+                                        </p:attrNameLst>
+                                      </p:cBhvr>
+                                      <p:rCtr x="2552" y="-15741"/>
+                                    </p:animMotion>
+                                  </p:childTnLst>
+                                </p:cTn>
+                              </p:par>
+                              <p:par>
+                                <p:cTn id="14" presetID="1" presetClass="entr" presetSubtype="0" fill="hold" grpId="0" nodeType="withEffect">
+                                  <p:stCondLst>
+                                    <p:cond delay="600"/>
+                                  </p:stCondLst>
+                                  <p:childTnLst>
+                                    <p:set>
+                                      <p:cBhvr>
+                                        <p:cTn id="15" dur="1" fill="hold">
+                                          <p:stCondLst>
+                                            <p:cond delay="0"/>
+                                          </p:stCondLst>
+                                        </p:cTn>
+                                        <p:tgtEl>
+                                          <p:spTgt spid="77"/>
+                                        </p:tgtEl>
+                                        <p:attrNameLst>
+                                          <p:attrName>style.visibility</p:attrName>
+                                        </p:attrNameLst>
+                                      </p:cBhvr>
+                                      <p:to>
+                                        <p:strVal val="visible"/>
+                                      </p:to>
+                                    </p:set>
+                                  </p:childTnLst>
+                                </p:cTn>
+                              </p:par>
+                              <p:par>
+                                <p:cTn id="16" presetID="53" presetClass="entr" presetSubtype="16" fill="hold" grpId="1" nodeType="withEffect">
+                                  <p:stCondLst>
+                                    <p:cond delay="600"/>
+                                  </p:stCondLst>
+                                  <p:childTnLst>
+                                    <p:set>
+                                      <p:cBhvr>
+                                        <p:cTn id="17" dur="1" fill="hold">
+                                          <p:stCondLst>
+                                            <p:cond delay="0"/>
+                                          </p:stCondLst>
+                                        </p:cTn>
+                                        <p:tgtEl>
+                                          <p:spTgt spid="77"/>
+                                        </p:tgtEl>
+                                        <p:attrNameLst>
+                                          <p:attrName>style.visibility</p:attrName>
+                                        </p:attrNameLst>
+                                      </p:cBhvr>
+                                      <p:to>
+                                        <p:strVal val="visible"/>
+                                      </p:to>
+                                    </p:set>
+                                    <p:anim calcmode="lin" valueType="num">
+                                      <p:cBhvr>
+                                        <p:cTn id="18" dur="500" fill="hold"/>
+                                        <p:tgtEl>
+                                          <p:spTgt spid="77"/>
+                                        </p:tgtEl>
+                                        <p:attrNameLst>
+                                          <p:attrName>ppt_w</p:attrName>
+                                        </p:attrNameLst>
+                                      </p:cBhvr>
+                                      <p:tavLst>
+                                        <p:tav tm="0">
+                                          <p:val>
+                                            <p:fltVal val="0"/>
+                                          </p:val>
+                                        </p:tav>
+                                        <p:tav tm="100000">
+                                          <p:val>
+                                            <p:strVal val="#ppt_w"/>
+                                          </p:val>
+                                        </p:tav>
+                                      </p:tavLst>
+                                    </p:anim>
+                                    <p:anim calcmode="lin" valueType="num">
+                                      <p:cBhvr>
+                                        <p:cTn id="19" dur="500" fill="hold"/>
+                                        <p:tgtEl>
+                                          <p:spTgt spid="77"/>
+                                        </p:tgtEl>
+                                        <p:attrNameLst>
+                                          <p:attrName>ppt_h</p:attrName>
+                                        </p:attrNameLst>
+                                      </p:cBhvr>
+                                      <p:tavLst>
+                                        <p:tav tm="0">
+                                          <p:val>
+                                            <p:fltVal val="0"/>
+                                          </p:val>
+                                        </p:tav>
+                                        <p:tav tm="100000">
+                                          <p:val>
+                                            <p:strVal val="#ppt_h"/>
+                                          </p:val>
+                                        </p:tav>
+                                      </p:tavLst>
+                                    </p:anim>
+                                    <p:animEffect transition="in" filter="fade">
+                                      <p:cBhvr>
+                                        <p:cTn id="20" dur="500"/>
+                                        <p:tgtEl>
+                                          <p:spTgt spid="77"/>
+                                        </p:tgtEl>
+                                      </p:cBhvr>
+                                    </p:animEffect>
+                                  </p:childTnLst>
+                                </p:cTn>
+                              </p:par>
+                              <p:par>
+                                <p:cTn id="21" presetID="64" presetClass="path" presetSubtype="0" fill="hold" grpId="2" nodeType="withEffect">
+                                  <p:stCondLst>
+                                    <p:cond delay="600"/>
+                                  </p:stCondLst>
+                                  <p:childTnLst>
+                                    <p:animMotion origin="layout" path="M -4.44444E-6 -3.45679E-6 L -0.10381 -0.2787 " pathEditMode="relative" rAng="0" ptsTypes="AA">
+                                      <p:cBhvr>
+                                        <p:cTn id="22" dur="500" spd="-100000" fill="hold"/>
+                                        <p:tgtEl>
+                                          <p:spTgt spid="77"/>
+                                        </p:tgtEl>
+                                        <p:attrNameLst>
+                                          <p:attrName>ppt_x</p:attrName>
+                                          <p:attrName>ppt_y</p:attrName>
+                                        </p:attrNameLst>
+                                      </p:cBhvr>
+                                      <p:rCtr x="-5191" y="-13951"/>
+                                    </p:animMotion>
+                                  </p:childTnLst>
+                                </p:cTn>
+                              </p:par>
+                              <p:par>
+                                <p:cTn id="23" presetID="1" presetClass="entr" presetSubtype="0" fill="hold" grpId="0" nodeType="withEffect">
+                                  <p:stCondLst>
+                                    <p:cond delay="200"/>
+                                  </p:stCondLst>
+                                  <p:childTnLst>
+                                    <p:set>
+                                      <p:cBhvr>
+                                        <p:cTn id="24" dur="1" fill="hold">
+                                          <p:stCondLst>
+                                            <p:cond delay="0"/>
+                                          </p:stCondLst>
+                                        </p:cTn>
+                                        <p:tgtEl>
+                                          <p:spTgt spid="80"/>
+                                        </p:tgtEl>
+                                        <p:attrNameLst>
+                                          <p:attrName>style.visibility</p:attrName>
+                                        </p:attrNameLst>
+                                      </p:cBhvr>
+                                      <p:to>
+                                        <p:strVal val="visible"/>
+                                      </p:to>
+                                    </p:set>
+                                  </p:childTnLst>
+                                </p:cTn>
+                              </p:par>
+                              <p:par>
+                                <p:cTn id="25" presetID="53" presetClass="entr" presetSubtype="16" fill="hold" grpId="1" nodeType="withEffect">
+                                  <p:stCondLst>
+                                    <p:cond delay="200"/>
+                                  </p:stCondLst>
+                                  <p:childTnLst>
+                                    <p:set>
+                                      <p:cBhvr>
+                                        <p:cTn id="26" dur="1" fill="hold">
+                                          <p:stCondLst>
+                                            <p:cond delay="0"/>
+                                          </p:stCondLst>
+                                        </p:cTn>
+                                        <p:tgtEl>
+                                          <p:spTgt spid="80"/>
+                                        </p:tgtEl>
+                                        <p:attrNameLst>
+                                          <p:attrName>style.visibility</p:attrName>
+                                        </p:attrNameLst>
+                                      </p:cBhvr>
+                                      <p:to>
+                                        <p:strVal val="visible"/>
+                                      </p:to>
+                                    </p:set>
+                                    <p:anim calcmode="lin" valueType="num">
+                                      <p:cBhvr>
+                                        <p:cTn id="27" dur="500" fill="hold"/>
+                                        <p:tgtEl>
+                                          <p:spTgt spid="80"/>
+                                        </p:tgtEl>
+                                        <p:attrNameLst>
+                                          <p:attrName>ppt_w</p:attrName>
+                                        </p:attrNameLst>
+                                      </p:cBhvr>
+                                      <p:tavLst>
+                                        <p:tav tm="0">
+                                          <p:val>
+                                            <p:fltVal val="0"/>
+                                          </p:val>
+                                        </p:tav>
+                                        <p:tav tm="100000">
+                                          <p:val>
+                                            <p:strVal val="#ppt_w"/>
+                                          </p:val>
+                                        </p:tav>
+                                      </p:tavLst>
+                                    </p:anim>
+                                    <p:anim calcmode="lin" valueType="num">
+                                      <p:cBhvr>
+                                        <p:cTn id="28" dur="500" fill="hold"/>
+                                        <p:tgtEl>
+                                          <p:spTgt spid="80"/>
+                                        </p:tgtEl>
+                                        <p:attrNameLst>
+                                          <p:attrName>ppt_h</p:attrName>
+                                        </p:attrNameLst>
+                                      </p:cBhvr>
+                                      <p:tavLst>
+                                        <p:tav tm="0">
+                                          <p:val>
+                                            <p:fltVal val="0"/>
+                                          </p:val>
+                                        </p:tav>
+                                        <p:tav tm="100000">
+                                          <p:val>
+                                            <p:strVal val="#ppt_h"/>
+                                          </p:val>
+                                        </p:tav>
+                                      </p:tavLst>
+                                    </p:anim>
+                                    <p:animEffect transition="in" filter="fade">
+                                      <p:cBhvr>
+                                        <p:cTn id="29" dur="500"/>
+                                        <p:tgtEl>
+                                          <p:spTgt spid="80"/>
+                                        </p:tgtEl>
+                                      </p:cBhvr>
+                                    </p:animEffect>
+                                  </p:childTnLst>
+                                </p:cTn>
+                              </p:par>
+                              <p:par>
+                                <p:cTn id="30" presetID="64" presetClass="path" presetSubtype="0" fill="hold" grpId="2" nodeType="withEffect">
+                                  <p:stCondLst>
+                                    <p:cond delay="200"/>
+                                  </p:stCondLst>
+                                  <p:childTnLst>
+                                    <p:animMotion origin="layout" path="M -2.77778E-7 2.71605E-6 L 0.1526 -0.4034 " pathEditMode="relative" rAng="0" ptsTypes="AA">
+                                      <p:cBhvr>
+                                        <p:cTn id="31" dur="500" spd="-100000" fill="hold"/>
+                                        <p:tgtEl>
+                                          <p:spTgt spid="80"/>
+                                        </p:tgtEl>
+                                        <p:attrNameLst>
+                                          <p:attrName>ppt_x</p:attrName>
+                                          <p:attrName>ppt_y</p:attrName>
+                                        </p:attrNameLst>
+                                      </p:cBhvr>
+                                      <p:rCtr x="7622" y="-20185"/>
+                                    </p:animMotion>
+                                  </p:childTnLst>
+                                </p:cTn>
+                              </p:par>
+                              <p:par>
+                                <p:cTn id="32" presetID="1" presetClass="entr" presetSubtype="0" fill="hold" grpId="0" nodeType="withEffect">
+                                  <p:stCondLst>
+                                    <p:cond delay="200"/>
+                                  </p:stCondLst>
+                                  <p:childTnLst>
+                                    <p:set>
+                                      <p:cBhvr>
+                                        <p:cTn id="33" dur="1" fill="hold">
+                                          <p:stCondLst>
+                                            <p:cond delay="0"/>
+                                          </p:stCondLst>
+                                        </p:cTn>
+                                        <p:tgtEl>
+                                          <p:spTgt spid="92"/>
+                                        </p:tgtEl>
+                                        <p:attrNameLst>
+                                          <p:attrName>style.visibility</p:attrName>
+                                        </p:attrNameLst>
+                                      </p:cBhvr>
+                                      <p:to>
+                                        <p:strVal val="visible"/>
+                                      </p:to>
+                                    </p:set>
+                                  </p:childTnLst>
+                                </p:cTn>
+                              </p:par>
+                              <p:par>
+                                <p:cTn id="34" presetID="53" presetClass="entr" presetSubtype="16" fill="hold" grpId="1" nodeType="withEffect">
+                                  <p:stCondLst>
+                                    <p:cond delay="200"/>
+                                  </p:stCondLst>
+                                  <p:childTnLst>
+                                    <p:set>
+                                      <p:cBhvr>
+                                        <p:cTn id="35" dur="1" fill="hold">
+                                          <p:stCondLst>
+                                            <p:cond delay="0"/>
+                                          </p:stCondLst>
+                                        </p:cTn>
+                                        <p:tgtEl>
+                                          <p:spTgt spid="92"/>
+                                        </p:tgtEl>
+                                        <p:attrNameLst>
+                                          <p:attrName>style.visibility</p:attrName>
+                                        </p:attrNameLst>
+                                      </p:cBhvr>
+                                      <p:to>
+                                        <p:strVal val="visible"/>
+                                      </p:to>
+                                    </p:set>
+                                    <p:anim calcmode="lin" valueType="num">
+                                      <p:cBhvr>
+                                        <p:cTn id="36" dur="500" fill="hold"/>
+                                        <p:tgtEl>
+                                          <p:spTgt spid="92"/>
+                                        </p:tgtEl>
+                                        <p:attrNameLst>
+                                          <p:attrName>ppt_w</p:attrName>
+                                        </p:attrNameLst>
+                                      </p:cBhvr>
+                                      <p:tavLst>
+                                        <p:tav tm="0">
+                                          <p:val>
+                                            <p:fltVal val="0"/>
+                                          </p:val>
+                                        </p:tav>
+                                        <p:tav tm="100000">
+                                          <p:val>
+                                            <p:strVal val="#ppt_w"/>
+                                          </p:val>
+                                        </p:tav>
+                                      </p:tavLst>
+                                    </p:anim>
+                                    <p:anim calcmode="lin" valueType="num">
+                                      <p:cBhvr>
+                                        <p:cTn id="37" dur="500" fill="hold"/>
+                                        <p:tgtEl>
+                                          <p:spTgt spid="92"/>
+                                        </p:tgtEl>
+                                        <p:attrNameLst>
+                                          <p:attrName>ppt_h</p:attrName>
+                                        </p:attrNameLst>
+                                      </p:cBhvr>
+                                      <p:tavLst>
+                                        <p:tav tm="0">
+                                          <p:val>
+                                            <p:fltVal val="0"/>
+                                          </p:val>
+                                        </p:tav>
+                                        <p:tav tm="100000">
+                                          <p:val>
+                                            <p:strVal val="#ppt_h"/>
+                                          </p:val>
+                                        </p:tav>
+                                      </p:tavLst>
+                                    </p:anim>
+                                    <p:animEffect transition="in" filter="fade">
+                                      <p:cBhvr>
+                                        <p:cTn id="38" dur="500"/>
+                                        <p:tgtEl>
+                                          <p:spTgt spid="92"/>
+                                        </p:tgtEl>
+                                      </p:cBhvr>
+                                    </p:animEffect>
+                                  </p:childTnLst>
+                                </p:cTn>
+                              </p:par>
+                              <p:par>
+                                <p:cTn id="39" presetID="1" presetClass="entr" presetSubtype="0" fill="hold" grpId="0" nodeType="withEffect">
+                                  <p:stCondLst>
+                                    <p:cond delay="400"/>
+                                  </p:stCondLst>
+                                  <p:childTnLst>
+                                    <p:set>
+                                      <p:cBhvr>
+                                        <p:cTn id="40" dur="1" fill="hold">
+                                          <p:stCondLst>
+                                            <p:cond delay="0"/>
+                                          </p:stCondLst>
+                                        </p:cTn>
+                                        <p:tgtEl>
+                                          <p:spTgt spid="67"/>
+                                        </p:tgtEl>
+                                        <p:attrNameLst>
+                                          <p:attrName>style.visibility</p:attrName>
+                                        </p:attrNameLst>
+                                      </p:cBhvr>
+                                      <p:to>
+                                        <p:strVal val="visible"/>
+                                      </p:to>
+                                    </p:set>
+                                  </p:childTnLst>
+                                </p:cTn>
+                              </p:par>
+                              <p:par>
+                                <p:cTn id="41" presetID="53" presetClass="entr" presetSubtype="16" fill="hold" grpId="1" nodeType="withEffect">
+                                  <p:stCondLst>
+                                    <p:cond delay="400"/>
+                                  </p:stCondLst>
+                                  <p:childTnLst>
+                                    <p:set>
+                                      <p:cBhvr>
+                                        <p:cTn id="42" dur="1" fill="hold">
+                                          <p:stCondLst>
+                                            <p:cond delay="0"/>
+                                          </p:stCondLst>
+                                        </p:cTn>
+                                        <p:tgtEl>
+                                          <p:spTgt spid="67"/>
+                                        </p:tgtEl>
+                                        <p:attrNameLst>
+                                          <p:attrName>style.visibility</p:attrName>
+                                        </p:attrNameLst>
+                                      </p:cBhvr>
+                                      <p:to>
+                                        <p:strVal val="visible"/>
+                                      </p:to>
+                                    </p:set>
+                                    <p:anim calcmode="lin" valueType="num">
+                                      <p:cBhvr>
+                                        <p:cTn id="43" dur="500" fill="hold"/>
+                                        <p:tgtEl>
+                                          <p:spTgt spid="67"/>
+                                        </p:tgtEl>
+                                        <p:attrNameLst>
+                                          <p:attrName>ppt_w</p:attrName>
+                                        </p:attrNameLst>
+                                      </p:cBhvr>
+                                      <p:tavLst>
+                                        <p:tav tm="0">
+                                          <p:val>
+                                            <p:fltVal val="0"/>
+                                          </p:val>
+                                        </p:tav>
+                                        <p:tav tm="100000">
+                                          <p:val>
+                                            <p:strVal val="#ppt_w"/>
+                                          </p:val>
+                                        </p:tav>
+                                      </p:tavLst>
+                                    </p:anim>
+                                    <p:anim calcmode="lin" valueType="num">
+                                      <p:cBhvr>
+                                        <p:cTn id="44" dur="500" fill="hold"/>
+                                        <p:tgtEl>
+                                          <p:spTgt spid="67"/>
+                                        </p:tgtEl>
+                                        <p:attrNameLst>
+                                          <p:attrName>ppt_h</p:attrName>
+                                        </p:attrNameLst>
+                                      </p:cBhvr>
+                                      <p:tavLst>
+                                        <p:tav tm="0">
+                                          <p:val>
+                                            <p:fltVal val="0"/>
+                                          </p:val>
+                                        </p:tav>
+                                        <p:tav tm="100000">
+                                          <p:val>
+                                            <p:strVal val="#ppt_h"/>
+                                          </p:val>
+                                        </p:tav>
+                                      </p:tavLst>
+                                    </p:anim>
+                                    <p:animEffect transition="in" filter="fade">
+                                      <p:cBhvr>
+                                        <p:cTn id="45" dur="500"/>
+                                        <p:tgtEl>
+                                          <p:spTgt spid="67"/>
+                                        </p:tgtEl>
+                                      </p:cBhvr>
+                                    </p:animEffect>
+                                  </p:childTnLst>
+                                </p:cTn>
+                              </p:par>
+                              <p:par>
+                                <p:cTn id="46" presetID="42" presetClass="path" presetSubtype="0" fill="hold" grpId="2" nodeType="withEffect">
+                                  <p:stCondLst>
+                                    <p:cond delay="400"/>
+                                  </p:stCondLst>
+                                  <p:childTnLst>
+                                    <p:animMotion origin="layout" path="M 8.33333E-7 3.20988E-6 L 0.0625 0.20555 " pathEditMode="relative" rAng="0" ptsTypes="AA">
+                                      <p:cBhvr>
+                                        <p:cTn id="47" dur="500" spd="-100000" fill="hold"/>
+                                        <p:tgtEl>
+                                          <p:spTgt spid="67"/>
+                                        </p:tgtEl>
+                                        <p:attrNameLst>
+                                          <p:attrName>ppt_x</p:attrName>
+                                          <p:attrName>ppt_y</p:attrName>
+                                        </p:attrNameLst>
+                                      </p:cBhvr>
+                                      <p:rCtr x="3125" y="10278"/>
+                                    </p:animMotion>
+                                  </p:childTnLst>
+                                </p:cTn>
+                              </p:par>
+                              <p:par>
+                                <p:cTn id="48" presetID="1" presetClass="entr" presetSubtype="0" fill="hold" grpId="0" nodeType="withEffect">
+                                  <p:stCondLst>
+                                    <p:cond delay="200"/>
+                                  </p:stCondLst>
+                                  <p:childTnLst>
+                                    <p:set>
+                                      <p:cBhvr>
+                                        <p:cTn id="49" dur="1" fill="hold">
+                                          <p:stCondLst>
+                                            <p:cond delay="0"/>
+                                          </p:stCondLst>
+                                        </p:cTn>
+                                        <p:tgtEl>
+                                          <p:spTgt spid="87"/>
+                                        </p:tgtEl>
+                                        <p:attrNameLst>
+                                          <p:attrName>style.visibility</p:attrName>
+                                        </p:attrNameLst>
+                                      </p:cBhvr>
+                                      <p:to>
+                                        <p:strVal val="visible"/>
+                                      </p:to>
+                                    </p:set>
+                                  </p:childTnLst>
+                                </p:cTn>
+                              </p:par>
+                              <p:par>
+                                <p:cTn id="50" presetID="53" presetClass="entr" presetSubtype="16" fill="hold" grpId="1" nodeType="withEffect">
+                                  <p:stCondLst>
+                                    <p:cond delay="200"/>
+                                  </p:stCondLst>
+                                  <p:childTnLst>
+                                    <p:set>
+                                      <p:cBhvr>
+                                        <p:cTn id="51" dur="1" fill="hold">
+                                          <p:stCondLst>
+                                            <p:cond delay="0"/>
+                                          </p:stCondLst>
+                                        </p:cTn>
+                                        <p:tgtEl>
+                                          <p:spTgt spid="87"/>
+                                        </p:tgtEl>
+                                        <p:attrNameLst>
+                                          <p:attrName>style.visibility</p:attrName>
+                                        </p:attrNameLst>
+                                      </p:cBhvr>
+                                      <p:to>
+                                        <p:strVal val="visible"/>
+                                      </p:to>
+                                    </p:set>
+                                    <p:anim calcmode="lin" valueType="num">
+                                      <p:cBhvr>
+                                        <p:cTn id="52" dur="500" fill="hold"/>
+                                        <p:tgtEl>
+                                          <p:spTgt spid="87"/>
+                                        </p:tgtEl>
+                                        <p:attrNameLst>
+                                          <p:attrName>ppt_w</p:attrName>
+                                        </p:attrNameLst>
+                                      </p:cBhvr>
+                                      <p:tavLst>
+                                        <p:tav tm="0">
+                                          <p:val>
+                                            <p:fltVal val="0"/>
+                                          </p:val>
+                                        </p:tav>
+                                        <p:tav tm="100000">
+                                          <p:val>
+                                            <p:strVal val="#ppt_w"/>
+                                          </p:val>
+                                        </p:tav>
+                                      </p:tavLst>
+                                    </p:anim>
+                                    <p:anim calcmode="lin" valueType="num">
+                                      <p:cBhvr>
+                                        <p:cTn id="53" dur="500" fill="hold"/>
+                                        <p:tgtEl>
+                                          <p:spTgt spid="87"/>
+                                        </p:tgtEl>
+                                        <p:attrNameLst>
+                                          <p:attrName>ppt_h</p:attrName>
+                                        </p:attrNameLst>
+                                      </p:cBhvr>
+                                      <p:tavLst>
+                                        <p:tav tm="0">
+                                          <p:val>
+                                            <p:fltVal val="0"/>
+                                          </p:val>
+                                        </p:tav>
+                                        <p:tav tm="100000">
+                                          <p:val>
+                                            <p:strVal val="#ppt_h"/>
+                                          </p:val>
+                                        </p:tav>
+                                      </p:tavLst>
+                                    </p:anim>
+                                    <p:animEffect transition="in" filter="fade">
+                                      <p:cBhvr>
+                                        <p:cTn id="54" dur="500"/>
+                                        <p:tgtEl>
+                                          <p:spTgt spid="87"/>
+                                        </p:tgtEl>
+                                      </p:cBhvr>
+                                    </p:animEffect>
+                                  </p:childTnLst>
+                                </p:cTn>
+                              </p:par>
+                              <p:par>
+                                <p:cTn id="55" presetID="42" presetClass="path" presetSubtype="0" fill="hold" grpId="2" nodeType="withEffect">
+                                  <p:stCondLst>
+                                    <p:cond delay="200"/>
+                                  </p:stCondLst>
+                                  <p:childTnLst>
+                                    <p:animMotion origin="layout" path="M -1.66667E-6 0 L -0.01371 0.35 " pathEditMode="relative" rAng="0" ptsTypes="AA">
+                                      <p:cBhvr>
+                                        <p:cTn id="56" dur="500" spd="-100000" fill="hold"/>
+                                        <p:tgtEl>
+                                          <p:spTgt spid="87"/>
+                                        </p:tgtEl>
+                                        <p:attrNameLst>
+                                          <p:attrName>ppt_x</p:attrName>
+                                          <p:attrName>ppt_y</p:attrName>
+                                        </p:attrNameLst>
+                                      </p:cBhvr>
+                                      <p:rCtr x="-694" y="17500"/>
+                                    </p:animMotion>
+                                  </p:childTnLst>
+                                </p:cTn>
+                              </p:par>
+                              <p:par>
+                                <p:cTn id="57" presetID="35" presetClass="path" presetSubtype="0" fill="hold" grpId="2" nodeType="withEffect">
+                                  <p:stCondLst>
+                                    <p:cond delay="200"/>
+                                  </p:stCondLst>
+                                  <p:childTnLst>
+                                    <p:animMotion origin="layout" path="M -3.33333E-6 -1.60494E-6 L 0.16875 -0.04074 " pathEditMode="relative" rAng="0" ptsTypes="AA">
+                                      <p:cBhvr>
+                                        <p:cTn id="58" dur="500" spd="-100000" fill="hold"/>
+                                        <p:tgtEl>
+                                          <p:spTgt spid="92"/>
+                                        </p:tgtEl>
+                                        <p:attrNameLst>
+                                          <p:attrName>ppt_x</p:attrName>
+                                          <p:attrName>ppt_y</p:attrName>
+                                        </p:attrNameLst>
+                                      </p:cBhvr>
+                                      <p:rCtr x="8438" y="-2037"/>
+                                    </p:animMotion>
+                                  </p:childTnLst>
+                                </p:cTn>
+                              </p:par>
+                              <p:par>
+                                <p:cTn id="59" presetID="1" presetClass="entr" presetSubtype="0" fill="hold" grpId="0" nodeType="withEffect">
+                                  <p:stCondLst>
+                                    <p:cond delay="200"/>
+                                  </p:stCondLst>
+                                  <p:childTnLst>
+                                    <p:set>
+                                      <p:cBhvr>
+                                        <p:cTn id="60" dur="1" fill="hold">
+                                          <p:stCondLst>
+                                            <p:cond delay="0"/>
+                                          </p:stCondLst>
+                                        </p:cTn>
+                                        <p:tgtEl>
+                                          <p:spTgt spid="76"/>
+                                        </p:tgtEl>
+                                        <p:attrNameLst>
+                                          <p:attrName>style.visibility</p:attrName>
+                                        </p:attrNameLst>
+                                      </p:cBhvr>
+                                      <p:to>
+                                        <p:strVal val="visible"/>
+                                      </p:to>
+                                    </p:set>
+                                  </p:childTnLst>
+                                </p:cTn>
+                              </p:par>
+                              <p:par>
+                                <p:cTn id="61" presetID="53" presetClass="entr" presetSubtype="16" fill="hold" grpId="1" nodeType="withEffect">
+                                  <p:stCondLst>
+                                    <p:cond delay="200"/>
+                                  </p:stCondLst>
+                                  <p:childTnLst>
+                                    <p:set>
+                                      <p:cBhvr>
+                                        <p:cTn id="62" dur="1" fill="hold">
+                                          <p:stCondLst>
+                                            <p:cond delay="0"/>
+                                          </p:stCondLst>
+                                        </p:cTn>
+                                        <p:tgtEl>
+                                          <p:spTgt spid="76"/>
+                                        </p:tgtEl>
+                                        <p:attrNameLst>
+                                          <p:attrName>style.visibility</p:attrName>
+                                        </p:attrNameLst>
+                                      </p:cBhvr>
+                                      <p:to>
+                                        <p:strVal val="visible"/>
+                                      </p:to>
+                                    </p:set>
+                                    <p:anim calcmode="lin" valueType="num">
+                                      <p:cBhvr>
+                                        <p:cTn id="63" dur="500" fill="hold"/>
+                                        <p:tgtEl>
+                                          <p:spTgt spid="76"/>
+                                        </p:tgtEl>
+                                        <p:attrNameLst>
+                                          <p:attrName>ppt_w</p:attrName>
+                                        </p:attrNameLst>
+                                      </p:cBhvr>
+                                      <p:tavLst>
+                                        <p:tav tm="0">
+                                          <p:val>
+                                            <p:fltVal val="0"/>
+                                          </p:val>
+                                        </p:tav>
+                                        <p:tav tm="100000">
+                                          <p:val>
+                                            <p:strVal val="#ppt_w"/>
+                                          </p:val>
+                                        </p:tav>
+                                      </p:tavLst>
+                                    </p:anim>
+                                    <p:anim calcmode="lin" valueType="num">
+                                      <p:cBhvr>
+                                        <p:cTn id="64" dur="500" fill="hold"/>
+                                        <p:tgtEl>
+                                          <p:spTgt spid="76"/>
+                                        </p:tgtEl>
+                                        <p:attrNameLst>
+                                          <p:attrName>ppt_h</p:attrName>
+                                        </p:attrNameLst>
+                                      </p:cBhvr>
+                                      <p:tavLst>
+                                        <p:tav tm="0">
+                                          <p:val>
+                                            <p:fltVal val="0"/>
+                                          </p:val>
+                                        </p:tav>
+                                        <p:tav tm="100000">
+                                          <p:val>
+                                            <p:strVal val="#ppt_h"/>
+                                          </p:val>
+                                        </p:tav>
+                                      </p:tavLst>
+                                    </p:anim>
+                                    <p:animEffect transition="in" filter="fade">
+                                      <p:cBhvr>
+                                        <p:cTn id="65" dur="500"/>
+                                        <p:tgtEl>
+                                          <p:spTgt spid="76"/>
+                                        </p:tgtEl>
+                                      </p:cBhvr>
+                                    </p:animEffect>
+                                  </p:childTnLst>
+                                </p:cTn>
+                              </p:par>
+                              <p:par>
+                                <p:cTn id="66" presetID="42" presetClass="path" presetSubtype="0" fill="hold" grpId="2" nodeType="withEffect">
+                                  <p:stCondLst>
+                                    <p:cond delay="200"/>
+                                  </p:stCondLst>
+                                  <p:childTnLst>
+                                    <p:animMotion origin="layout" path="M 3.05556E-6 1.35802E-6 L -0.71216 -0.4034 " pathEditMode="relative" rAng="0" ptsTypes="AA">
+                                      <p:cBhvr>
+                                        <p:cTn id="67" dur="500" spd="-100000" fill="hold"/>
+                                        <p:tgtEl>
+                                          <p:spTgt spid="76"/>
+                                        </p:tgtEl>
+                                        <p:attrNameLst>
+                                          <p:attrName>ppt_x</p:attrName>
+                                          <p:attrName>ppt_y</p:attrName>
+                                        </p:attrNameLst>
+                                      </p:cBhvr>
+                                      <p:rCtr x="-35608" y="-20185"/>
+                                    </p:animMotion>
+                                  </p:childTnLst>
+                                </p:cTn>
+                              </p:par>
+                              <p:par>
+                                <p:cTn id="68" presetID="1" presetClass="entr" presetSubtype="0" fill="hold" grpId="0" nodeType="withEffect">
+                                  <p:stCondLst>
+                                    <p:cond delay="600"/>
+                                  </p:stCondLst>
+                                  <p:childTnLst>
+                                    <p:set>
+                                      <p:cBhvr>
+                                        <p:cTn id="69" dur="1" fill="hold">
+                                          <p:stCondLst>
+                                            <p:cond delay="0"/>
+                                          </p:stCondLst>
+                                        </p:cTn>
+                                        <p:tgtEl>
+                                          <p:spTgt spid="93"/>
+                                        </p:tgtEl>
+                                        <p:attrNameLst>
+                                          <p:attrName>style.visibility</p:attrName>
+                                        </p:attrNameLst>
+                                      </p:cBhvr>
+                                      <p:to>
+                                        <p:strVal val="visible"/>
+                                      </p:to>
+                                    </p:set>
+                                  </p:childTnLst>
+                                </p:cTn>
+                              </p:par>
+                              <p:par>
+                                <p:cTn id="70" presetID="53" presetClass="entr" presetSubtype="16" fill="hold" grpId="1" nodeType="withEffect">
+                                  <p:stCondLst>
+                                    <p:cond delay="600"/>
+                                  </p:stCondLst>
+                                  <p:childTnLst>
+                                    <p:set>
+                                      <p:cBhvr>
+                                        <p:cTn id="71" dur="1" fill="hold">
+                                          <p:stCondLst>
+                                            <p:cond delay="0"/>
+                                          </p:stCondLst>
+                                        </p:cTn>
+                                        <p:tgtEl>
+                                          <p:spTgt spid="93"/>
+                                        </p:tgtEl>
+                                        <p:attrNameLst>
+                                          <p:attrName>style.visibility</p:attrName>
+                                        </p:attrNameLst>
+                                      </p:cBhvr>
+                                      <p:to>
+                                        <p:strVal val="visible"/>
+                                      </p:to>
+                                    </p:set>
+                                    <p:anim calcmode="lin" valueType="num">
+                                      <p:cBhvr>
+                                        <p:cTn id="72" dur="500" fill="hold"/>
+                                        <p:tgtEl>
+                                          <p:spTgt spid="93"/>
+                                        </p:tgtEl>
+                                        <p:attrNameLst>
+                                          <p:attrName>ppt_w</p:attrName>
+                                        </p:attrNameLst>
+                                      </p:cBhvr>
+                                      <p:tavLst>
+                                        <p:tav tm="0">
+                                          <p:val>
+                                            <p:fltVal val="0"/>
+                                          </p:val>
+                                        </p:tav>
+                                        <p:tav tm="100000">
+                                          <p:val>
+                                            <p:strVal val="#ppt_w"/>
+                                          </p:val>
+                                        </p:tav>
+                                      </p:tavLst>
+                                    </p:anim>
+                                    <p:anim calcmode="lin" valueType="num">
+                                      <p:cBhvr>
+                                        <p:cTn id="73" dur="500" fill="hold"/>
+                                        <p:tgtEl>
+                                          <p:spTgt spid="93"/>
+                                        </p:tgtEl>
+                                        <p:attrNameLst>
+                                          <p:attrName>ppt_h</p:attrName>
+                                        </p:attrNameLst>
+                                      </p:cBhvr>
+                                      <p:tavLst>
+                                        <p:tav tm="0">
+                                          <p:val>
+                                            <p:fltVal val="0"/>
+                                          </p:val>
+                                        </p:tav>
+                                        <p:tav tm="100000">
+                                          <p:val>
+                                            <p:strVal val="#ppt_h"/>
+                                          </p:val>
+                                        </p:tav>
+                                      </p:tavLst>
+                                    </p:anim>
+                                    <p:animEffect transition="in" filter="fade">
+                                      <p:cBhvr>
+                                        <p:cTn id="74" dur="500"/>
+                                        <p:tgtEl>
+                                          <p:spTgt spid="93"/>
+                                        </p:tgtEl>
+                                      </p:cBhvr>
+                                    </p:animEffect>
+                                  </p:childTnLst>
+                                </p:cTn>
+                              </p:par>
+                              <p:par>
+                                <p:cTn id="75" presetID="64" presetClass="path" presetSubtype="0" fill="hold" grpId="2" nodeType="withEffect">
+                                  <p:stCondLst>
+                                    <p:cond delay="600"/>
+                                  </p:stCondLst>
+                                  <p:childTnLst>
+                                    <p:animMotion origin="layout" path="M 2.77778E-7 -4.32099E-6 L -0.6901 -0.46574 " pathEditMode="relative" rAng="0" ptsTypes="AA">
+                                      <p:cBhvr>
+                                        <p:cTn id="76" dur="500" spd="-100000" fill="hold"/>
+                                        <p:tgtEl>
+                                          <p:spTgt spid="93"/>
+                                        </p:tgtEl>
+                                        <p:attrNameLst>
+                                          <p:attrName>ppt_x</p:attrName>
+                                          <p:attrName>ppt_y</p:attrName>
+                                        </p:attrNameLst>
+                                      </p:cBhvr>
+                                      <p:rCtr x="-34514" y="-23302"/>
+                                    </p:animMotion>
+                                  </p:childTnLst>
+                                </p:cTn>
+                              </p:par>
+                            </p:childTnLst>
+                          </p:cTn>
+                        </p:par>
+                      </p:childTnLst>
+                    </p:cTn>
+                  </p:par>
+                </p:childTnLst>
+              </p:cTn>
+              <p:prevCondLst>
+                <p:cond evt="onPrev" delay="0">
+                  <p:tgtEl>
+                    <p:sldTgt/>
+                  </p:tgtEl>
+                </p:cond>
+              </p:prevCondLst>
+              <p:nextCondLst>
+                <p:cond evt="onNext" delay="0">
+                  <p:tgtEl>
+                    <p:sldTgt/>
+                  </p:tgtEl>
+                </p:cond>
+              </p:nextCondLst>
+            </p:seq>
+          </p:childTnLst>
+        </p:cTn>
+      </p:par>
+    </p:tnLst>
+    <p:bldLst>
+      <p:bldP spid="66" grpId="0" animBg="1"/>
+      <p:bldP spid="66" grpId="1" animBg="1"/>
+      <p:bldP spid="66" grpId="2" animBg="1"/>
+      <p:bldP spid="67" grpId="0" animBg="1"/>
+      <p:bldP spid="67" grpId="1" animBg="1"/>
+      <p:bldP spid="67" grpId="2" animBg="1"/>
+      <p:bldP spid="76" grpId="0" animBg="1"/>
+      <p:bldP spid="76" grpId="1" animBg="1"/>
+      <p:bldP spid="76" grpId="2" animBg="1"/>
+      <p:bldP spid="77" grpId="0" animBg="1"/>
+      <p:bldP spid="77" grpId="1" animBg="1"/>
+      <p:bldP spid="77" grpId="2" animBg="1"/>
+      <p:bldP spid="80" grpId="0" animBg="1"/>
+      <p:bldP spid="80" grpId="1" animBg="1"/>
+      <p:bldP spid="80" grpId="2" animBg="1"/>
+      <p:bldP spid="87" grpId="0" animBg="1"/>
+      <p:bldP spid="87" grpId="1" animBg="1"/>
+      <p:bldP spid="87" grpId="2" animBg="1"/>
+      <p:bldP spid="92" grpId="0" animBg="1"/>
+      <p:bldP spid="92" grpId="1" animBg="1"/>
+      <p:bldP spid="92" grpId="2" animBg="1"/>
+      <p:bldP spid="93" grpId="0" animBg="1"/>
+      <p:bldP spid="93" grpId="1" animBg="1"/>
+      <p:bldP spid="93" grpId="2" animBg="1"/>
+    </p:bldLst>
+  </p:timing>
+</p:sld>
+</file>
+
 <file path=ppt/slides/slide2.xml><?xml version="1.0" encoding="utf-8"?>
 <p:sld xmlns:a="http://schemas.openxmlformats.org/drawingml/2006/main" xmlns:r="http://schemas.openxmlformats.org/officeDocument/2006/relationships" xmlns:p="http://schemas.openxmlformats.org/presentationml/2006/main">
   <p:cSld>
@@ -13631,7 +17645,7 @@
         <p:spPr>
           <a:xfrm>
             <a:off x="5036796" y="3412530"/>
-            <a:ext cx="2767104" cy="461665"/>
+            <a:ext cx="1843774" cy="461665"/>
           </a:xfrm>
           <a:prstGeom prst="rect">
             <a:avLst/>
@@ -13661,7 +17675,7 @@
                 <a:cs typeface="+mn-ea"/>
                 <a:sym typeface="+mn-lt"/>
               </a:rPr>
-              <a:t>模擬公司之架構</a:t>
+              <a:t>成果展示</a:t>
             </a:r>
             <a:endParaRPr lang="zh-CN" altLang="en-US" sz="3200" dirty="0">
               <a:solidFill>
@@ -13762,7 +17776,7 @@
         <p:spPr>
           <a:xfrm>
             <a:off x="5036796" y="4093446"/>
-            <a:ext cx="1843774" cy="461665"/>
+            <a:ext cx="1228221" cy="461665"/>
           </a:xfrm>
           <a:prstGeom prst="rect">
             <a:avLst/>
@@ -13792,7 +17806,7 @@
                 <a:cs typeface="+mn-ea"/>
                 <a:sym typeface="+mn-lt"/>
               </a:rPr>
-              <a:t>成果展示</a:t>
+              <a:t>致謝</a:t>
             </a:r>
             <a:endParaRPr lang="zh-CN" altLang="en-US" sz="3200" dirty="0">
               <a:solidFill>
@@ -13801,6 +17815,48 @@
               <a:cs typeface="+mn-ea"/>
               <a:sym typeface="+mn-lt"/>
             </a:endParaRPr>
+          </a:p>
+        </p:txBody>
+      </p:sp>
+      <p:sp>
+        <p:nvSpPr>
+          <p:cNvPr id="33" name="投影片編號版面配置區 1">
+            <a:extLst>
+              <a:ext uri="{FF2B5EF4-FFF2-40B4-BE49-F238E27FC236}">
+                <a16:creationId xmlns:a16="http://schemas.microsoft.com/office/drawing/2014/main" id="{1B5032B0-DABF-4546-9B17-6CF4DB406420}"/>
+              </a:ext>
+            </a:extLst>
+          </p:cNvPr>
+          <p:cNvSpPr>
+            <a:spLocks noGrp="1"/>
+          </p:cNvSpPr>
+          <p:nvPr>
+            <p:ph type="sldNum" sz="quarter" idx="4"/>
+          </p:nvPr>
+        </p:nvSpPr>
+        <p:spPr>
+          <a:xfrm>
+            <a:off x="6840712" y="4767263"/>
+            <a:ext cx="2057400" cy="274637"/>
+          </a:xfrm>
+        </p:spPr>
+        <p:txBody>
+          <a:bodyPr/>
+          <a:lstStyle/>
+          <a:p>
+            <a:fld id="{9495EA4E-3D33-45DE-B4D9-3F7D650B8951}" type="slidenum">
+              <a:rPr lang="zh-CN" altLang="en-US" smtClean="0"/>
+              <a:t>1</a:t>
+            </a:fld>
+            <a:r>
+              <a:rPr lang="zh-CN" altLang="en-US" dirty="0"/>
+              <a:t> </a:t>
+            </a:r>
+            <a:r>
+              <a:rPr lang="en-US" altLang="zh-CN" dirty="0"/>
+              <a:t>/ 9</a:t>
+            </a:r>
+            <a:endParaRPr lang="zh-CN" altLang="en-US" dirty="0"/>
           </a:p>
         </p:txBody>
       </p:sp>
@@ -15494,16 +19550,58 @@
           </a:p>
         </p:txBody>
       </p:sp>
+      <p:sp>
+        <p:nvSpPr>
+          <p:cNvPr id="7" name="投影片編號版面配置區 1">
+            <a:extLst>
+              <a:ext uri="{FF2B5EF4-FFF2-40B4-BE49-F238E27FC236}">
+                <a16:creationId xmlns:a16="http://schemas.microsoft.com/office/drawing/2014/main" id="{0921E2F4-8EFF-4678-AF5D-A922A453F5F1}"/>
+              </a:ext>
+            </a:extLst>
+          </p:cNvPr>
+          <p:cNvSpPr>
+            <a:spLocks noGrp="1"/>
+          </p:cNvSpPr>
+          <p:nvPr>
+            <p:ph type="sldNum" sz="quarter" idx="4"/>
+          </p:nvPr>
+        </p:nvSpPr>
+        <p:spPr>
+          <a:xfrm>
+            <a:off x="6840712" y="4767263"/>
+            <a:ext cx="2057400" cy="274637"/>
+          </a:xfrm>
+        </p:spPr>
+        <p:txBody>
+          <a:bodyPr/>
+          <a:lstStyle/>
+          <a:p>
+            <a:fld id="{9495EA4E-3D33-45DE-B4D9-3F7D650B8951}" type="slidenum">
+              <a:rPr lang="zh-CN" altLang="en-US" smtClean="0"/>
+              <a:t>2</a:t>
+            </a:fld>
+            <a:r>
+              <a:rPr lang="zh-CN" altLang="en-US" dirty="0"/>
+              <a:t> </a:t>
+            </a:r>
+            <a:r>
+              <a:rPr lang="en-US" altLang="zh-CN" dirty="0"/>
+              <a:t>/ 9</a:t>
+            </a:r>
+            <a:endParaRPr lang="zh-CN" altLang="en-US" dirty="0"/>
+          </a:p>
+        </p:txBody>
+      </p:sp>
     </p:spTree>
   </p:cSld>
   <p:clrMapOvr>
     <a:masterClrMapping/>
   </p:clrMapOvr>
-  <mc:AlternateContent xmlns:mc="http://schemas.openxmlformats.org/markup-compatibility/2006" xmlns:p14="http://schemas.microsoft.com/office/powerpoint/2010/main">
-    <mc:Choice Requires="p14">
-      <p:transition p14:dur="0"/>
+  <mc:AlternateContent xmlns:mc="http://schemas.openxmlformats.org/markup-compatibility/2006">
+    <mc:Choice xmlns:p14="http://schemas.microsoft.com/office/powerpoint/2010/main" Requires="p14">
+      <p:transition p14:dur="10"/>
     </mc:Choice>
-    <mc:Fallback xmlns="">
+    <mc:Fallback>
       <p:transition/>
     </mc:Fallback>
   </mc:AlternateContent>
@@ -17543,6 +21641,48 @@
           </p:spPr>
         </p:pic>
       </p:grpSp>
+      <p:sp>
+        <p:nvSpPr>
+          <p:cNvPr id="24" name="投影片編號版面配置區 1">
+            <a:extLst>
+              <a:ext uri="{FF2B5EF4-FFF2-40B4-BE49-F238E27FC236}">
+                <a16:creationId xmlns:a16="http://schemas.microsoft.com/office/drawing/2014/main" id="{4F83A5EA-E0BB-431C-91B1-307CB353DB8E}"/>
+              </a:ext>
+            </a:extLst>
+          </p:cNvPr>
+          <p:cNvSpPr>
+            <a:spLocks noGrp="1"/>
+          </p:cNvSpPr>
+          <p:nvPr>
+            <p:ph type="sldNum" sz="quarter" idx="4"/>
+          </p:nvPr>
+        </p:nvSpPr>
+        <p:spPr>
+          <a:xfrm>
+            <a:off x="6840712" y="4767263"/>
+            <a:ext cx="2057400" cy="274637"/>
+          </a:xfrm>
+        </p:spPr>
+        <p:txBody>
+          <a:bodyPr/>
+          <a:lstStyle/>
+          <a:p>
+            <a:fld id="{9495EA4E-3D33-45DE-B4D9-3F7D650B8951}" type="slidenum">
+              <a:rPr lang="zh-CN" altLang="en-US" smtClean="0"/>
+              <a:t>3</a:t>
+            </a:fld>
+            <a:r>
+              <a:rPr lang="zh-CN" altLang="en-US" dirty="0"/>
+              <a:t> </a:t>
+            </a:r>
+            <a:r>
+              <a:rPr lang="en-US" altLang="zh-CN" dirty="0"/>
+              <a:t>/ 9</a:t>
+            </a:r>
+            <a:endParaRPr lang="zh-CN" altLang="en-US" dirty="0"/>
+          </a:p>
+        </p:txBody>
+      </p:sp>
     </p:spTree>
   </p:cSld>
   <p:clrMapOvr>
@@ -20014,21 +24154,55 @@
           </p:spPr>
         </p:pic>
       </p:grpSp>
+      <p:sp>
+        <p:nvSpPr>
+          <p:cNvPr id="2" name="投影片編號版面配置區 1">
+            <a:extLst>
+              <a:ext uri="{FF2B5EF4-FFF2-40B4-BE49-F238E27FC236}">
+                <a16:creationId xmlns:a16="http://schemas.microsoft.com/office/drawing/2014/main" id="{EB5FCAC1-DA2A-447A-99D9-497F2F15B156}"/>
+              </a:ext>
+            </a:extLst>
+          </p:cNvPr>
+          <p:cNvSpPr>
+            <a:spLocks noGrp="1"/>
+          </p:cNvSpPr>
+          <p:nvPr>
+            <p:ph type="sldNum" sz="quarter" idx="4"/>
+          </p:nvPr>
+        </p:nvSpPr>
+        <p:spPr>
+          <a:xfrm>
+            <a:off x="6840712" y="4767263"/>
+            <a:ext cx="2057400" cy="274637"/>
+          </a:xfrm>
+        </p:spPr>
+        <p:txBody>
+          <a:bodyPr/>
+          <a:lstStyle/>
+          <a:p>
+            <a:fld id="{9495EA4E-3D33-45DE-B4D9-3F7D650B8951}" type="slidenum">
+              <a:rPr lang="zh-CN" altLang="en-US" smtClean="0"/>
+              <a:t>4</a:t>
+            </a:fld>
+            <a:r>
+              <a:rPr lang="en-US" altLang="zh-CN" dirty="0"/>
+              <a:t> / 9</a:t>
+            </a:r>
+            <a:endParaRPr lang="zh-CN" altLang="en-US" dirty="0"/>
+          </a:p>
+        </p:txBody>
+      </p:sp>
     </p:spTree>
   </p:cSld>
   <p:clrMapOvr>
     <a:masterClrMapping/>
   </p:clrMapOvr>
-  <mc:AlternateContent xmlns:mc="http://schemas.openxmlformats.org/markup-compatibility/2006" xmlns:p14="http://schemas.microsoft.com/office/powerpoint/2010/main">
-    <mc:Choice Requires="p14">
-      <p:transition p14:dur="100">
-        <p:cut/>
-      </p:transition>
+  <mc:AlternateContent xmlns:mc="http://schemas.openxmlformats.org/markup-compatibility/2006">
+    <mc:Choice xmlns:p14="http://schemas.microsoft.com/office/powerpoint/2010/main" Requires="p14">
+      <p:transition p14:dur="0"/>
     </mc:Choice>
-    <mc:Fallback xmlns="">
-      <p:transition>
-        <p:cut/>
-      </p:transition>
+    <mc:Fallback>
+      <p:transition/>
     </mc:Fallback>
   </mc:AlternateContent>
   <p:timing>
@@ -23102,6 +27276,48 @@
           </a:p>
         </p:txBody>
       </p:sp>
+      <p:sp>
+        <p:nvSpPr>
+          <p:cNvPr id="73" name="投影片編號版面配置區 1">
+            <a:extLst>
+              <a:ext uri="{FF2B5EF4-FFF2-40B4-BE49-F238E27FC236}">
+                <a16:creationId xmlns:a16="http://schemas.microsoft.com/office/drawing/2014/main" id="{29E3E6FC-76F7-4529-B18C-EFEEEC7C2448}"/>
+              </a:ext>
+            </a:extLst>
+          </p:cNvPr>
+          <p:cNvSpPr>
+            <a:spLocks noGrp="1"/>
+          </p:cNvSpPr>
+          <p:nvPr>
+            <p:ph type="sldNum" sz="quarter" idx="4"/>
+          </p:nvPr>
+        </p:nvSpPr>
+        <p:spPr>
+          <a:xfrm>
+            <a:off x="6840712" y="4767263"/>
+            <a:ext cx="2057400" cy="274637"/>
+          </a:xfrm>
+        </p:spPr>
+        <p:txBody>
+          <a:bodyPr/>
+          <a:lstStyle/>
+          <a:p>
+            <a:fld id="{9495EA4E-3D33-45DE-B4D9-3F7D650B8951}" type="slidenum">
+              <a:rPr lang="zh-CN" altLang="en-US" smtClean="0"/>
+              <a:t>5</a:t>
+            </a:fld>
+            <a:r>
+              <a:rPr lang="zh-CN" altLang="en-US" dirty="0"/>
+              <a:t> </a:t>
+            </a:r>
+            <a:r>
+              <a:rPr lang="en-US" altLang="zh-CN" dirty="0"/>
+              <a:t>/ 9</a:t>
+            </a:r>
+            <a:endParaRPr lang="zh-CN" altLang="en-US" dirty="0"/>
+          </a:p>
+        </p:txBody>
+      </p:sp>
     </p:spTree>
     <p:extLst>
       <p:ext uri="{BB962C8B-B14F-4D97-AF65-F5344CB8AC3E}">
@@ -23295,311 +27511,6 @@
 </file>
 
 <file path=ppt/slides/slide7.xml><?xml version="1.0" encoding="utf-8"?>
-<p:sld xmlns:a="http://schemas.openxmlformats.org/drawingml/2006/main" xmlns:r="http://schemas.openxmlformats.org/officeDocument/2006/relationships" xmlns:p="http://schemas.openxmlformats.org/presentationml/2006/main">
-  <p:cSld>
-    <p:spTree>
-      <p:nvGrpSpPr>
-        <p:cNvPr id="1" name=""/>
-        <p:cNvGrpSpPr/>
-        <p:nvPr/>
-      </p:nvGrpSpPr>
-      <p:grpSpPr>
-        <a:xfrm>
-          <a:off x="0" y="0"/>
-          <a:ext cx="0" cy="0"/>
-          <a:chOff x="0" y="0"/>
-          <a:chExt cx="0" cy="0"/>
-        </a:xfrm>
-      </p:grpSpPr>
-      <p:pic>
-        <p:nvPicPr>
-          <p:cNvPr id="11" name="圖片 10">
-            <a:extLst>
-              <a:ext uri="{FF2B5EF4-FFF2-40B4-BE49-F238E27FC236}">
-                <a16:creationId xmlns:a16="http://schemas.microsoft.com/office/drawing/2014/main" id="{4D7105D4-B7C4-4C0F-93FE-5E574FD35B3D}"/>
-              </a:ext>
-            </a:extLst>
-          </p:cNvPr>
-          <p:cNvPicPr>
-            <a:picLocks noChangeAspect="1"/>
-          </p:cNvPicPr>
-          <p:nvPr/>
-        </p:nvPicPr>
-        <p:blipFill>
-          <a:blip r:embed="rId3" cstate="print">
-            <a:clrChange>
-              <a:clrFrom>
-                <a:srgbClr val="FFFFFF"/>
-              </a:clrFrom>
-              <a:clrTo>
-                <a:srgbClr val="FFFFFF">
-                  <a:alpha val="0"/>
-                </a:srgbClr>
-              </a:clrTo>
-            </a:clrChange>
-            <a:extLst>
-              <a:ext uri="{28A0092B-C50C-407E-A947-70E740481C1C}">
-                <a14:useLocalDpi xmlns:a14="http://schemas.microsoft.com/office/drawing/2010/main" val="0"/>
-              </a:ext>
-            </a:extLst>
-          </a:blip>
-          <a:stretch>
-            <a:fillRect/>
-          </a:stretch>
-        </p:blipFill>
-        <p:spPr>
-          <a:xfrm>
-            <a:off x="679443" y="868680"/>
-            <a:ext cx="7785115" cy="3962400"/>
-          </a:xfrm>
-          <a:prstGeom prst="rect">
-            <a:avLst/>
-          </a:prstGeom>
-        </p:spPr>
-      </p:pic>
-      <p:sp>
-        <p:nvSpPr>
-          <p:cNvPr id="28" name="矩形 27">
-            <a:extLst>
-              <a:ext uri="{FF2B5EF4-FFF2-40B4-BE49-F238E27FC236}">
-                <a16:creationId xmlns:a16="http://schemas.microsoft.com/office/drawing/2014/main" id="{7D086E42-8410-4C56-B42D-FEB507309FCC}"/>
-              </a:ext>
-            </a:extLst>
-          </p:cNvPr>
-          <p:cNvSpPr/>
-          <p:nvPr/>
-        </p:nvSpPr>
-        <p:spPr>
-          <a:xfrm>
-            <a:off x="3188448" y="210341"/>
-            <a:ext cx="2767104" cy="461665"/>
-          </a:xfrm>
-          <a:prstGeom prst="rect">
-            <a:avLst/>
-          </a:prstGeom>
-        </p:spPr>
-        <p:txBody>
-          <a:bodyPr wrap="none">
-            <a:spAutoFit/>
-          </a:bodyPr>
-          <a:lstStyle/>
-          <a:p>
-            <a:r>
-              <a:rPr lang="en-US" altLang="zh-TW" sz="2400" b="1" dirty="0">
-                <a:solidFill>
-                  <a:schemeClr val="accent1"/>
-                </a:solidFill>
-                <a:cs typeface="+mn-ea"/>
-                <a:sym typeface="+mn-lt"/>
-              </a:rPr>
-              <a:t>05.</a:t>
-            </a:r>
-            <a:r>
-              <a:rPr lang="zh-TW" altLang="en-US" sz="2400" b="1" dirty="0">
-                <a:solidFill>
-                  <a:schemeClr val="accent1"/>
-                </a:solidFill>
-                <a:cs typeface="+mn-ea"/>
-                <a:sym typeface="+mn-lt"/>
-              </a:rPr>
-              <a:t>模擬公司之架構</a:t>
-            </a:r>
-          </a:p>
-        </p:txBody>
-      </p:sp>
-    </p:spTree>
-    <p:extLst>
-      <p:ext uri="{BB962C8B-B14F-4D97-AF65-F5344CB8AC3E}">
-        <p14:creationId xmlns:p14="http://schemas.microsoft.com/office/powerpoint/2010/main" val="2536287310"/>
-      </p:ext>
-    </p:extLst>
-  </p:cSld>
-  <p:clrMapOvr>
-    <a:masterClrMapping/>
-  </p:clrMapOvr>
-  <mc:AlternateContent xmlns:mc="http://schemas.openxmlformats.org/markup-compatibility/2006" xmlns:p14="http://schemas.microsoft.com/office/powerpoint/2010/main">
-    <mc:Choice Requires="p14">
-      <p:transition p14:dur="0"/>
-    </mc:Choice>
-    <mc:Fallback xmlns="">
-      <p:transition/>
-    </mc:Fallback>
-  </mc:AlternateContent>
-  <p:timing>
-    <p:tnLst>
-      <p:par>
-        <p:cTn id="1" dur="indefinite" restart="never" nodeType="tmRoot">
-          <p:childTnLst>
-            <p:seq concurrent="1" nextAc="seek">
-              <p:cTn id="2" dur="indefinite" nodeType="mainSeq">
-                <p:childTnLst>
-                  <p:par>
-                    <p:cTn id="3" fill="hold">
-                      <p:stCondLst>
-                        <p:cond delay="indefinite"/>
-                        <p:cond evt="onBegin" delay="0">
-                          <p:tn val="2"/>
-                        </p:cond>
-                      </p:stCondLst>
-                      <p:childTnLst>
-                        <p:par>
-                          <p:cTn id="4" fill="hold">
-                            <p:stCondLst>
-                              <p:cond delay="0"/>
-                            </p:stCondLst>
-                            <p:childTnLst>
-                              <p:par>
-                                <p:cTn id="5" presetID="2" presetClass="entr" presetSubtype="4" fill="hold" grpId="0" nodeType="afterEffect">
-                                  <p:stCondLst>
-                                    <p:cond delay="0"/>
-                                  </p:stCondLst>
-                                  <p:childTnLst>
-                                    <p:set>
-                                      <p:cBhvr>
-                                        <p:cTn id="6" dur="1" fill="hold">
-                                          <p:stCondLst>
-                                            <p:cond delay="0"/>
-                                          </p:stCondLst>
-                                        </p:cTn>
-                                        <p:tgtEl>
-                                          <p:spTgt spid="28"/>
-                                        </p:tgtEl>
-                                        <p:attrNameLst>
-                                          <p:attrName>style.visibility</p:attrName>
-                                        </p:attrNameLst>
-                                      </p:cBhvr>
-                                      <p:to>
-                                        <p:strVal val="visible"/>
-                                      </p:to>
-                                    </p:set>
-                                    <p:anim calcmode="lin" valueType="num">
-                                      <p:cBhvr additive="base">
-                                        <p:cTn id="7" dur="500" fill="hold"/>
-                                        <p:tgtEl>
-                                          <p:spTgt spid="28"/>
-                                        </p:tgtEl>
-                                        <p:attrNameLst>
-                                          <p:attrName>ppt_x</p:attrName>
-                                        </p:attrNameLst>
-                                      </p:cBhvr>
-                                      <p:tavLst>
-                                        <p:tav tm="0">
-                                          <p:val>
-                                            <p:strVal val="#ppt_x"/>
-                                          </p:val>
-                                        </p:tav>
-                                        <p:tav tm="100000">
-                                          <p:val>
-                                            <p:strVal val="#ppt_x"/>
-                                          </p:val>
-                                        </p:tav>
-                                      </p:tavLst>
-                                    </p:anim>
-                                    <p:anim calcmode="lin" valueType="num">
-                                      <p:cBhvr additive="base">
-                                        <p:cTn id="8" dur="500" fill="hold"/>
-                                        <p:tgtEl>
-                                          <p:spTgt spid="28"/>
-                                        </p:tgtEl>
-                                        <p:attrNameLst>
-                                          <p:attrName>ppt_y</p:attrName>
-                                        </p:attrNameLst>
-                                      </p:cBhvr>
-                                      <p:tavLst>
-                                        <p:tav tm="0">
-                                          <p:val>
-                                            <p:strVal val="1+#ppt_h/2"/>
-                                          </p:val>
-                                        </p:tav>
-                                        <p:tav tm="100000">
-                                          <p:val>
-                                            <p:strVal val="#ppt_y"/>
-                                          </p:val>
-                                        </p:tav>
-                                      </p:tavLst>
-                                    </p:anim>
-                                  </p:childTnLst>
-                                </p:cTn>
-                              </p:par>
-                            </p:childTnLst>
-                          </p:cTn>
-                        </p:par>
-                        <p:par>
-                          <p:cTn id="9" fill="hold">
-                            <p:stCondLst>
-                              <p:cond delay="500"/>
-                            </p:stCondLst>
-                            <p:childTnLst>
-                              <p:par>
-                                <p:cTn id="10" presetID="18" presetClass="entr" presetSubtype="12" fill="hold" nodeType="afterEffect">
-                                  <p:stCondLst>
-                                    <p:cond delay="0"/>
-                                  </p:stCondLst>
-                                  <p:childTnLst>
-                                    <p:set>
-                                      <p:cBhvr>
-                                        <p:cTn id="11" dur="1" fill="hold">
-                                          <p:stCondLst>
-                                            <p:cond delay="0"/>
-                                          </p:stCondLst>
-                                        </p:cTn>
-                                        <p:tgtEl>
-                                          <p:spTgt spid="11"/>
-                                        </p:tgtEl>
-                                        <p:attrNameLst>
-                                          <p:attrName>style.visibility</p:attrName>
-                                        </p:attrNameLst>
-                                      </p:cBhvr>
-                                      <p:to>
-                                        <p:strVal val="visible"/>
-                                      </p:to>
-                                    </p:set>
-                                    <p:animEffect transition="in" filter="strips(downLeft)">
-                                      <p:cBhvr>
-                                        <p:cTn id="12" dur="500"/>
-                                        <p:tgtEl>
-                                          <p:spTgt spid="11"/>
-                                        </p:tgtEl>
-                                      </p:cBhvr>
-                                    </p:animEffect>
-                                  </p:childTnLst>
-                                </p:cTn>
-                              </p:par>
-                            </p:childTnLst>
-                          </p:cTn>
-                        </p:par>
-                      </p:childTnLst>
-                    </p:cTn>
-                  </p:par>
-                </p:childTnLst>
-              </p:cTn>
-              <p:prevCondLst>
-                <p:cond evt="onPrev" delay="0">
-                  <p:tgtEl>
-                    <p:sldTgt/>
-                  </p:tgtEl>
-                </p:cond>
-              </p:prevCondLst>
-              <p:nextCondLst>
-                <p:cond evt="onNext" delay="0">
-                  <p:tgtEl>
-                    <p:sldTgt/>
-                  </p:tgtEl>
-                </p:cond>
-              </p:nextCondLst>
-            </p:seq>
-          </p:childTnLst>
-        </p:cTn>
-      </p:par>
-    </p:tnLst>
-    <p:bldLst>
-      <p:bldP spid="28" grpId="0"/>
-    </p:bldLst>
-  </p:timing>
-</p:sld>
-</file>
-
-<file path=ppt/slides/slide8.xml><?xml version="1.0" encoding="utf-8"?>
 <p:sld xmlns:a="http://schemas.openxmlformats.org/drawingml/2006/main" xmlns:r="http://schemas.openxmlformats.org/officeDocument/2006/relationships" xmlns:p="http://schemas.openxmlformats.org/presentationml/2006/main">
   <p:cSld>
     <p:spTree>
@@ -23920,7 +27831,7 @@
                   <a:cs typeface="+mn-ea"/>
                   <a:sym typeface="+mn-lt"/>
                 </a:rPr>
-                <a:t>06</a:t>
+                <a:t>05</a:t>
               </a:r>
               <a:endParaRPr lang="zh-CN" altLang="en-US" sz="4800" b="1" dirty="0">
                 <a:solidFill>
@@ -24596,6 +28507,48 @@
           </a:p>
         </p:txBody>
       </p:sp>
+      <p:sp>
+        <p:nvSpPr>
+          <p:cNvPr id="17" name="投影片編號版面配置區 1">
+            <a:extLst>
+              <a:ext uri="{FF2B5EF4-FFF2-40B4-BE49-F238E27FC236}">
+                <a16:creationId xmlns:a16="http://schemas.microsoft.com/office/drawing/2014/main" id="{BB51DF36-7488-4D80-9704-F603B406B198}"/>
+              </a:ext>
+            </a:extLst>
+          </p:cNvPr>
+          <p:cNvSpPr>
+            <a:spLocks noGrp="1"/>
+          </p:cNvSpPr>
+          <p:nvPr>
+            <p:ph type="sldNum" sz="quarter" idx="4"/>
+          </p:nvPr>
+        </p:nvSpPr>
+        <p:spPr>
+          <a:xfrm>
+            <a:off x="6840712" y="4767263"/>
+            <a:ext cx="2057400" cy="274637"/>
+          </a:xfrm>
+        </p:spPr>
+        <p:txBody>
+          <a:bodyPr/>
+          <a:lstStyle/>
+          <a:p>
+            <a:fld id="{9495EA4E-3D33-45DE-B4D9-3F7D650B8951}" type="slidenum">
+              <a:rPr lang="zh-CN" altLang="en-US" smtClean="0"/>
+              <a:t>6</a:t>
+            </a:fld>
+            <a:r>
+              <a:rPr lang="zh-CN" altLang="en-US" dirty="0"/>
+              <a:t> </a:t>
+            </a:r>
+            <a:r>
+              <a:rPr lang="en-US" altLang="zh-CN" dirty="0"/>
+              <a:t>/ 9</a:t>
+            </a:r>
+            <a:endParaRPr lang="zh-CN" altLang="en-US" dirty="0"/>
+          </a:p>
+        </p:txBody>
+      </p:sp>
     </p:spTree>
     <p:extLst>
       <p:ext uri="{BB962C8B-B14F-4D97-AF65-F5344CB8AC3E}">
@@ -25243,6 +29196,2153 @@
       <p:bldP spid="30" grpId="0" animBg="1"/>
       <p:bldP spid="31" grpId="0" animBg="1"/>
       <p:bldP spid="32" grpId="0" animBg="1"/>
+    </p:bldLst>
+  </p:timing>
+</p:sld>
+</file>
+
+<file path=ppt/slides/slide8.xml><?xml version="1.0" encoding="utf-8"?>
+<p:sld xmlns:a="http://schemas.openxmlformats.org/drawingml/2006/main" xmlns:r="http://schemas.openxmlformats.org/officeDocument/2006/relationships" xmlns:p="http://schemas.openxmlformats.org/presentationml/2006/main">
+  <p:cSld>
+    <p:spTree>
+      <p:nvGrpSpPr>
+        <p:cNvPr id="1" name=""/>
+        <p:cNvGrpSpPr/>
+        <p:nvPr/>
+      </p:nvGrpSpPr>
+      <p:grpSpPr>
+        <a:xfrm>
+          <a:off x="0" y="0"/>
+          <a:ext cx="0" cy="0"/>
+          <a:chOff x="0" y="0"/>
+          <a:chExt cx="0" cy="0"/>
+        </a:xfrm>
+      </p:grpSpPr>
+      <p:pic>
+        <p:nvPicPr>
+          <p:cNvPr id="11" name="圖片 10">
+            <a:extLst>
+              <a:ext uri="{FF2B5EF4-FFF2-40B4-BE49-F238E27FC236}">
+                <a16:creationId xmlns:a16="http://schemas.microsoft.com/office/drawing/2014/main" id="{4D7105D4-B7C4-4C0F-93FE-5E574FD35B3D}"/>
+              </a:ext>
+            </a:extLst>
+          </p:cNvPr>
+          <p:cNvPicPr>
+            <a:picLocks noChangeAspect="1"/>
+          </p:cNvPicPr>
+          <p:nvPr/>
+        </p:nvPicPr>
+        <p:blipFill>
+          <a:blip r:embed="rId3" cstate="print">
+            <a:clrChange>
+              <a:clrFrom>
+                <a:srgbClr val="FFFFFF"/>
+              </a:clrFrom>
+              <a:clrTo>
+                <a:srgbClr val="FFFFFF">
+                  <a:alpha val="0"/>
+                </a:srgbClr>
+              </a:clrTo>
+            </a:clrChange>
+            <a:extLst>
+              <a:ext uri="{28A0092B-C50C-407E-A947-70E740481C1C}">
+                <a14:useLocalDpi xmlns:a14="http://schemas.microsoft.com/office/drawing/2010/main" val="0"/>
+              </a:ext>
+            </a:extLst>
+          </a:blip>
+          <a:stretch>
+            <a:fillRect/>
+          </a:stretch>
+        </p:blipFill>
+        <p:spPr>
+          <a:xfrm>
+            <a:off x="679443" y="868680"/>
+            <a:ext cx="7785115" cy="3962400"/>
+          </a:xfrm>
+          <a:prstGeom prst="rect">
+            <a:avLst/>
+          </a:prstGeom>
+        </p:spPr>
+      </p:pic>
+      <p:sp>
+        <p:nvSpPr>
+          <p:cNvPr id="28" name="矩形 27">
+            <a:extLst>
+              <a:ext uri="{FF2B5EF4-FFF2-40B4-BE49-F238E27FC236}">
+                <a16:creationId xmlns:a16="http://schemas.microsoft.com/office/drawing/2014/main" id="{7D086E42-8410-4C56-B42D-FEB507309FCC}"/>
+              </a:ext>
+            </a:extLst>
+          </p:cNvPr>
+          <p:cNvSpPr/>
+          <p:nvPr/>
+        </p:nvSpPr>
+        <p:spPr>
+          <a:xfrm>
+            <a:off x="3359969" y="210341"/>
+            <a:ext cx="2424062" cy="461665"/>
+          </a:xfrm>
+          <a:prstGeom prst="rect">
+            <a:avLst/>
+          </a:prstGeom>
+        </p:spPr>
+        <p:txBody>
+          <a:bodyPr wrap="none">
+            <a:spAutoFit/>
+          </a:bodyPr>
+          <a:lstStyle/>
+          <a:p>
+            <a:pPr algn="ctr"/>
+            <a:r>
+              <a:rPr lang="zh-TW" altLang="en-US" sz="2400" b="1" dirty="0">
+                <a:solidFill>
+                  <a:schemeClr val="accent1"/>
+                </a:solidFill>
+                <a:cs typeface="+mn-ea"/>
+                <a:sym typeface="+mn-lt"/>
+              </a:rPr>
+              <a:t>模擬公司之架構</a:t>
+            </a:r>
+          </a:p>
+        </p:txBody>
+      </p:sp>
+      <p:sp>
+        <p:nvSpPr>
+          <p:cNvPr id="5" name="投影片編號版面配置區 1">
+            <a:extLst>
+              <a:ext uri="{FF2B5EF4-FFF2-40B4-BE49-F238E27FC236}">
+                <a16:creationId xmlns:a16="http://schemas.microsoft.com/office/drawing/2014/main" id="{10BB058B-B0DD-48C6-9CB0-95F10F399B9B}"/>
+              </a:ext>
+            </a:extLst>
+          </p:cNvPr>
+          <p:cNvSpPr>
+            <a:spLocks noGrp="1"/>
+          </p:cNvSpPr>
+          <p:nvPr>
+            <p:ph type="sldNum" sz="quarter" idx="4"/>
+          </p:nvPr>
+        </p:nvSpPr>
+        <p:spPr>
+          <a:xfrm>
+            <a:off x="6840712" y="4767263"/>
+            <a:ext cx="2057400" cy="274637"/>
+          </a:xfrm>
+        </p:spPr>
+        <p:txBody>
+          <a:bodyPr/>
+          <a:lstStyle/>
+          <a:p>
+            <a:fld id="{9495EA4E-3D33-45DE-B4D9-3F7D650B8951}" type="slidenum">
+              <a:rPr lang="zh-CN" altLang="en-US" smtClean="0"/>
+              <a:t>7</a:t>
+            </a:fld>
+            <a:r>
+              <a:rPr lang="zh-CN" altLang="en-US" dirty="0"/>
+              <a:t> </a:t>
+            </a:r>
+            <a:r>
+              <a:rPr lang="en-US" altLang="zh-CN" dirty="0"/>
+              <a:t>/ 9</a:t>
+            </a:r>
+            <a:endParaRPr lang="zh-CN" altLang="en-US" dirty="0"/>
+          </a:p>
+        </p:txBody>
+      </p:sp>
+    </p:spTree>
+    <p:extLst>
+      <p:ext uri="{BB962C8B-B14F-4D97-AF65-F5344CB8AC3E}">
+        <p14:creationId xmlns:p14="http://schemas.microsoft.com/office/powerpoint/2010/main" val="2536287310"/>
+      </p:ext>
+    </p:extLst>
+  </p:cSld>
+  <p:clrMapOvr>
+    <a:masterClrMapping/>
+  </p:clrMapOvr>
+  <mc:AlternateContent xmlns:mc="http://schemas.openxmlformats.org/markup-compatibility/2006" xmlns:p14="http://schemas.microsoft.com/office/powerpoint/2010/main">
+    <mc:Choice Requires="p14">
+      <p:transition p14:dur="0"/>
+    </mc:Choice>
+    <mc:Fallback xmlns="">
+      <p:transition/>
+    </mc:Fallback>
+  </mc:AlternateContent>
+  <p:timing>
+    <p:tnLst>
+      <p:par>
+        <p:cTn id="1" dur="indefinite" restart="never" nodeType="tmRoot">
+          <p:childTnLst>
+            <p:seq concurrent="1" nextAc="seek">
+              <p:cTn id="2" dur="indefinite" nodeType="mainSeq">
+                <p:childTnLst>
+                  <p:par>
+                    <p:cTn id="3" fill="hold">
+                      <p:stCondLst>
+                        <p:cond delay="indefinite"/>
+                        <p:cond evt="onBegin" delay="0">
+                          <p:tn val="2"/>
+                        </p:cond>
+                      </p:stCondLst>
+                      <p:childTnLst>
+                        <p:par>
+                          <p:cTn id="4" fill="hold">
+                            <p:stCondLst>
+                              <p:cond delay="0"/>
+                            </p:stCondLst>
+                            <p:childTnLst>
+                              <p:par>
+                                <p:cTn id="5" presetID="2" presetClass="entr" presetSubtype="4" fill="hold" grpId="0" nodeType="afterEffect">
+                                  <p:stCondLst>
+                                    <p:cond delay="0"/>
+                                  </p:stCondLst>
+                                  <p:childTnLst>
+                                    <p:set>
+                                      <p:cBhvr>
+                                        <p:cTn id="6" dur="1" fill="hold">
+                                          <p:stCondLst>
+                                            <p:cond delay="0"/>
+                                          </p:stCondLst>
+                                        </p:cTn>
+                                        <p:tgtEl>
+                                          <p:spTgt spid="28"/>
+                                        </p:tgtEl>
+                                        <p:attrNameLst>
+                                          <p:attrName>style.visibility</p:attrName>
+                                        </p:attrNameLst>
+                                      </p:cBhvr>
+                                      <p:to>
+                                        <p:strVal val="visible"/>
+                                      </p:to>
+                                    </p:set>
+                                    <p:anim calcmode="lin" valueType="num">
+                                      <p:cBhvr additive="base">
+                                        <p:cTn id="7" dur="500" fill="hold"/>
+                                        <p:tgtEl>
+                                          <p:spTgt spid="28"/>
+                                        </p:tgtEl>
+                                        <p:attrNameLst>
+                                          <p:attrName>ppt_x</p:attrName>
+                                        </p:attrNameLst>
+                                      </p:cBhvr>
+                                      <p:tavLst>
+                                        <p:tav tm="0">
+                                          <p:val>
+                                            <p:strVal val="#ppt_x"/>
+                                          </p:val>
+                                        </p:tav>
+                                        <p:tav tm="100000">
+                                          <p:val>
+                                            <p:strVal val="#ppt_x"/>
+                                          </p:val>
+                                        </p:tav>
+                                      </p:tavLst>
+                                    </p:anim>
+                                    <p:anim calcmode="lin" valueType="num">
+                                      <p:cBhvr additive="base">
+                                        <p:cTn id="8" dur="500" fill="hold"/>
+                                        <p:tgtEl>
+                                          <p:spTgt spid="28"/>
+                                        </p:tgtEl>
+                                        <p:attrNameLst>
+                                          <p:attrName>ppt_y</p:attrName>
+                                        </p:attrNameLst>
+                                      </p:cBhvr>
+                                      <p:tavLst>
+                                        <p:tav tm="0">
+                                          <p:val>
+                                            <p:strVal val="1+#ppt_h/2"/>
+                                          </p:val>
+                                        </p:tav>
+                                        <p:tav tm="100000">
+                                          <p:val>
+                                            <p:strVal val="#ppt_y"/>
+                                          </p:val>
+                                        </p:tav>
+                                      </p:tavLst>
+                                    </p:anim>
+                                  </p:childTnLst>
+                                </p:cTn>
+                              </p:par>
+                            </p:childTnLst>
+                          </p:cTn>
+                        </p:par>
+                        <p:par>
+                          <p:cTn id="9" fill="hold">
+                            <p:stCondLst>
+                              <p:cond delay="500"/>
+                            </p:stCondLst>
+                            <p:childTnLst>
+                              <p:par>
+                                <p:cTn id="10" presetID="18" presetClass="entr" presetSubtype="12" fill="hold" nodeType="afterEffect">
+                                  <p:stCondLst>
+                                    <p:cond delay="0"/>
+                                  </p:stCondLst>
+                                  <p:childTnLst>
+                                    <p:set>
+                                      <p:cBhvr>
+                                        <p:cTn id="11" dur="1" fill="hold">
+                                          <p:stCondLst>
+                                            <p:cond delay="0"/>
+                                          </p:stCondLst>
+                                        </p:cTn>
+                                        <p:tgtEl>
+                                          <p:spTgt spid="11"/>
+                                        </p:tgtEl>
+                                        <p:attrNameLst>
+                                          <p:attrName>style.visibility</p:attrName>
+                                        </p:attrNameLst>
+                                      </p:cBhvr>
+                                      <p:to>
+                                        <p:strVal val="visible"/>
+                                      </p:to>
+                                    </p:set>
+                                    <p:animEffect transition="in" filter="strips(downLeft)">
+                                      <p:cBhvr>
+                                        <p:cTn id="12" dur="500"/>
+                                        <p:tgtEl>
+                                          <p:spTgt spid="11"/>
+                                        </p:tgtEl>
+                                      </p:cBhvr>
+                                    </p:animEffect>
+                                  </p:childTnLst>
+                                </p:cTn>
+                              </p:par>
+                            </p:childTnLst>
+                          </p:cTn>
+                        </p:par>
+                      </p:childTnLst>
+                    </p:cTn>
+                  </p:par>
+                </p:childTnLst>
+              </p:cTn>
+              <p:prevCondLst>
+                <p:cond evt="onPrev" delay="0">
+                  <p:tgtEl>
+                    <p:sldTgt/>
+                  </p:tgtEl>
+                </p:cond>
+              </p:prevCondLst>
+              <p:nextCondLst>
+                <p:cond evt="onNext" delay="0">
+                  <p:tgtEl>
+                    <p:sldTgt/>
+                  </p:tgtEl>
+                </p:cond>
+              </p:nextCondLst>
+            </p:seq>
+          </p:childTnLst>
+        </p:cTn>
+      </p:par>
+    </p:tnLst>
+    <p:bldLst>
+      <p:bldP spid="28" grpId="0"/>
+    </p:bldLst>
+  </p:timing>
+</p:sld>
+</file>
+
+<file path=ppt/slides/slide9.xml><?xml version="1.0" encoding="utf-8"?>
+<p:sld xmlns:a="http://schemas.openxmlformats.org/drawingml/2006/main" xmlns:r="http://schemas.openxmlformats.org/officeDocument/2006/relationships" xmlns:p="http://schemas.openxmlformats.org/presentationml/2006/main">
+  <p:cSld>
+    <p:spTree>
+      <p:nvGrpSpPr>
+        <p:cNvPr id="1" name=""/>
+        <p:cNvGrpSpPr/>
+        <p:nvPr/>
+      </p:nvGrpSpPr>
+      <p:grpSpPr>
+        <a:xfrm>
+          <a:off x="0" y="0"/>
+          <a:ext cx="0" cy="0"/>
+          <a:chOff x="0" y="0"/>
+          <a:chExt cx="0" cy="0"/>
+        </a:xfrm>
+      </p:grpSpPr>
+      <p:sp>
+        <p:nvSpPr>
+          <p:cNvPr id="2" name="任意多边形: 形状 1"/>
+          <p:cNvSpPr/>
+          <p:nvPr/>
+        </p:nvSpPr>
+        <p:spPr>
+          <a:xfrm>
+            <a:off x="5097500" y="1594782"/>
+            <a:ext cx="3741738" cy="2971802"/>
+          </a:xfrm>
+          <a:custGeom>
+            <a:avLst/>
+            <a:gdLst/>
+            <a:ahLst/>
+            <a:cxnLst/>
+            <a:rect l="0" t="0" r="0" b="0"/>
+            <a:pathLst>
+              <a:path w="3741738" h="2971802">
+                <a:moveTo>
+                  <a:pt x="0" y="0"/>
+                </a:moveTo>
+                <a:lnTo>
+                  <a:pt x="3741737" y="0"/>
+                </a:lnTo>
+                <a:lnTo>
+                  <a:pt x="3741737" y="2971801"/>
+                </a:lnTo>
+                <a:lnTo>
+                  <a:pt x="0" y="2971801"/>
+                </a:lnTo>
+                <a:close/>
+              </a:path>
+            </a:pathLst>
+          </a:custGeom>
+          <a:noFill/>
+          <a:ln w="12700" cap="flat" cmpd="sng" algn="ctr">
+            <a:noFill/>
+            <a:prstDash val="solid"/>
+            <a:miter lim="800000"/>
+          </a:ln>
+          <a:effectLst/>
+          <a:extLst>
+            <a:ext uri="{909E8E84-426E-40DD-AFC4-6F175D3DCCD1}">
+              <a14:hiddenFill xmlns:a14="http://schemas.microsoft.com/office/drawing/2010/main">
+                <a:solidFill>
+                  <a:schemeClr val="accent1"/>
+                </a:solidFill>
+              </a14:hiddenFill>
+            </a:ext>
+            <a:ext uri="{91240B29-F687-4F45-9708-019B960494DF}">
+              <a14:hiddenLine xmlns:a14="http://schemas.microsoft.com/office/drawing/2010/main" w="12700" cap="flat" cmpd="sng" algn="ctr">
+                <a:solidFill>
+                  <a:schemeClr val="accent1">
+                    <a:shade val="50000"/>
+                  </a:schemeClr>
+                </a:solidFill>
+                <a:prstDash val="solid"/>
+                <a:miter lim="800000"/>
+              </a14:hiddenLine>
+            </a:ext>
+          </a:extLst>
+        </p:spPr>
+        <p:style>
+          <a:lnRef idx="2">
+            <a:schemeClr val="accent1">
+              <a:shade val="50000"/>
+            </a:schemeClr>
+          </a:lnRef>
+          <a:fillRef idx="1">
+            <a:schemeClr val="accent1"/>
+          </a:fillRef>
+          <a:effectRef idx="0">
+            <a:schemeClr val="accent1"/>
+          </a:effectRef>
+          <a:fontRef idx="minor">
+            <a:schemeClr val="lt1"/>
+          </a:fontRef>
+        </p:style>
+        <p:txBody>
+          <a:bodyPr rtlCol="0" anchor="ctr"/>
+          <a:lstStyle/>
+          <a:p>
+            <a:pPr algn="ctr"/>
+            <a:endParaRPr lang="zh-CN" altLang="en-US">
+              <a:cs typeface="+mn-ea"/>
+              <a:sym typeface="+mn-lt"/>
+            </a:endParaRPr>
+          </a:p>
+        </p:txBody>
+      </p:sp>
+      <p:sp>
+        <p:nvSpPr>
+          <p:cNvPr id="3" name="任意多边形: 形状 2"/>
+          <p:cNvSpPr/>
+          <p:nvPr/>
+        </p:nvSpPr>
+        <p:spPr>
+          <a:xfrm>
+            <a:off x="5097500" y="1594782"/>
+            <a:ext cx="3741738" cy="2971802"/>
+          </a:xfrm>
+          <a:custGeom>
+            <a:avLst/>
+            <a:gdLst/>
+            <a:ahLst/>
+            <a:cxnLst/>
+            <a:rect l="0" t="0" r="0" b="0"/>
+            <a:pathLst>
+              <a:path w="3741738" h="2971802">
+                <a:moveTo>
+                  <a:pt x="0" y="0"/>
+                </a:moveTo>
+                <a:lnTo>
+                  <a:pt x="3741737" y="0"/>
+                </a:lnTo>
+                <a:lnTo>
+                  <a:pt x="3741737" y="2971801"/>
+                </a:lnTo>
+                <a:lnTo>
+                  <a:pt x="0" y="2971801"/>
+                </a:lnTo>
+                <a:close/>
+              </a:path>
+            </a:pathLst>
+          </a:custGeom>
+          <a:noFill/>
+          <a:ln w="12700" cap="flat" cmpd="sng" algn="ctr">
+            <a:noFill/>
+            <a:prstDash val="solid"/>
+            <a:miter lim="800000"/>
+          </a:ln>
+          <a:effectLst/>
+          <a:extLst>
+            <a:ext uri="{909E8E84-426E-40DD-AFC4-6F175D3DCCD1}">
+              <a14:hiddenFill xmlns:a14="http://schemas.microsoft.com/office/drawing/2010/main">
+                <a:solidFill>
+                  <a:schemeClr val="accent1"/>
+                </a:solidFill>
+              </a14:hiddenFill>
+            </a:ext>
+            <a:ext uri="{91240B29-F687-4F45-9708-019B960494DF}">
+              <a14:hiddenLine xmlns:a14="http://schemas.microsoft.com/office/drawing/2010/main" w="12700" cap="flat" cmpd="sng" algn="ctr">
+                <a:solidFill>
+                  <a:schemeClr val="accent1">
+                    <a:shade val="50000"/>
+                  </a:schemeClr>
+                </a:solidFill>
+                <a:prstDash val="solid"/>
+                <a:miter lim="800000"/>
+              </a14:hiddenLine>
+            </a:ext>
+          </a:extLst>
+        </p:spPr>
+        <p:style>
+          <a:lnRef idx="2">
+            <a:schemeClr val="accent1">
+              <a:shade val="50000"/>
+            </a:schemeClr>
+          </a:lnRef>
+          <a:fillRef idx="1">
+            <a:schemeClr val="accent1"/>
+          </a:fillRef>
+          <a:effectRef idx="0">
+            <a:schemeClr val="accent1"/>
+          </a:effectRef>
+          <a:fontRef idx="minor">
+            <a:schemeClr val="lt1"/>
+          </a:fontRef>
+        </p:style>
+        <p:txBody>
+          <a:bodyPr rtlCol="0" anchor="ctr"/>
+          <a:lstStyle/>
+          <a:p>
+            <a:pPr algn="ctr"/>
+            <a:endParaRPr lang="zh-CN" altLang="en-US">
+              <a:cs typeface="+mn-ea"/>
+              <a:sym typeface="+mn-lt"/>
+            </a:endParaRPr>
+          </a:p>
+        </p:txBody>
+      </p:sp>
+      <p:sp>
+        <p:nvSpPr>
+          <p:cNvPr id="4" name="任意多边形: 形状 3"/>
+          <p:cNvSpPr/>
+          <p:nvPr/>
+        </p:nvSpPr>
+        <p:spPr>
+          <a:xfrm>
+            <a:off x="5097500" y="1594782"/>
+            <a:ext cx="3741738" cy="2971802"/>
+          </a:xfrm>
+          <a:custGeom>
+            <a:avLst/>
+            <a:gdLst/>
+            <a:ahLst/>
+            <a:cxnLst/>
+            <a:rect l="0" t="0" r="0" b="0"/>
+            <a:pathLst>
+              <a:path w="3741738" h="2971802">
+                <a:moveTo>
+                  <a:pt x="0" y="0"/>
+                </a:moveTo>
+                <a:lnTo>
+                  <a:pt x="3741737" y="0"/>
+                </a:lnTo>
+                <a:lnTo>
+                  <a:pt x="3741737" y="2971801"/>
+                </a:lnTo>
+                <a:lnTo>
+                  <a:pt x="0" y="2971801"/>
+                </a:lnTo>
+                <a:close/>
+              </a:path>
+            </a:pathLst>
+          </a:custGeom>
+          <a:noFill/>
+          <a:ln w="12700" cap="flat" cmpd="sng" algn="ctr">
+            <a:noFill/>
+            <a:prstDash val="solid"/>
+            <a:miter lim="800000"/>
+          </a:ln>
+          <a:effectLst/>
+          <a:extLst>
+            <a:ext uri="{909E8E84-426E-40DD-AFC4-6F175D3DCCD1}">
+              <a14:hiddenFill xmlns:a14="http://schemas.microsoft.com/office/drawing/2010/main">
+                <a:solidFill>
+                  <a:schemeClr val="accent1"/>
+                </a:solidFill>
+              </a14:hiddenFill>
+            </a:ext>
+            <a:ext uri="{91240B29-F687-4F45-9708-019B960494DF}">
+              <a14:hiddenLine xmlns:a14="http://schemas.microsoft.com/office/drawing/2010/main" w="12700" cap="flat" cmpd="sng" algn="ctr">
+                <a:solidFill>
+                  <a:schemeClr val="accent1">
+                    <a:shade val="50000"/>
+                  </a:schemeClr>
+                </a:solidFill>
+                <a:prstDash val="solid"/>
+                <a:miter lim="800000"/>
+              </a14:hiddenLine>
+            </a:ext>
+          </a:extLst>
+        </p:spPr>
+        <p:style>
+          <a:lnRef idx="2">
+            <a:schemeClr val="accent1">
+              <a:shade val="50000"/>
+            </a:schemeClr>
+          </a:lnRef>
+          <a:fillRef idx="1">
+            <a:schemeClr val="accent1"/>
+          </a:fillRef>
+          <a:effectRef idx="0">
+            <a:schemeClr val="accent1"/>
+          </a:effectRef>
+          <a:fontRef idx="minor">
+            <a:schemeClr val="lt1"/>
+          </a:fontRef>
+        </p:style>
+        <p:txBody>
+          <a:bodyPr rtlCol="0" anchor="ctr"/>
+          <a:lstStyle/>
+          <a:p>
+            <a:pPr algn="ctr"/>
+            <a:endParaRPr lang="zh-CN" altLang="en-US">
+              <a:cs typeface="+mn-ea"/>
+              <a:sym typeface="+mn-lt"/>
+            </a:endParaRPr>
+          </a:p>
+        </p:txBody>
+      </p:sp>
+      <p:sp>
+        <p:nvSpPr>
+          <p:cNvPr id="5" name="任意多边形: 形状 4"/>
+          <p:cNvSpPr/>
+          <p:nvPr/>
+        </p:nvSpPr>
+        <p:spPr>
+          <a:xfrm>
+            <a:off x="5097500" y="1594782"/>
+            <a:ext cx="3741738" cy="2971802"/>
+          </a:xfrm>
+          <a:custGeom>
+            <a:avLst/>
+            <a:gdLst/>
+            <a:ahLst/>
+            <a:cxnLst/>
+            <a:rect l="0" t="0" r="0" b="0"/>
+            <a:pathLst>
+              <a:path w="3741738" h="2971802">
+                <a:moveTo>
+                  <a:pt x="0" y="0"/>
+                </a:moveTo>
+                <a:lnTo>
+                  <a:pt x="3741737" y="0"/>
+                </a:lnTo>
+                <a:lnTo>
+                  <a:pt x="3741737" y="2971801"/>
+                </a:lnTo>
+                <a:lnTo>
+                  <a:pt x="0" y="2971801"/>
+                </a:lnTo>
+                <a:close/>
+              </a:path>
+            </a:pathLst>
+          </a:custGeom>
+          <a:noFill/>
+          <a:ln w="12700" cap="flat" cmpd="sng" algn="ctr">
+            <a:noFill/>
+            <a:prstDash val="solid"/>
+            <a:miter lim="800000"/>
+          </a:ln>
+          <a:effectLst/>
+          <a:extLst>
+            <a:ext uri="{909E8E84-426E-40DD-AFC4-6F175D3DCCD1}">
+              <a14:hiddenFill xmlns:a14="http://schemas.microsoft.com/office/drawing/2010/main">
+                <a:solidFill>
+                  <a:schemeClr val="accent1"/>
+                </a:solidFill>
+              </a14:hiddenFill>
+            </a:ext>
+            <a:ext uri="{91240B29-F687-4F45-9708-019B960494DF}">
+              <a14:hiddenLine xmlns:a14="http://schemas.microsoft.com/office/drawing/2010/main" w="12700" cap="flat" cmpd="sng" algn="ctr">
+                <a:solidFill>
+                  <a:schemeClr val="accent1">
+                    <a:shade val="50000"/>
+                  </a:schemeClr>
+                </a:solidFill>
+                <a:prstDash val="solid"/>
+                <a:miter lim="800000"/>
+              </a14:hiddenLine>
+            </a:ext>
+          </a:extLst>
+        </p:spPr>
+        <p:style>
+          <a:lnRef idx="2">
+            <a:schemeClr val="accent1">
+              <a:shade val="50000"/>
+            </a:schemeClr>
+          </a:lnRef>
+          <a:fillRef idx="1">
+            <a:schemeClr val="accent1"/>
+          </a:fillRef>
+          <a:effectRef idx="0">
+            <a:schemeClr val="accent1"/>
+          </a:effectRef>
+          <a:fontRef idx="minor">
+            <a:schemeClr val="lt1"/>
+          </a:fontRef>
+        </p:style>
+        <p:txBody>
+          <a:bodyPr rtlCol="0" anchor="ctr"/>
+          <a:lstStyle/>
+          <a:p>
+            <a:pPr algn="ctr"/>
+            <a:endParaRPr lang="zh-CN" altLang="en-US">
+              <a:cs typeface="+mn-ea"/>
+              <a:sym typeface="+mn-lt"/>
+            </a:endParaRPr>
+          </a:p>
+        </p:txBody>
+      </p:sp>
+      <p:sp>
+        <p:nvSpPr>
+          <p:cNvPr id="6" name="任意多边形: 形状 5"/>
+          <p:cNvSpPr/>
+          <p:nvPr/>
+        </p:nvSpPr>
+        <p:spPr>
+          <a:xfrm>
+            <a:off x="5097500" y="1594782"/>
+            <a:ext cx="3741738" cy="2971802"/>
+          </a:xfrm>
+          <a:custGeom>
+            <a:avLst/>
+            <a:gdLst/>
+            <a:ahLst/>
+            <a:cxnLst/>
+            <a:rect l="0" t="0" r="0" b="0"/>
+            <a:pathLst>
+              <a:path w="3741738" h="2971802">
+                <a:moveTo>
+                  <a:pt x="0" y="0"/>
+                </a:moveTo>
+                <a:lnTo>
+                  <a:pt x="3741737" y="0"/>
+                </a:lnTo>
+                <a:lnTo>
+                  <a:pt x="3741737" y="2971801"/>
+                </a:lnTo>
+                <a:lnTo>
+                  <a:pt x="0" y="2971801"/>
+                </a:lnTo>
+                <a:close/>
+              </a:path>
+            </a:pathLst>
+          </a:custGeom>
+          <a:noFill/>
+          <a:ln w="12700" cap="flat" cmpd="sng" algn="ctr">
+            <a:noFill/>
+            <a:prstDash val="solid"/>
+            <a:miter lim="800000"/>
+          </a:ln>
+          <a:effectLst/>
+          <a:extLst>
+            <a:ext uri="{909E8E84-426E-40DD-AFC4-6F175D3DCCD1}">
+              <a14:hiddenFill xmlns:a14="http://schemas.microsoft.com/office/drawing/2010/main">
+                <a:solidFill>
+                  <a:schemeClr val="accent1"/>
+                </a:solidFill>
+              </a14:hiddenFill>
+            </a:ext>
+            <a:ext uri="{91240B29-F687-4F45-9708-019B960494DF}">
+              <a14:hiddenLine xmlns:a14="http://schemas.microsoft.com/office/drawing/2010/main" w="12700" cap="flat" cmpd="sng" algn="ctr">
+                <a:solidFill>
+                  <a:schemeClr val="accent1">
+                    <a:shade val="50000"/>
+                  </a:schemeClr>
+                </a:solidFill>
+                <a:prstDash val="solid"/>
+                <a:miter lim="800000"/>
+              </a14:hiddenLine>
+            </a:ext>
+          </a:extLst>
+        </p:spPr>
+        <p:style>
+          <a:lnRef idx="2">
+            <a:schemeClr val="accent1">
+              <a:shade val="50000"/>
+            </a:schemeClr>
+          </a:lnRef>
+          <a:fillRef idx="1">
+            <a:schemeClr val="accent1"/>
+          </a:fillRef>
+          <a:effectRef idx="0">
+            <a:schemeClr val="accent1"/>
+          </a:effectRef>
+          <a:fontRef idx="minor">
+            <a:schemeClr val="lt1"/>
+          </a:fontRef>
+        </p:style>
+        <p:txBody>
+          <a:bodyPr rtlCol="0" anchor="ctr"/>
+          <a:lstStyle/>
+          <a:p>
+            <a:pPr algn="ctr"/>
+            <a:endParaRPr lang="zh-CN" altLang="en-US">
+              <a:cs typeface="+mn-ea"/>
+              <a:sym typeface="+mn-lt"/>
+            </a:endParaRPr>
+          </a:p>
+        </p:txBody>
+      </p:sp>
+      <p:sp>
+        <p:nvSpPr>
+          <p:cNvPr id="7" name="任意多边形: 形状 6"/>
+          <p:cNvSpPr/>
+          <p:nvPr/>
+        </p:nvSpPr>
+        <p:spPr>
+          <a:xfrm>
+            <a:off x="5097500" y="1594782"/>
+            <a:ext cx="3741738" cy="2971802"/>
+          </a:xfrm>
+          <a:custGeom>
+            <a:avLst/>
+            <a:gdLst/>
+            <a:ahLst/>
+            <a:cxnLst/>
+            <a:rect l="0" t="0" r="0" b="0"/>
+            <a:pathLst>
+              <a:path w="3741738" h="2971802">
+                <a:moveTo>
+                  <a:pt x="0" y="0"/>
+                </a:moveTo>
+                <a:lnTo>
+                  <a:pt x="3741737" y="0"/>
+                </a:lnTo>
+                <a:lnTo>
+                  <a:pt x="3741737" y="2971801"/>
+                </a:lnTo>
+                <a:lnTo>
+                  <a:pt x="0" y="2971801"/>
+                </a:lnTo>
+                <a:close/>
+              </a:path>
+            </a:pathLst>
+          </a:custGeom>
+          <a:noFill/>
+          <a:ln w="12700" cap="flat" cmpd="sng" algn="ctr">
+            <a:noFill/>
+            <a:prstDash val="solid"/>
+            <a:miter lim="800000"/>
+          </a:ln>
+          <a:effectLst/>
+          <a:extLst>
+            <a:ext uri="{909E8E84-426E-40DD-AFC4-6F175D3DCCD1}">
+              <a14:hiddenFill xmlns:a14="http://schemas.microsoft.com/office/drawing/2010/main">
+                <a:solidFill>
+                  <a:schemeClr val="accent1"/>
+                </a:solidFill>
+              </a14:hiddenFill>
+            </a:ext>
+            <a:ext uri="{91240B29-F687-4F45-9708-019B960494DF}">
+              <a14:hiddenLine xmlns:a14="http://schemas.microsoft.com/office/drawing/2010/main" w="12700" cap="flat" cmpd="sng" algn="ctr">
+                <a:solidFill>
+                  <a:schemeClr val="accent1">
+                    <a:shade val="50000"/>
+                  </a:schemeClr>
+                </a:solidFill>
+                <a:prstDash val="solid"/>
+                <a:miter lim="800000"/>
+              </a14:hiddenLine>
+            </a:ext>
+          </a:extLst>
+        </p:spPr>
+        <p:style>
+          <a:lnRef idx="2">
+            <a:schemeClr val="accent1">
+              <a:shade val="50000"/>
+            </a:schemeClr>
+          </a:lnRef>
+          <a:fillRef idx="1">
+            <a:schemeClr val="accent1"/>
+          </a:fillRef>
+          <a:effectRef idx="0">
+            <a:schemeClr val="accent1"/>
+          </a:effectRef>
+          <a:fontRef idx="minor">
+            <a:schemeClr val="lt1"/>
+          </a:fontRef>
+        </p:style>
+        <p:txBody>
+          <a:bodyPr rtlCol="0" anchor="ctr"/>
+          <a:lstStyle/>
+          <a:p>
+            <a:pPr algn="ctr"/>
+            <a:endParaRPr lang="zh-CN" altLang="en-US">
+              <a:cs typeface="+mn-ea"/>
+              <a:sym typeface="+mn-lt"/>
+            </a:endParaRPr>
+          </a:p>
+        </p:txBody>
+      </p:sp>
+      <p:sp>
+        <p:nvSpPr>
+          <p:cNvPr id="28" name="任意多边形: 形状 27"/>
+          <p:cNvSpPr/>
+          <p:nvPr/>
+        </p:nvSpPr>
+        <p:spPr>
+          <a:xfrm>
+            <a:off x="5188040" y="1594782"/>
+            <a:ext cx="3640137" cy="2921002"/>
+          </a:xfrm>
+          <a:custGeom>
+            <a:avLst/>
+            <a:gdLst/>
+            <a:ahLst/>
+            <a:cxnLst/>
+            <a:rect l="0" t="0" r="0" b="0"/>
+            <a:pathLst>
+              <a:path w="3640137" h="2921002">
+                <a:moveTo>
+                  <a:pt x="0" y="0"/>
+                </a:moveTo>
+                <a:lnTo>
+                  <a:pt x="3640136" y="0"/>
+                </a:lnTo>
+                <a:lnTo>
+                  <a:pt x="3640136" y="2921001"/>
+                </a:lnTo>
+                <a:lnTo>
+                  <a:pt x="0" y="2921001"/>
+                </a:lnTo>
+                <a:close/>
+              </a:path>
+            </a:pathLst>
+          </a:custGeom>
+          <a:noFill/>
+          <a:ln w="12700" cap="flat" cmpd="sng" algn="ctr">
+            <a:noFill/>
+            <a:prstDash val="solid"/>
+            <a:miter lim="800000"/>
+          </a:ln>
+          <a:effectLst/>
+          <a:extLst>
+            <a:ext uri="{909E8E84-426E-40DD-AFC4-6F175D3DCCD1}">
+              <a14:hiddenFill xmlns:a14="http://schemas.microsoft.com/office/drawing/2010/main">
+                <a:solidFill>
+                  <a:schemeClr val="accent1"/>
+                </a:solidFill>
+              </a14:hiddenFill>
+            </a:ext>
+            <a:ext uri="{91240B29-F687-4F45-9708-019B960494DF}">
+              <a14:hiddenLine xmlns:a14="http://schemas.microsoft.com/office/drawing/2010/main" w="12700" cap="flat" cmpd="sng" algn="ctr">
+                <a:solidFill>
+                  <a:schemeClr val="accent1">
+                    <a:shade val="50000"/>
+                  </a:schemeClr>
+                </a:solidFill>
+                <a:prstDash val="solid"/>
+                <a:miter lim="800000"/>
+              </a14:hiddenLine>
+            </a:ext>
+          </a:extLst>
+        </p:spPr>
+        <p:style>
+          <a:lnRef idx="2">
+            <a:schemeClr val="accent1">
+              <a:shade val="50000"/>
+            </a:schemeClr>
+          </a:lnRef>
+          <a:fillRef idx="1">
+            <a:schemeClr val="accent1"/>
+          </a:fillRef>
+          <a:effectRef idx="0">
+            <a:schemeClr val="accent1"/>
+          </a:effectRef>
+          <a:fontRef idx="minor">
+            <a:schemeClr val="lt1"/>
+          </a:fontRef>
+        </p:style>
+        <p:txBody>
+          <a:bodyPr rtlCol="0" anchor="ctr"/>
+          <a:lstStyle/>
+          <a:p>
+            <a:pPr algn="ctr"/>
+            <a:endParaRPr lang="zh-CN" altLang="en-US">
+              <a:cs typeface="+mn-ea"/>
+              <a:sym typeface="+mn-lt"/>
+            </a:endParaRPr>
+          </a:p>
+        </p:txBody>
+      </p:sp>
+      <p:sp>
+        <p:nvSpPr>
+          <p:cNvPr id="31" name="矩形 30">
+            <a:extLst>
+              <a:ext uri="{FF2B5EF4-FFF2-40B4-BE49-F238E27FC236}">
+                <a16:creationId xmlns:a16="http://schemas.microsoft.com/office/drawing/2014/main" id="{30BE4192-7DDE-4222-94B1-336A510E50DA}"/>
+              </a:ext>
+            </a:extLst>
+          </p:cNvPr>
+          <p:cNvSpPr/>
+          <p:nvPr/>
+        </p:nvSpPr>
+        <p:spPr>
+          <a:xfrm>
+            <a:off x="3957890" y="210341"/>
+            <a:ext cx="1228221" cy="461665"/>
+          </a:xfrm>
+          <a:prstGeom prst="rect">
+            <a:avLst/>
+          </a:prstGeom>
+        </p:spPr>
+        <p:txBody>
+          <a:bodyPr wrap="none">
+            <a:spAutoFit/>
+          </a:bodyPr>
+          <a:lstStyle/>
+          <a:p>
+            <a:r>
+              <a:rPr lang="en-US" altLang="zh-TW" sz="2400" b="1" dirty="0">
+                <a:solidFill>
+                  <a:schemeClr val="accent1"/>
+                </a:solidFill>
+                <a:cs typeface="+mn-ea"/>
+                <a:sym typeface="+mn-lt"/>
+              </a:rPr>
+              <a:t>06.</a:t>
+            </a:r>
+            <a:r>
+              <a:rPr lang="zh-TW" altLang="en-US" sz="2400" b="1" dirty="0">
+                <a:solidFill>
+                  <a:schemeClr val="accent1"/>
+                </a:solidFill>
+                <a:cs typeface="+mn-ea"/>
+                <a:sym typeface="+mn-lt"/>
+              </a:rPr>
+              <a:t>致謝</a:t>
+            </a:r>
+          </a:p>
+        </p:txBody>
+      </p:sp>
+      <p:grpSp>
+        <p:nvGrpSpPr>
+          <p:cNvPr id="8" name="群組 7">
+            <a:extLst>
+              <a:ext uri="{FF2B5EF4-FFF2-40B4-BE49-F238E27FC236}">
+                <a16:creationId xmlns:a16="http://schemas.microsoft.com/office/drawing/2014/main" id="{74D05FD8-BF88-47BF-8940-CFE0CECE5C42}"/>
+              </a:ext>
+            </a:extLst>
+          </p:cNvPr>
+          <p:cNvGrpSpPr/>
+          <p:nvPr/>
+        </p:nvGrpSpPr>
+        <p:grpSpPr>
+          <a:xfrm>
+            <a:off x="2070112" y="1278153"/>
+            <a:ext cx="5003777" cy="3341912"/>
+            <a:chOff x="1946524" y="1278153"/>
+            <a:chExt cx="5003777" cy="3341912"/>
+          </a:xfrm>
+        </p:grpSpPr>
+        <p:sp>
+          <p:nvSpPr>
+            <p:cNvPr id="26" name="文本框 5"/>
+            <p:cNvSpPr txBox="1">
+              <a:spLocks noChangeArrowheads="1"/>
+            </p:cNvSpPr>
+            <p:nvPr/>
+          </p:nvSpPr>
+          <p:spPr bwMode="auto">
+            <a:xfrm>
+              <a:off x="5186110" y="1278153"/>
+              <a:ext cx="1764189" cy="400110"/>
+            </a:xfrm>
+            <a:prstGeom prst="rect">
+              <a:avLst/>
+            </a:prstGeom>
+            <a:noFill/>
+            <a:ln>
+              <a:noFill/>
+            </a:ln>
+            <a:extLst>
+              <a:ext uri="{909E8E84-426E-40DD-AFC4-6F175D3DCCD1}">
+                <a14:hiddenFill xmlns:a14="http://schemas.microsoft.com/office/drawing/2010/main">
+                  <a:solidFill>
+                    <a:srgbClr val="FFFFFF"/>
+                  </a:solidFill>
+                </a14:hiddenFill>
+              </a:ext>
+              <a:ext uri="{91240B29-F687-4F45-9708-019B960494DF}">
+                <a14:hiddenLine xmlns:a14="http://schemas.microsoft.com/office/drawing/2010/main" w="9525">
+                  <a:solidFill>
+                    <a:srgbClr val="000000"/>
+                  </a:solidFill>
+                  <a:miter lim="800000"/>
+                  <a:headEnd/>
+                  <a:tailEnd/>
+                </a14:hiddenLine>
+              </a:ext>
+            </a:extLst>
+          </p:spPr>
+          <p:txBody>
+            <a:bodyPr wrap="square">
+              <a:spAutoFit/>
+            </a:bodyPr>
+            <a:lstStyle>
+              <a:lvl1pPr>
+                <a:defRPr sz="1300">
+                  <a:solidFill>
+                    <a:schemeClr val="tx1"/>
+                  </a:solidFill>
+                  <a:latin typeface="Calibri Light" panose="020F0302020204030204" pitchFamily="34" charset="0"/>
+                  <a:ea typeface="方正宋刻本秀楷简体" panose="02000000000000000000" pitchFamily="2" charset="-122"/>
+                </a:defRPr>
+              </a:lvl1pPr>
+              <a:lvl2pPr marL="742950" indent="-285750">
+                <a:defRPr sz="1300">
+                  <a:solidFill>
+                    <a:schemeClr val="tx1"/>
+                  </a:solidFill>
+                  <a:latin typeface="Calibri Light" panose="020F0302020204030204" pitchFamily="34" charset="0"/>
+                  <a:ea typeface="方正宋刻本秀楷简体" panose="02000000000000000000" pitchFamily="2" charset="-122"/>
+                </a:defRPr>
+              </a:lvl2pPr>
+              <a:lvl3pPr marL="1143000" indent="-228600">
+                <a:defRPr sz="1300">
+                  <a:solidFill>
+                    <a:schemeClr val="tx1"/>
+                  </a:solidFill>
+                  <a:latin typeface="Calibri Light" panose="020F0302020204030204" pitchFamily="34" charset="0"/>
+                  <a:ea typeface="方正宋刻本秀楷简体" panose="02000000000000000000" pitchFamily="2" charset="-122"/>
+                </a:defRPr>
+              </a:lvl3pPr>
+              <a:lvl4pPr marL="1600200" indent="-228600">
+                <a:defRPr sz="1300">
+                  <a:solidFill>
+                    <a:schemeClr val="tx1"/>
+                  </a:solidFill>
+                  <a:latin typeface="Calibri Light" panose="020F0302020204030204" pitchFamily="34" charset="0"/>
+                  <a:ea typeface="方正宋刻本秀楷简体" panose="02000000000000000000" pitchFamily="2" charset="-122"/>
+                </a:defRPr>
+              </a:lvl4pPr>
+              <a:lvl5pPr marL="2057400" indent="-228600">
+                <a:defRPr sz="1300">
+                  <a:solidFill>
+                    <a:schemeClr val="tx1"/>
+                  </a:solidFill>
+                  <a:latin typeface="Calibri Light" panose="020F0302020204030204" pitchFamily="34" charset="0"/>
+                  <a:ea typeface="方正宋刻本秀楷简体" panose="02000000000000000000" pitchFamily="2" charset="-122"/>
+                </a:defRPr>
+              </a:lvl5pPr>
+              <a:lvl6pPr marL="2514600" indent="-228600" defTabSz="685800" eaLnBrk="0" fontAlgn="base" hangingPunct="0">
+                <a:spcBef>
+                  <a:spcPct val="0"/>
+                </a:spcBef>
+                <a:spcAft>
+                  <a:spcPct val="0"/>
+                </a:spcAft>
+                <a:defRPr sz="1300">
+                  <a:solidFill>
+                    <a:schemeClr val="tx1"/>
+                  </a:solidFill>
+                  <a:latin typeface="Calibri Light" panose="020F0302020204030204" pitchFamily="34" charset="0"/>
+                  <a:ea typeface="方正宋刻本秀楷简体" panose="02000000000000000000" pitchFamily="2" charset="-122"/>
+                </a:defRPr>
+              </a:lvl6pPr>
+              <a:lvl7pPr marL="2971800" indent="-228600" defTabSz="685800" eaLnBrk="0" fontAlgn="base" hangingPunct="0">
+                <a:spcBef>
+                  <a:spcPct val="0"/>
+                </a:spcBef>
+                <a:spcAft>
+                  <a:spcPct val="0"/>
+                </a:spcAft>
+                <a:defRPr sz="1300">
+                  <a:solidFill>
+                    <a:schemeClr val="tx1"/>
+                  </a:solidFill>
+                  <a:latin typeface="Calibri Light" panose="020F0302020204030204" pitchFamily="34" charset="0"/>
+                  <a:ea typeface="方正宋刻本秀楷简体" panose="02000000000000000000" pitchFamily="2" charset="-122"/>
+                </a:defRPr>
+              </a:lvl7pPr>
+              <a:lvl8pPr marL="3429000" indent="-228600" defTabSz="685800" eaLnBrk="0" fontAlgn="base" hangingPunct="0">
+                <a:spcBef>
+                  <a:spcPct val="0"/>
+                </a:spcBef>
+                <a:spcAft>
+                  <a:spcPct val="0"/>
+                </a:spcAft>
+                <a:defRPr sz="1300">
+                  <a:solidFill>
+                    <a:schemeClr val="tx1"/>
+                  </a:solidFill>
+                  <a:latin typeface="Calibri Light" panose="020F0302020204030204" pitchFamily="34" charset="0"/>
+                  <a:ea typeface="方正宋刻本秀楷简体" panose="02000000000000000000" pitchFamily="2" charset="-122"/>
+                </a:defRPr>
+              </a:lvl8pPr>
+              <a:lvl9pPr marL="3886200" indent="-228600" defTabSz="685800" eaLnBrk="0" fontAlgn="base" hangingPunct="0">
+                <a:spcBef>
+                  <a:spcPct val="0"/>
+                </a:spcBef>
+                <a:spcAft>
+                  <a:spcPct val="0"/>
+                </a:spcAft>
+                <a:defRPr sz="1300">
+                  <a:solidFill>
+                    <a:schemeClr val="tx1"/>
+                  </a:solidFill>
+                  <a:latin typeface="Calibri Light" panose="020F0302020204030204" pitchFamily="34" charset="0"/>
+                  <a:ea typeface="方正宋刻本秀楷简体" panose="02000000000000000000" pitchFamily="2" charset="-122"/>
+                </a:defRPr>
+              </a:lvl9pPr>
+            </a:lstStyle>
+            <a:p>
+              <a:pPr algn="ctr" fontAlgn="base">
+                <a:spcBef>
+                  <a:spcPct val="0"/>
+                </a:spcBef>
+                <a:spcAft>
+                  <a:spcPct val="0"/>
+                </a:spcAft>
+                <a:defRPr/>
+              </a:pPr>
+              <a:r>
+                <a:rPr lang="zh-TW" altLang="en-US" sz="2000" b="1" dirty="0">
+                  <a:solidFill>
+                    <a:srgbClr val="27506E"/>
+                  </a:solidFill>
+                  <a:latin typeface="+mn-lt"/>
+                  <a:ea typeface="+mn-ea"/>
+                  <a:cs typeface="+mn-ea"/>
+                  <a:sym typeface="+mn-lt"/>
+                </a:rPr>
+                <a:t>指導老師</a:t>
+              </a:r>
+              <a:endParaRPr lang="zh-CN" altLang="en-US" sz="2000" b="1" dirty="0">
+                <a:solidFill>
+                  <a:srgbClr val="27506E"/>
+                </a:solidFill>
+                <a:latin typeface="+mn-lt"/>
+                <a:ea typeface="+mn-ea"/>
+                <a:cs typeface="+mn-ea"/>
+                <a:sym typeface="+mn-lt"/>
+              </a:endParaRPr>
+            </a:p>
+          </p:txBody>
+        </p:sp>
+        <p:sp>
+          <p:nvSpPr>
+            <p:cNvPr id="17" name="矩形 16"/>
+            <p:cNvSpPr/>
+            <p:nvPr/>
+          </p:nvSpPr>
+          <p:spPr>
+            <a:xfrm>
+              <a:off x="5186112" y="1903937"/>
+              <a:ext cx="1764189" cy="2716128"/>
+            </a:xfrm>
+            <a:prstGeom prst="rect">
+              <a:avLst/>
+            </a:prstGeom>
+          </p:spPr>
+          <p:txBody>
+            <a:bodyPr wrap="square">
+              <a:spAutoFit/>
+            </a:bodyPr>
+            <a:lstStyle/>
+            <a:p>
+              <a:r>
+                <a:rPr lang="zh-TW" altLang="en-US" sz="2000" dirty="0">
+                  <a:cs typeface="+mn-ea"/>
+                  <a:sym typeface="+mn-lt"/>
+                </a:rPr>
+                <a:t>王芳芳　老師</a:t>
+              </a:r>
+              <a:endParaRPr lang="en-US" altLang="zh-TW" sz="2000" dirty="0">
+                <a:cs typeface="+mn-ea"/>
+                <a:sym typeface="+mn-lt"/>
+              </a:endParaRPr>
+            </a:p>
+            <a:p>
+              <a:endParaRPr lang="en-US" altLang="zh-TW" sz="1000" dirty="0">
+                <a:cs typeface="+mn-ea"/>
+                <a:sym typeface="+mn-lt"/>
+              </a:endParaRPr>
+            </a:p>
+            <a:p>
+              <a:r>
+                <a:rPr lang="zh-TW" altLang="en-US" sz="2000" dirty="0">
+                  <a:cs typeface="+mn-ea"/>
+                  <a:sym typeface="+mn-lt"/>
+                </a:rPr>
+                <a:t>王寧疆　老師</a:t>
+              </a:r>
+              <a:endParaRPr lang="en-US" altLang="zh-TW" sz="2000" dirty="0">
+                <a:cs typeface="+mn-ea"/>
+                <a:sym typeface="+mn-lt"/>
+              </a:endParaRPr>
+            </a:p>
+            <a:p>
+              <a:endParaRPr lang="en-US" altLang="zh-TW" sz="1000" dirty="0">
+                <a:cs typeface="+mn-ea"/>
+                <a:sym typeface="+mn-lt"/>
+              </a:endParaRPr>
+            </a:p>
+            <a:p>
+              <a:r>
+                <a:rPr lang="zh-TW" altLang="en-US" sz="2000" dirty="0">
+                  <a:cs typeface="+mn-ea"/>
+                  <a:sym typeface="+mn-lt"/>
+                </a:rPr>
+                <a:t>紀宜昕　老師</a:t>
+              </a:r>
+              <a:endParaRPr lang="en-US" altLang="zh-TW" sz="2000" dirty="0">
+                <a:cs typeface="+mn-ea"/>
+                <a:sym typeface="+mn-lt"/>
+              </a:endParaRPr>
+            </a:p>
+            <a:p>
+              <a:endParaRPr lang="en-US" altLang="zh-TW" sz="1000" dirty="0">
+                <a:cs typeface="+mn-ea"/>
+                <a:sym typeface="+mn-lt"/>
+              </a:endParaRPr>
+            </a:p>
+            <a:p>
+              <a:r>
+                <a:rPr lang="zh-TW" altLang="en-US" sz="2000" dirty="0">
+                  <a:cs typeface="+mn-ea"/>
+                  <a:sym typeface="+mn-lt"/>
+                </a:rPr>
+                <a:t>陳銀華　老師</a:t>
+              </a:r>
+              <a:endParaRPr lang="en-US" altLang="zh-TW" sz="2000" dirty="0">
+                <a:cs typeface="+mn-ea"/>
+                <a:sym typeface="+mn-lt"/>
+              </a:endParaRPr>
+            </a:p>
+            <a:p>
+              <a:endParaRPr lang="en-US" altLang="zh-TW" sz="1000" dirty="0">
+                <a:cs typeface="+mn-ea"/>
+                <a:sym typeface="+mn-lt"/>
+              </a:endParaRPr>
+            </a:p>
+            <a:p>
+              <a:r>
+                <a:rPr lang="zh-TW" altLang="en-US" sz="2000" dirty="0">
+                  <a:cs typeface="+mn-ea"/>
+                  <a:sym typeface="+mn-lt"/>
+                </a:rPr>
+                <a:t>黃昭龍　老師</a:t>
+              </a:r>
+              <a:endParaRPr lang="en-US" altLang="zh-TW" sz="2000" dirty="0">
+                <a:cs typeface="+mn-ea"/>
+                <a:sym typeface="+mn-lt"/>
+              </a:endParaRPr>
+            </a:p>
+            <a:p>
+              <a:endParaRPr lang="en-US" altLang="zh-TW" sz="1000" dirty="0">
+                <a:cs typeface="+mn-ea"/>
+                <a:sym typeface="+mn-lt"/>
+              </a:endParaRPr>
+            </a:p>
+            <a:p>
+              <a:r>
+                <a:rPr lang="zh-TW" altLang="en-US" sz="2000" dirty="0">
+                  <a:cs typeface="+mn-ea"/>
+                  <a:sym typeface="+mn-lt"/>
+                </a:rPr>
+                <a:t>王</a:t>
+              </a:r>
+              <a:r>
+                <a:rPr lang="zh-TW" altLang="en-US" sz="2000" dirty="0"/>
+                <a:t>孝弘　</a:t>
+              </a:r>
+              <a:r>
+                <a:rPr lang="zh-TW" altLang="en-US" sz="2000" dirty="0">
+                  <a:cs typeface="+mn-ea"/>
+                  <a:sym typeface="+mn-lt"/>
+                </a:rPr>
+                <a:t>老師</a:t>
+              </a:r>
+              <a:endParaRPr lang="zh-CN" altLang="en-US" sz="2000" dirty="0">
+                <a:cs typeface="+mn-ea"/>
+                <a:sym typeface="+mn-lt"/>
+              </a:endParaRPr>
+            </a:p>
+          </p:txBody>
+        </p:sp>
+        <p:sp>
+          <p:nvSpPr>
+            <p:cNvPr id="32" name="文本框 5">
+              <a:extLst>
+                <a:ext uri="{FF2B5EF4-FFF2-40B4-BE49-F238E27FC236}">
+                  <a16:creationId xmlns:a16="http://schemas.microsoft.com/office/drawing/2014/main" id="{E1033A7B-FA3F-4DF7-A529-65521B7FDE45}"/>
+                </a:ext>
+              </a:extLst>
+            </p:cNvPr>
+            <p:cNvSpPr txBox="1">
+              <a:spLocks noChangeArrowheads="1"/>
+            </p:cNvSpPr>
+            <p:nvPr/>
+          </p:nvSpPr>
+          <p:spPr bwMode="auto">
+            <a:xfrm>
+              <a:off x="1997323" y="1278153"/>
+              <a:ext cx="1822835" cy="400110"/>
+            </a:xfrm>
+            <a:prstGeom prst="rect">
+              <a:avLst/>
+            </a:prstGeom>
+            <a:noFill/>
+            <a:ln>
+              <a:noFill/>
+            </a:ln>
+            <a:extLst>
+              <a:ext uri="{909E8E84-426E-40DD-AFC4-6F175D3DCCD1}">
+                <a14:hiddenFill xmlns:a14="http://schemas.microsoft.com/office/drawing/2010/main">
+                  <a:solidFill>
+                    <a:srgbClr val="FFFFFF"/>
+                  </a:solidFill>
+                </a14:hiddenFill>
+              </a:ext>
+              <a:ext uri="{91240B29-F687-4F45-9708-019B960494DF}">
+                <a14:hiddenLine xmlns:a14="http://schemas.microsoft.com/office/drawing/2010/main" w="9525">
+                  <a:solidFill>
+                    <a:srgbClr val="000000"/>
+                  </a:solidFill>
+                  <a:miter lim="800000"/>
+                  <a:headEnd/>
+                  <a:tailEnd/>
+                </a14:hiddenLine>
+              </a:ext>
+            </a:extLst>
+          </p:spPr>
+          <p:txBody>
+            <a:bodyPr wrap="square">
+              <a:spAutoFit/>
+            </a:bodyPr>
+            <a:lstStyle>
+              <a:lvl1pPr>
+                <a:defRPr sz="1300">
+                  <a:solidFill>
+                    <a:schemeClr val="tx1"/>
+                  </a:solidFill>
+                  <a:latin typeface="Calibri Light" panose="020F0302020204030204" pitchFamily="34" charset="0"/>
+                  <a:ea typeface="方正宋刻本秀楷简体" panose="02000000000000000000" pitchFamily="2" charset="-122"/>
+                </a:defRPr>
+              </a:lvl1pPr>
+              <a:lvl2pPr marL="742950" indent="-285750">
+                <a:defRPr sz="1300">
+                  <a:solidFill>
+                    <a:schemeClr val="tx1"/>
+                  </a:solidFill>
+                  <a:latin typeface="Calibri Light" panose="020F0302020204030204" pitchFamily="34" charset="0"/>
+                  <a:ea typeface="方正宋刻本秀楷简体" panose="02000000000000000000" pitchFamily="2" charset="-122"/>
+                </a:defRPr>
+              </a:lvl2pPr>
+              <a:lvl3pPr marL="1143000" indent="-228600">
+                <a:defRPr sz="1300">
+                  <a:solidFill>
+                    <a:schemeClr val="tx1"/>
+                  </a:solidFill>
+                  <a:latin typeface="Calibri Light" panose="020F0302020204030204" pitchFamily="34" charset="0"/>
+                  <a:ea typeface="方正宋刻本秀楷简体" panose="02000000000000000000" pitchFamily="2" charset="-122"/>
+                </a:defRPr>
+              </a:lvl3pPr>
+              <a:lvl4pPr marL="1600200" indent="-228600">
+                <a:defRPr sz="1300">
+                  <a:solidFill>
+                    <a:schemeClr val="tx1"/>
+                  </a:solidFill>
+                  <a:latin typeface="Calibri Light" panose="020F0302020204030204" pitchFamily="34" charset="0"/>
+                  <a:ea typeface="方正宋刻本秀楷简体" panose="02000000000000000000" pitchFamily="2" charset="-122"/>
+                </a:defRPr>
+              </a:lvl4pPr>
+              <a:lvl5pPr marL="2057400" indent="-228600">
+                <a:defRPr sz="1300">
+                  <a:solidFill>
+                    <a:schemeClr val="tx1"/>
+                  </a:solidFill>
+                  <a:latin typeface="Calibri Light" panose="020F0302020204030204" pitchFamily="34" charset="0"/>
+                  <a:ea typeface="方正宋刻本秀楷简体" panose="02000000000000000000" pitchFamily="2" charset="-122"/>
+                </a:defRPr>
+              </a:lvl5pPr>
+              <a:lvl6pPr marL="2514600" indent="-228600" defTabSz="685800" eaLnBrk="0" fontAlgn="base" hangingPunct="0">
+                <a:spcBef>
+                  <a:spcPct val="0"/>
+                </a:spcBef>
+                <a:spcAft>
+                  <a:spcPct val="0"/>
+                </a:spcAft>
+                <a:defRPr sz="1300">
+                  <a:solidFill>
+                    <a:schemeClr val="tx1"/>
+                  </a:solidFill>
+                  <a:latin typeface="Calibri Light" panose="020F0302020204030204" pitchFamily="34" charset="0"/>
+                  <a:ea typeface="方正宋刻本秀楷简体" panose="02000000000000000000" pitchFamily="2" charset="-122"/>
+                </a:defRPr>
+              </a:lvl6pPr>
+              <a:lvl7pPr marL="2971800" indent="-228600" defTabSz="685800" eaLnBrk="0" fontAlgn="base" hangingPunct="0">
+                <a:spcBef>
+                  <a:spcPct val="0"/>
+                </a:spcBef>
+                <a:spcAft>
+                  <a:spcPct val="0"/>
+                </a:spcAft>
+                <a:defRPr sz="1300">
+                  <a:solidFill>
+                    <a:schemeClr val="tx1"/>
+                  </a:solidFill>
+                  <a:latin typeface="Calibri Light" panose="020F0302020204030204" pitchFamily="34" charset="0"/>
+                  <a:ea typeface="方正宋刻本秀楷简体" panose="02000000000000000000" pitchFamily="2" charset="-122"/>
+                </a:defRPr>
+              </a:lvl7pPr>
+              <a:lvl8pPr marL="3429000" indent="-228600" defTabSz="685800" eaLnBrk="0" fontAlgn="base" hangingPunct="0">
+                <a:spcBef>
+                  <a:spcPct val="0"/>
+                </a:spcBef>
+                <a:spcAft>
+                  <a:spcPct val="0"/>
+                </a:spcAft>
+                <a:defRPr sz="1300">
+                  <a:solidFill>
+                    <a:schemeClr val="tx1"/>
+                  </a:solidFill>
+                  <a:latin typeface="Calibri Light" panose="020F0302020204030204" pitchFamily="34" charset="0"/>
+                  <a:ea typeface="方正宋刻本秀楷简体" panose="02000000000000000000" pitchFamily="2" charset="-122"/>
+                </a:defRPr>
+              </a:lvl8pPr>
+              <a:lvl9pPr marL="3886200" indent="-228600" defTabSz="685800" eaLnBrk="0" fontAlgn="base" hangingPunct="0">
+                <a:spcBef>
+                  <a:spcPct val="0"/>
+                </a:spcBef>
+                <a:spcAft>
+                  <a:spcPct val="0"/>
+                </a:spcAft>
+                <a:defRPr sz="1300">
+                  <a:solidFill>
+                    <a:schemeClr val="tx1"/>
+                  </a:solidFill>
+                  <a:latin typeface="Calibri Light" panose="020F0302020204030204" pitchFamily="34" charset="0"/>
+                  <a:ea typeface="方正宋刻本秀楷简体" panose="02000000000000000000" pitchFamily="2" charset="-122"/>
+                </a:defRPr>
+              </a:lvl9pPr>
+            </a:lstStyle>
+            <a:p>
+              <a:pPr algn="ctr" fontAlgn="base">
+                <a:spcBef>
+                  <a:spcPct val="0"/>
+                </a:spcBef>
+                <a:spcAft>
+                  <a:spcPct val="0"/>
+                </a:spcAft>
+                <a:defRPr/>
+              </a:pPr>
+              <a:r>
+                <a:rPr lang="zh-TW" altLang="en-US" sz="2000" b="1" dirty="0">
+                  <a:solidFill>
+                    <a:srgbClr val="27506E"/>
+                  </a:solidFill>
+                  <a:latin typeface="+mn-lt"/>
+                  <a:ea typeface="+mn-ea"/>
+                  <a:cs typeface="+mn-ea"/>
+                  <a:sym typeface="+mn-lt"/>
+                </a:rPr>
+                <a:t>班級導師</a:t>
+              </a:r>
+              <a:endParaRPr lang="zh-CN" altLang="en-US" sz="2000" b="1" dirty="0">
+                <a:solidFill>
+                  <a:srgbClr val="27506E"/>
+                </a:solidFill>
+                <a:latin typeface="+mn-lt"/>
+                <a:ea typeface="+mn-ea"/>
+                <a:cs typeface="+mn-ea"/>
+                <a:sym typeface="+mn-lt"/>
+              </a:endParaRPr>
+            </a:p>
+          </p:txBody>
+        </p:sp>
+        <p:sp>
+          <p:nvSpPr>
+            <p:cNvPr id="33" name="矩形 32">
+              <a:extLst>
+                <a:ext uri="{FF2B5EF4-FFF2-40B4-BE49-F238E27FC236}">
+                  <a16:creationId xmlns:a16="http://schemas.microsoft.com/office/drawing/2014/main" id="{F9EFAFDB-3CA5-423D-B24F-A52B1AB65D49}"/>
+                </a:ext>
+              </a:extLst>
+            </p:cNvPr>
+            <p:cNvSpPr/>
+            <p:nvPr/>
+          </p:nvSpPr>
+          <p:spPr>
+            <a:xfrm>
+              <a:off x="1997324" y="1953198"/>
+              <a:ext cx="1822835" cy="400110"/>
+            </a:xfrm>
+            <a:prstGeom prst="rect">
+              <a:avLst/>
+            </a:prstGeom>
+          </p:spPr>
+          <p:txBody>
+            <a:bodyPr wrap="square">
+              <a:spAutoFit/>
+            </a:bodyPr>
+            <a:lstStyle/>
+            <a:p>
+              <a:pPr algn="ctr"/>
+              <a:r>
+                <a:rPr lang="zh-TW" altLang="en-US" sz="2000" dirty="0">
+                  <a:cs typeface="+mn-ea"/>
+                  <a:sym typeface="+mn-lt"/>
+                </a:rPr>
+                <a:t>吳怡慧　老師</a:t>
+              </a:r>
+              <a:endParaRPr lang="zh-CN" altLang="en-US" sz="2000" dirty="0">
+                <a:cs typeface="+mn-ea"/>
+                <a:sym typeface="+mn-lt"/>
+              </a:endParaRPr>
+            </a:p>
+          </p:txBody>
+        </p:sp>
+        <p:sp>
+          <p:nvSpPr>
+            <p:cNvPr id="40" name="文本框 5">
+              <a:extLst>
+                <a:ext uri="{FF2B5EF4-FFF2-40B4-BE49-F238E27FC236}">
+                  <a16:creationId xmlns:a16="http://schemas.microsoft.com/office/drawing/2014/main" id="{02038B13-FBCB-4B0F-932F-BE3416F7E986}"/>
+                </a:ext>
+              </a:extLst>
+            </p:cNvPr>
+            <p:cNvSpPr txBox="1">
+              <a:spLocks noChangeArrowheads="1"/>
+            </p:cNvSpPr>
+            <p:nvPr/>
+          </p:nvSpPr>
+          <p:spPr bwMode="auto">
+            <a:xfrm>
+              <a:off x="1946524" y="3083246"/>
+              <a:ext cx="1822834" cy="400110"/>
+            </a:xfrm>
+            <a:prstGeom prst="rect">
+              <a:avLst/>
+            </a:prstGeom>
+            <a:noFill/>
+            <a:ln>
+              <a:noFill/>
+            </a:ln>
+            <a:extLst>
+              <a:ext uri="{909E8E84-426E-40DD-AFC4-6F175D3DCCD1}">
+                <a14:hiddenFill xmlns:a14="http://schemas.microsoft.com/office/drawing/2010/main">
+                  <a:solidFill>
+                    <a:srgbClr val="FFFFFF"/>
+                  </a:solidFill>
+                </a14:hiddenFill>
+              </a:ext>
+              <a:ext uri="{91240B29-F687-4F45-9708-019B960494DF}">
+                <a14:hiddenLine xmlns:a14="http://schemas.microsoft.com/office/drawing/2010/main" w="9525">
+                  <a:solidFill>
+                    <a:srgbClr val="000000"/>
+                  </a:solidFill>
+                  <a:miter lim="800000"/>
+                  <a:headEnd/>
+                  <a:tailEnd/>
+                </a14:hiddenLine>
+              </a:ext>
+            </a:extLst>
+          </p:spPr>
+          <p:txBody>
+            <a:bodyPr wrap="square">
+              <a:spAutoFit/>
+            </a:bodyPr>
+            <a:lstStyle>
+              <a:lvl1pPr>
+                <a:defRPr sz="1300">
+                  <a:solidFill>
+                    <a:schemeClr val="tx1"/>
+                  </a:solidFill>
+                  <a:latin typeface="Calibri Light" panose="020F0302020204030204" pitchFamily="34" charset="0"/>
+                  <a:ea typeface="方正宋刻本秀楷简体" panose="02000000000000000000" pitchFamily="2" charset="-122"/>
+                </a:defRPr>
+              </a:lvl1pPr>
+              <a:lvl2pPr marL="742950" indent="-285750">
+                <a:defRPr sz="1300">
+                  <a:solidFill>
+                    <a:schemeClr val="tx1"/>
+                  </a:solidFill>
+                  <a:latin typeface="Calibri Light" panose="020F0302020204030204" pitchFamily="34" charset="0"/>
+                  <a:ea typeface="方正宋刻本秀楷简体" panose="02000000000000000000" pitchFamily="2" charset="-122"/>
+                </a:defRPr>
+              </a:lvl2pPr>
+              <a:lvl3pPr marL="1143000" indent="-228600">
+                <a:defRPr sz="1300">
+                  <a:solidFill>
+                    <a:schemeClr val="tx1"/>
+                  </a:solidFill>
+                  <a:latin typeface="Calibri Light" panose="020F0302020204030204" pitchFamily="34" charset="0"/>
+                  <a:ea typeface="方正宋刻本秀楷简体" panose="02000000000000000000" pitchFamily="2" charset="-122"/>
+                </a:defRPr>
+              </a:lvl3pPr>
+              <a:lvl4pPr marL="1600200" indent="-228600">
+                <a:defRPr sz="1300">
+                  <a:solidFill>
+                    <a:schemeClr val="tx1"/>
+                  </a:solidFill>
+                  <a:latin typeface="Calibri Light" panose="020F0302020204030204" pitchFamily="34" charset="0"/>
+                  <a:ea typeface="方正宋刻本秀楷简体" panose="02000000000000000000" pitchFamily="2" charset="-122"/>
+                </a:defRPr>
+              </a:lvl4pPr>
+              <a:lvl5pPr marL="2057400" indent="-228600">
+                <a:defRPr sz="1300">
+                  <a:solidFill>
+                    <a:schemeClr val="tx1"/>
+                  </a:solidFill>
+                  <a:latin typeface="Calibri Light" panose="020F0302020204030204" pitchFamily="34" charset="0"/>
+                  <a:ea typeface="方正宋刻本秀楷简体" panose="02000000000000000000" pitchFamily="2" charset="-122"/>
+                </a:defRPr>
+              </a:lvl5pPr>
+              <a:lvl6pPr marL="2514600" indent="-228600" defTabSz="685800" eaLnBrk="0" fontAlgn="base" hangingPunct="0">
+                <a:spcBef>
+                  <a:spcPct val="0"/>
+                </a:spcBef>
+                <a:spcAft>
+                  <a:spcPct val="0"/>
+                </a:spcAft>
+                <a:defRPr sz="1300">
+                  <a:solidFill>
+                    <a:schemeClr val="tx1"/>
+                  </a:solidFill>
+                  <a:latin typeface="Calibri Light" panose="020F0302020204030204" pitchFamily="34" charset="0"/>
+                  <a:ea typeface="方正宋刻本秀楷简体" panose="02000000000000000000" pitchFamily="2" charset="-122"/>
+                </a:defRPr>
+              </a:lvl6pPr>
+              <a:lvl7pPr marL="2971800" indent="-228600" defTabSz="685800" eaLnBrk="0" fontAlgn="base" hangingPunct="0">
+                <a:spcBef>
+                  <a:spcPct val="0"/>
+                </a:spcBef>
+                <a:spcAft>
+                  <a:spcPct val="0"/>
+                </a:spcAft>
+                <a:defRPr sz="1300">
+                  <a:solidFill>
+                    <a:schemeClr val="tx1"/>
+                  </a:solidFill>
+                  <a:latin typeface="Calibri Light" panose="020F0302020204030204" pitchFamily="34" charset="0"/>
+                  <a:ea typeface="方正宋刻本秀楷简体" panose="02000000000000000000" pitchFamily="2" charset="-122"/>
+                </a:defRPr>
+              </a:lvl7pPr>
+              <a:lvl8pPr marL="3429000" indent="-228600" defTabSz="685800" eaLnBrk="0" fontAlgn="base" hangingPunct="0">
+                <a:spcBef>
+                  <a:spcPct val="0"/>
+                </a:spcBef>
+                <a:spcAft>
+                  <a:spcPct val="0"/>
+                </a:spcAft>
+                <a:defRPr sz="1300">
+                  <a:solidFill>
+                    <a:schemeClr val="tx1"/>
+                  </a:solidFill>
+                  <a:latin typeface="Calibri Light" panose="020F0302020204030204" pitchFamily="34" charset="0"/>
+                  <a:ea typeface="方正宋刻本秀楷简体" panose="02000000000000000000" pitchFamily="2" charset="-122"/>
+                </a:defRPr>
+              </a:lvl8pPr>
+              <a:lvl9pPr marL="3886200" indent="-228600" defTabSz="685800" eaLnBrk="0" fontAlgn="base" hangingPunct="0">
+                <a:spcBef>
+                  <a:spcPct val="0"/>
+                </a:spcBef>
+                <a:spcAft>
+                  <a:spcPct val="0"/>
+                </a:spcAft>
+                <a:defRPr sz="1300">
+                  <a:solidFill>
+                    <a:schemeClr val="tx1"/>
+                  </a:solidFill>
+                  <a:latin typeface="Calibri Light" panose="020F0302020204030204" pitchFamily="34" charset="0"/>
+                  <a:ea typeface="方正宋刻本秀楷简体" panose="02000000000000000000" pitchFamily="2" charset="-122"/>
+                </a:defRPr>
+              </a:lvl9pPr>
+            </a:lstStyle>
+            <a:p>
+              <a:pPr algn="ctr" fontAlgn="base">
+                <a:spcBef>
+                  <a:spcPct val="0"/>
+                </a:spcBef>
+                <a:spcAft>
+                  <a:spcPct val="0"/>
+                </a:spcAft>
+                <a:defRPr/>
+              </a:pPr>
+              <a:r>
+                <a:rPr lang="zh-TW" altLang="en-US" sz="2000" b="1" dirty="0">
+                  <a:solidFill>
+                    <a:srgbClr val="27506E"/>
+                  </a:solidFill>
+                  <a:latin typeface="+mn-lt"/>
+                  <a:ea typeface="+mn-ea"/>
+                  <a:cs typeface="+mn-ea"/>
+                  <a:sym typeface="+mn-lt"/>
+                </a:rPr>
+                <a:t>指導人員</a:t>
+              </a:r>
+              <a:endParaRPr lang="zh-CN" altLang="en-US" sz="2000" b="1" dirty="0">
+                <a:solidFill>
+                  <a:srgbClr val="27506E"/>
+                </a:solidFill>
+                <a:latin typeface="+mn-lt"/>
+                <a:ea typeface="+mn-ea"/>
+                <a:cs typeface="+mn-ea"/>
+                <a:sym typeface="+mn-lt"/>
+              </a:endParaRPr>
+            </a:p>
+          </p:txBody>
+        </p:sp>
+        <p:sp>
+          <p:nvSpPr>
+            <p:cNvPr id="41" name="矩形 40">
+              <a:extLst>
+                <a:ext uri="{FF2B5EF4-FFF2-40B4-BE49-F238E27FC236}">
+                  <a16:creationId xmlns:a16="http://schemas.microsoft.com/office/drawing/2014/main" id="{24389178-0990-44AC-A2FE-8BC64DAAC0BD}"/>
+                </a:ext>
+              </a:extLst>
+            </p:cNvPr>
+            <p:cNvSpPr/>
+            <p:nvPr/>
+          </p:nvSpPr>
+          <p:spPr>
+            <a:xfrm>
+              <a:off x="1997324" y="3758291"/>
+              <a:ext cx="1764189" cy="861774"/>
+            </a:xfrm>
+            <a:prstGeom prst="rect">
+              <a:avLst/>
+            </a:prstGeom>
+          </p:spPr>
+          <p:txBody>
+            <a:bodyPr wrap="square">
+              <a:spAutoFit/>
+            </a:bodyPr>
+            <a:lstStyle/>
+            <a:p>
+              <a:pPr algn="ctr"/>
+              <a:r>
+                <a:rPr lang="zh-TW" altLang="en-US" sz="2000" dirty="0">
+                  <a:cs typeface="+mn-ea"/>
+                  <a:sym typeface="+mn-lt"/>
+                </a:rPr>
+                <a:t>張家瑄　學姊</a:t>
+              </a:r>
+              <a:endParaRPr lang="en-US" altLang="zh-TW" sz="2000" dirty="0">
+                <a:cs typeface="+mn-ea"/>
+                <a:sym typeface="+mn-lt"/>
+              </a:endParaRPr>
+            </a:p>
+            <a:p>
+              <a:pPr algn="ctr"/>
+              <a:endParaRPr lang="en-US" altLang="zh-TW" sz="1000" dirty="0">
+                <a:cs typeface="+mn-ea"/>
+                <a:sym typeface="+mn-lt"/>
+              </a:endParaRPr>
+            </a:p>
+            <a:p>
+              <a:pPr algn="ctr"/>
+              <a:r>
+                <a:rPr lang="zh-TW" altLang="en-US" sz="2000" dirty="0">
+                  <a:cs typeface="+mn-ea"/>
+                  <a:sym typeface="+mn-lt"/>
+                </a:rPr>
+                <a:t>黃添賜　學長</a:t>
+              </a:r>
+              <a:endParaRPr lang="zh-CN" altLang="en-US" sz="2000" dirty="0">
+                <a:cs typeface="+mn-ea"/>
+                <a:sym typeface="+mn-lt"/>
+              </a:endParaRPr>
+            </a:p>
+          </p:txBody>
+        </p:sp>
+      </p:grpSp>
+      <p:sp>
+        <p:nvSpPr>
+          <p:cNvPr id="46" name="投影片編號版面配置區 1">
+            <a:extLst>
+              <a:ext uri="{FF2B5EF4-FFF2-40B4-BE49-F238E27FC236}">
+                <a16:creationId xmlns:a16="http://schemas.microsoft.com/office/drawing/2014/main" id="{A3E42737-E9F5-4F2B-8616-B7095F7C79B7}"/>
+              </a:ext>
+            </a:extLst>
+          </p:cNvPr>
+          <p:cNvSpPr>
+            <a:spLocks noGrp="1"/>
+          </p:cNvSpPr>
+          <p:nvPr>
+            <p:ph type="sldNum" sz="quarter" idx="4"/>
+          </p:nvPr>
+        </p:nvSpPr>
+        <p:spPr>
+          <a:xfrm>
+            <a:off x="6840712" y="4767263"/>
+            <a:ext cx="2057400" cy="274637"/>
+          </a:xfrm>
+        </p:spPr>
+        <p:txBody>
+          <a:bodyPr/>
+          <a:lstStyle/>
+          <a:p>
+            <a:fld id="{9495EA4E-3D33-45DE-B4D9-3F7D650B8951}" type="slidenum">
+              <a:rPr lang="zh-CN" altLang="en-US" smtClean="0"/>
+              <a:t>8</a:t>
+            </a:fld>
+            <a:r>
+              <a:rPr lang="en-US" altLang="zh-CN" dirty="0"/>
+              <a:t> / 9</a:t>
+            </a:r>
+            <a:endParaRPr lang="zh-CN" altLang="en-US" dirty="0"/>
+          </a:p>
+        </p:txBody>
+      </p:sp>
+    </p:spTree>
+  </p:cSld>
+  <p:clrMapOvr>
+    <a:masterClrMapping/>
+  </p:clrMapOvr>
+  <mc:AlternateContent xmlns:mc="http://schemas.openxmlformats.org/markup-compatibility/2006">
+    <mc:Choice xmlns:p14="http://schemas.microsoft.com/office/powerpoint/2010/main" Requires="p14">
+      <p:transition p14:dur="0"/>
+    </mc:Choice>
+    <mc:Fallback>
+      <p:transition/>
+    </mc:Fallback>
+  </mc:AlternateContent>
+  <p:timing>
+    <p:tnLst>
+      <p:par>
+        <p:cTn id="1" dur="indefinite" restart="never" nodeType="tmRoot">
+          <p:childTnLst>
+            <p:seq concurrent="1" nextAc="seek">
+              <p:cTn id="2" dur="indefinite" nodeType="mainSeq">
+                <p:childTnLst>
+                  <p:par>
+                    <p:cTn id="3" fill="hold">
+                      <p:stCondLst>
+                        <p:cond delay="indefinite"/>
+                        <p:cond evt="onBegin" delay="0">
+                          <p:tn val="2"/>
+                        </p:cond>
+                      </p:stCondLst>
+                      <p:childTnLst>
+                        <p:par>
+                          <p:cTn id="4" fill="hold">
+                            <p:stCondLst>
+                              <p:cond delay="0"/>
+                            </p:stCondLst>
+                            <p:childTnLst>
+                              <p:par>
+                                <p:cTn id="5" presetID="2" presetClass="entr" presetSubtype="4" fill="hold" grpId="0" nodeType="afterEffect">
+                                  <p:stCondLst>
+                                    <p:cond delay="0"/>
+                                  </p:stCondLst>
+                                  <p:childTnLst>
+                                    <p:set>
+                                      <p:cBhvr>
+                                        <p:cTn id="6" dur="1" fill="hold">
+                                          <p:stCondLst>
+                                            <p:cond delay="0"/>
+                                          </p:stCondLst>
+                                        </p:cTn>
+                                        <p:tgtEl>
+                                          <p:spTgt spid="31"/>
+                                        </p:tgtEl>
+                                        <p:attrNameLst>
+                                          <p:attrName>style.visibility</p:attrName>
+                                        </p:attrNameLst>
+                                      </p:cBhvr>
+                                      <p:to>
+                                        <p:strVal val="visible"/>
+                                      </p:to>
+                                    </p:set>
+                                    <p:anim calcmode="lin" valueType="num">
+                                      <p:cBhvr additive="base">
+                                        <p:cTn id="7" dur="500" fill="hold"/>
+                                        <p:tgtEl>
+                                          <p:spTgt spid="31"/>
+                                        </p:tgtEl>
+                                        <p:attrNameLst>
+                                          <p:attrName>ppt_x</p:attrName>
+                                        </p:attrNameLst>
+                                      </p:cBhvr>
+                                      <p:tavLst>
+                                        <p:tav tm="0">
+                                          <p:val>
+                                            <p:strVal val="#ppt_x"/>
+                                          </p:val>
+                                        </p:tav>
+                                        <p:tav tm="100000">
+                                          <p:val>
+                                            <p:strVal val="#ppt_x"/>
+                                          </p:val>
+                                        </p:tav>
+                                      </p:tavLst>
+                                    </p:anim>
+                                    <p:anim calcmode="lin" valueType="num">
+                                      <p:cBhvr additive="base">
+                                        <p:cTn id="8" dur="500" fill="hold"/>
+                                        <p:tgtEl>
+                                          <p:spTgt spid="31"/>
+                                        </p:tgtEl>
+                                        <p:attrNameLst>
+                                          <p:attrName>ppt_y</p:attrName>
+                                        </p:attrNameLst>
+                                      </p:cBhvr>
+                                      <p:tavLst>
+                                        <p:tav tm="0">
+                                          <p:val>
+                                            <p:strVal val="1+#ppt_h/2"/>
+                                          </p:val>
+                                        </p:tav>
+                                        <p:tav tm="100000">
+                                          <p:val>
+                                            <p:strVal val="#ppt_y"/>
+                                          </p:val>
+                                        </p:tav>
+                                      </p:tavLst>
+                                    </p:anim>
+                                  </p:childTnLst>
+                                </p:cTn>
+                              </p:par>
+                            </p:childTnLst>
+                          </p:cTn>
+                        </p:par>
+                        <p:par>
+                          <p:cTn id="9" fill="hold">
+                            <p:stCondLst>
+                              <p:cond delay="500"/>
+                            </p:stCondLst>
+                            <p:childTnLst>
+                              <p:par>
+                                <p:cTn id="10" presetID="47" presetClass="entr" presetSubtype="0" fill="hold" nodeType="afterEffect">
+                                  <p:stCondLst>
+                                    <p:cond delay="0"/>
+                                  </p:stCondLst>
+                                  <p:childTnLst>
+                                    <p:set>
+                                      <p:cBhvr>
+                                        <p:cTn id="11" dur="1" fill="hold">
+                                          <p:stCondLst>
+                                            <p:cond delay="0"/>
+                                          </p:stCondLst>
+                                        </p:cTn>
+                                        <p:tgtEl>
+                                          <p:spTgt spid="8"/>
+                                        </p:tgtEl>
+                                        <p:attrNameLst>
+                                          <p:attrName>style.visibility</p:attrName>
+                                        </p:attrNameLst>
+                                      </p:cBhvr>
+                                      <p:to>
+                                        <p:strVal val="visible"/>
+                                      </p:to>
+                                    </p:set>
+                                    <p:animEffect transition="in" filter="fade">
+                                      <p:cBhvr>
+                                        <p:cTn id="12" dur="1000"/>
+                                        <p:tgtEl>
+                                          <p:spTgt spid="8"/>
+                                        </p:tgtEl>
+                                      </p:cBhvr>
+                                    </p:animEffect>
+                                    <p:anim calcmode="lin" valueType="num">
+                                      <p:cBhvr>
+                                        <p:cTn id="13" dur="1000" fill="hold"/>
+                                        <p:tgtEl>
+                                          <p:spTgt spid="8"/>
+                                        </p:tgtEl>
+                                        <p:attrNameLst>
+                                          <p:attrName>ppt_x</p:attrName>
+                                        </p:attrNameLst>
+                                      </p:cBhvr>
+                                      <p:tavLst>
+                                        <p:tav tm="0">
+                                          <p:val>
+                                            <p:strVal val="#ppt_x"/>
+                                          </p:val>
+                                        </p:tav>
+                                        <p:tav tm="100000">
+                                          <p:val>
+                                            <p:strVal val="#ppt_x"/>
+                                          </p:val>
+                                        </p:tav>
+                                      </p:tavLst>
+                                    </p:anim>
+                                    <p:anim calcmode="lin" valueType="num">
+                                      <p:cBhvr>
+                                        <p:cTn id="14" dur="1000" fill="hold"/>
+                                        <p:tgtEl>
+                                          <p:spTgt spid="8"/>
+                                        </p:tgtEl>
+                                        <p:attrNameLst>
+                                          <p:attrName>ppt_y</p:attrName>
+                                        </p:attrNameLst>
+                                      </p:cBhvr>
+                                      <p:tavLst>
+                                        <p:tav tm="0">
+                                          <p:val>
+                                            <p:strVal val="#ppt_y-.1"/>
+                                          </p:val>
+                                        </p:tav>
+                                        <p:tav tm="100000">
+                                          <p:val>
+                                            <p:strVal val="#ppt_y"/>
+                                          </p:val>
+                                        </p:tav>
+                                      </p:tavLst>
+                                    </p:anim>
+                                  </p:childTnLst>
+                                </p:cTn>
+                              </p:par>
+                            </p:childTnLst>
+                          </p:cTn>
+                        </p:par>
+                      </p:childTnLst>
+                    </p:cTn>
+                  </p:par>
+                </p:childTnLst>
+              </p:cTn>
+              <p:prevCondLst>
+                <p:cond evt="onPrev" delay="0">
+                  <p:tgtEl>
+                    <p:sldTgt/>
+                  </p:tgtEl>
+                </p:cond>
+              </p:prevCondLst>
+              <p:nextCondLst>
+                <p:cond evt="onNext" delay="0">
+                  <p:tgtEl>
+                    <p:sldTgt/>
+                  </p:tgtEl>
+                </p:cond>
+              </p:nextCondLst>
+            </p:seq>
+          </p:childTnLst>
+        </p:cTn>
+      </p:par>
+    </p:tnLst>
+    <p:bldLst>
+      <p:bldP spid="31" grpId="0"/>
     </p:bldLst>
   </p:timing>
 </p:sld>
